--- a/Dokumentation/Graphiken.pptx
+++ b/Dokumentation/Graphiken.pptx
@@ -211,7 +211,7 @@
           <a:p>
             <a:fld id="{B9EC3B4B-6FA9-4E93-8DE6-925625796A50}" type="datetimeFigureOut">
               <a:rPr lang="en-GB" smtClean="0"/>
-              <a:t>09/05/2019</a:t>
+              <a:t>16/05/2019</a:t>
             </a:fld>
             <a:endParaRPr lang="en-GB" dirty="0"/>
           </a:p>
@@ -370,7 +370,7 @@
           <a:p>
             <a:fld id="{2E1376D8-A72A-47F5-B9E1-9F12C055F6F3}" type="slidenum">
               <a:rPr lang="en-GB" smtClean="0"/>
-              <a:t>‹Nr.›</a:t>
+              <a:t>‹#›</a:t>
             </a:fld>
             <a:endParaRPr lang="en-GB" dirty="0"/>
           </a:p>
@@ -626,7 +626,7 @@
           <a:p>
             <a:fld id="{26B5E0E0-4D0D-4CD4-AF77-BF99AC711AE8}" type="datetimeFigureOut">
               <a:rPr lang="de-DE" smtClean="0"/>
-              <a:t>09.05.2019</a:t>
+              <a:t>16.05.2019</a:t>
             </a:fld>
             <a:endParaRPr lang="de-DE" dirty="0"/>
           </a:p>
@@ -680,7 +680,7 @@
           <a:p>
             <a:fld id="{D60157FE-D0B5-4B53-9AE5-CBDF8F90BAA9}" type="slidenum">
               <a:rPr lang="de-DE" smtClean="0"/>
-              <a:t>‹Nr.›</a:t>
+              <a:t>‹#›</a:t>
             </a:fld>
             <a:endParaRPr lang="de-DE" dirty="0"/>
           </a:p>
@@ -824,7 +824,7 @@
           <a:p>
             <a:fld id="{26B5E0E0-4D0D-4CD4-AF77-BF99AC711AE8}" type="datetimeFigureOut">
               <a:rPr lang="de-DE" smtClean="0"/>
-              <a:t>09.05.2019</a:t>
+              <a:t>16.05.2019</a:t>
             </a:fld>
             <a:endParaRPr lang="de-DE" dirty="0"/>
           </a:p>
@@ -878,7 +878,7 @@
           <a:p>
             <a:fld id="{D60157FE-D0B5-4B53-9AE5-CBDF8F90BAA9}" type="slidenum">
               <a:rPr lang="de-DE" smtClean="0"/>
-              <a:t>‹Nr.›</a:t>
+              <a:t>‹#›</a:t>
             </a:fld>
             <a:endParaRPr lang="de-DE" dirty="0"/>
           </a:p>
@@ -1032,7 +1032,7 @@
           <a:p>
             <a:fld id="{26B5E0E0-4D0D-4CD4-AF77-BF99AC711AE8}" type="datetimeFigureOut">
               <a:rPr lang="de-DE" smtClean="0"/>
-              <a:t>09.05.2019</a:t>
+              <a:t>16.05.2019</a:t>
             </a:fld>
             <a:endParaRPr lang="de-DE" dirty="0"/>
           </a:p>
@@ -1086,7 +1086,7 @@
           <a:p>
             <a:fld id="{D60157FE-D0B5-4B53-9AE5-CBDF8F90BAA9}" type="slidenum">
               <a:rPr lang="de-DE" smtClean="0"/>
-              <a:t>‹Nr.›</a:t>
+              <a:t>‹#›</a:t>
             </a:fld>
             <a:endParaRPr lang="de-DE" dirty="0"/>
           </a:p>
@@ -1230,7 +1230,7 @@
           <a:p>
             <a:fld id="{26B5E0E0-4D0D-4CD4-AF77-BF99AC711AE8}" type="datetimeFigureOut">
               <a:rPr lang="de-DE" smtClean="0"/>
-              <a:t>09.05.2019</a:t>
+              <a:t>16.05.2019</a:t>
             </a:fld>
             <a:endParaRPr lang="de-DE" dirty="0"/>
           </a:p>
@@ -1284,7 +1284,7 @@
           <a:p>
             <a:fld id="{D60157FE-D0B5-4B53-9AE5-CBDF8F90BAA9}" type="slidenum">
               <a:rPr lang="de-DE" smtClean="0"/>
-              <a:t>‹Nr.›</a:t>
+              <a:t>‹#›</a:t>
             </a:fld>
             <a:endParaRPr lang="de-DE" dirty="0"/>
           </a:p>
@@ -1505,7 +1505,7 @@
           <a:p>
             <a:fld id="{26B5E0E0-4D0D-4CD4-AF77-BF99AC711AE8}" type="datetimeFigureOut">
               <a:rPr lang="de-DE" smtClean="0"/>
-              <a:t>09.05.2019</a:t>
+              <a:t>16.05.2019</a:t>
             </a:fld>
             <a:endParaRPr lang="de-DE" dirty="0"/>
           </a:p>
@@ -1559,7 +1559,7 @@
           <a:p>
             <a:fld id="{D60157FE-D0B5-4B53-9AE5-CBDF8F90BAA9}" type="slidenum">
               <a:rPr lang="de-DE" smtClean="0"/>
-              <a:t>‹Nr.›</a:t>
+              <a:t>‹#›</a:t>
             </a:fld>
             <a:endParaRPr lang="de-DE" dirty="0"/>
           </a:p>
@@ -1770,7 +1770,7 @@
           <a:p>
             <a:fld id="{26B5E0E0-4D0D-4CD4-AF77-BF99AC711AE8}" type="datetimeFigureOut">
               <a:rPr lang="de-DE" smtClean="0"/>
-              <a:t>09.05.2019</a:t>
+              <a:t>16.05.2019</a:t>
             </a:fld>
             <a:endParaRPr lang="de-DE" dirty="0"/>
           </a:p>
@@ -1824,7 +1824,7 @@
           <a:p>
             <a:fld id="{D60157FE-D0B5-4B53-9AE5-CBDF8F90BAA9}" type="slidenum">
               <a:rPr lang="de-DE" smtClean="0"/>
-              <a:t>‹Nr.›</a:t>
+              <a:t>‹#›</a:t>
             </a:fld>
             <a:endParaRPr lang="de-DE" dirty="0"/>
           </a:p>
@@ -2182,7 +2182,7 @@
           <a:p>
             <a:fld id="{26B5E0E0-4D0D-4CD4-AF77-BF99AC711AE8}" type="datetimeFigureOut">
               <a:rPr lang="de-DE" smtClean="0"/>
-              <a:t>09.05.2019</a:t>
+              <a:t>16.05.2019</a:t>
             </a:fld>
             <a:endParaRPr lang="de-DE" dirty="0"/>
           </a:p>
@@ -2236,7 +2236,7 @@
           <a:p>
             <a:fld id="{D60157FE-D0B5-4B53-9AE5-CBDF8F90BAA9}" type="slidenum">
               <a:rPr lang="de-DE" smtClean="0"/>
-              <a:t>‹Nr.›</a:t>
+              <a:t>‹#›</a:t>
             </a:fld>
             <a:endParaRPr lang="de-DE" dirty="0"/>
           </a:p>
@@ -2323,7 +2323,7 @@
           <a:p>
             <a:fld id="{26B5E0E0-4D0D-4CD4-AF77-BF99AC711AE8}" type="datetimeFigureOut">
               <a:rPr lang="de-DE" smtClean="0"/>
-              <a:t>09.05.2019</a:t>
+              <a:t>16.05.2019</a:t>
             </a:fld>
             <a:endParaRPr lang="de-DE" dirty="0"/>
           </a:p>
@@ -2377,7 +2377,7 @@
           <a:p>
             <a:fld id="{D60157FE-D0B5-4B53-9AE5-CBDF8F90BAA9}" type="slidenum">
               <a:rPr lang="de-DE" smtClean="0"/>
-              <a:t>‹Nr.›</a:t>
+              <a:t>‹#›</a:t>
             </a:fld>
             <a:endParaRPr lang="de-DE" dirty="0"/>
           </a:p>
@@ -2436,7 +2436,7 @@
           <a:p>
             <a:fld id="{26B5E0E0-4D0D-4CD4-AF77-BF99AC711AE8}" type="datetimeFigureOut">
               <a:rPr lang="de-DE" smtClean="0"/>
-              <a:t>09.05.2019</a:t>
+              <a:t>16.05.2019</a:t>
             </a:fld>
             <a:endParaRPr lang="de-DE" dirty="0"/>
           </a:p>
@@ -2490,7 +2490,7 @@
           <a:p>
             <a:fld id="{D60157FE-D0B5-4B53-9AE5-CBDF8F90BAA9}" type="slidenum">
               <a:rPr lang="de-DE" smtClean="0"/>
-              <a:t>‹Nr.›</a:t>
+              <a:t>‹#›</a:t>
             </a:fld>
             <a:endParaRPr lang="de-DE" dirty="0"/>
           </a:p>
@@ -2747,7 +2747,7 @@
           <a:p>
             <a:fld id="{26B5E0E0-4D0D-4CD4-AF77-BF99AC711AE8}" type="datetimeFigureOut">
               <a:rPr lang="de-DE" smtClean="0"/>
-              <a:t>09.05.2019</a:t>
+              <a:t>16.05.2019</a:t>
             </a:fld>
             <a:endParaRPr lang="de-DE" dirty="0"/>
           </a:p>
@@ -2801,7 +2801,7 @@
           <a:p>
             <a:fld id="{D60157FE-D0B5-4B53-9AE5-CBDF8F90BAA9}" type="slidenum">
               <a:rPr lang="de-DE" smtClean="0"/>
-              <a:t>‹Nr.›</a:t>
+              <a:t>‹#›</a:t>
             </a:fld>
             <a:endParaRPr lang="de-DE" dirty="0"/>
           </a:p>
@@ -3035,7 +3035,7 @@
           <a:p>
             <a:fld id="{26B5E0E0-4D0D-4CD4-AF77-BF99AC711AE8}" type="datetimeFigureOut">
               <a:rPr lang="de-DE" smtClean="0"/>
-              <a:t>09.05.2019</a:t>
+              <a:t>16.05.2019</a:t>
             </a:fld>
             <a:endParaRPr lang="de-DE" dirty="0"/>
           </a:p>
@@ -3089,7 +3089,7 @@
           <a:p>
             <a:fld id="{D60157FE-D0B5-4B53-9AE5-CBDF8F90BAA9}" type="slidenum">
               <a:rPr lang="de-DE" smtClean="0"/>
-              <a:t>‹Nr.›</a:t>
+              <a:t>‹#›</a:t>
             </a:fld>
             <a:endParaRPr lang="de-DE" dirty="0"/>
           </a:p>
@@ -3276,7 +3276,7 @@
           <a:p>
             <a:fld id="{26B5E0E0-4D0D-4CD4-AF77-BF99AC711AE8}" type="datetimeFigureOut">
               <a:rPr lang="de-DE" smtClean="0"/>
-              <a:t>09.05.2019</a:t>
+              <a:t>16.05.2019</a:t>
             </a:fld>
             <a:endParaRPr lang="de-DE" dirty="0"/>
           </a:p>
@@ -3366,7 +3366,7 @@
           <a:p>
             <a:fld id="{D60157FE-D0B5-4B53-9AE5-CBDF8F90BAA9}" type="slidenum">
               <a:rPr lang="de-DE" smtClean="0"/>
-              <a:t>‹Nr.›</a:t>
+              <a:t>‹#›</a:t>
             </a:fld>
             <a:endParaRPr lang="de-DE" dirty="0"/>
           </a:p>
@@ -6417,8 +6417,8 @@
           </a:fontRef>
         </p:style>
       </p:cxnSp>
-      <mc:AlternateContent xmlns:mc="http://schemas.openxmlformats.org/markup-compatibility/2006">
-        <mc:Choice xmlns:a14="http://schemas.microsoft.com/office/drawing/2010/main" Requires="a14">
+      <mc:AlternateContent xmlns:mc="http://schemas.openxmlformats.org/markup-compatibility/2006" xmlns:a14="http://schemas.microsoft.com/office/drawing/2010/main">
+        <mc:Choice Requires="a14">
           <p:sp>
             <p:nvSpPr>
               <p:cNvPr id="26" name="Textfeld 25">
@@ -6447,6 +6447,7 @@
               </a:bodyPr>
               <a:lstStyle/>
               <a:p>
+                <a:pPr/>
                 <a14:m>
                   <m:oMathPara xmlns:m="http://schemas.openxmlformats.org/officeDocument/2006/math">
                     <m:oMathParaPr>
@@ -6502,7 +6503,7 @@
             </p:txBody>
           </p:sp>
         </mc:Choice>
-        <mc:Fallback>
+        <mc:Fallback xmlns="">
           <p:sp>
             <p:nvSpPr>
               <p:cNvPr id="26" name="Textfeld 25">
@@ -6547,8 +6548,8 @@
           </p:sp>
         </mc:Fallback>
       </mc:AlternateContent>
-      <mc:AlternateContent xmlns:mc="http://schemas.openxmlformats.org/markup-compatibility/2006">
-        <mc:Choice xmlns:a14="http://schemas.microsoft.com/office/drawing/2010/main" Requires="a14">
+      <mc:AlternateContent xmlns:mc="http://schemas.openxmlformats.org/markup-compatibility/2006" xmlns:a14="http://schemas.microsoft.com/office/drawing/2010/main">
+        <mc:Choice Requires="a14">
           <p:sp>
             <p:nvSpPr>
               <p:cNvPr id="28" name="Textfeld 27">
@@ -6602,7 +6603,7 @@
             </p:txBody>
           </p:sp>
         </mc:Choice>
-        <mc:Fallback>
+        <mc:Fallback xmlns="">
           <p:sp>
             <p:nvSpPr>
               <p:cNvPr id="28" name="Textfeld 27">
@@ -7524,8 +7525,8 @@
           <a:chExt cx="0" cy="0"/>
         </a:xfrm>
       </p:grpSpPr>
-      <mc:AlternateContent xmlns:mc="http://schemas.openxmlformats.org/markup-compatibility/2006">
-        <mc:Choice xmlns:a14="http://schemas.microsoft.com/office/drawing/2010/main" Requires="a14">
+      <mc:AlternateContent xmlns:mc="http://schemas.openxmlformats.org/markup-compatibility/2006" xmlns:a14="http://schemas.microsoft.com/office/drawing/2010/main">
+        <mc:Choice Requires="a14">
           <p:sp>
             <p:nvSpPr>
               <p:cNvPr id="4" name="Ellipse 3">
@@ -7618,7 +7619,7 @@
             </p:txBody>
           </p:sp>
         </mc:Choice>
-        <mc:Fallback>
+        <mc:Fallback xmlns="">
           <p:sp>
             <p:nvSpPr>
               <p:cNvPr id="4" name="Ellipse 3">
@@ -7686,7 +7687,9 @@
                 <a:avLst/>
               </a:prstGeom>
               <a:solidFill>
-                <a:srgbClr val="7030A0"/>
+                <a:srgbClr val="7030A0">
+                  <a:alpha val="75000"/>
+                </a:srgbClr>
               </a:solidFill>
             </p:spPr>
             <p:style>
@@ -7795,7 +7798,7 @@
               <a:lstStyle/>
               <a:p>
                 <a:r>
-                  <a:rPr lang="en-GB">
+                  <a:rPr lang="de-DE">
                     <a:noFill/>
                   </a:rPr>
                   <a:t> </a:t>

--- a/Dokumentation/Graphiken.pptx
+++ b/Dokumentation/Graphiken.pptx
@@ -7664,8 +7664,8 @@
           </p:sp>
         </mc:Fallback>
       </mc:AlternateContent>
-      <mc:AlternateContent xmlns:mc="http://schemas.openxmlformats.org/markup-compatibility/2006">
-        <mc:Choice xmlns:a14="http://schemas.microsoft.com/office/drawing/2010/main" Requires="a14">
+      <mc:AlternateContent xmlns:mc="http://schemas.openxmlformats.org/markup-compatibility/2006" xmlns:a14="http://schemas.microsoft.com/office/drawing/2010/main">
+        <mc:Choice Requires="a14">
           <p:sp>
             <p:nvSpPr>
               <p:cNvPr id="5" name="Ellipse 4">
@@ -7763,7 +7763,7 @@
             </p:txBody>
           </p:sp>
         </mc:Choice>
-        <mc:Fallback>
+        <mc:Fallback xmlns="">
           <p:sp>
             <p:nvSpPr>
               <p:cNvPr id="5" name="Ellipse 4">

--- a/Dokumentation/Graphiken.pptx
+++ b/Dokumentation/Graphiken.pptx
@@ -5,13 +5,14 @@
     <p:sldMasterId id="2147483648" r:id="rId1"/>
   </p:sldMasterIdLst>
   <p:notesMasterIdLst>
-    <p:notesMasterId r:id="rId6"/>
+    <p:notesMasterId r:id="rId7"/>
   </p:notesMasterIdLst>
   <p:sldIdLst>
     <p:sldId id="257" r:id="rId2"/>
     <p:sldId id="258" r:id="rId3"/>
     <p:sldId id="259" r:id="rId4"/>
     <p:sldId id="260" r:id="rId5"/>
+    <p:sldId id="261" r:id="rId6"/>
   </p:sldIdLst>
   <p:sldSz cx="12192000" cy="6858000"/>
   <p:notesSz cx="6858000" cy="9144000"/>
@@ -211,7 +212,7 @@
           <a:p>
             <a:fld id="{B9EC3B4B-6FA9-4E93-8DE6-925625796A50}" type="datetimeFigureOut">
               <a:rPr lang="en-GB" smtClean="0"/>
-              <a:t>16/05/2019</a:t>
+              <a:t>18/05/2019</a:t>
             </a:fld>
             <a:endParaRPr lang="en-GB" dirty="0"/>
           </a:p>
@@ -370,7 +371,7 @@
           <a:p>
             <a:fld id="{2E1376D8-A72A-47F5-B9E1-9F12C055F6F3}" type="slidenum">
               <a:rPr lang="en-GB" smtClean="0"/>
-              <a:t>‹#›</a:t>
+              <a:t>‹Nr.›</a:t>
             </a:fld>
             <a:endParaRPr lang="en-GB" dirty="0"/>
           </a:p>
@@ -626,7 +627,7 @@
           <a:p>
             <a:fld id="{26B5E0E0-4D0D-4CD4-AF77-BF99AC711AE8}" type="datetimeFigureOut">
               <a:rPr lang="de-DE" smtClean="0"/>
-              <a:t>16.05.2019</a:t>
+              <a:t>18.05.2019</a:t>
             </a:fld>
             <a:endParaRPr lang="de-DE" dirty="0"/>
           </a:p>
@@ -680,7 +681,7 @@
           <a:p>
             <a:fld id="{D60157FE-D0B5-4B53-9AE5-CBDF8F90BAA9}" type="slidenum">
               <a:rPr lang="de-DE" smtClean="0"/>
-              <a:t>‹#›</a:t>
+              <a:t>‹Nr.›</a:t>
             </a:fld>
             <a:endParaRPr lang="de-DE" dirty="0"/>
           </a:p>
@@ -824,7 +825,7 @@
           <a:p>
             <a:fld id="{26B5E0E0-4D0D-4CD4-AF77-BF99AC711AE8}" type="datetimeFigureOut">
               <a:rPr lang="de-DE" smtClean="0"/>
-              <a:t>16.05.2019</a:t>
+              <a:t>18.05.2019</a:t>
             </a:fld>
             <a:endParaRPr lang="de-DE" dirty="0"/>
           </a:p>
@@ -878,7 +879,7 @@
           <a:p>
             <a:fld id="{D60157FE-D0B5-4B53-9AE5-CBDF8F90BAA9}" type="slidenum">
               <a:rPr lang="de-DE" smtClean="0"/>
-              <a:t>‹#›</a:t>
+              <a:t>‹Nr.›</a:t>
             </a:fld>
             <a:endParaRPr lang="de-DE" dirty="0"/>
           </a:p>
@@ -1032,7 +1033,7 @@
           <a:p>
             <a:fld id="{26B5E0E0-4D0D-4CD4-AF77-BF99AC711AE8}" type="datetimeFigureOut">
               <a:rPr lang="de-DE" smtClean="0"/>
-              <a:t>16.05.2019</a:t>
+              <a:t>18.05.2019</a:t>
             </a:fld>
             <a:endParaRPr lang="de-DE" dirty="0"/>
           </a:p>
@@ -1086,7 +1087,7 @@
           <a:p>
             <a:fld id="{D60157FE-D0B5-4B53-9AE5-CBDF8F90BAA9}" type="slidenum">
               <a:rPr lang="de-DE" smtClean="0"/>
-              <a:t>‹#›</a:t>
+              <a:t>‹Nr.›</a:t>
             </a:fld>
             <a:endParaRPr lang="de-DE" dirty="0"/>
           </a:p>
@@ -1230,7 +1231,7 @@
           <a:p>
             <a:fld id="{26B5E0E0-4D0D-4CD4-AF77-BF99AC711AE8}" type="datetimeFigureOut">
               <a:rPr lang="de-DE" smtClean="0"/>
-              <a:t>16.05.2019</a:t>
+              <a:t>18.05.2019</a:t>
             </a:fld>
             <a:endParaRPr lang="de-DE" dirty="0"/>
           </a:p>
@@ -1284,7 +1285,7 @@
           <a:p>
             <a:fld id="{D60157FE-D0B5-4B53-9AE5-CBDF8F90BAA9}" type="slidenum">
               <a:rPr lang="de-DE" smtClean="0"/>
-              <a:t>‹#›</a:t>
+              <a:t>‹Nr.›</a:t>
             </a:fld>
             <a:endParaRPr lang="de-DE" dirty="0"/>
           </a:p>
@@ -1505,7 +1506,7 @@
           <a:p>
             <a:fld id="{26B5E0E0-4D0D-4CD4-AF77-BF99AC711AE8}" type="datetimeFigureOut">
               <a:rPr lang="de-DE" smtClean="0"/>
-              <a:t>16.05.2019</a:t>
+              <a:t>18.05.2019</a:t>
             </a:fld>
             <a:endParaRPr lang="de-DE" dirty="0"/>
           </a:p>
@@ -1559,7 +1560,7 @@
           <a:p>
             <a:fld id="{D60157FE-D0B5-4B53-9AE5-CBDF8F90BAA9}" type="slidenum">
               <a:rPr lang="de-DE" smtClean="0"/>
-              <a:t>‹#›</a:t>
+              <a:t>‹Nr.›</a:t>
             </a:fld>
             <a:endParaRPr lang="de-DE" dirty="0"/>
           </a:p>
@@ -1770,7 +1771,7 @@
           <a:p>
             <a:fld id="{26B5E0E0-4D0D-4CD4-AF77-BF99AC711AE8}" type="datetimeFigureOut">
               <a:rPr lang="de-DE" smtClean="0"/>
-              <a:t>16.05.2019</a:t>
+              <a:t>18.05.2019</a:t>
             </a:fld>
             <a:endParaRPr lang="de-DE" dirty="0"/>
           </a:p>
@@ -1824,7 +1825,7 @@
           <a:p>
             <a:fld id="{D60157FE-D0B5-4B53-9AE5-CBDF8F90BAA9}" type="slidenum">
               <a:rPr lang="de-DE" smtClean="0"/>
-              <a:t>‹#›</a:t>
+              <a:t>‹Nr.›</a:t>
             </a:fld>
             <a:endParaRPr lang="de-DE" dirty="0"/>
           </a:p>
@@ -2182,7 +2183,7 @@
           <a:p>
             <a:fld id="{26B5E0E0-4D0D-4CD4-AF77-BF99AC711AE8}" type="datetimeFigureOut">
               <a:rPr lang="de-DE" smtClean="0"/>
-              <a:t>16.05.2019</a:t>
+              <a:t>18.05.2019</a:t>
             </a:fld>
             <a:endParaRPr lang="de-DE" dirty="0"/>
           </a:p>
@@ -2236,7 +2237,7 @@
           <a:p>
             <a:fld id="{D60157FE-D0B5-4B53-9AE5-CBDF8F90BAA9}" type="slidenum">
               <a:rPr lang="de-DE" smtClean="0"/>
-              <a:t>‹#›</a:t>
+              <a:t>‹Nr.›</a:t>
             </a:fld>
             <a:endParaRPr lang="de-DE" dirty="0"/>
           </a:p>
@@ -2323,7 +2324,7 @@
           <a:p>
             <a:fld id="{26B5E0E0-4D0D-4CD4-AF77-BF99AC711AE8}" type="datetimeFigureOut">
               <a:rPr lang="de-DE" smtClean="0"/>
-              <a:t>16.05.2019</a:t>
+              <a:t>18.05.2019</a:t>
             </a:fld>
             <a:endParaRPr lang="de-DE" dirty="0"/>
           </a:p>
@@ -2377,7 +2378,7 @@
           <a:p>
             <a:fld id="{D60157FE-D0B5-4B53-9AE5-CBDF8F90BAA9}" type="slidenum">
               <a:rPr lang="de-DE" smtClean="0"/>
-              <a:t>‹#›</a:t>
+              <a:t>‹Nr.›</a:t>
             </a:fld>
             <a:endParaRPr lang="de-DE" dirty="0"/>
           </a:p>
@@ -2436,7 +2437,7 @@
           <a:p>
             <a:fld id="{26B5E0E0-4D0D-4CD4-AF77-BF99AC711AE8}" type="datetimeFigureOut">
               <a:rPr lang="de-DE" smtClean="0"/>
-              <a:t>16.05.2019</a:t>
+              <a:t>18.05.2019</a:t>
             </a:fld>
             <a:endParaRPr lang="de-DE" dirty="0"/>
           </a:p>
@@ -2490,7 +2491,7 @@
           <a:p>
             <a:fld id="{D60157FE-D0B5-4B53-9AE5-CBDF8F90BAA9}" type="slidenum">
               <a:rPr lang="de-DE" smtClean="0"/>
-              <a:t>‹#›</a:t>
+              <a:t>‹Nr.›</a:t>
             </a:fld>
             <a:endParaRPr lang="de-DE" dirty="0"/>
           </a:p>
@@ -2747,7 +2748,7 @@
           <a:p>
             <a:fld id="{26B5E0E0-4D0D-4CD4-AF77-BF99AC711AE8}" type="datetimeFigureOut">
               <a:rPr lang="de-DE" smtClean="0"/>
-              <a:t>16.05.2019</a:t>
+              <a:t>18.05.2019</a:t>
             </a:fld>
             <a:endParaRPr lang="de-DE" dirty="0"/>
           </a:p>
@@ -2801,7 +2802,7 @@
           <a:p>
             <a:fld id="{D60157FE-D0B5-4B53-9AE5-CBDF8F90BAA9}" type="slidenum">
               <a:rPr lang="de-DE" smtClean="0"/>
-              <a:t>‹#›</a:t>
+              <a:t>‹Nr.›</a:t>
             </a:fld>
             <a:endParaRPr lang="de-DE" dirty="0"/>
           </a:p>
@@ -3035,7 +3036,7 @@
           <a:p>
             <a:fld id="{26B5E0E0-4D0D-4CD4-AF77-BF99AC711AE8}" type="datetimeFigureOut">
               <a:rPr lang="de-DE" smtClean="0"/>
-              <a:t>16.05.2019</a:t>
+              <a:t>18.05.2019</a:t>
             </a:fld>
             <a:endParaRPr lang="de-DE" dirty="0"/>
           </a:p>
@@ -3089,7 +3090,7 @@
           <a:p>
             <a:fld id="{D60157FE-D0B5-4B53-9AE5-CBDF8F90BAA9}" type="slidenum">
               <a:rPr lang="de-DE" smtClean="0"/>
-              <a:t>‹#›</a:t>
+              <a:t>‹Nr.›</a:t>
             </a:fld>
             <a:endParaRPr lang="de-DE" dirty="0"/>
           </a:p>
@@ -3276,7 +3277,7 @@
           <a:p>
             <a:fld id="{26B5E0E0-4D0D-4CD4-AF77-BF99AC711AE8}" type="datetimeFigureOut">
               <a:rPr lang="de-DE" smtClean="0"/>
-              <a:t>16.05.2019</a:t>
+              <a:t>18.05.2019</a:t>
             </a:fld>
             <a:endParaRPr lang="de-DE" dirty="0"/>
           </a:p>
@@ -3366,7 +3367,7 @@
           <a:p>
             <a:fld id="{D60157FE-D0B5-4B53-9AE5-CBDF8F90BAA9}" type="slidenum">
               <a:rPr lang="de-DE" smtClean="0"/>
-              <a:t>‹#›</a:t>
+              <a:t>‹Nr.›</a:t>
             </a:fld>
             <a:endParaRPr lang="de-DE" dirty="0"/>
           </a:p>
@@ -8060,10 +8061,2500 @@
           </a:fontRef>
         </p:style>
       </p:cxnSp>
+      <p:sp>
+        <p:nvSpPr>
+          <p:cNvPr id="2" name="Rechteck: abgerundete Ecken 1">
+            <a:extLst>
+              <a:ext uri="{FF2B5EF4-FFF2-40B4-BE49-F238E27FC236}">
+                <a16:creationId xmlns:a16="http://schemas.microsoft.com/office/drawing/2014/main" id="{8D174A98-C3C2-4C6B-B0F5-219503D93954}"/>
+              </a:ext>
+            </a:extLst>
+          </p:cNvPr>
+          <p:cNvSpPr/>
+          <p:nvPr/>
+        </p:nvSpPr>
+        <p:spPr>
+          <a:xfrm>
+            <a:off x="8378971" y="1010579"/>
+            <a:ext cx="1144438" cy="1050465"/>
+          </a:xfrm>
+          <a:prstGeom prst="roundRect">
+            <a:avLst/>
+          </a:prstGeom>
+        </p:spPr>
+        <p:style>
+          <a:lnRef idx="2">
+            <a:schemeClr val="accent1">
+              <a:shade val="50000"/>
+            </a:schemeClr>
+          </a:lnRef>
+          <a:fillRef idx="1">
+            <a:schemeClr val="accent1"/>
+          </a:fillRef>
+          <a:effectRef idx="0">
+            <a:schemeClr val="accent1"/>
+          </a:effectRef>
+          <a:fontRef idx="minor">
+            <a:schemeClr val="lt1"/>
+          </a:fontRef>
+        </p:style>
+        <p:txBody>
+          <a:bodyPr rtlCol="0" anchor="ctr"/>
+          <a:lstStyle/>
+          <a:p>
+            <a:pPr algn="ctr"/>
+            <a:r>
+              <a:rPr lang="en-GB" sz="1200" dirty="0">
+                <a:latin typeface="Arial" panose="020B0604020202020204" pitchFamily="34" charset="0"/>
+                <a:cs typeface="Arial" panose="020B0604020202020204" pitchFamily="34" charset="0"/>
+              </a:rPr>
+              <a:t>Modul A</a:t>
+            </a:r>
+          </a:p>
+        </p:txBody>
+      </p:sp>
+      <p:sp>
+        <p:nvSpPr>
+          <p:cNvPr id="10" name="Rechteck: abgerundete Ecken 9">
+            <a:extLst>
+              <a:ext uri="{FF2B5EF4-FFF2-40B4-BE49-F238E27FC236}">
+                <a16:creationId xmlns:a16="http://schemas.microsoft.com/office/drawing/2014/main" id="{C4934BB1-F461-4211-86EE-E211E8516BC4}"/>
+              </a:ext>
+            </a:extLst>
+          </p:cNvPr>
+          <p:cNvSpPr/>
+          <p:nvPr/>
+        </p:nvSpPr>
+        <p:spPr>
+          <a:xfrm>
+            <a:off x="10400428" y="1010579"/>
+            <a:ext cx="1144438" cy="1050465"/>
+          </a:xfrm>
+          <a:prstGeom prst="roundRect">
+            <a:avLst/>
+          </a:prstGeom>
+        </p:spPr>
+        <p:style>
+          <a:lnRef idx="2">
+            <a:schemeClr val="accent1">
+              <a:shade val="50000"/>
+            </a:schemeClr>
+          </a:lnRef>
+          <a:fillRef idx="1">
+            <a:schemeClr val="accent1"/>
+          </a:fillRef>
+          <a:effectRef idx="0">
+            <a:schemeClr val="accent1"/>
+          </a:effectRef>
+          <a:fontRef idx="minor">
+            <a:schemeClr val="lt1"/>
+          </a:fontRef>
+        </p:style>
+        <p:txBody>
+          <a:bodyPr rtlCol="0" anchor="ctr"/>
+          <a:lstStyle/>
+          <a:p>
+            <a:pPr algn="ctr"/>
+            <a:r>
+              <a:rPr lang="en-GB" sz="1200" dirty="0">
+                <a:latin typeface="Arial" panose="020B0604020202020204" pitchFamily="34" charset="0"/>
+                <a:cs typeface="Arial" panose="020B0604020202020204" pitchFamily="34" charset="0"/>
+              </a:rPr>
+              <a:t>Modul B</a:t>
+            </a:r>
+          </a:p>
+        </p:txBody>
+      </p:sp>
+      <p:cxnSp>
+        <p:nvCxnSpPr>
+          <p:cNvPr id="13" name="Gerade Verbindung mit Pfeil 12">
+            <a:extLst>
+              <a:ext uri="{FF2B5EF4-FFF2-40B4-BE49-F238E27FC236}">
+                <a16:creationId xmlns:a16="http://schemas.microsoft.com/office/drawing/2014/main" id="{C94A500E-6C01-4153-9758-EE4234413035}"/>
+              </a:ext>
+            </a:extLst>
+          </p:cNvPr>
+          <p:cNvCxnSpPr>
+            <a:cxnSpLocks/>
+            <a:stCxn id="20" idx="0"/>
+            <a:endCxn id="2" idx="2"/>
+          </p:cNvCxnSpPr>
+          <p:nvPr/>
+        </p:nvCxnSpPr>
+        <p:spPr>
+          <a:xfrm flipV="1">
+            <a:off x="8951190" y="2061044"/>
+            <a:ext cx="0" cy="692071"/>
+          </a:xfrm>
+          <a:prstGeom prst="straightConnector1">
+            <a:avLst/>
+          </a:prstGeom>
+          <a:ln w="25400">
+            <a:tailEnd type="triangle"/>
+          </a:ln>
+        </p:spPr>
+        <p:style>
+          <a:lnRef idx="1">
+            <a:schemeClr val="accent1"/>
+          </a:lnRef>
+          <a:fillRef idx="0">
+            <a:schemeClr val="accent1"/>
+          </a:fillRef>
+          <a:effectRef idx="0">
+            <a:schemeClr val="accent1"/>
+          </a:effectRef>
+          <a:fontRef idx="minor">
+            <a:schemeClr val="tx1"/>
+          </a:fontRef>
+        </p:style>
+      </p:cxnSp>
+      <p:cxnSp>
+        <p:nvCxnSpPr>
+          <p:cNvPr id="14" name="Gerade Verbindung mit Pfeil 13">
+            <a:extLst>
+              <a:ext uri="{FF2B5EF4-FFF2-40B4-BE49-F238E27FC236}">
+                <a16:creationId xmlns:a16="http://schemas.microsoft.com/office/drawing/2014/main" id="{C4E54923-151F-4EB9-95B6-585C446A41D1}"/>
+              </a:ext>
+            </a:extLst>
+          </p:cNvPr>
+          <p:cNvCxnSpPr>
+            <a:cxnSpLocks/>
+            <a:stCxn id="2" idx="3"/>
+            <a:endCxn id="10" idx="1"/>
+          </p:cNvCxnSpPr>
+          <p:nvPr/>
+        </p:nvCxnSpPr>
+        <p:spPr>
+          <a:xfrm>
+            <a:off x="9523409" y="1535812"/>
+            <a:ext cx="877019" cy="0"/>
+          </a:xfrm>
+          <a:prstGeom prst="straightConnector1">
+            <a:avLst/>
+          </a:prstGeom>
+          <a:ln w="25400">
+            <a:tailEnd type="triangle"/>
+          </a:ln>
+        </p:spPr>
+        <p:style>
+          <a:lnRef idx="1">
+            <a:schemeClr val="accent1"/>
+          </a:lnRef>
+          <a:fillRef idx="0">
+            <a:schemeClr val="accent1"/>
+          </a:fillRef>
+          <a:effectRef idx="0">
+            <a:schemeClr val="accent1"/>
+          </a:effectRef>
+          <a:fontRef idx="minor">
+            <a:schemeClr val="tx1"/>
+          </a:fontRef>
+        </p:style>
+      </p:cxnSp>
+      <p:cxnSp>
+        <p:nvCxnSpPr>
+          <p:cNvPr id="17" name="Gerade Verbindung mit Pfeil 16">
+            <a:extLst>
+              <a:ext uri="{FF2B5EF4-FFF2-40B4-BE49-F238E27FC236}">
+                <a16:creationId xmlns:a16="http://schemas.microsoft.com/office/drawing/2014/main" id="{515D3595-4F56-4453-A622-23379A5354EC}"/>
+              </a:ext>
+            </a:extLst>
+          </p:cNvPr>
+          <p:cNvCxnSpPr>
+            <a:cxnSpLocks/>
+            <a:stCxn id="10" idx="2"/>
+            <a:endCxn id="21" idx="0"/>
+          </p:cNvCxnSpPr>
+          <p:nvPr/>
+        </p:nvCxnSpPr>
+        <p:spPr>
+          <a:xfrm>
+            <a:off x="10972647" y="2061044"/>
+            <a:ext cx="0" cy="692070"/>
+          </a:xfrm>
+          <a:prstGeom prst="straightConnector1">
+            <a:avLst/>
+          </a:prstGeom>
+          <a:ln w="25400">
+            <a:tailEnd type="triangle"/>
+          </a:ln>
+        </p:spPr>
+        <p:style>
+          <a:lnRef idx="1">
+            <a:schemeClr val="accent1"/>
+          </a:lnRef>
+          <a:fillRef idx="0">
+            <a:schemeClr val="accent1"/>
+          </a:fillRef>
+          <a:effectRef idx="0">
+            <a:schemeClr val="accent1"/>
+          </a:effectRef>
+          <a:fontRef idx="minor">
+            <a:schemeClr val="tx1"/>
+          </a:fontRef>
+        </p:style>
+      </p:cxnSp>
+      <p:sp>
+        <p:nvSpPr>
+          <p:cNvPr id="20" name="Textfeld 19">
+            <a:extLst>
+              <a:ext uri="{FF2B5EF4-FFF2-40B4-BE49-F238E27FC236}">
+                <a16:creationId xmlns:a16="http://schemas.microsoft.com/office/drawing/2014/main" id="{B4165DAC-AC36-4CAF-B01D-15652AFE3A5F}"/>
+              </a:ext>
+            </a:extLst>
+          </p:cNvPr>
+          <p:cNvSpPr txBox="1"/>
+          <p:nvPr/>
+        </p:nvSpPr>
+        <p:spPr>
+          <a:xfrm>
+            <a:off x="8343028" y="2753115"/>
+            <a:ext cx="1216324" cy="276999"/>
+          </a:xfrm>
+          <a:prstGeom prst="rect">
+            <a:avLst/>
+          </a:prstGeom>
+          <a:noFill/>
+        </p:spPr>
+        <p:txBody>
+          <a:bodyPr wrap="square" rtlCol="0">
+            <a:spAutoFit/>
+          </a:bodyPr>
+          <a:lstStyle/>
+          <a:p>
+            <a:r>
+              <a:rPr lang="de-DE" sz="1200" dirty="0">
+                <a:latin typeface="Arial" panose="020B0604020202020204" pitchFamily="34" charset="0"/>
+                <a:cs typeface="Arial" panose="020B0604020202020204" pitchFamily="34" charset="0"/>
+              </a:rPr>
+              <a:t>Eingangsdaten</a:t>
+            </a:r>
+          </a:p>
+        </p:txBody>
+      </p:sp>
+      <p:sp>
+        <p:nvSpPr>
+          <p:cNvPr id="21" name="Textfeld 20">
+            <a:extLst>
+              <a:ext uri="{FF2B5EF4-FFF2-40B4-BE49-F238E27FC236}">
+                <a16:creationId xmlns:a16="http://schemas.microsoft.com/office/drawing/2014/main" id="{10DF9D18-EC37-4BE5-A907-7564B8DF4323}"/>
+              </a:ext>
+            </a:extLst>
+          </p:cNvPr>
+          <p:cNvSpPr txBox="1"/>
+          <p:nvPr/>
+        </p:nvSpPr>
+        <p:spPr>
+          <a:xfrm>
+            <a:off x="10571521" y="2753114"/>
+            <a:ext cx="802252" cy="276999"/>
+          </a:xfrm>
+          <a:prstGeom prst="rect">
+            <a:avLst/>
+          </a:prstGeom>
+          <a:noFill/>
+        </p:spPr>
+        <p:txBody>
+          <a:bodyPr wrap="square" rtlCol="0">
+            <a:spAutoFit/>
+          </a:bodyPr>
+          <a:lstStyle/>
+          <a:p>
+            <a:r>
+              <a:rPr lang="de-DE" sz="1200" dirty="0">
+                <a:latin typeface="Arial" panose="020B0604020202020204" pitchFamily="34" charset="0"/>
+                <a:cs typeface="Arial" panose="020B0604020202020204" pitchFamily="34" charset="0"/>
+              </a:rPr>
+              <a:t>Ausgabe</a:t>
+            </a:r>
+          </a:p>
+        </p:txBody>
+      </p:sp>
+      <p:sp>
+        <p:nvSpPr>
+          <p:cNvPr id="22" name="Textfeld 21">
+            <a:extLst>
+              <a:ext uri="{FF2B5EF4-FFF2-40B4-BE49-F238E27FC236}">
+                <a16:creationId xmlns:a16="http://schemas.microsoft.com/office/drawing/2014/main" id="{FAED7EC4-AA45-4A8A-BAAB-33A9933A4CBB}"/>
+              </a:ext>
+            </a:extLst>
+          </p:cNvPr>
+          <p:cNvSpPr txBox="1"/>
+          <p:nvPr/>
+        </p:nvSpPr>
+        <p:spPr>
+          <a:xfrm>
+            <a:off x="9570136" y="1273412"/>
+            <a:ext cx="783565" cy="251818"/>
+          </a:xfrm>
+          <a:prstGeom prst="rect">
+            <a:avLst/>
+          </a:prstGeom>
+          <a:noFill/>
+        </p:spPr>
+        <p:txBody>
+          <a:bodyPr wrap="square" rtlCol="0">
+            <a:spAutoFit/>
+          </a:bodyPr>
+          <a:lstStyle/>
+          <a:p>
+            <a:r>
+              <a:rPr lang="de-DE" sz="1200" dirty="0">
+                <a:latin typeface="Arial" panose="020B0604020202020204" pitchFamily="34" charset="0"/>
+                <a:cs typeface="Arial" panose="020B0604020202020204" pitchFamily="34" charset="0"/>
+              </a:rPr>
+              <a:t>Features</a:t>
+            </a:r>
+          </a:p>
+        </p:txBody>
+      </p:sp>
+      <p:sp>
+        <p:nvSpPr>
+          <p:cNvPr id="29" name="Rechteck: abgerundete Ecken 28">
+            <a:extLst>
+              <a:ext uri="{FF2B5EF4-FFF2-40B4-BE49-F238E27FC236}">
+                <a16:creationId xmlns:a16="http://schemas.microsoft.com/office/drawing/2014/main" id="{0F3F6A74-B6D9-4C3C-B63C-96E4CF06AF60}"/>
+              </a:ext>
+            </a:extLst>
+          </p:cNvPr>
+          <p:cNvSpPr/>
+          <p:nvPr/>
+        </p:nvSpPr>
+        <p:spPr>
+          <a:xfrm>
+            <a:off x="7861386" y="799407"/>
+            <a:ext cx="4100423" cy="1655205"/>
+          </a:xfrm>
+          <a:prstGeom prst="roundRect">
+            <a:avLst/>
+          </a:prstGeom>
+          <a:noFill/>
+        </p:spPr>
+        <p:style>
+          <a:lnRef idx="2">
+            <a:schemeClr val="accent1">
+              <a:shade val="50000"/>
+            </a:schemeClr>
+          </a:lnRef>
+          <a:fillRef idx="1">
+            <a:schemeClr val="accent1"/>
+          </a:fillRef>
+          <a:effectRef idx="0">
+            <a:schemeClr val="accent1"/>
+          </a:effectRef>
+          <a:fontRef idx="minor">
+            <a:schemeClr val="lt1"/>
+          </a:fontRef>
+        </p:style>
+        <p:txBody>
+          <a:bodyPr rtlCol="0" anchor="ctr"/>
+          <a:lstStyle/>
+          <a:p>
+            <a:pPr algn="ctr"/>
+            <a:endParaRPr lang="en-GB"/>
+          </a:p>
+        </p:txBody>
+      </p:sp>
+      <p:sp>
+        <p:nvSpPr>
+          <p:cNvPr id="30" name="Textfeld 29">
+            <a:extLst>
+              <a:ext uri="{FF2B5EF4-FFF2-40B4-BE49-F238E27FC236}">
+                <a16:creationId xmlns:a16="http://schemas.microsoft.com/office/drawing/2014/main" id="{514918F7-19C7-4E19-A549-F0EAA93AD02C}"/>
+              </a:ext>
+            </a:extLst>
+          </p:cNvPr>
+          <p:cNvSpPr txBox="1"/>
+          <p:nvPr/>
+        </p:nvSpPr>
+        <p:spPr>
+          <a:xfrm>
+            <a:off x="7861386" y="534836"/>
+            <a:ext cx="1216324" cy="276999"/>
+          </a:xfrm>
+          <a:prstGeom prst="rect">
+            <a:avLst/>
+          </a:prstGeom>
+          <a:noFill/>
+        </p:spPr>
+        <p:txBody>
+          <a:bodyPr wrap="square" rtlCol="0">
+            <a:spAutoFit/>
+          </a:bodyPr>
+          <a:lstStyle/>
+          <a:p>
+            <a:r>
+              <a:rPr lang="de-DE" sz="1200" dirty="0">
+                <a:latin typeface="Arial" panose="020B0604020202020204" pitchFamily="34" charset="0"/>
+                <a:cs typeface="Arial" panose="020B0604020202020204" pitchFamily="34" charset="0"/>
+              </a:rPr>
+              <a:t>Lifelong DNN</a:t>
+            </a:r>
+          </a:p>
+        </p:txBody>
+      </p:sp>
+      <p:sp>
+        <p:nvSpPr>
+          <p:cNvPr id="31" name="Rechteck: abgerundete Ecken 30">
+            <a:extLst>
+              <a:ext uri="{FF2B5EF4-FFF2-40B4-BE49-F238E27FC236}">
+                <a16:creationId xmlns:a16="http://schemas.microsoft.com/office/drawing/2014/main" id="{733CC786-0B86-4B5E-87D4-3054F3DB57BD}"/>
+              </a:ext>
+            </a:extLst>
+          </p:cNvPr>
+          <p:cNvSpPr/>
+          <p:nvPr/>
+        </p:nvSpPr>
+        <p:spPr>
+          <a:xfrm>
+            <a:off x="4882504" y="3418286"/>
+            <a:ext cx="1751163" cy="2296241"/>
+          </a:xfrm>
+          <a:prstGeom prst="roundRect">
+            <a:avLst/>
+          </a:prstGeom>
+          <a:noFill/>
+        </p:spPr>
+        <p:style>
+          <a:lnRef idx="2">
+            <a:schemeClr val="accent1">
+              <a:shade val="50000"/>
+            </a:schemeClr>
+          </a:lnRef>
+          <a:fillRef idx="1">
+            <a:schemeClr val="accent1"/>
+          </a:fillRef>
+          <a:effectRef idx="0">
+            <a:schemeClr val="accent1"/>
+          </a:effectRef>
+          <a:fontRef idx="minor">
+            <a:schemeClr val="lt1"/>
+          </a:fontRef>
+        </p:style>
+        <p:txBody>
+          <a:bodyPr rtlCol="0" anchor="ctr"/>
+          <a:lstStyle/>
+          <a:p>
+            <a:pPr algn="ctr"/>
+            <a:endParaRPr lang="en-GB" sz="1200" dirty="0">
+              <a:latin typeface="Arial" panose="020B0604020202020204" pitchFamily="34" charset="0"/>
+              <a:cs typeface="Arial" panose="020B0604020202020204" pitchFamily="34" charset="0"/>
+            </a:endParaRPr>
+          </a:p>
+        </p:txBody>
+      </p:sp>
+      <p:cxnSp>
+        <p:nvCxnSpPr>
+          <p:cNvPr id="32" name="Gerade Verbindung mit Pfeil 31">
+            <a:extLst>
+              <a:ext uri="{FF2B5EF4-FFF2-40B4-BE49-F238E27FC236}">
+                <a16:creationId xmlns:a16="http://schemas.microsoft.com/office/drawing/2014/main" id="{71985214-4E16-4C20-AF28-C6CDC55CAE76}"/>
+              </a:ext>
+            </a:extLst>
+          </p:cNvPr>
+          <p:cNvCxnSpPr>
+            <a:cxnSpLocks/>
+            <a:stCxn id="34" idx="0"/>
+            <a:endCxn id="42" idx="2"/>
+          </p:cNvCxnSpPr>
+          <p:nvPr/>
+        </p:nvCxnSpPr>
+        <p:spPr>
+          <a:xfrm flipV="1">
+            <a:off x="5752275" y="5615795"/>
+            <a:ext cx="803" cy="507289"/>
+          </a:xfrm>
+          <a:prstGeom prst="straightConnector1">
+            <a:avLst/>
+          </a:prstGeom>
+          <a:ln w="25400">
+            <a:tailEnd type="triangle"/>
+          </a:ln>
+        </p:spPr>
+        <p:style>
+          <a:lnRef idx="1">
+            <a:schemeClr val="accent1"/>
+          </a:lnRef>
+          <a:fillRef idx="0">
+            <a:schemeClr val="accent1"/>
+          </a:fillRef>
+          <a:effectRef idx="0">
+            <a:schemeClr val="accent1"/>
+          </a:effectRef>
+          <a:fontRef idx="minor">
+            <a:schemeClr val="tx1"/>
+          </a:fontRef>
+        </p:style>
+      </p:cxnSp>
+      <p:sp>
+        <p:nvSpPr>
+          <p:cNvPr id="34" name="Textfeld 33">
+            <a:extLst>
+              <a:ext uri="{FF2B5EF4-FFF2-40B4-BE49-F238E27FC236}">
+                <a16:creationId xmlns:a16="http://schemas.microsoft.com/office/drawing/2014/main" id="{FEFC6C9C-B303-45F5-B0BC-F420A88D55BE}"/>
+              </a:ext>
+            </a:extLst>
+          </p:cNvPr>
+          <p:cNvSpPr txBox="1"/>
+          <p:nvPr/>
+        </p:nvSpPr>
+        <p:spPr>
+          <a:xfrm>
+            <a:off x="5144113" y="6123084"/>
+            <a:ext cx="1216324" cy="276999"/>
+          </a:xfrm>
+          <a:prstGeom prst="rect">
+            <a:avLst/>
+          </a:prstGeom>
+          <a:noFill/>
+        </p:spPr>
+        <p:txBody>
+          <a:bodyPr wrap="square" rtlCol="0">
+            <a:spAutoFit/>
+          </a:bodyPr>
+          <a:lstStyle/>
+          <a:p>
+            <a:r>
+              <a:rPr lang="de-DE" sz="1200" dirty="0">
+                <a:latin typeface="Arial" panose="020B0604020202020204" pitchFamily="34" charset="0"/>
+                <a:cs typeface="Arial" panose="020B0604020202020204" pitchFamily="34" charset="0"/>
+              </a:rPr>
+              <a:t>Eingangsdaten</a:t>
+            </a:r>
+          </a:p>
+        </p:txBody>
+      </p:sp>
+      <p:sp>
+        <p:nvSpPr>
+          <p:cNvPr id="35" name="Textfeld 34">
+            <a:extLst>
+              <a:ext uri="{FF2B5EF4-FFF2-40B4-BE49-F238E27FC236}">
+                <a16:creationId xmlns:a16="http://schemas.microsoft.com/office/drawing/2014/main" id="{A1FF88C0-56AE-4985-AFE1-9B228455DE3F}"/>
+              </a:ext>
+            </a:extLst>
+          </p:cNvPr>
+          <p:cNvSpPr txBox="1"/>
+          <p:nvPr/>
+        </p:nvSpPr>
+        <p:spPr>
+          <a:xfrm>
+            <a:off x="6788141" y="3580597"/>
+            <a:ext cx="802256" cy="276998"/>
+          </a:xfrm>
+          <a:prstGeom prst="rect">
+            <a:avLst/>
+          </a:prstGeom>
+          <a:noFill/>
+        </p:spPr>
+        <p:txBody>
+          <a:bodyPr wrap="square" rtlCol="0">
+            <a:spAutoFit/>
+          </a:bodyPr>
+          <a:lstStyle/>
+          <a:p>
+            <a:r>
+              <a:rPr lang="de-DE" sz="1200" dirty="0">
+                <a:latin typeface="Arial" panose="020B0604020202020204" pitchFamily="34" charset="0"/>
+                <a:cs typeface="Arial" panose="020B0604020202020204" pitchFamily="34" charset="0"/>
+              </a:rPr>
+              <a:t>Features</a:t>
+            </a:r>
+          </a:p>
+        </p:txBody>
+      </p:sp>
+      <p:sp>
+        <p:nvSpPr>
+          <p:cNvPr id="42" name="Rechteck 41">
+            <a:extLst>
+              <a:ext uri="{FF2B5EF4-FFF2-40B4-BE49-F238E27FC236}">
+                <a16:creationId xmlns:a16="http://schemas.microsoft.com/office/drawing/2014/main" id="{99BFC7EB-B850-404D-B629-3E0F6A0E3BD0}"/>
+              </a:ext>
+            </a:extLst>
+          </p:cNvPr>
+          <p:cNvSpPr/>
+          <p:nvPr/>
+        </p:nvSpPr>
+        <p:spPr>
+          <a:xfrm>
+            <a:off x="5037781" y="5291331"/>
+            <a:ext cx="1430594" cy="324464"/>
+          </a:xfrm>
+          <a:prstGeom prst="rect">
+            <a:avLst/>
+          </a:prstGeom>
+        </p:spPr>
+        <p:style>
+          <a:lnRef idx="2">
+            <a:schemeClr val="accent1">
+              <a:shade val="50000"/>
+            </a:schemeClr>
+          </a:lnRef>
+          <a:fillRef idx="1">
+            <a:schemeClr val="accent1"/>
+          </a:fillRef>
+          <a:effectRef idx="0">
+            <a:schemeClr val="accent1"/>
+          </a:effectRef>
+          <a:fontRef idx="minor">
+            <a:schemeClr val="lt1"/>
+          </a:fontRef>
+        </p:style>
+        <p:txBody>
+          <a:bodyPr rtlCol="0" anchor="ctr"/>
+          <a:lstStyle/>
+          <a:p>
+            <a:pPr algn="ctr"/>
+            <a:endParaRPr lang="en-GB"/>
+          </a:p>
+        </p:txBody>
+      </p:sp>
+      <p:sp>
+        <p:nvSpPr>
+          <p:cNvPr id="44" name="Rechteck 43">
+            <a:extLst>
+              <a:ext uri="{FF2B5EF4-FFF2-40B4-BE49-F238E27FC236}">
+                <a16:creationId xmlns:a16="http://schemas.microsoft.com/office/drawing/2014/main" id="{F5914469-ACC4-45A3-ADB2-902B0899283E}"/>
+              </a:ext>
+            </a:extLst>
+          </p:cNvPr>
+          <p:cNvSpPr/>
+          <p:nvPr/>
+        </p:nvSpPr>
+        <p:spPr>
+          <a:xfrm>
+            <a:off x="5036978" y="4713883"/>
+            <a:ext cx="1430594" cy="324464"/>
+          </a:xfrm>
+          <a:prstGeom prst="rect">
+            <a:avLst/>
+          </a:prstGeom>
+        </p:spPr>
+        <p:style>
+          <a:lnRef idx="2">
+            <a:schemeClr val="accent1">
+              <a:shade val="50000"/>
+            </a:schemeClr>
+          </a:lnRef>
+          <a:fillRef idx="1">
+            <a:schemeClr val="accent1"/>
+          </a:fillRef>
+          <a:effectRef idx="0">
+            <a:schemeClr val="accent1"/>
+          </a:effectRef>
+          <a:fontRef idx="minor">
+            <a:schemeClr val="lt1"/>
+          </a:fontRef>
+        </p:style>
+        <p:txBody>
+          <a:bodyPr rtlCol="0" anchor="ctr"/>
+          <a:lstStyle/>
+          <a:p>
+            <a:pPr algn="ctr"/>
+            <a:endParaRPr lang="en-GB"/>
+          </a:p>
+        </p:txBody>
+      </p:sp>
+      <p:sp>
+        <p:nvSpPr>
+          <p:cNvPr id="47" name="Rechteck 46">
+            <a:extLst>
+              <a:ext uri="{FF2B5EF4-FFF2-40B4-BE49-F238E27FC236}">
+                <a16:creationId xmlns:a16="http://schemas.microsoft.com/office/drawing/2014/main" id="{CD7EC285-D971-4B6D-80D6-8841F6FC5AF4}"/>
+              </a:ext>
+            </a:extLst>
+          </p:cNvPr>
+          <p:cNvSpPr/>
+          <p:nvPr/>
+        </p:nvSpPr>
+        <p:spPr>
+          <a:xfrm>
+            <a:off x="5037781" y="4135114"/>
+            <a:ext cx="1430594" cy="324464"/>
+          </a:xfrm>
+          <a:prstGeom prst="rect">
+            <a:avLst/>
+          </a:prstGeom>
+        </p:spPr>
+        <p:style>
+          <a:lnRef idx="2">
+            <a:schemeClr val="accent1">
+              <a:shade val="50000"/>
+            </a:schemeClr>
+          </a:lnRef>
+          <a:fillRef idx="1">
+            <a:schemeClr val="accent1"/>
+          </a:fillRef>
+          <a:effectRef idx="0">
+            <a:schemeClr val="accent1"/>
+          </a:effectRef>
+          <a:fontRef idx="minor">
+            <a:schemeClr val="lt1"/>
+          </a:fontRef>
+        </p:style>
+        <p:txBody>
+          <a:bodyPr rtlCol="0" anchor="ctr"/>
+          <a:lstStyle/>
+          <a:p>
+            <a:pPr algn="ctr"/>
+            <a:endParaRPr lang="en-GB"/>
+          </a:p>
+        </p:txBody>
+      </p:sp>
+      <p:sp>
+        <p:nvSpPr>
+          <p:cNvPr id="48" name="Rechteck 47">
+            <a:extLst>
+              <a:ext uri="{FF2B5EF4-FFF2-40B4-BE49-F238E27FC236}">
+                <a16:creationId xmlns:a16="http://schemas.microsoft.com/office/drawing/2014/main" id="{329E6AB4-A4E0-4B47-A4F3-E4B2354C857D}"/>
+              </a:ext>
+            </a:extLst>
+          </p:cNvPr>
+          <p:cNvSpPr/>
+          <p:nvPr/>
+        </p:nvSpPr>
+        <p:spPr>
+          <a:xfrm>
+            <a:off x="5036978" y="3556864"/>
+            <a:ext cx="1430594" cy="324464"/>
+          </a:xfrm>
+          <a:prstGeom prst="rect">
+            <a:avLst/>
+          </a:prstGeom>
+        </p:spPr>
+        <p:style>
+          <a:lnRef idx="2">
+            <a:schemeClr val="accent1">
+              <a:shade val="50000"/>
+            </a:schemeClr>
+          </a:lnRef>
+          <a:fillRef idx="1">
+            <a:schemeClr val="accent1"/>
+          </a:fillRef>
+          <a:effectRef idx="0">
+            <a:schemeClr val="accent1"/>
+          </a:effectRef>
+          <a:fontRef idx="minor">
+            <a:schemeClr val="lt1"/>
+          </a:fontRef>
+        </p:style>
+        <p:txBody>
+          <a:bodyPr rtlCol="0" anchor="ctr"/>
+          <a:lstStyle/>
+          <a:p>
+            <a:pPr algn="ctr"/>
+            <a:endParaRPr lang="en-GB"/>
+          </a:p>
+        </p:txBody>
+      </p:sp>
+      <p:sp>
+        <p:nvSpPr>
+          <p:cNvPr id="49" name="Rechteck 48">
+            <a:extLst>
+              <a:ext uri="{FF2B5EF4-FFF2-40B4-BE49-F238E27FC236}">
+                <a16:creationId xmlns:a16="http://schemas.microsoft.com/office/drawing/2014/main" id="{8DA3BD70-C3AC-4DF5-8C61-C659E7279B0B}"/>
+              </a:ext>
+            </a:extLst>
+          </p:cNvPr>
+          <p:cNvSpPr/>
+          <p:nvPr/>
+        </p:nvSpPr>
+        <p:spPr>
+          <a:xfrm>
+            <a:off x="5036978" y="2932980"/>
+            <a:ext cx="1430594" cy="324464"/>
+          </a:xfrm>
+          <a:prstGeom prst="rect">
+            <a:avLst/>
+          </a:prstGeom>
+          <a:solidFill>
+            <a:srgbClr val="92D050"/>
+          </a:solidFill>
+          <a:ln>
+            <a:solidFill>
+              <a:srgbClr val="92D050"/>
+            </a:solidFill>
+          </a:ln>
+        </p:spPr>
+        <p:style>
+          <a:lnRef idx="2">
+            <a:schemeClr val="accent1">
+              <a:shade val="50000"/>
+            </a:schemeClr>
+          </a:lnRef>
+          <a:fillRef idx="1">
+            <a:schemeClr val="accent1"/>
+          </a:fillRef>
+          <a:effectRef idx="0">
+            <a:schemeClr val="accent1"/>
+          </a:effectRef>
+          <a:fontRef idx="minor">
+            <a:schemeClr val="lt1"/>
+          </a:fontRef>
+        </p:style>
+        <p:txBody>
+          <a:bodyPr rtlCol="0" anchor="ctr"/>
+          <a:lstStyle/>
+          <a:p>
+            <a:pPr algn="ctr"/>
+            <a:endParaRPr lang="en-GB"/>
+          </a:p>
+        </p:txBody>
+      </p:sp>
+      <p:cxnSp>
+        <p:nvCxnSpPr>
+          <p:cNvPr id="52" name="Gerade Verbindung mit Pfeil 51">
+            <a:extLst>
+              <a:ext uri="{FF2B5EF4-FFF2-40B4-BE49-F238E27FC236}">
+                <a16:creationId xmlns:a16="http://schemas.microsoft.com/office/drawing/2014/main" id="{7CD0C58B-5884-48FA-878E-25B0A673FDA1}"/>
+              </a:ext>
+            </a:extLst>
+          </p:cNvPr>
+          <p:cNvCxnSpPr>
+            <a:cxnSpLocks/>
+            <a:stCxn id="42" idx="0"/>
+            <a:endCxn id="44" idx="2"/>
+          </p:cNvCxnSpPr>
+          <p:nvPr/>
+        </p:nvCxnSpPr>
+        <p:spPr>
+          <a:xfrm flipH="1" flipV="1">
+            <a:off x="5752275" y="5038347"/>
+            <a:ext cx="803" cy="252984"/>
+          </a:xfrm>
+          <a:prstGeom prst="straightConnector1">
+            <a:avLst/>
+          </a:prstGeom>
+          <a:ln w="25400">
+            <a:tailEnd type="triangle"/>
+          </a:ln>
+        </p:spPr>
+        <p:style>
+          <a:lnRef idx="1">
+            <a:schemeClr val="accent1"/>
+          </a:lnRef>
+          <a:fillRef idx="0">
+            <a:schemeClr val="accent1"/>
+          </a:fillRef>
+          <a:effectRef idx="0">
+            <a:schemeClr val="accent1"/>
+          </a:effectRef>
+          <a:fontRef idx="minor">
+            <a:schemeClr val="tx1"/>
+          </a:fontRef>
+        </p:style>
+      </p:cxnSp>
+      <p:cxnSp>
+        <p:nvCxnSpPr>
+          <p:cNvPr id="55" name="Gerade Verbindung mit Pfeil 54">
+            <a:extLst>
+              <a:ext uri="{FF2B5EF4-FFF2-40B4-BE49-F238E27FC236}">
+                <a16:creationId xmlns:a16="http://schemas.microsoft.com/office/drawing/2014/main" id="{D1E0EE38-7DF9-4DA1-AACD-F05A152D4C1F}"/>
+              </a:ext>
+            </a:extLst>
+          </p:cNvPr>
+          <p:cNvCxnSpPr>
+            <a:cxnSpLocks/>
+            <a:stCxn id="44" idx="0"/>
+            <a:endCxn id="47" idx="2"/>
+          </p:cNvCxnSpPr>
+          <p:nvPr/>
+        </p:nvCxnSpPr>
+        <p:spPr>
+          <a:xfrm flipV="1">
+            <a:off x="5752275" y="4459578"/>
+            <a:ext cx="803" cy="254305"/>
+          </a:xfrm>
+          <a:prstGeom prst="straightConnector1">
+            <a:avLst/>
+          </a:prstGeom>
+          <a:ln w="25400">
+            <a:tailEnd type="triangle"/>
+          </a:ln>
+        </p:spPr>
+        <p:style>
+          <a:lnRef idx="1">
+            <a:schemeClr val="accent1"/>
+          </a:lnRef>
+          <a:fillRef idx="0">
+            <a:schemeClr val="accent1"/>
+          </a:fillRef>
+          <a:effectRef idx="0">
+            <a:schemeClr val="accent1"/>
+          </a:effectRef>
+          <a:fontRef idx="minor">
+            <a:schemeClr val="tx1"/>
+          </a:fontRef>
+        </p:style>
+      </p:cxnSp>
+      <p:cxnSp>
+        <p:nvCxnSpPr>
+          <p:cNvPr id="58" name="Gerade Verbindung mit Pfeil 57">
+            <a:extLst>
+              <a:ext uri="{FF2B5EF4-FFF2-40B4-BE49-F238E27FC236}">
+                <a16:creationId xmlns:a16="http://schemas.microsoft.com/office/drawing/2014/main" id="{5E215273-62D4-48F5-8E36-5C3A628ECC0F}"/>
+              </a:ext>
+            </a:extLst>
+          </p:cNvPr>
+          <p:cNvCxnSpPr>
+            <a:cxnSpLocks/>
+            <a:stCxn id="47" idx="0"/>
+            <a:endCxn id="48" idx="2"/>
+          </p:cNvCxnSpPr>
+          <p:nvPr/>
+        </p:nvCxnSpPr>
+        <p:spPr>
+          <a:xfrm flipH="1" flipV="1">
+            <a:off x="5752275" y="3881328"/>
+            <a:ext cx="803" cy="253786"/>
+          </a:xfrm>
+          <a:prstGeom prst="straightConnector1">
+            <a:avLst/>
+          </a:prstGeom>
+          <a:ln w="25400">
+            <a:tailEnd type="triangle"/>
+          </a:ln>
+        </p:spPr>
+        <p:style>
+          <a:lnRef idx="1">
+            <a:schemeClr val="accent1"/>
+          </a:lnRef>
+          <a:fillRef idx="0">
+            <a:schemeClr val="accent1"/>
+          </a:fillRef>
+          <a:effectRef idx="0">
+            <a:schemeClr val="accent1"/>
+          </a:effectRef>
+          <a:fontRef idx="minor">
+            <a:schemeClr val="tx1"/>
+          </a:fontRef>
+        </p:style>
+      </p:cxnSp>
+      <p:cxnSp>
+        <p:nvCxnSpPr>
+          <p:cNvPr id="64" name="Gerade Verbindung mit Pfeil 63">
+            <a:extLst>
+              <a:ext uri="{FF2B5EF4-FFF2-40B4-BE49-F238E27FC236}">
+                <a16:creationId xmlns:a16="http://schemas.microsoft.com/office/drawing/2014/main" id="{9B001838-8432-4593-AF6D-417EE4DB2EEB}"/>
+              </a:ext>
+            </a:extLst>
+          </p:cNvPr>
+          <p:cNvCxnSpPr>
+            <a:cxnSpLocks/>
+            <a:stCxn id="48" idx="0"/>
+            <a:endCxn id="49" idx="2"/>
+          </p:cNvCxnSpPr>
+          <p:nvPr/>
+        </p:nvCxnSpPr>
+        <p:spPr>
+          <a:xfrm flipV="1">
+            <a:off x="5752275" y="3257444"/>
+            <a:ext cx="0" cy="299420"/>
+          </a:xfrm>
+          <a:prstGeom prst="straightConnector1">
+            <a:avLst/>
+          </a:prstGeom>
+          <a:ln w="25400">
+            <a:solidFill>
+              <a:srgbClr val="92D050"/>
+            </a:solidFill>
+            <a:tailEnd type="triangle"/>
+          </a:ln>
+        </p:spPr>
+        <p:style>
+          <a:lnRef idx="1">
+            <a:schemeClr val="accent1"/>
+          </a:lnRef>
+          <a:fillRef idx="0">
+            <a:schemeClr val="accent1"/>
+          </a:fillRef>
+          <a:effectRef idx="0">
+            <a:schemeClr val="accent1"/>
+          </a:effectRef>
+          <a:fontRef idx="minor">
+            <a:schemeClr val="tx1"/>
+          </a:fontRef>
+        </p:style>
+      </p:cxnSp>
+      <p:cxnSp>
+        <p:nvCxnSpPr>
+          <p:cNvPr id="68" name="Gerade Verbindung mit Pfeil 67">
+            <a:extLst>
+              <a:ext uri="{FF2B5EF4-FFF2-40B4-BE49-F238E27FC236}">
+                <a16:creationId xmlns:a16="http://schemas.microsoft.com/office/drawing/2014/main" id="{E643E360-FA5A-4AA3-B96F-5DCFB55569A6}"/>
+              </a:ext>
+            </a:extLst>
+          </p:cNvPr>
+          <p:cNvCxnSpPr>
+            <a:cxnSpLocks/>
+            <a:stCxn id="48" idx="3"/>
+            <a:endCxn id="35" idx="1"/>
+          </p:cNvCxnSpPr>
+          <p:nvPr/>
+        </p:nvCxnSpPr>
+        <p:spPr>
+          <a:xfrm>
+            <a:off x="6467572" y="3719096"/>
+            <a:ext cx="320569" cy="0"/>
+          </a:xfrm>
+          <a:prstGeom prst="straightConnector1">
+            <a:avLst/>
+          </a:prstGeom>
+          <a:ln w="25400">
+            <a:tailEnd type="triangle"/>
+          </a:ln>
+        </p:spPr>
+        <p:style>
+          <a:lnRef idx="1">
+            <a:schemeClr val="accent1"/>
+          </a:lnRef>
+          <a:fillRef idx="0">
+            <a:schemeClr val="accent1"/>
+          </a:fillRef>
+          <a:effectRef idx="0">
+            <a:schemeClr val="accent1"/>
+          </a:effectRef>
+          <a:fontRef idx="minor">
+            <a:schemeClr val="tx1"/>
+          </a:fontRef>
+        </p:style>
+      </p:cxnSp>
+      <p:sp>
+        <p:nvSpPr>
+          <p:cNvPr id="74" name="Textfeld 73">
+            <a:extLst>
+              <a:ext uri="{FF2B5EF4-FFF2-40B4-BE49-F238E27FC236}">
+                <a16:creationId xmlns:a16="http://schemas.microsoft.com/office/drawing/2014/main" id="{6F06E1A4-BD9F-4B16-B290-329A216A4B4A}"/>
+              </a:ext>
+            </a:extLst>
+          </p:cNvPr>
+          <p:cNvSpPr txBox="1"/>
+          <p:nvPr/>
+        </p:nvSpPr>
+        <p:spPr>
+          <a:xfrm>
+            <a:off x="4070233" y="5315064"/>
+            <a:ext cx="802256" cy="276998"/>
+          </a:xfrm>
+          <a:prstGeom prst="rect">
+            <a:avLst/>
+          </a:prstGeom>
+          <a:noFill/>
+        </p:spPr>
+        <p:txBody>
+          <a:bodyPr wrap="square" rtlCol="0">
+            <a:spAutoFit/>
+          </a:bodyPr>
+          <a:lstStyle/>
+          <a:p>
+            <a:r>
+              <a:rPr lang="de-DE" sz="1200" dirty="0">
+                <a:latin typeface="Arial" panose="020B0604020202020204" pitchFamily="34" charset="0"/>
+                <a:cs typeface="Arial" panose="020B0604020202020204" pitchFamily="34" charset="0"/>
+              </a:rPr>
+              <a:t>Modul A</a:t>
+            </a:r>
+          </a:p>
+        </p:txBody>
+      </p:sp>
+      <p:sp>
+        <p:nvSpPr>
+          <p:cNvPr id="75" name="Rechteck: abgerundete Ecken 74">
+            <a:extLst>
+              <a:ext uri="{FF2B5EF4-FFF2-40B4-BE49-F238E27FC236}">
+                <a16:creationId xmlns:a16="http://schemas.microsoft.com/office/drawing/2014/main" id="{6FAACDDA-5374-4C92-AAD4-0176C8E4253A}"/>
+              </a:ext>
+            </a:extLst>
+          </p:cNvPr>
+          <p:cNvSpPr/>
+          <p:nvPr/>
+        </p:nvSpPr>
+        <p:spPr>
+          <a:xfrm>
+            <a:off x="7590397" y="4061497"/>
+            <a:ext cx="1144438" cy="1050465"/>
+          </a:xfrm>
+          <a:prstGeom prst="roundRect">
+            <a:avLst/>
+          </a:prstGeom>
+        </p:spPr>
+        <p:style>
+          <a:lnRef idx="2">
+            <a:schemeClr val="accent1">
+              <a:shade val="50000"/>
+            </a:schemeClr>
+          </a:lnRef>
+          <a:fillRef idx="1">
+            <a:schemeClr val="accent1"/>
+          </a:fillRef>
+          <a:effectRef idx="0">
+            <a:schemeClr val="accent1"/>
+          </a:effectRef>
+          <a:fontRef idx="minor">
+            <a:schemeClr val="lt1"/>
+          </a:fontRef>
+        </p:style>
+        <p:txBody>
+          <a:bodyPr rtlCol="0" anchor="ctr"/>
+          <a:lstStyle/>
+          <a:p>
+            <a:pPr algn="ctr"/>
+            <a:r>
+              <a:rPr lang="en-GB" sz="1200" dirty="0">
+                <a:latin typeface="Arial" panose="020B0604020202020204" pitchFamily="34" charset="0"/>
+                <a:cs typeface="Arial" panose="020B0604020202020204" pitchFamily="34" charset="0"/>
+              </a:rPr>
+              <a:t>Modul B</a:t>
+            </a:r>
+          </a:p>
+        </p:txBody>
+      </p:sp>
+      <p:cxnSp>
+        <p:nvCxnSpPr>
+          <p:cNvPr id="77" name="Verbinder: gewinkelt 76">
+            <a:extLst>
+              <a:ext uri="{FF2B5EF4-FFF2-40B4-BE49-F238E27FC236}">
+                <a16:creationId xmlns:a16="http://schemas.microsoft.com/office/drawing/2014/main" id="{BCE0CF7F-1A70-4BE5-8879-AEC796CDC21D}"/>
+              </a:ext>
+            </a:extLst>
+          </p:cNvPr>
+          <p:cNvCxnSpPr>
+            <a:stCxn id="35" idx="3"/>
+            <a:endCxn id="75" idx="0"/>
+          </p:cNvCxnSpPr>
+          <p:nvPr/>
+        </p:nvCxnSpPr>
+        <p:spPr>
+          <a:xfrm>
+            <a:off x="7590397" y="3719096"/>
+            <a:ext cx="572219" cy="342401"/>
+          </a:xfrm>
+          <a:prstGeom prst="bentConnector2">
+            <a:avLst/>
+          </a:prstGeom>
+          <a:ln w="25400">
+            <a:tailEnd type="triangle"/>
+          </a:ln>
+        </p:spPr>
+        <p:style>
+          <a:lnRef idx="1">
+            <a:schemeClr val="accent1"/>
+          </a:lnRef>
+          <a:fillRef idx="0">
+            <a:schemeClr val="accent1"/>
+          </a:fillRef>
+          <a:effectRef idx="0">
+            <a:schemeClr val="accent1"/>
+          </a:effectRef>
+          <a:fontRef idx="minor">
+            <a:schemeClr val="tx1"/>
+          </a:fontRef>
+        </p:style>
+      </p:cxnSp>
     </p:spTree>
     <p:extLst>
       <p:ext uri="{BB962C8B-B14F-4D97-AF65-F5344CB8AC3E}">
         <p14:creationId xmlns:p14="http://schemas.microsoft.com/office/powerpoint/2010/main" val="2630535074"/>
+      </p:ext>
+    </p:extLst>
+  </p:cSld>
+  <p:clrMapOvr>
+    <a:masterClrMapping/>
+  </p:clrMapOvr>
+</p:sld>
+</file>
+
+<file path=ppt/slides/slide5.xml><?xml version="1.0" encoding="utf-8"?>
+<p:sld xmlns:a="http://schemas.openxmlformats.org/drawingml/2006/main" xmlns:r="http://schemas.openxmlformats.org/officeDocument/2006/relationships" xmlns:p="http://schemas.openxmlformats.org/presentationml/2006/main">
+  <p:cSld>
+    <p:spTree>
+      <p:nvGrpSpPr>
+        <p:cNvPr id="1" name=""/>
+        <p:cNvGrpSpPr/>
+        <p:nvPr/>
+      </p:nvGrpSpPr>
+      <p:grpSpPr>
+        <a:xfrm>
+          <a:off x="0" y="0"/>
+          <a:ext cx="0" cy="0"/>
+          <a:chOff x="0" y="0"/>
+          <a:chExt cx="0" cy="0"/>
+        </a:xfrm>
+      </p:grpSpPr>
+      <p:sp>
+        <p:nvSpPr>
+          <p:cNvPr id="4" name="Rechteck: abgerundete Ecken 3">
+            <a:extLst>
+              <a:ext uri="{FF2B5EF4-FFF2-40B4-BE49-F238E27FC236}">
+                <a16:creationId xmlns:a16="http://schemas.microsoft.com/office/drawing/2014/main" id="{2D4407BB-B787-4803-9A7A-C89A660AE021}"/>
+              </a:ext>
+            </a:extLst>
+          </p:cNvPr>
+          <p:cNvSpPr/>
+          <p:nvPr/>
+        </p:nvSpPr>
+        <p:spPr>
+          <a:xfrm>
+            <a:off x="975986" y="3097615"/>
+            <a:ext cx="853996" cy="743487"/>
+          </a:xfrm>
+          <a:prstGeom prst="roundRect">
+            <a:avLst/>
+          </a:prstGeom>
+        </p:spPr>
+        <p:style>
+          <a:lnRef idx="2">
+            <a:schemeClr val="accent1">
+              <a:shade val="50000"/>
+            </a:schemeClr>
+          </a:lnRef>
+          <a:fillRef idx="1">
+            <a:schemeClr val="accent1"/>
+          </a:fillRef>
+          <a:effectRef idx="0">
+            <a:schemeClr val="accent1"/>
+          </a:effectRef>
+          <a:fontRef idx="minor">
+            <a:schemeClr val="lt1"/>
+          </a:fontRef>
+        </p:style>
+        <p:txBody>
+          <a:bodyPr rtlCol="0" anchor="ctr"/>
+          <a:lstStyle/>
+          <a:p>
+            <a:pPr algn="ctr"/>
+            <a:r>
+              <a:rPr lang="en-GB" sz="1200" dirty="0">
+                <a:latin typeface="Arial" panose="020B0604020202020204" pitchFamily="34" charset="0"/>
+                <a:cs typeface="Arial" panose="020B0604020202020204" pitchFamily="34" charset="0"/>
+              </a:rPr>
+              <a:t>Modul A</a:t>
+            </a:r>
+          </a:p>
+        </p:txBody>
+      </p:sp>
+      <p:sp>
+        <p:nvSpPr>
+          <p:cNvPr id="5" name="Rechteck: abgerundete Ecken 4">
+            <a:extLst>
+              <a:ext uri="{FF2B5EF4-FFF2-40B4-BE49-F238E27FC236}">
+                <a16:creationId xmlns:a16="http://schemas.microsoft.com/office/drawing/2014/main" id="{AD545414-E73B-491B-98FF-29E3158FD4C4}"/>
+              </a:ext>
+            </a:extLst>
+          </p:cNvPr>
+          <p:cNvSpPr/>
+          <p:nvPr/>
+        </p:nvSpPr>
+        <p:spPr>
+          <a:xfrm>
+            <a:off x="2163453" y="3097615"/>
+            <a:ext cx="853996" cy="743487"/>
+          </a:xfrm>
+          <a:prstGeom prst="roundRect">
+            <a:avLst/>
+          </a:prstGeom>
+        </p:spPr>
+        <p:style>
+          <a:lnRef idx="2">
+            <a:schemeClr val="accent1">
+              <a:shade val="50000"/>
+            </a:schemeClr>
+          </a:lnRef>
+          <a:fillRef idx="1">
+            <a:schemeClr val="accent1"/>
+          </a:fillRef>
+          <a:effectRef idx="0">
+            <a:schemeClr val="accent1"/>
+          </a:effectRef>
+          <a:fontRef idx="minor">
+            <a:schemeClr val="lt1"/>
+          </a:fontRef>
+        </p:style>
+        <p:txBody>
+          <a:bodyPr rtlCol="0" anchor="ctr"/>
+          <a:lstStyle/>
+          <a:p>
+            <a:pPr algn="ctr"/>
+            <a:r>
+              <a:rPr lang="en-GB" sz="1200" dirty="0">
+                <a:latin typeface="Arial" panose="020B0604020202020204" pitchFamily="34" charset="0"/>
+                <a:cs typeface="Arial" panose="020B0604020202020204" pitchFamily="34" charset="0"/>
+              </a:rPr>
+              <a:t>Modul B</a:t>
+            </a:r>
+          </a:p>
+        </p:txBody>
+      </p:sp>
+      <p:cxnSp>
+        <p:nvCxnSpPr>
+          <p:cNvPr id="6" name="Gerade Verbindung mit Pfeil 5">
+            <a:extLst>
+              <a:ext uri="{FF2B5EF4-FFF2-40B4-BE49-F238E27FC236}">
+                <a16:creationId xmlns:a16="http://schemas.microsoft.com/office/drawing/2014/main" id="{E106F3DB-F92E-4F39-8F7C-88D1115B082D}"/>
+              </a:ext>
+            </a:extLst>
+          </p:cNvPr>
+          <p:cNvCxnSpPr>
+            <a:cxnSpLocks/>
+            <a:stCxn id="9" idx="0"/>
+            <a:endCxn id="4" idx="2"/>
+          </p:cNvCxnSpPr>
+          <p:nvPr/>
+        </p:nvCxnSpPr>
+        <p:spPr>
+          <a:xfrm flipV="1">
+            <a:off x="1402984" y="3841102"/>
+            <a:ext cx="0" cy="486175"/>
+          </a:xfrm>
+          <a:prstGeom prst="straightConnector1">
+            <a:avLst/>
+          </a:prstGeom>
+          <a:ln w="25400">
+            <a:tailEnd type="triangle"/>
+          </a:ln>
+        </p:spPr>
+        <p:style>
+          <a:lnRef idx="1">
+            <a:schemeClr val="accent1"/>
+          </a:lnRef>
+          <a:fillRef idx="0">
+            <a:schemeClr val="accent1"/>
+          </a:fillRef>
+          <a:effectRef idx="0">
+            <a:schemeClr val="accent1"/>
+          </a:effectRef>
+          <a:fontRef idx="minor">
+            <a:schemeClr val="tx1"/>
+          </a:fontRef>
+        </p:style>
+      </p:cxnSp>
+      <p:cxnSp>
+        <p:nvCxnSpPr>
+          <p:cNvPr id="7" name="Gerade Verbindung mit Pfeil 6">
+            <a:extLst>
+              <a:ext uri="{FF2B5EF4-FFF2-40B4-BE49-F238E27FC236}">
+                <a16:creationId xmlns:a16="http://schemas.microsoft.com/office/drawing/2014/main" id="{E4896C73-BB6D-4C86-A74F-289E02D4973D}"/>
+              </a:ext>
+            </a:extLst>
+          </p:cNvPr>
+          <p:cNvCxnSpPr>
+            <a:cxnSpLocks/>
+            <a:stCxn id="4" idx="3"/>
+            <a:endCxn id="5" idx="1"/>
+          </p:cNvCxnSpPr>
+          <p:nvPr/>
+        </p:nvCxnSpPr>
+        <p:spPr>
+          <a:xfrm>
+            <a:off x="1829982" y="3469359"/>
+            <a:ext cx="333471" cy="0"/>
+          </a:xfrm>
+          <a:prstGeom prst="straightConnector1">
+            <a:avLst/>
+          </a:prstGeom>
+          <a:ln w="25400">
+            <a:tailEnd type="triangle"/>
+          </a:ln>
+        </p:spPr>
+        <p:style>
+          <a:lnRef idx="1">
+            <a:schemeClr val="accent1"/>
+          </a:lnRef>
+          <a:fillRef idx="0">
+            <a:schemeClr val="accent1"/>
+          </a:fillRef>
+          <a:effectRef idx="0">
+            <a:schemeClr val="accent1"/>
+          </a:effectRef>
+          <a:fontRef idx="minor">
+            <a:schemeClr val="tx1"/>
+          </a:fontRef>
+        </p:style>
+      </p:cxnSp>
+      <p:sp>
+        <p:nvSpPr>
+          <p:cNvPr id="9" name="Textfeld 8">
+            <a:extLst>
+              <a:ext uri="{FF2B5EF4-FFF2-40B4-BE49-F238E27FC236}">
+                <a16:creationId xmlns:a16="http://schemas.microsoft.com/office/drawing/2014/main" id="{31DB8E18-316F-4008-8E47-4E687EB8F8B2}"/>
+              </a:ext>
+            </a:extLst>
+          </p:cNvPr>
+          <p:cNvSpPr txBox="1"/>
+          <p:nvPr/>
+        </p:nvSpPr>
+        <p:spPr>
+          <a:xfrm>
+            <a:off x="949164" y="4327277"/>
+            <a:ext cx="907639" cy="461665"/>
+          </a:xfrm>
+          <a:prstGeom prst="rect">
+            <a:avLst/>
+          </a:prstGeom>
+          <a:noFill/>
+        </p:spPr>
+        <p:txBody>
+          <a:bodyPr wrap="square" rtlCol="0">
+            <a:spAutoFit/>
+          </a:bodyPr>
+          <a:lstStyle/>
+          <a:p>
+            <a:r>
+              <a:rPr lang="de-DE" sz="1200" dirty="0">
+                <a:latin typeface="Arial" panose="020B0604020202020204" pitchFamily="34" charset="0"/>
+                <a:cs typeface="Arial" panose="020B0604020202020204" pitchFamily="34" charset="0"/>
+              </a:rPr>
+              <a:t>Eingangs-daten</a:t>
+            </a:r>
+          </a:p>
+        </p:txBody>
+      </p:sp>
+      <p:sp>
+        <p:nvSpPr>
+          <p:cNvPr id="12" name="Rechteck: abgerundete Ecken 11">
+            <a:extLst>
+              <a:ext uri="{FF2B5EF4-FFF2-40B4-BE49-F238E27FC236}">
+                <a16:creationId xmlns:a16="http://schemas.microsoft.com/office/drawing/2014/main" id="{59499C1E-658C-4758-A3F4-0E0E67FCF754}"/>
+              </a:ext>
+            </a:extLst>
+          </p:cNvPr>
+          <p:cNvSpPr/>
+          <p:nvPr/>
+        </p:nvSpPr>
+        <p:spPr>
+          <a:xfrm>
+            <a:off x="885400" y="2942304"/>
+            <a:ext cx="2241258" cy="1054510"/>
+          </a:xfrm>
+          <a:prstGeom prst="roundRect">
+            <a:avLst/>
+          </a:prstGeom>
+          <a:noFill/>
+        </p:spPr>
+        <p:style>
+          <a:lnRef idx="2">
+            <a:schemeClr val="accent1">
+              <a:shade val="50000"/>
+            </a:schemeClr>
+          </a:lnRef>
+          <a:fillRef idx="1">
+            <a:schemeClr val="accent1"/>
+          </a:fillRef>
+          <a:effectRef idx="0">
+            <a:schemeClr val="accent1"/>
+          </a:effectRef>
+          <a:fontRef idx="minor">
+            <a:schemeClr val="lt1"/>
+          </a:fontRef>
+        </p:style>
+        <p:txBody>
+          <a:bodyPr rtlCol="0" anchor="ctr"/>
+          <a:lstStyle/>
+          <a:p>
+            <a:pPr algn="ctr"/>
+            <a:endParaRPr lang="en-GB"/>
+          </a:p>
+        </p:txBody>
+      </p:sp>
+      <p:sp>
+        <p:nvSpPr>
+          <p:cNvPr id="22" name="Rechteck: abgerundete Ecken 21">
+            <a:extLst>
+              <a:ext uri="{FF2B5EF4-FFF2-40B4-BE49-F238E27FC236}">
+                <a16:creationId xmlns:a16="http://schemas.microsoft.com/office/drawing/2014/main" id="{850E2ADF-C6B3-4CB3-ACBF-F59E47D9E5F0}"/>
+              </a:ext>
+            </a:extLst>
+          </p:cNvPr>
+          <p:cNvSpPr/>
+          <p:nvPr/>
+        </p:nvSpPr>
+        <p:spPr>
+          <a:xfrm>
+            <a:off x="3734828" y="3102531"/>
+            <a:ext cx="853996" cy="743487"/>
+          </a:xfrm>
+          <a:prstGeom prst="roundRect">
+            <a:avLst/>
+          </a:prstGeom>
+        </p:spPr>
+        <p:style>
+          <a:lnRef idx="2">
+            <a:schemeClr val="accent1">
+              <a:shade val="50000"/>
+            </a:schemeClr>
+          </a:lnRef>
+          <a:fillRef idx="1">
+            <a:schemeClr val="accent1"/>
+          </a:fillRef>
+          <a:effectRef idx="0">
+            <a:schemeClr val="accent1"/>
+          </a:effectRef>
+          <a:fontRef idx="minor">
+            <a:schemeClr val="lt1"/>
+          </a:fontRef>
+        </p:style>
+        <p:txBody>
+          <a:bodyPr rtlCol="0" anchor="ctr"/>
+          <a:lstStyle/>
+          <a:p>
+            <a:pPr algn="ctr"/>
+            <a:r>
+              <a:rPr lang="en-GB" sz="1200" dirty="0">
+                <a:latin typeface="Arial" panose="020B0604020202020204" pitchFamily="34" charset="0"/>
+                <a:cs typeface="Arial" panose="020B0604020202020204" pitchFamily="34" charset="0"/>
+              </a:rPr>
+              <a:t>Modul A</a:t>
+            </a:r>
+          </a:p>
+        </p:txBody>
+      </p:sp>
+      <p:sp>
+        <p:nvSpPr>
+          <p:cNvPr id="23" name="Rechteck: abgerundete Ecken 22">
+            <a:extLst>
+              <a:ext uri="{FF2B5EF4-FFF2-40B4-BE49-F238E27FC236}">
+                <a16:creationId xmlns:a16="http://schemas.microsoft.com/office/drawing/2014/main" id="{5BEC9783-10A2-4459-A913-6B0A96F977FC}"/>
+              </a:ext>
+            </a:extLst>
+          </p:cNvPr>
+          <p:cNvSpPr/>
+          <p:nvPr/>
+        </p:nvSpPr>
+        <p:spPr>
+          <a:xfrm>
+            <a:off x="4922295" y="3102531"/>
+            <a:ext cx="853996" cy="743487"/>
+          </a:xfrm>
+          <a:prstGeom prst="roundRect">
+            <a:avLst/>
+          </a:prstGeom>
+        </p:spPr>
+        <p:style>
+          <a:lnRef idx="2">
+            <a:schemeClr val="accent1">
+              <a:shade val="50000"/>
+            </a:schemeClr>
+          </a:lnRef>
+          <a:fillRef idx="1">
+            <a:schemeClr val="accent1"/>
+          </a:fillRef>
+          <a:effectRef idx="0">
+            <a:schemeClr val="accent1"/>
+          </a:effectRef>
+          <a:fontRef idx="minor">
+            <a:schemeClr val="lt1"/>
+          </a:fontRef>
+        </p:style>
+        <p:txBody>
+          <a:bodyPr rtlCol="0" anchor="ctr"/>
+          <a:lstStyle/>
+          <a:p>
+            <a:pPr algn="ctr"/>
+            <a:r>
+              <a:rPr lang="en-GB" sz="1200" dirty="0">
+                <a:latin typeface="Arial" panose="020B0604020202020204" pitchFamily="34" charset="0"/>
+                <a:cs typeface="Arial" panose="020B0604020202020204" pitchFamily="34" charset="0"/>
+              </a:rPr>
+              <a:t>Modul B</a:t>
+            </a:r>
+          </a:p>
+        </p:txBody>
+      </p:sp>
+      <p:cxnSp>
+        <p:nvCxnSpPr>
+          <p:cNvPr id="24" name="Gerade Verbindung mit Pfeil 23">
+            <a:extLst>
+              <a:ext uri="{FF2B5EF4-FFF2-40B4-BE49-F238E27FC236}">
+                <a16:creationId xmlns:a16="http://schemas.microsoft.com/office/drawing/2014/main" id="{B9501125-42DB-4F5E-B5EC-7AAFC4296E1E}"/>
+              </a:ext>
+            </a:extLst>
+          </p:cNvPr>
+          <p:cNvCxnSpPr>
+            <a:cxnSpLocks/>
+            <a:stCxn id="27" idx="0"/>
+            <a:endCxn id="22" idx="2"/>
+          </p:cNvCxnSpPr>
+          <p:nvPr/>
+        </p:nvCxnSpPr>
+        <p:spPr>
+          <a:xfrm flipV="1">
+            <a:off x="4161826" y="3846018"/>
+            <a:ext cx="0" cy="486175"/>
+          </a:xfrm>
+          <a:prstGeom prst="straightConnector1">
+            <a:avLst/>
+          </a:prstGeom>
+          <a:ln w="25400">
+            <a:tailEnd type="triangle"/>
+          </a:ln>
+        </p:spPr>
+        <p:style>
+          <a:lnRef idx="1">
+            <a:schemeClr val="accent1"/>
+          </a:lnRef>
+          <a:fillRef idx="0">
+            <a:schemeClr val="accent1"/>
+          </a:fillRef>
+          <a:effectRef idx="0">
+            <a:schemeClr val="accent1"/>
+          </a:effectRef>
+          <a:fontRef idx="minor">
+            <a:schemeClr val="tx1"/>
+          </a:fontRef>
+        </p:style>
+      </p:cxnSp>
+      <p:cxnSp>
+        <p:nvCxnSpPr>
+          <p:cNvPr id="25" name="Gerade Verbindung mit Pfeil 24">
+            <a:extLst>
+              <a:ext uri="{FF2B5EF4-FFF2-40B4-BE49-F238E27FC236}">
+                <a16:creationId xmlns:a16="http://schemas.microsoft.com/office/drawing/2014/main" id="{B477AC26-B49A-41EB-96F2-4489B2E7FE84}"/>
+              </a:ext>
+            </a:extLst>
+          </p:cNvPr>
+          <p:cNvCxnSpPr>
+            <a:cxnSpLocks/>
+            <a:stCxn id="22" idx="3"/>
+            <a:endCxn id="23" idx="1"/>
+          </p:cNvCxnSpPr>
+          <p:nvPr/>
+        </p:nvCxnSpPr>
+        <p:spPr>
+          <a:xfrm>
+            <a:off x="4588824" y="3474275"/>
+            <a:ext cx="333471" cy="0"/>
+          </a:xfrm>
+          <a:prstGeom prst="straightConnector1">
+            <a:avLst/>
+          </a:prstGeom>
+          <a:ln w="25400">
+            <a:tailEnd type="triangle"/>
+          </a:ln>
+        </p:spPr>
+        <p:style>
+          <a:lnRef idx="1">
+            <a:schemeClr val="accent1"/>
+          </a:lnRef>
+          <a:fillRef idx="0">
+            <a:schemeClr val="accent1"/>
+          </a:fillRef>
+          <a:effectRef idx="0">
+            <a:schemeClr val="accent1"/>
+          </a:effectRef>
+          <a:fontRef idx="minor">
+            <a:schemeClr val="tx1"/>
+          </a:fontRef>
+        </p:style>
+      </p:cxnSp>
+      <p:sp>
+        <p:nvSpPr>
+          <p:cNvPr id="27" name="Textfeld 26">
+            <a:extLst>
+              <a:ext uri="{FF2B5EF4-FFF2-40B4-BE49-F238E27FC236}">
+                <a16:creationId xmlns:a16="http://schemas.microsoft.com/office/drawing/2014/main" id="{E0EBDCCF-E5B2-412F-BE28-171990C64398}"/>
+              </a:ext>
+            </a:extLst>
+          </p:cNvPr>
+          <p:cNvSpPr txBox="1"/>
+          <p:nvPr/>
+        </p:nvSpPr>
+        <p:spPr>
+          <a:xfrm>
+            <a:off x="3708006" y="4332193"/>
+            <a:ext cx="907639" cy="461665"/>
+          </a:xfrm>
+          <a:prstGeom prst="rect">
+            <a:avLst/>
+          </a:prstGeom>
+          <a:noFill/>
+        </p:spPr>
+        <p:txBody>
+          <a:bodyPr wrap="square" rtlCol="0">
+            <a:spAutoFit/>
+          </a:bodyPr>
+          <a:lstStyle/>
+          <a:p>
+            <a:r>
+              <a:rPr lang="de-DE" sz="1200" dirty="0">
+                <a:latin typeface="Arial" panose="020B0604020202020204" pitchFamily="34" charset="0"/>
+                <a:cs typeface="Arial" panose="020B0604020202020204" pitchFamily="34" charset="0"/>
+              </a:rPr>
+              <a:t>Eingangs-daten</a:t>
+            </a:r>
+          </a:p>
+        </p:txBody>
+      </p:sp>
+      <p:sp>
+        <p:nvSpPr>
+          <p:cNvPr id="29" name="Rechteck: abgerundete Ecken 28">
+            <a:extLst>
+              <a:ext uri="{FF2B5EF4-FFF2-40B4-BE49-F238E27FC236}">
+                <a16:creationId xmlns:a16="http://schemas.microsoft.com/office/drawing/2014/main" id="{00073C94-D0E7-4DAA-9EA2-526071FEE517}"/>
+              </a:ext>
+            </a:extLst>
+          </p:cNvPr>
+          <p:cNvSpPr/>
+          <p:nvPr/>
+        </p:nvSpPr>
+        <p:spPr>
+          <a:xfrm>
+            <a:off x="3644242" y="2942304"/>
+            <a:ext cx="2241258" cy="1059425"/>
+          </a:xfrm>
+          <a:prstGeom prst="roundRect">
+            <a:avLst/>
+          </a:prstGeom>
+          <a:noFill/>
+        </p:spPr>
+        <p:style>
+          <a:lnRef idx="2">
+            <a:schemeClr val="accent1">
+              <a:shade val="50000"/>
+            </a:schemeClr>
+          </a:lnRef>
+          <a:fillRef idx="1">
+            <a:schemeClr val="accent1"/>
+          </a:fillRef>
+          <a:effectRef idx="0">
+            <a:schemeClr val="accent1"/>
+          </a:effectRef>
+          <a:fontRef idx="minor">
+            <a:schemeClr val="lt1"/>
+          </a:fontRef>
+        </p:style>
+        <p:txBody>
+          <a:bodyPr rtlCol="0" anchor="ctr"/>
+          <a:lstStyle/>
+          <a:p>
+            <a:pPr algn="ctr"/>
+            <a:endParaRPr lang="en-GB"/>
+          </a:p>
+        </p:txBody>
+      </p:sp>
+      <p:sp>
+        <p:nvSpPr>
+          <p:cNvPr id="30" name="Textfeld 29">
+            <a:extLst>
+              <a:ext uri="{FF2B5EF4-FFF2-40B4-BE49-F238E27FC236}">
+                <a16:creationId xmlns:a16="http://schemas.microsoft.com/office/drawing/2014/main" id="{B611E7EF-B248-40ED-BA27-4FA2B147E087}"/>
+              </a:ext>
+            </a:extLst>
+          </p:cNvPr>
+          <p:cNvSpPr txBox="1"/>
+          <p:nvPr/>
+        </p:nvSpPr>
+        <p:spPr>
+          <a:xfrm>
+            <a:off x="6335310" y="3335774"/>
+            <a:ext cx="791237" cy="276999"/>
+          </a:xfrm>
+          <a:prstGeom prst="rect">
+            <a:avLst/>
+          </a:prstGeom>
+          <a:noFill/>
+        </p:spPr>
+        <p:txBody>
+          <a:bodyPr wrap="square" rtlCol="0">
+            <a:spAutoFit/>
+          </a:bodyPr>
+          <a:lstStyle/>
+          <a:p>
+            <a:r>
+              <a:rPr lang="de-DE" sz="1200" b="1" dirty="0">
+                <a:latin typeface="Arial" panose="020B0604020202020204" pitchFamily="34" charset="0"/>
+                <a:cs typeface="Arial" panose="020B0604020202020204" pitchFamily="34" charset="0"/>
+              </a:rPr>
+              <a:t>………...</a:t>
+            </a:r>
+          </a:p>
+        </p:txBody>
+      </p:sp>
+      <p:sp>
+        <p:nvSpPr>
+          <p:cNvPr id="31" name="Rechteck: abgerundete Ecken 30">
+            <a:extLst>
+              <a:ext uri="{FF2B5EF4-FFF2-40B4-BE49-F238E27FC236}">
+                <a16:creationId xmlns:a16="http://schemas.microsoft.com/office/drawing/2014/main" id="{42E8B285-D2F8-4C7E-94D6-4FD9FF1F29DF}"/>
+              </a:ext>
+            </a:extLst>
+          </p:cNvPr>
+          <p:cNvSpPr/>
+          <p:nvPr/>
+        </p:nvSpPr>
+        <p:spPr>
+          <a:xfrm>
+            <a:off x="7666943" y="3097615"/>
+            <a:ext cx="853996" cy="743487"/>
+          </a:xfrm>
+          <a:prstGeom prst="roundRect">
+            <a:avLst/>
+          </a:prstGeom>
+        </p:spPr>
+        <p:style>
+          <a:lnRef idx="2">
+            <a:schemeClr val="accent1">
+              <a:shade val="50000"/>
+            </a:schemeClr>
+          </a:lnRef>
+          <a:fillRef idx="1">
+            <a:schemeClr val="accent1"/>
+          </a:fillRef>
+          <a:effectRef idx="0">
+            <a:schemeClr val="accent1"/>
+          </a:effectRef>
+          <a:fontRef idx="minor">
+            <a:schemeClr val="lt1"/>
+          </a:fontRef>
+        </p:style>
+        <p:txBody>
+          <a:bodyPr rtlCol="0" anchor="ctr"/>
+          <a:lstStyle/>
+          <a:p>
+            <a:pPr algn="ctr"/>
+            <a:r>
+              <a:rPr lang="en-GB" sz="1200" dirty="0">
+                <a:latin typeface="Arial" panose="020B0604020202020204" pitchFamily="34" charset="0"/>
+                <a:cs typeface="Arial" panose="020B0604020202020204" pitchFamily="34" charset="0"/>
+              </a:rPr>
+              <a:t>Modul A</a:t>
+            </a:r>
+          </a:p>
+        </p:txBody>
+      </p:sp>
+      <p:sp>
+        <p:nvSpPr>
+          <p:cNvPr id="32" name="Rechteck: abgerundete Ecken 31">
+            <a:extLst>
+              <a:ext uri="{FF2B5EF4-FFF2-40B4-BE49-F238E27FC236}">
+                <a16:creationId xmlns:a16="http://schemas.microsoft.com/office/drawing/2014/main" id="{96535725-FE8B-45FE-8C95-9A1FDA29C892}"/>
+              </a:ext>
+            </a:extLst>
+          </p:cNvPr>
+          <p:cNvSpPr/>
+          <p:nvPr/>
+        </p:nvSpPr>
+        <p:spPr>
+          <a:xfrm>
+            <a:off x="8854410" y="3097615"/>
+            <a:ext cx="853996" cy="743487"/>
+          </a:xfrm>
+          <a:prstGeom prst="roundRect">
+            <a:avLst/>
+          </a:prstGeom>
+        </p:spPr>
+        <p:style>
+          <a:lnRef idx="2">
+            <a:schemeClr val="accent1">
+              <a:shade val="50000"/>
+            </a:schemeClr>
+          </a:lnRef>
+          <a:fillRef idx="1">
+            <a:schemeClr val="accent1"/>
+          </a:fillRef>
+          <a:effectRef idx="0">
+            <a:schemeClr val="accent1"/>
+          </a:effectRef>
+          <a:fontRef idx="minor">
+            <a:schemeClr val="lt1"/>
+          </a:fontRef>
+        </p:style>
+        <p:txBody>
+          <a:bodyPr rtlCol="0" anchor="ctr"/>
+          <a:lstStyle/>
+          <a:p>
+            <a:pPr algn="ctr"/>
+            <a:r>
+              <a:rPr lang="en-GB" sz="1200" dirty="0">
+                <a:latin typeface="Arial" panose="020B0604020202020204" pitchFamily="34" charset="0"/>
+                <a:cs typeface="Arial" panose="020B0604020202020204" pitchFamily="34" charset="0"/>
+              </a:rPr>
+              <a:t>Modul B</a:t>
+            </a:r>
+          </a:p>
+        </p:txBody>
+      </p:sp>
+      <p:cxnSp>
+        <p:nvCxnSpPr>
+          <p:cNvPr id="33" name="Gerade Verbindung mit Pfeil 32">
+            <a:extLst>
+              <a:ext uri="{FF2B5EF4-FFF2-40B4-BE49-F238E27FC236}">
+                <a16:creationId xmlns:a16="http://schemas.microsoft.com/office/drawing/2014/main" id="{4729FBBB-FFD6-41DD-B3B5-31E34859763A}"/>
+              </a:ext>
+            </a:extLst>
+          </p:cNvPr>
+          <p:cNvCxnSpPr>
+            <a:cxnSpLocks/>
+            <a:stCxn id="36" idx="0"/>
+            <a:endCxn id="31" idx="2"/>
+          </p:cNvCxnSpPr>
+          <p:nvPr/>
+        </p:nvCxnSpPr>
+        <p:spPr>
+          <a:xfrm flipV="1">
+            <a:off x="8093941" y="3841102"/>
+            <a:ext cx="0" cy="486175"/>
+          </a:xfrm>
+          <a:prstGeom prst="straightConnector1">
+            <a:avLst/>
+          </a:prstGeom>
+          <a:ln w="25400">
+            <a:tailEnd type="triangle"/>
+          </a:ln>
+        </p:spPr>
+        <p:style>
+          <a:lnRef idx="1">
+            <a:schemeClr val="accent1"/>
+          </a:lnRef>
+          <a:fillRef idx="0">
+            <a:schemeClr val="accent1"/>
+          </a:fillRef>
+          <a:effectRef idx="0">
+            <a:schemeClr val="accent1"/>
+          </a:effectRef>
+          <a:fontRef idx="minor">
+            <a:schemeClr val="tx1"/>
+          </a:fontRef>
+        </p:style>
+      </p:cxnSp>
+      <p:cxnSp>
+        <p:nvCxnSpPr>
+          <p:cNvPr id="34" name="Gerade Verbindung mit Pfeil 33">
+            <a:extLst>
+              <a:ext uri="{FF2B5EF4-FFF2-40B4-BE49-F238E27FC236}">
+                <a16:creationId xmlns:a16="http://schemas.microsoft.com/office/drawing/2014/main" id="{141C7121-67C0-4E7A-B9D9-034C42793AC8}"/>
+              </a:ext>
+            </a:extLst>
+          </p:cNvPr>
+          <p:cNvCxnSpPr>
+            <a:cxnSpLocks/>
+            <a:stCxn id="31" idx="3"/>
+            <a:endCxn id="32" idx="1"/>
+          </p:cNvCxnSpPr>
+          <p:nvPr/>
+        </p:nvCxnSpPr>
+        <p:spPr>
+          <a:xfrm>
+            <a:off x="8520939" y="3469359"/>
+            <a:ext cx="333471" cy="0"/>
+          </a:xfrm>
+          <a:prstGeom prst="straightConnector1">
+            <a:avLst/>
+          </a:prstGeom>
+          <a:ln w="25400">
+            <a:tailEnd type="triangle"/>
+          </a:ln>
+        </p:spPr>
+        <p:style>
+          <a:lnRef idx="1">
+            <a:schemeClr val="accent1"/>
+          </a:lnRef>
+          <a:fillRef idx="0">
+            <a:schemeClr val="accent1"/>
+          </a:fillRef>
+          <a:effectRef idx="0">
+            <a:schemeClr val="accent1"/>
+          </a:effectRef>
+          <a:fontRef idx="minor">
+            <a:schemeClr val="tx1"/>
+          </a:fontRef>
+        </p:style>
+      </p:cxnSp>
+      <p:sp>
+        <p:nvSpPr>
+          <p:cNvPr id="36" name="Textfeld 35">
+            <a:extLst>
+              <a:ext uri="{FF2B5EF4-FFF2-40B4-BE49-F238E27FC236}">
+                <a16:creationId xmlns:a16="http://schemas.microsoft.com/office/drawing/2014/main" id="{ECB4DE21-0FF9-4765-A3BF-DD4A933FD5D7}"/>
+              </a:ext>
+            </a:extLst>
+          </p:cNvPr>
+          <p:cNvSpPr txBox="1"/>
+          <p:nvPr/>
+        </p:nvSpPr>
+        <p:spPr>
+          <a:xfrm>
+            <a:off x="7640121" y="4327277"/>
+            <a:ext cx="907639" cy="461665"/>
+          </a:xfrm>
+          <a:prstGeom prst="rect">
+            <a:avLst/>
+          </a:prstGeom>
+          <a:noFill/>
+        </p:spPr>
+        <p:txBody>
+          <a:bodyPr wrap="square" rtlCol="0">
+            <a:spAutoFit/>
+          </a:bodyPr>
+          <a:lstStyle/>
+          <a:p>
+            <a:r>
+              <a:rPr lang="de-DE" sz="1200" dirty="0">
+                <a:latin typeface="Arial" panose="020B0604020202020204" pitchFamily="34" charset="0"/>
+                <a:cs typeface="Arial" panose="020B0604020202020204" pitchFamily="34" charset="0"/>
+              </a:rPr>
+              <a:t>Eingangs-daten</a:t>
+            </a:r>
+          </a:p>
+        </p:txBody>
+      </p:sp>
+      <p:sp>
+        <p:nvSpPr>
+          <p:cNvPr id="38" name="Rechteck: abgerundete Ecken 37">
+            <a:extLst>
+              <a:ext uri="{FF2B5EF4-FFF2-40B4-BE49-F238E27FC236}">
+                <a16:creationId xmlns:a16="http://schemas.microsoft.com/office/drawing/2014/main" id="{02E9BA47-DABB-4FE6-8D20-BBF2378D76F9}"/>
+              </a:ext>
+            </a:extLst>
+          </p:cNvPr>
+          <p:cNvSpPr/>
+          <p:nvPr/>
+        </p:nvSpPr>
+        <p:spPr>
+          <a:xfrm>
+            <a:off x="7576357" y="2937388"/>
+            <a:ext cx="2241258" cy="1059425"/>
+          </a:xfrm>
+          <a:prstGeom prst="roundRect">
+            <a:avLst/>
+          </a:prstGeom>
+          <a:noFill/>
+        </p:spPr>
+        <p:style>
+          <a:lnRef idx="2">
+            <a:schemeClr val="accent1">
+              <a:shade val="50000"/>
+            </a:schemeClr>
+          </a:lnRef>
+          <a:fillRef idx="1">
+            <a:schemeClr val="accent1"/>
+          </a:fillRef>
+          <a:effectRef idx="0">
+            <a:schemeClr val="accent1"/>
+          </a:effectRef>
+          <a:fontRef idx="minor">
+            <a:schemeClr val="lt1"/>
+          </a:fontRef>
+        </p:style>
+        <p:txBody>
+          <a:bodyPr rtlCol="0" anchor="ctr"/>
+          <a:lstStyle/>
+          <a:p>
+            <a:pPr algn="ctr"/>
+            <a:endParaRPr lang="en-GB"/>
+          </a:p>
+        </p:txBody>
+      </p:sp>
+      <p:cxnSp>
+        <p:nvCxnSpPr>
+          <p:cNvPr id="48" name="Verbinder: gewinkelt 47">
+            <a:extLst>
+              <a:ext uri="{FF2B5EF4-FFF2-40B4-BE49-F238E27FC236}">
+                <a16:creationId xmlns:a16="http://schemas.microsoft.com/office/drawing/2014/main" id="{D9BFD921-C238-4BD4-85FC-695F99AA2643}"/>
+              </a:ext>
+            </a:extLst>
+          </p:cNvPr>
+          <p:cNvCxnSpPr>
+            <a:stCxn id="5" idx="0"/>
+            <a:endCxn id="23" idx="0"/>
+          </p:cNvCxnSpPr>
+          <p:nvPr/>
+        </p:nvCxnSpPr>
+        <p:spPr>
+          <a:xfrm rot="16200000" flipH="1">
+            <a:off x="3967414" y="1720652"/>
+            <a:ext cx="4916" cy="2758842"/>
+          </a:xfrm>
+          <a:prstGeom prst="bentConnector3">
+            <a:avLst>
+              <a:gd name="adj1" fmla="val -8400224"/>
+            </a:avLst>
+          </a:prstGeom>
+          <a:ln w="25400">
+            <a:prstDash val="sysDash"/>
+            <a:headEnd type="triangle"/>
+            <a:tailEnd type="triangle"/>
+          </a:ln>
+        </p:spPr>
+        <p:style>
+          <a:lnRef idx="1">
+            <a:schemeClr val="accent1"/>
+          </a:lnRef>
+          <a:fillRef idx="0">
+            <a:schemeClr val="accent1"/>
+          </a:fillRef>
+          <a:effectRef idx="0">
+            <a:schemeClr val="accent1"/>
+          </a:effectRef>
+          <a:fontRef idx="minor">
+            <a:schemeClr val="tx1"/>
+          </a:fontRef>
+        </p:style>
+      </p:cxnSp>
+      <p:sp>
+        <p:nvSpPr>
+          <p:cNvPr id="50" name="Rechteck: abgerundete Ecken 49">
+            <a:extLst>
+              <a:ext uri="{FF2B5EF4-FFF2-40B4-BE49-F238E27FC236}">
+                <a16:creationId xmlns:a16="http://schemas.microsoft.com/office/drawing/2014/main" id="{508FA85B-9558-47B8-A6A2-260917C4F7F9}"/>
+              </a:ext>
+            </a:extLst>
+          </p:cNvPr>
+          <p:cNvSpPr/>
+          <p:nvPr/>
+        </p:nvSpPr>
+        <p:spPr>
+          <a:xfrm>
+            <a:off x="4890915" y="707044"/>
+            <a:ext cx="853996" cy="743487"/>
+          </a:xfrm>
+          <a:prstGeom prst="roundRect">
+            <a:avLst/>
+          </a:prstGeom>
+        </p:spPr>
+        <p:style>
+          <a:lnRef idx="2">
+            <a:schemeClr val="accent1">
+              <a:shade val="50000"/>
+            </a:schemeClr>
+          </a:lnRef>
+          <a:fillRef idx="1">
+            <a:schemeClr val="accent1"/>
+          </a:fillRef>
+          <a:effectRef idx="0">
+            <a:schemeClr val="accent1"/>
+          </a:effectRef>
+          <a:fontRef idx="minor">
+            <a:schemeClr val="lt1"/>
+          </a:fontRef>
+        </p:style>
+        <p:txBody>
+          <a:bodyPr rtlCol="0" anchor="ctr"/>
+          <a:lstStyle/>
+          <a:p>
+            <a:pPr algn="ctr"/>
+            <a:r>
+              <a:rPr lang="en-GB" sz="1200" dirty="0">
+                <a:latin typeface="Arial" panose="020B0604020202020204" pitchFamily="34" charset="0"/>
+                <a:cs typeface="Arial" panose="020B0604020202020204" pitchFamily="34" charset="0"/>
+              </a:rPr>
+              <a:t>Modul A</a:t>
+            </a:r>
+          </a:p>
+        </p:txBody>
+      </p:sp>
+      <p:sp>
+        <p:nvSpPr>
+          <p:cNvPr id="51" name="Rechteck: abgerundete Ecken 50">
+            <a:extLst>
+              <a:ext uri="{FF2B5EF4-FFF2-40B4-BE49-F238E27FC236}">
+                <a16:creationId xmlns:a16="http://schemas.microsoft.com/office/drawing/2014/main" id="{E785225E-518D-4A2F-81B0-5FC9A6CB7AC8}"/>
+              </a:ext>
+            </a:extLst>
+          </p:cNvPr>
+          <p:cNvSpPr/>
+          <p:nvPr/>
+        </p:nvSpPr>
+        <p:spPr>
+          <a:xfrm>
+            <a:off x="6078382" y="707044"/>
+            <a:ext cx="853996" cy="743487"/>
+          </a:xfrm>
+          <a:prstGeom prst="roundRect">
+            <a:avLst/>
+          </a:prstGeom>
+        </p:spPr>
+        <p:style>
+          <a:lnRef idx="2">
+            <a:schemeClr val="accent1">
+              <a:shade val="50000"/>
+            </a:schemeClr>
+          </a:lnRef>
+          <a:fillRef idx="1">
+            <a:schemeClr val="accent1"/>
+          </a:fillRef>
+          <a:effectRef idx="0">
+            <a:schemeClr val="accent1"/>
+          </a:effectRef>
+          <a:fontRef idx="minor">
+            <a:schemeClr val="lt1"/>
+          </a:fontRef>
+        </p:style>
+        <p:txBody>
+          <a:bodyPr rtlCol="0" anchor="ctr"/>
+          <a:lstStyle/>
+          <a:p>
+            <a:pPr algn="ctr"/>
+            <a:r>
+              <a:rPr lang="en-GB" sz="1200" dirty="0">
+                <a:latin typeface="Arial" panose="020B0604020202020204" pitchFamily="34" charset="0"/>
+                <a:cs typeface="Arial" panose="020B0604020202020204" pitchFamily="34" charset="0"/>
+              </a:rPr>
+              <a:t>Modul B</a:t>
+            </a:r>
+          </a:p>
+        </p:txBody>
+      </p:sp>
+      <p:cxnSp>
+        <p:nvCxnSpPr>
+          <p:cNvPr id="53" name="Gerade Verbindung mit Pfeil 52">
+            <a:extLst>
+              <a:ext uri="{FF2B5EF4-FFF2-40B4-BE49-F238E27FC236}">
+                <a16:creationId xmlns:a16="http://schemas.microsoft.com/office/drawing/2014/main" id="{23B08D3F-8051-431F-A5C1-64C4F64D20DD}"/>
+              </a:ext>
+            </a:extLst>
+          </p:cNvPr>
+          <p:cNvCxnSpPr>
+            <a:cxnSpLocks/>
+            <a:stCxn id="50" idx="3"/>
+            <a:endCxn id="51" idx="1"/>
+          </p:cNvCxnSpPr>
+          <p:nvPr/>
+        </p:nvCxnSpPr>
+        <p:spPr>
+          <a:xfrm>
+            <a:off x="5744911" y="1078788"/>
+            <a:ext cx="333471" cy="0"/>
+          </a:xfrm>
+          <a:prstGeom prst="straightConnector1">
+            <a:avLst/>
+          </a:prstGeom>
+          <a:ln w="25400">
+            <a:headEnd type="triangle"/>
+            <a:tailEnd type="none"/>
+          </a:ln>
+        </p:spPr>
+        <p:style>
+          <a:lnRef idx="1">
+            <a:schemeClr val="accent1"/>
+          </a:lnRef>
+          <a:fillRef idx="0">
+            <a:schemeClr val="accent1"/>
+          </a:fillRef>
+          <a:effectRef idx="0">
+            <a:schemeClr val="accent1"/>
+          </a:effectRef>
+          <a:fontRef idx="minor">
+            <a:schemeClr val="tx1"/>
+          </a:fontRef>
+        </p:style>
+      </p:cxnSp>
+      <p:sp>
+        <p:nvSpPr>
+          <p:cNvPr id="57" name="Rechteck: abgerundete Ecken 56">
+            <a:extLst>
+              <a:ext uri="{FF2B5EF4-FFF2-40B4-BE49-F238E27FC236}">
+                <a16:creationId xmlns:a16="http://schemas.microsoft.com/office/drawing/2014/main" id="{6C7AC501-522D-4589-8E79-2221FC5AEDCF}"/>
+              </a:ext>
+            </a:extLst>
+          </p:cNvPr>
+          <p:cNvSpPr/>
+          <p:nvPr/>
+        </p:nvSpPr>
+        <p:spPr>
+          <a:xfrm>
+            <a:off x="4800329" y="546817"/>
+            <a:ext cx="2241258" cy="1059425"/>
+          </a:xfrm>
+          <a:prstGeom prst="roundRect">
+            <a:avLst/>
+          </a:prstGeom>
+          <a:noFill/>
+        </p:spPr>
+        <p:style>
+          <a:lnRef idx="2">
+            <a:schemeClr val="accent1">
+              <a:shade val="50000"/>
+            </a:schemeClr>
+          </a:lnRef>
+          <a:fillRef idx="1">
+            <a:schemeClr val="accent1"/>
+          </a:fillRef>
+          <a:effectRef idx="0">
+            <a:schemeClr val="accent1"/>
+          </a:effectRef>
+          <a:fontRef idx="minor">
+            <a:schemeClr val="lt1"/>
+          </a:fontRef>
+        </p:style>
+        <p:txBody>
+          <a:bodyPr rtlCol="0" anchor="ctr"/>
+          <a:lstStyle/>
+          <a:p>
+            <a:pPr algn="ctr"/>
+            <a:endParaRPr lang="en-GB"/>
+          </a:p>
+        </p:txBody>
+      </p:sp>
+      <p:cxnSp>
+        <p:nvCxnSpPr>
+          <p:cNvPr id="61" name="Verbinder: gekrümmt 60">
+            <a:extLst>
+              <a:ext uri="{FF2B5EF4-FFF2-40B4-BE49-F238E27FC236}">
+                <a16:creationId xmlns:a16="http://schemas.microsoft.com/office/drawing/2014/main" id="{2BFCE06D-C4C9-49B9-82E8-4BFDA3CB3327}"/>
+              </a:ext>
+            </a:extLst>
+          </p:cNvPr>
+          <p:cNvCxnSpPr>
+            <a:stCxn id="5" idx="0"/>
+            <a:endCxn id="51" idx="2"/>
+          </p:cNvCxnSpPr>
+          <p:nvPr/>
+        </p:nvCxnSpPr>
+        <p:spPr>
+          <a:xfrm rot="5400000" flipH="1" flipV="1">
+            <a:off x="3724373" y="316609"/>
+            <a:ext cx="1647084" cy="3914929"/>
+          </a:xfrm>
+          <a:prstGeom prst="curvedConnector3">
+            <a:avLst/>
+          </a:prstGeom>
+          <a:ln w="25400">
+            <a:headEnd type="triangle"/>
+            <a:tailEnd type="triangle"/>
+          </a:ln>
+        </p:spPr>
+        <p:style>
+          <a:lnRef idx="1">
+            <a:schemeClr val="accent1"/>
+          </a:lnRef>
+          <a:fillRef idx="0">
+            <a:schemeClr val="accent1"/>
+          </a:fillRef>
+          <a:effectRef idx="0">
+            <a:schemeClr val="accent1"/>
+          </a:effectRef>
+          <a:fontRef idx="minor">
+            <a:schemeClr val="tx1"/>
+          </a:fontRef>
+        </p:style>
+      </p:cxnSp>
+      <p:cxnSp>
+        <p:nvCxnSpPr>
+          <p:cNvPr id="63" name="Verbinder: gekrümmt 62">
+            <a:extLst>
+              <a:ext uri="{FF2B5EF4-FFF2-40B4-BE49-F238E27FC236}">
+                <a16:creationId xmlns:a16="http://schemas.microsoft.com/office/drawing/2014/main" id="{87F5B11B-35C5-4F8D-9349-F5E69ED2DDFE}"/>
+              </a:ext>
+            </a:extLst>
+          </p:cNvPr>
+          <p:cNvCxnSpPr>
+            <a:stCxn id="23" idx="0"/>
+            <a:endCxn id="51" idx="2"/>
+          </p:cNvCxnSpPr>
+          <p:nvPr/>
+        </p:nvCxnSpPr>
+        <p:spPr>
+          <a:xfrm rot="5400000" flipH="1" flipV="1">
+            <a:off x="5101336" y="1698488"/>
+            <a:ext cx="1652000" cy="1156087"/>
+          </a:xfrm>
+          <a:prstGeom prst="curvedConnector3">
+            <a:avLst/>
+          </a:prstGeom>
+          <a:ln w="25400">
+            <a:headEnd type="triangle"/>
+            <a:tailEnd type="triangle"/>
+          </a:ln>
+        </p:spPr>
+        <p:style>
+          <a:lnRef idx="1">
+            <a:schemeClr val="accent1"/>
+          </a:lnRef>
+          <a:fillRef idx="0">
+            <a:schemeClr val="accent1"/>
+          </a:fillRef>
+          <a:effectRef idx="0">
+            <a:schemeClr val="accent1"/>
+          </a:effectRef>
+          <a:fontRef idx="minor">
+            <a:schemeClr val="tx1"/>
+          </a:fontRef>
+        </p:style>
+      </p:cxnSp>
+      <p:cxnSp>
+        <p:nvCxnSpPr>
+          <p:cNvPr id="65" name="Verbinder: gekrümmt 64">
+            <a:extLst>
+              <a:ext uri="{FF2B5EF4-FFF2-40B4-BE49-F238E27FC236}">
+                <a16:creationId xmlns:a16="http://schemas.microsoft.com/office/drawing/2014/main" id="{7B16CD5E-EDDC-4C80-9710-407BE31423EC}"/>
+              </a:ext>
+            </a:extLst>
+          </p:cNvPr>
+          <p:cNvCxnSpPr>
+            <a:stCxn id="51" idx="2"/>
+            <a:endCxn id="32" idx="0"/>
+          </p:cNvCxnSpPr>
+          <p:nvPr/>
+        </p:nvCxnSpPr>
+        <p:spPr>
+          <a:xfrm rot="16200000" flipH="1">
+            <a:off x="7069852" y="886059"/>
+            <a:ext cx="1647084" cy="2776028"/>
+          </a:xfrm>
+          <a:prstGeom prst="curvedConnector3">
+            <a:avLst/>
+          </a:prstGeom>
+          <a:ln w="25400">
+            <a:headEnd type="triangle"/>
+            <a:tailEnd type="triangle"/>
+          </a:ln>
+        </p:spPr>
+        <p:style>
+          <a:lnRef idx="1">
+            <a:schemeClr val="accent1"/>
+          </a:lnRef>
+          <a:fillRef idx="0">
+            <a:schemeClr val="accent1"/>
+          </a:fillRef>
+          <a:effectRef idx="0">
+            <a:schemeClr val="accent1"/>
+          </a:effectRef>
+          <a:fontRef idx="minor">
+            <a:schemeClr val="tx1"/>
+          </a:fontRef>
+        </p:style>
+      </p:cxnSp>
+      <p:sp>
+        <p:nvSpPr>
+          <p:cNvPr id="66" name="Textfeld 65">
+            <a:extLst>
+              <a:ext uri="{FF2B5EF4-FFF2-40B4-BE49-F238E27FC236}">
+                <a16:creationId xmlns:a16="http://schemas.microsoft.com/office/drawing/2014/main" id="{82FD311E-C12D-438E-9F28-8C3CE6444246}"/>
+              </a:ext>
+            </a:extLst>
+          </p:cNvPr>
+          <p:cNvSpPr txBox="1"/>
+          <p:nvPr/>
+        </p:nvSpPr>
+        <p:spPr>
+          <a:xfrm>
+            <a:off x="3708006" y="381479"/>
+            <a:ext cx="1156087" cy="646331"/>
+          </a:xfrm>
+          <a:prstGeom prst="rect">
+            <a:avLst/>
+          </a:prstGeom>
+          <a:noFill/>
+        </p:spPr>
+        <p:txBody>
+          <a:bodyPr wrap="square" rtlCol="0">
+            <a:spAutoFit/>
+          </a:bodyPr>
+          <a:lstStyle/>
+          <a:p>
+            <a:r>
+              <a:rPr lang="de-DE" sz="1200" dirty="0">
+                <a:latin typeface="Arial" panose="020B0604020202020204" pitchFamily="34" charset="0"/>
+                <a:cs typeface="Arial" panose="020B0604020202020204" pitchFamily="34" charset="0"/>
+              </a:rPr>
+              <a:t>Mastergerät oder zentraler Server</a:t>
+            </a:r>
+          </a:p>
+        </p:txBody>
+      </p:sp>
+    </p:spTree>
+    <p:extLst>
+      <p:ext uri="{BB962C8B-B14F-4D97-AF65-F5344CB8AC3E}">
+        <p14:creationId xmlns:p14="http://schemas.microsoft.com/office/powerpoint/2010/main" val="937886937"/>
       </p:ext>
     </p:extLst>
   </p:cSld>

--- a/Dokumentation/Graphiken.pptx
+++ b/Dokumentation/Graphiken.pptx
@@ -5,7 +5,7 @@
     <p:sldMasterId id="2147483648" r:id="rId1"/>
   </p:sldMasterIdLst>
   <p:notesMasterIdLst>
-    <p:notesMasterId r:id="rId7"/>
+    <p:notesMasterId r:id="rId8"/>
   </p:notesMasterIdLst>
   <p:sldIdLst>
     <p:sldId id="257" r:id="rId2"/>
@@ -13,6 +13,7 @@
     <p:sldId id="259" r:id="rId4"/>
     <p:sldId id="260" r:id="rId5"/>
     <p:sldId id="261" r:id="rId6"/>
+    <p:sldId id="262" r:id="rId7"/>
   </p:sldIdLst>
   <p:sldSz cx="12192000" cy="6858000"/>
   <p:notesSz cx="6858000" cy="9144000"/>
@@ -212,7 +213,7 @@
           <a:p>
             <a:fld id="{B9EC3B4B-6FA9-4E93-8DE6-925625796A50}" type="datetimeFigureOut">
               <a:rPr lang="en-GB" smtClean="0"/>
-              <a:t>18/05/2019</a:t>
+              <a:t>24/05/2019</a:t>
             </a:fld>
             <a:endParaRPr lang="en-GB" dirty="0"/>
           </a:p>
@@ -627,7 +628,7 @@
           <a:p>
             <a:fld id="{26B5E0E0-4D0D-4CD4-AF77-BF99AC711AE8}" type="datetimeFigureOut">
               <a:rPr lang="de-DE" smtClean="0"/>
-              <a:t>18.05.2019</a:t>
+              <a:t>24.05.2019</a:t>
             </a:fld>
             <a:endParaRPr lang="de-DE" dirty="0"/>
           </a:p>
@@ -825,7 +826,7 @@
           <a:p>
             <a:fld id="{26B5E0E0-4D0D-4CD4-AF77-BF99AC711AE8}" type="datetimeFigureOut">
               <a:rPr lang="de-DE" smtClean="0"/>
-              <a:t>18.05.2019</a:t>
+              <a:t>24.05.2019</a:t>
             </a:fld>
             <a:endParaRPr lang="de-DE" dirty="0"/>
           </a:p>
@@ -1033,7 +1034,7 @@
           <a:p>
             <a:fld id="{26B5E0E0-4D0D-4CD4-AF77-BF99AC711AE8}" type="datetimeFigureOut">
               <a:rPr lang="de-DE" smtClean="0"/>
-              <a:t>18.05.2019</a:t>
+              <a:t>24.05.2019</a:t>
             </a:fld>
             <a:endParaRPr lang="de-DE" dirty="0"/>
           </a:p>
@@ -1231,7 +1232,7 @@
           <a:p>
             <a:fld id="{26B5E0E0-4D0D-4CD4-AF77-BF99AC711AE8}" type="datetimeFigureOut">
               <a:rPr lang="de-DE" smtClean="0"/>
-              <a:t>18.05.2019</a:t>
+              <a:t>24.05.2019</a:t>
             </a:fld>
             <a:endParaRPr lang="de-DE" dirty="0"/>
           </a:p>
@@ -1506,7 +1507,7 @@
           <a:p>
             <a:fld id="{26B5E0E0-4D0D-4CD4-AF77-BF99AC711AE8}" type="datetimeFigureOut">
               <a:rPr lang="de-DE" smtClean="0"/>
-              <a:t>18.05.2019</a:t>
+              <a:t>24.05.2019</a:t>
             </a:fld>
             <a:endParaRPr lang="de-DE" dirty="0"/>
           </a:p>
@@ -1771,7 +1772,7 @@
           <a:p>
             <a:fld id="{26B5E0E0-4D0D-4CD4-AF77-BF99AC711AE8}" type="datetimeFigureOut">
               <a:rPr lang="de-DE" smtClean="0"/>
-              <a:t>18.05.2019</a:t>
+              <a:t>24.05.2019</a:t>
             </a:fld>
             <a:endParaRPr lang="de-DE" dirty="0"/>
           </a:p>
@@ -2183,7 +2184,7 @@
           <a:p>
             <a:fld id="{26B5E0E0-4D0D-4CD4-AF77-BF99AC711AE8}" type="datetimeFigureOut">
               <a:rPr lang="de-DE" smtClean="0"/>
-              <a:t>18.05.2019</a:t>
+              <a:t>24.05.2019</a:t>
             </a:fld>
             <a:endParaRPr lang="de-DE" dirty="0"/>
           </a:p>
@@ -2324,7 +2325,7 @@
           <a:p>
             <a:fld id="{26B5E0E0-4D0D-4CD4-AF77-BF99AC711AE8}" type="datetimeFigureOut">
               <a:rPr lang="de-DE" smtClean="0"/>
-              <a:t>18.05.2019</a:t>
+              <a:t>24.05.2019</a:t>
             </a:fld>
             <a:endParaRPr lang="de-DE" dirty="0"/>
           </a:p>
@@ -2437,7 +2438,7 @@
           <a:p>
             <a:fld id="{26B5E0E0-4D0D-4CD4-AF77-BF99AC711AE8}" type="datetimeFigureOut">
               <a:rPr lang="de-DE" smtClean="0"/>
-              <a:t>18.05.2019</a:t>
+              <a:t>24.05.2019</a:t>
             </a:fld>
             <a:endParaRPr lang="de-DE" dirty="0"/>
           </a:p>
@@ -2748,7 +2749,7 @@
           <a:p>
             <a:fld id="{26B5E0E0-4D0D-4CD4-AF77-BF99AC711AE8}" type="datetimeFigureOut">
               <a:rPr lang="de-DE" smtClean="0"/>
-              <a:t>18.05.2019</a:t>
+              <a:t>24.05.2019</a:t>
             </a:fld>
             <a:endParaRPr lang="de-DE" dirty="0"/>
           </a:p>
@@ -3036,7 +3037,7 @@
           <a:p>
             <a:fld id="{26B5E0E0-4D0D-4CD4-AF77-BF99AC711AE8}" type="datetimeFigureOut">
               <a:rPr lang="de-DE" smtClean="0"/>
-              <a:t>18.05.2019</a:t>
+              <a:t>24.05.2019</a:t>
             </a:fld>
             <a:endParaRPr lang="de-DE" dirty="0"/>
           </a:p>
@@ -3277,7 +3278,7 @@
           <a:p>
             <a:fld id="{26B5E0E0-4D0D-4CD4-AF77-BF99AC711AE8}" type="datetimeFigureOut">
               <a:rPr lang="de-DE" smtClean="0"/>
-              <a:t>18.05.2019</a:t>
+              <a:t>24.05.2019</a:t>
             </a:fld>
             <a:endParaRPr lang="de-DE" dirty="0"/>
           </a:p>
@@ -10555,6 +10556,1376 @@
     <p:extLst>
       <p:ext uri="{BB962C8B-B14F-4D97-AF65-F5344CB8AC3E}">
         <p14:creationId xmlns:p14="http://schemas.microsoft.com/office/powerpoint/2010/main" val="937886937"/>
+      </p:ext>
+    </p:extLst>
+  </p:cSld>
+  <p:clrMapOvr>
+    <a:masterClrMapping/>
+  </p:clrMapOvr>
+</p:sld>
+</file>
+
+<file path=ppt/slides/slide6.xml><?xml version="1.0" encoding="utf-8"?>
+<p:sld xmlns:a="http://schemas.openxmlformats.org/drawingml/2006/main" xmlns:r="http://schemas.openxmlformats.org/officeDocument/2006/relationships" xmlns:p="http://schemas.openxmlformats.org/presentationml/2006/main">
+  <p:cSld>
+    <p:spTree>
+      <p:nvGrpSpPr>
+        <p:cNvPr id="1" name=""/>
+        <p:cNvGrpSpPr/>
+        <p:nvPr/>
+      </p:nvGrpSpPr>
+      <p:grpSpPr>
+        <a:xfrm>
+          <a:off x="0" y="0"/>
+          <a:ext cx="0" cy="0"/>
+          <a:chOff x="0" y="0"/>
+          <a:chExt cx="0" cy="0"/>
+        </a:xfrm>
+      </p:grpSpPr>
+      <p:sp>
+        <p:nvSpPr>
+          <p:cNvPr id="35" name="Rechteck 34">
+            <a:extLst>
+              <a:ext uri="{FF2B5EF4-FFF2-40B4-BE49-F238E27FC236}">
+                <a16:creationId xmlns:a16="http://schemas.microsoft.com/office/drawing/2014/main" id="{AA4A3E94-9ECC-4307-B0BE-BCD58DFF71ED}"/>
+              </a:ext>
+            </a:extLst>
+          </p:cNvPr>
+          <p:cNvSpPr>
+            <a:spLocks/>
+          </p:cNvSpPr>
+          <p:nvPr/>
+        </p:nvSpPr>
+        <p:spPr>
+          <a:xfrm>
+            <a:off x="4254424" y="855021"/>
+            <a:ext cx="1152000" cy="576000"/>
+          </a:xfrm>
+          <a:prstGeom prst="rect">
+            <a:avLst/>
+          </a:prstGeom>
+        </p:spPr>
+        <p:style>
+          <a:lnRef idx="2">
+            <a:schemeClr val="accent1">
+              <a:shade val="50000"/>
+            </a:schemeClr>
+          </a:lnRef>
+          <a:fillRef idx="1">
+            <a:schemeClr val="accent1"/>
+          </a:fillRef>
+          <a:effectRef idx="0">
+            <a:schemeClr val="accent1"/>
+          </a:effectRef>
+          <a:fontRef idx="minor">
+            <a:schemeClr val="lt1"/>
+          </a:fontRef>
+        </p:style>
+        <p:txBody>
+          <a:bodyPr rtlCol="0" anchor="ctr"/>
+          <a:lstStyle/>
+          <a:p>
+            <a:pPr algn="ctr"/>
+            <a:r>
+              <a:rPr lang="de-DE" sz="1200" dirty="0">
+                <a:latin typeface="Arial" panose="020B0604020202020204" pitchFamily="34" charset="0"/>
+                <a:cs typeface="Arial" panose="020B0604020202020204" pitchFamily="34" charset="0"/>
+              </a:rPr>
+              <a:t>Passiver Wartezustand</a:t>
+            </a:r>
+          </a:p>
+        </p:txBody>
+      </p:sp>
+      <p:sp>
+        <p:nvSpPr>
+          <p:cNvPr id="42" name="Textfeld 41">
+            <a:extLst>
+              <a:ext uri="{FF2B5EF4-FFF2-40B4-BE49-F238E27FC236}">
+                <a16:creationId xmlns:a16="http://schemas.microsoft.com/office/drawing/2014/main" id="{DC004484-5F5B-497F-8F84-116F57DD3C8E}"/>
+              </a:ext>
+            </a:extLst>
+          </p:cNvPr>
+          <p:cNvSpPr txBox="1"/>
+          <p:nvPr/>
+        </p:nvSpPr>
+        <p:spPr>
+          <a:xfrm>
+            <a:off x="3745149" y="1850760"/>
+            <a:ext cx="509275" cy="276999"/>
+          </a:xfrm>
+          <a:prstGeom prst="rect">
+            <a:avLst/>
+          </a:prstGeom>
+          <a:noFill/>
+        </p:spPr>
+        <p:txBody>
+          <a:bodyPr wrap="square" rtlCol="0">
+            <a:spAutoFit/>
+          </a:bodyPr>
+          <a:lstStyle/>
+          <a:p>
+            <a:r>
+              <a:rPr lang="de-DE" sz="1200" dirty="0">
+                <a:latin typeface="Arial" panose="020B0604020202020204" pitchFamily="34" charset="0"/>
+                <a:cs typeface="Arial" panose="020B0604020202020204" pitchFamily="34" charset="0"/>
+              </a:rPr>
+              <a:t>Nein</a:t>
+            </a:r>
+            <a:endParaRPr lang="en-GB" sz="1200" dirty="0">
+              <a:latin typeface="Arial" panose="020B0604020202020204" pitchFamily="34" charset="0"/>
+              <a:cs typeface="Arial" panose="020B0604020202020204" pitchFamily="34" charset="0"/>
+            </a:endParaRPr>
+          </a:p>
+        </p:txBody>
+      </p:sp>
+      <p:sp>
+        <p:nvSpPr>
+          <p:cNvPr id="11" name="Raute 10">
+            <a:extLst>
+              <a:ext uri="{FF2B5EF4-FFF2-40B4-BE49-F238E27FC236}">
+                <a16:creationId xmlns:a16="http://schemas.microsoft.com/office/drawing/2014/main" id="{69977FF2-7C66-46CC-8F7A-45BE75E8BF56}"/>
+              </a:ext>
+            </a:extLst>
+          </p:cNvPr>
+          <p:cNvSpPr/>
+          <p:nvPr/>
+        </p:nvSpPr>
+        <p:spPr>
+          <a:xfrm>
+            <a:off x="3999178" y="1755621"/>
+            <a:ext cx="1662491" cy="744277"/>
+          </a:xfrm>
+          <a:prstGeom prst="diamond">
+            <a:avLst/>
+          </a:prstGeom>
+        </p:spPr>
+        <p:style>
+          <a:lnRef idx="2">
+            <a:schemeClr val="accent1">
+              <a:shade val="50000"/>
+            </a:schemeClr>
+          </a:lnRef>
+          <a:fillRef idx="1">
+            <a:schemeClr val="accent1"/>
+          </a:fillRef>
+          <a:effectRef idx="0">
+            <a:schemeClr val="accent1"/>
+          </a:effectRef>
+          <a:fontRef idx="minor">
+            <a:schemeClr val="lt1"/>
+          </a:fontRef>
+        </p:style>
+        <p:txBody>
+          <a:bodyPr rtlCol="0" anchor="ctr"/>
+          <a:lstStyle/>
+          <a:p>
+            <a:pPr algn="ctr"/>
+            <a:r>
+              <a:rPr lang="en-GB" sz="1200" dirty="0">
+                <a:latin typeface="Arial" panose="020B0604020202020204" pitchFamily="34" charset="0"/>
+                <a:cs typeface="Arial" panose="020B0604020202020204" pitchFamily="34" charset="0"/>
+              </a:rPr>
+              <a:t>Eingangs-daten</a:t>
+            </a:r>
+          </a:p>
+        </p:txBody>
+      </p:sp>
+      <p:cxnSp>
+        <p:nvCxnSpPr>
+          <p:cNvPr id="14" name="Verbinder: gewinkelt 13">
+            <a:extLst>
+              <a:ext uri="{FF2B5EF4-FFF2-40B4-BE49-F238E27FC236}">
+                <a16:creationId xmlns:a16="http://schemas.microsoft.com/office/drawing/2014/main" id="{1EF33E5E-B828-40DA-A125-CAA3C1EBD32D}"/>
+              </a:ext>
+            </a:extLst>
+          </p:cNvPr>
+          <p:cNvCxnSpPr>
+            <a:cxnSpLocks/>
+            <a:stCxn id="11" idx="1"/>
+          </p:cNvCxnSpPr>
+          <p:nvPr/>
+        </p:nvCxnSpPr>
+        <p:spPr>
+          <a:xfrm rot="10800000" flipH="1">
+            <a:off x="3999177" y="585402"/>
+            <a:ext cx="831245" cy="1542359"/>
+          </a:xfrm>
+          <a:prstGeom prst="bentConnector4">
+            <a:avLst>
+              <a:gd name="adj1" fmla="val -27501"/>
+              <a:gd name="adj2" fmla="val 99906"/>
+            </a:avLst>
+          </a:prstGeom>
+          <a:ln w="25400">
+            <a:tailEnd type="triangle"/>
+          </a:ln>
+        </p:spPr>
+        <p:style>
+          <a:lnRef idx="1">
+            <a:schemeClr val="accent1"/>
+          </a:lnRef>
+          <a:fillRef idx="0">
+            <a:schemeClr val="accent1"/>
+          </a:fillRef>
+          <a:effectRef idx="0">
+            <a:schemeClr val="accent1"/>
+          </a:effectRef>
+          <a:fontRef idx="minor">
+            <a:schemeClr val="tx1"/>
+          </a:fontRef>
+        </p:style>
+      </p:cxnSp>
+      <p:sp>
+        <p:nvSpPr>
+          <p:cNvPr id="15" name="Flussdiagramm: Grenzstelle 14">
+            <a:extLst>
+              <a:ext uri="{FF2B5EF4-FFF2-40B4-BE49-F238E27FC236}">
+                <a16:creationId xmlns:a16="http://schemas.microsoft.com/office/drawing/2014/main" id="{592E4838-5110-462C-A9E1-BF8B0BEE62E2}"/>
+              </a:ext>
+            </a:extLst>
+          </p:cNvPr>
+          <p:cNvSpPr/>
+          <p:nvPr/>
+        </p:nvSpPr>
+        <p:spPr>
+          <a:xfrm>
+            <a:off x="4373222" y="111402"/>
+            <a:ext cx="914400" cy="301752"/>
+          </a:xfrm>
+          <a:prstGeom prst="flowChartTerminator">
+            <a:avLst/>
+          </a:prstGeom>
+        </p:spPr>
+        <p:style>
+          <a:lnRef idx="2">
+            <a:schemeClr val="accent1">
+              <a:shade val="50000"/>
+            </a:schemeClr>
+          </a:lnRef>
+          <a:fillRef idx="1">
+            <a:schemeClr val="accent1"/>
+          </a:fillRef>
+          <a:effectRef idx="0">
+            <a:schemeClr val="accent1"/>
+          </a:effectRef>
+          <a:fontRef idx="minor">
+            <a:schemeClr val="lt1"/>
+          </a:fontRef>
+        </p:style>
+        <p:txBody>
+          <a:bodyPr rtlCol="0" anchor="ctr"/>
+          <a:lstStyle/>
+          <a:p>
+            <a:pPr algn="ctr"/>
+            <a:r>
+              <a:rPr lang="de-DE" sz="1200" dirty="0">
+                <a:latin typeface="Arial" panose="020B0604020202020204" pitchFamily="34" charset="0"/>
+                <a:cs typeface="Arial" panose="020B0604020202020204" pitchFamily="34" charset="0"/>
+              </a:rPr>
+              <a:t>Start</a:t>
+            </a:r>
+          </a:p>
+        </p:txBody>
+      </p:sp>
+      <p:cxnSp>
+        <p:nvCxnSpPr>
+          <p:cNvPr id="28" name="Gerade Verbindung mit Pfeil 27">
+            <a:extLst>
+              <a:ext uri="{FF2B5EF4-FFF2-40B4-BE49-F238E27FC236}">
+                <a16:creationId xmlns:a16="http://schemas.microsoft.com/office/drawing/2014/main" id="{5F990188-9C3D-425A-BA16-62EF852A3E45}"/>
+              </a:ext>
+            </a:extLst>
+          </p:cNvPr>
+          <p:cNvCxnSpPr>
+            <a:cxnSpLocks/>
+            <a:stCxn id="11" idx="2"/>
+            <a:endCxn id="45" idx="0"/>
+          </p:cNvCxnSpPr>
+          <p:nvPr/>
+        </p:nvCxnSpPr>
+        <p:spPr>
+          <a:xfrm flipH="1">
+            <a:off x="4830422" y="2499898"/>
+            <a:ext cx="2" cy="324600"/>
+          </a:xfrm>
+          <a:prstGeom prst="straightConnector1">
+            <a:avLst/>
+          </a:prstGeom>
+          <a:ln w="25400">
+            <a:tailEnd type="triangle"/>
+          </a:ln>
+        </p:spPr>
+        <p:style>
+          <a:lnRef idx="1">
+            <a:schemeClr val="accent1"/>
+          </a:lnRef>
+          <a:fillRef idx="0">
+            <a:schemeClr val="accent1"/>
+          </a:fillRef>
+          <a:effectRef idx="0">
+            <a:schemeClr val="accent1"/>
+          </a:effectRef>
+          <a:fontRef idx="minor">
+            <a:schemeClr val="tx1"/>
+          </a:fontRef>
+        </p:style>
+      </p:cxnSp>
+      <p:sp>
+        <p:nvSpPr>
+          <p:cNvPr id="45" name="Flussdiagramm: Prozess 44">
+            <a:extLst>
+              <a:ext uri="{FF2B5EF4-FFF2-40B4-BE49-F238E27FC236}">
+                <a16:creationId xmlns:a16="http://schemas.microsoft.com/office/drawing/2014/main" id="{D4F03D55-4B40-4D6F-8F4A-1C9D46664064}"/>
+              </a:ext>
+            </a:extLst>
+          </p:cNvPr>
+          <p:cNvSpPr/>
+          <p:nvPr/>
+        </p:nvSpPr>
+        <p:spPr>
+          <a:xfrm>
+            <a:off x="4254422" y="2824498"/>
+            <a:ext cx="1152000" cy="576000"/>
+          </a:xfrm>
+          <a:prstGeom prst="flowChartProcess">
+            <a:avLst/>
+          </a:prstGeom>
+        </p:spPr>
+        <p:style>
+          <a:lnRef idx="2">
+            <a:schemeClr val="accent1">
+              <a:shade val="50000"/>
+            </a:schemeClr>
+          </a:lnRef>
+          <a:fillRef idx="1">
+            <a:schemeClr val="accent1"/>
+          </a:fillRef>
+          <a:effectRef idx="0">
+            <a:schemeClr val="accent1"/>
+          </a:effectRef>
+          <a:fontRef idx="minor">
+            <a:schemeClr val="lt1"/>
+          </a:fontRef>
+        </p:style>
+        <p:txBody>
+          <a:bodyPr rtlCol="0" anchor="ctr"/>
+          <a:lstStyle/>
+          <a:p>
+            <a:pPr algn="ctr"/>
+            <a:r>
+              <a:rPr lang="en-GB" sz="1200" dirty="0">
+                <a:latin typeface="Arial" panose="020B0604020202020204" pitchFamily="34" charset="0"/>
+                <a:cs typeface="Arial" panose="020B0604020202020204" pitchFamily="34" charset="0"/>
+              </a:rPr>
+              <a:t>Matching</a:t>
+            </a:r>
+          </a:p>
+        </p:txBody>
+      </p:sp>
+      <p:cxnSp>
+        <p:nvCxnSpPr>
+          <p:cNvPr id="56" name="Gerade Verbindung mit Pfeil 55">
+            <a:extLst>
+              <a:ext uri="{FF2B5EF4-FFF2-40B4-BE49-F238E27FC236}">
+                <a16:creationId xmlns:a16="http://schemas.microsoft.com/office/drawing/2014/main" id="{33399AB3-DDBC-4A42-A60E-722128A3ED0C}"/>
+              </a:ext>
+            </a:extLst>
+          </p:cNvPr>
+          <p:cNvCxnSpPr>
+            <a:cxnSpLocks/>
+            <a:stCxn id="35" idx="2"/>
+            <a:endCxn id="11" idx="0"/>
+          </p:cNvCxnSpPr>
+          <p:nvPr/>
+        </p:nvCxnSpPr>
+        <p:spPr>
+          <a:xfrm>
+            <a:off x="4830424" y="1431021"/>
+            <a:ext cx="0" cy="324600"/>
+          </a:xfrm>
+          <a:prstGeom prst="straightConnector1">
+            <a:avLst/>
+          </a:prstGeom>
+          <a:ln w="25400">
+            <a:tailEnd type="triangle"/>
+          </a:ln>
+        </p:spPr>
+        <p:style>
+          <a:lnRef idx="1">
+            <a:schemeClr val="accent1"/>
+          </a:lnRef>
+          <a:fillRef idx="0">
+            <a:schemeClr val="accent1"/>
+          </a:fillRef>
+          <a:effectRef idx="0">
+            <a:schemeClr val="accent1"/>
+          </a:effectRef>
+          <a:fontRef idx="minor">
+            <a:schemeClr val="tx1"/>
+          </a:fontRef>
+        </p:style>
+      </p:cxnSp>
+      <p:cxnSp>
+        <p:nvCxnSpPr>
+          <p:cNvPr id="62" name="Gerade Verbindung mit Pfeil 61">
+            <a:extLst>
+              <a:ext uri="{FF2B5EF4-FFF2-40B4-BE49-F238E27FC236}">
+                <a16:creationId xmlns:a16="http://schemas.microsoft.com/office/drawing/2014/main" id="{4CEFBE96-D4EC-4102-9D5F-3C150B005E06}"/>
+              </a:ext>
+            </a:extLst>
+          </p:cNvPr>
+          <p:cNvCxnSpPr>
+            <a:cxnSpLocks/>
+            <a:stCxn id="15" idx="2"/>
+            <a:endCxn id="35" idx="0"/>
+          </p:cNvCxnSpPr>
+          <p:nvPr/>
+        </p:nvCxnSpPr>
+        <p:spPr>
+          <a:xfrm>
+            <a:off x="4830422" y="413154"/>
+            <a:ext cx="2" cy="441867"/>
+          </a:xfrm>
+          <a:prstGeom prst="straightConnector1">
+            <a:avLst/>
+          </a:prstGeom>
+          <a:ln w="25400">
+            <a:tailEnd type="triangle"/>
+          </a:ln>
+        </p:spPr>
+        <p:style>
+          <a:lnRef idx="1">
+            <a:schemeClr val="accent1"/>
+          </a:lnRef>
+          <a:fillRef idx="0">
+            <a:schemeClr val="accent1"/>
+          </a:fillRef>
+          <a:effectRef idx="0">
+            <a:schemeClr val="accent1"/>
+          </a:effectRef>
+          <a:fontRef idx="minor">
+            <a:schemeClr val="tx1"/>
+          </a:fontRef>
+        </p:style>
+      </p:cxnSp>
+      <p:sp>
+        <p:nvSpPr>
+          <p:cNvPr id="67" name="Raute 66">
+            <a:extLst>
+              <a:ext uri="{FF2B5EF4-FFF2-40B4-BE49-F238E27FC236}">
+                <a16:creationId xmlns:a16="http://schemas.microsoft.com/office/drawing/2014/main" id="{615D4924-B204-43A4-AE42-145AA8DD763B}"/>
+              </a:ext>
+            </a:extLst>
+          </p:cNvPr>
+          <p:cNvSpPr/>
+          <p:nvPr/>
+        </p:nvSpPr>
+        <p:spPr>
+          <a:xfrm>
+            <a:off x="3999178" y="3725098"/>
+            <a:ext cx="1662491" cy="744277"/>
+          </a:xfrm>
+          <a:prstGeom prst="diamond">
+            <a:avLst/>
+          </a:prstGeom>
+        </p:spPr>
+        <p:style>
+          <a:lnRef idx="2">
+            <a:schemeClr val="accent1">
+              <a:shade val="50000"/>
+            </a:schemeClr>
+          </a:lnRef>
+          <a:fillRef idx="1">
+            <a:schemeClr val="accent1"/>
+          </a:fillRef>
+          <a:effectRef idx="0">
+            <a:schemeClr val="accent1"/>
+          </a:effectRef>
+          <a:fontRef idx="minor">
+            <a:schemeClr val="lt1"/>
+          </a:fontRef>
+        </p:style>
+        <p:txBody>
+          <a:bodyPr rtlCol="0" anchor="ctr"/>
+          <a:lstStyle/>
+          <a:p>
+            <a:pPr algn="ctr"/>
+            <a:r>
+              <a:rPr lang="en-GB" sz="1200" dirty="0">
+                <a:latin typeface="Arial" panose="020B0604020202020204" pitchFamily="34" charset="0"/>
+                <a:cs typeface="Arial" panose="020B0604020202020204" pitchFamily="34" charset="0"/>
+              </a:rPr>
+              <a:t>Muster bekannt?</a:t>
+            </a:r>
+          </a:p>
+        </p:txBody>
+      </p:sp>
+      <p:cxnSp>
+        <p:nvCxnSpPr>
+          <p:cNvPr id="68" name="Gerade Verbindung mit Pfeil 67">
+            <a:extLst>
+              <a:ext uri="{FF2B5EF4-FFF2-40B4-BE49-F238E27FC236}">
+                <a16:creationId xmlns:a16="http://schemas.microsoft.com/office/drawing/2014/main" id="{323D50CA-2CF7-4934-AFE3-5719BCD41901}"/>
+              </a:ext>
+            </a:extLst>
+          </p:cNvPr>
+          <p:cNvCxnSpPr>
+            <a:cxnSpLocks/>
+            <a:stCxn id="45" idx="2"/>
+            <a:endCxn id="67" idx="0"/>
+          </p:cNvCxnSpPr>
+          <p:nvPr/>
+        </p:nvCxnSpPr>
+        <p:spPr>
+          <a:xfrm>
+            <a:off x="4830422" y="3400498"/>
+            <a:ext cx="2" cy="324600"/>
+          </a:xfrm>
+          <a:prstGeom prst="straightConnector1">
+            <a:avLst/>
+          </a:prstGeom>
+          <a:ln w="25400">
+            <a:tailEnd type="triangle"/>
+          </a:ln>
+        </p:spPr>
+        <p:style>
+          <a:lnRef idx="1">
+            <a:schemeClr val="accent1"/>
+          </a:lnRef>
+          <a:fillRef idx="0">
+            <a:schemeClr val="accent1"/>
+          </a:fillRef>
+          <a:effectRef idx="0">
+            <a:schemeClr val="accent1"/>
+          </a:effectRef>
+          <a:fontRef idx="minor">
+            <a:schemeClr val="tx1"/>
+          </a:fontRef>
+        </p:style>
+      </p:cxnSp>
+      <p:sp>
+        <p:nvSpPr>
+          <p:cNvPr id="71" name="Textfeld 70">
+            <a:extLst>
+              <a:ext uri="{FF2B5EF4-FFF2-40B4-BE49-F238E27FC236}">
+                <a16:creationId xmlns:a16="http://schemas.microsoft.com/office/drawing/2014/main" id="{79A13E0E-8FAC-45D2-9522-66ACA7B02DBA}"/>
+              </a:ext>
+            </a:extLst>
+          </p:cNvPr>
+          <p:cNvSpPr txBox="1"/>
+          <p:nvPr/>
+        </p:nvSpPr>
+        <p:spPr>
+          <a:xfrm>
+            <a:off x="4830420" y="2446979"/>
+            <a:ext cx="509275" cy="276999"/>
+          </a:xfrm>
+          <a:prstGeom prst="rect">
+            <a:avLst/>
+          </a:prstGeom>
+          <a:noFill/>
+        </p:spPr>
+        <p:txBody>
+          <a:bodyPr wrap="square" rtlCol="0">
+            <a:spAutoFit/>
+          </a:bodyPr>
+          <a:lstStyle/>
+          <a:p>
+            <a:r>
+              <a:rPr lang="de-DE" sz="1200" dirty="0">
+                <a:latin typeface="Arial" panose="020B0604020202020204" pitchFamily="34" charset="0"/>
+                <a:cs typeface="Arial" panose="020B0604020202020204" pitchFamily="34" charset="0"/>
+              </a:rPr>
+              <a:t>Ja</a:t>
+            </a:r>
+            <a:endParaRPr lang="en-GB" sz="1200" dirty="0">
+              <a:latin typeface="Arial" panose="020B0604020202020204" pitchFamily="34" charset="0"/>
+              <a:cs typeface="Arial" panose="020B0604020202020204" pitchFamily="34" charset="0"/>
+            </a:endParaRPr>
+          </a:p>
+        </p:txBody>
+      </p:sp>
+      <p:sp>
+        <p:nvSpPr>
+          <p:cNvPr id="72" name="Textfeld 71">
+            <a:extLst>
+              <a:ext uri="{FF2B5EF4-FFF2-40B4-BE49-F238E27FC236}">
+                <a16:creationId xmlns:a16="http://schemas.microsoft.com/office/drawing/2014/main" id="{ED73A5C0-C7AB-42E4-9E3E-38A5F9BFA35C}"/>
+              </a:ext>
+            </a:extLst>
+          </p:cNvPr>
+          <p:cNvSpPr txBox="1"/>
+          <p:nvPr/>
+        </p:nvSpPr>
+        <p:spPr>
+          <a:xfrm>
+            <a:off x="4830420" y="4416456"/>
+            <a:ext cx="509275" cy="276999"/>
+          </a:xfrm>
+          <a:prstGeom prst="rect">
+            <a:avLst/>
+          </a:prstGeom>
+          <a:noFill/>
+        </p:spPr>
+        <p:txBody>
+          <a:bodyPr wrap="square" rtlCol="0">
+            <a:spAutoFit/>
+          </a:bodyPr>
+          <a:lstStyle/>
+          <a:p>
+            <a:r>
+              <a:rPr lang="de-DE" sz="1200" dirty="0">
+                <a:latin typeface="Arial" panose="020B0604020202020204" pitchFamily="34" charset="0"/>
+                <a:cs typeface="Arial" panose="020B0604020202020204" pitchFamily="34" charset="0"/>
+              </a:rPr>
+              <a:t>Ja</a:t>
+            </a:r>
+            <a:endParaRPr lang="en-GB" sz="1200" dirty="0">
+              <a:latin typeface="Arial" panose="020B0604020202020204" pitchFamily="34" charset="0"/>
+              <a:cs typeface="Arial" panose="020B0604020202020204" pitchFamily="34" charset="0"/>
+            </a:endParaRPr>
+          </a:p>
+        </p:txBody>
+      </p:sp>
+      <p:sp>
+        <p:nvSpPr>
+          <p:cNvPr id="73" name="Textfeld 72">
+            <a:extLst>
+              <a:ext uri="{FF2B5EF4-FFF2-40B4-BE49-F238E27FC236}">
+                <a16:creationId xmlns:a16="http://schemas.microsoft.com/office/drawing/2014/main" id="{5B976311-9E64-46F5-8707-6EE28F48AC2A}"/>
+              </a:ext>
+            </a:extLst>
+          </p:cNvPr>
+          <p:cNvSpPr txBox="1"/>
+          <p:nvPr/>
+        </p:nvSpPr>
+        <p:spPr>
+          <a:xfrm>
+            <a:off x="3744539" y="3820237"/>
+            <a:ext cx="509275" cy="276999"/>
+          </a:xfrm>
+          <a:prstGeom prst="rect">
+            <a:avLst/>
+          </a:prstGeom>
+          <a:noFill/>
+        </p:spPr>
+        <p:txBody>
+          <a:bodyPr wrap="square" rtlCol="0">
+            <a:spAutoFit/>
+          </a:bodyPr>
+          <a:lstStyle/>
+          <a:p>
+            <a:r>
+              <a:rPr lang="de-DE" sz="1200" dirty="0">
+                <a:latin typeface="Arial" panose="020B0604020202020204" pitchFamily="34" charset="0"/>
+                <a:cs typeface="Arial" panose="020B0604020202020204" pitchFamily="34" charset="0"/>
+              </a:rPr>
+              <a:t>Nein</a:t>
+            </a:r>
+            <a:endParaRPr lang="en-GB" sz="1200" dirty="0">
+              <a:latin typeface="Arial" panose="020B0604020202020204" pitchFamily="34" charset="0"/>
+              <a:cs typeface="Arial" panose="020B0604020202020204" pitchFamily="34" charset="0"/>
+            </a:endParaRPr>
+          </a:p>
+        </p:txBody>
+      </p:sp>
+      <p:sp>
+        <p:nvSpPr>
+          <p:cNvPr id="74" name="Flussdiagramm: Prozess 73">
+            <a:extLst>
+              <a:ext uri="{FF2B5EF4-FFF2-40B4-BE49-F238E27FC236}">
+                <a16:creationId xmlns:a16="http://schemas.microsoft.com/office/drawing/2014/main" id="{71566EC2-5A82-4F44-B536-7F8F13574EF8}"/>
+              </a:ext>
+            </a:extLst>
+          </p:cNvPr>
+          <p:cNvSpPr/>
+          <p:nvPr/>
+        </p:nvSpPr>
+        <p:spPr>
+          <a:xfrm>
+            <a:off x="2271177" y="4793975"/>
+            <a:ext cx="1152000" cy="576000"/>
+          </a:xfrm>
+          <a:prstGeom prst="flowChartProcess">
+            <a:avLst/>
+          </a:prstGeom>
+        </p:spPr>
+        <p:style>
+          <a:lnRef idx="2">
+            <a:schemeClr val="accent1">
+              <a:shade val="50000"/>
+            </a:schemeClr>
+          </a:lnRef>
+          <a:fillRef idx="1">
+            <a:schemeClr val="accent1"/>
+          </a:fillRef>
+          <a:effectRef idx="0">
+            <a:schemeClr val="accent1"/>
+          </a:effectRef>
+          <a:fontRef idx="minor">
+            <a:schemeClr val="lt1"/>
+          </a:fontRef>
+        </p:style>
+        <p:txBody>
+          <a:bodyPr rtlCol="0" anchor="ctr"/>
+          <a:lstStyle/>
+          <a:p>
+            <a:pPr algn="ctr"/>
+            <a:r>
+              <a:rPr lang="en-GB" sz="1200" dirty="0">
+                <a:latin typeface="Arial" panose="020B0604020202020204" pitchFamily="34" charset="0"/>
+                <a:cs typeface="Arial" panose="020B0604020202020204" pitchFamily="34" charset="0"/>
+              </a:rPr>
+              <a:t>Neuen Knoten initialisieren</a:t>
+            </a:r>
+          </a:p>
+        </p:txBody>
+      </p:sp>
+      <p:cxnSp>
+        <p:nvCxnSpPr>
+          <p:cNvPr id="76" name="Verbinder: gewinkelt 75">
+            <a:extLst>
+              <a:ext uri="{FF2B5EF4-FFF2-40B4-BE49-F238E27FC236}">
+                <a16:creationId xmlns:a16="http://schemas.microsoft.com/office/drawing/2014/main" id="{9EB8AFA7-E136-486B-967E-3470075C404D}"/>
+              </a:ext>
+            </a:extLst>
+          </p:cNvPr>
+          <p:cNvCxnSpPr>
+            <a:stCxn id="67" idx="1"/>
+            <a:endCxn id="74" idx="0"/>
+          </p:cNvCxnSpPr>
+          <p:nvPr/>
+        </p:nvCxnSpPr>
+        <p:spPr>
+          <a:xfrm rot="10800000" flipV="1">
+            <a:off x="2847178" y="4097237"/>
+            <a:ext cx="1152001" cy="696738"/>
+          </a:xfrm>
+          <a:prstGeom prst="bentConnector2">
+            <a:avLst/>
+          </a:prstGeom>
+          <a:ln w="25400">
+            <a:tailEnd type="triangle"/>
+          </a:ln>
+        </p:spPr>
+        <p:style>
+          <a:lnRef idx="1">
+            <a:schemeClr val="accent1"/>
+          </a:lnRef>
+          <a:fillRef idx="0">
+            <a:schemeClr val="accent1"/>
+          </a:fillRef>
+          <a:effectRef idx="0">
+            <a:schemeClr val="accent1"/>
+          </a:effectRef>
+          <a:fontRef idx="minor">
+            <a:schemeClr val="tx1"/>
+          </a:fontRef>
+        </p:style>
+      </p:cxnSp>
+      <p:sp>
+        <p:nvSpPr>
+          <p:cNvPr id="79" name="Raute 78">
+            <a:extLst>
+              <a:ext uri="{FF2B5EF4-FFF2-40B4-BE49-F238E27FC236}">
+                <a16:creationId xmlns:a16="http://schemas.microsoft.com/office/drawing/2014/main" id="{963DBE15-6EA5-41E1-A085-96C5E114E927}"/>
+              </a:ext>
+            </a:extLst>
+          </p:cNvPr>
+          <p:cNvSpPr/>
+          <p:nvPr/>
+        </p:nvSpPr>
+        <p:spPr>
+          <a:xfrm>
+            <a:off x="3999178" y="5700569"/>
+            <a:ext cx="1662491" cy="744277"/>
+          </a:xfrm>
+          <a:prstGeom prst="diamond">
+            <a:avLst/>
+          </a:prstGeom>
+        </p:spPr>
+        <p:style>
+          <a:lnRef idx="2">
+            <a:schemeClr val="accent1">
+              <a:shade val="50000"/>
+            </a:schemeClr>
+          </a:lnRef>
+          <a:fillRef idx="1">
+            <a:schemeClr val="accent1"/>
+          </a:fillRef>
+          <a:effectRef idx="0">
+            <a:schemeClr val="accent1"/>
+          </a:effectRef>
+          <a:fontRef idx="minor">
+            <a:schemeClr val="lt1"/>
+          </a:fontRef>
+        </p:style>
+        <p:txBody>
+          <a:bodyPr rtlCol="0" anchor="ctr"/>
+          <a:lstStyle/>
+          <a:p>
+            <a:pPr algn="ctr"/>
+            <a:r>
+              <a:rPr lang="en-GB" sz="1200" dirty="0">
+                <a:latin typeface="Arial" panose="020B0604020202020204" pitchFamily="34" charset="0"/>
+                <a:cs typeface="Arial" panose="020B0604020202020204" pitchFamily="34" charset="0"/>
+              </a:rPr>
+              <a:t>Knoten </a:t>
+            </a:r>
+            <a:r>
+              <a:rPr lang="de-DE" sz="1200" dirty="0" err="1">
+                <a:latin typeface="Arial" panose="020B0604020202020204" pitchFamily="34" charset="0"/>
+                <a:cs typeface="Arial" panose="020B0604020202020204" pitchFamily="34" charset="0"/>
+              </a:rPr>
+              <a:t>adap</a:t>
+            </a:r>
+            <a:r>
+              <a:rPr lang="de-DE" sz="1200" dirty="0">
+                <a:latin typeface="Arial" panose="020B0604020202020204" pitchFamily="34" charset="0"/>
+                <a:cs typeface="Arial" panose="020B0604020202020204" pitchFamily="34" charset="0"/>
+              </a:rPr>
+              <a:t>-tieren</a:t>
+            </a:r>
+            <a:r>
+              <a:rPr lang="en-GB" sz="1200" dirty="0">
+                <a:latin typeface="Arial" panose="020B0604020202020204" pitchFamily="34" charset="0"/>
+                <a:cs typeface="Arial" panose="020B0604020202020204" pitchFamily="34" charset="0"/>
+              </a:rPr>
+              <a:t>?</a:t>
+            </a:r>
+          </a:p>
+        </p:txBody>
+      </p:sp>
+      <p:sp>
+        <p:nvSpPr>
+          <p:cNvPr id="81" name="Flussdiagramm: Prozess 80">
+            <a:extLst>
+              <a:ext uri="{FF2B5EF4-FFF2-40B4-BE49-F238E27FC236}">
+                <a16:creationId xmlns:a16="http://schemas.microsoft.com/office/drawing/2014/main" id="{7F0B8ACE-69F0-4F07-956F-076E2CC79CA6}"/>
+              </a:ext>
+            </a:extLst>
+          </p:cNvPr>
+          <p:cNvSpPr/>
+          <p:nvPr/>
+        </p:nvSpPr>
+        <p:spPr>
+          <a:xfrm>
+            <a:off x="4254422" y="4793975"/>
+            <a:ext cx="1152000" cy="576000"/>
+          </a:xfrm>
+          <a:prstGeom prst="flowChartProcess">
+            <a:avLst/>
+          </a:prstGeom>
+        </p:spPr>
+        <p:style>
+          <a:lnRef idx="2">
+            <a:schemeClr val="accent1">
+              <a:shade val="50000"/>
+            </a:schemeClr>
+          </a:lnRef>
+          <a:fillRef idx="1">
+            <a:schemeClr val="accent1"/>
+          </a:fillRef>
+          <a:effectRef idx="0">
+            <a:schemeClr val="accent1"/>
+          </a:effectRef>
+          <a:fontRef idx="minor">
+            <a:schemeClr val="lt1"/>
+          </a:fontRef>
+        </p:style>
+        <p:txBody>
+          <a:bodyPr rtlCol="0" anchor="ctr"/>
+          <a:lstStyle/>
+          <a:p>
+            <a:pPr algn="ctr"/>
+            <a:r>
+              <a:rPr lang="en-GB" sz="1200" dirty="0" err="1">
+                <a:latin typeface="Arial" panose="020B0604020202020204" pitchFamily="34" charset="0"/>
+                <a:cs typeface="Arial" panose="020B0604020202020204" pitchFamily="34" charset="0"/>
+              </a:rPr>
+              <a:t>Klasse</a:t>
+            </a:r>
+            <a:r>
+              <a:rPr lang="en-GB" sz="1200" dirty="0">
+                <a:latin typeface="Arial" panose="020B0604020202020204" pitchFamily="34" charset="0"/>
+                <a:cs typeface="Arial" panose="020B0604020202020204" pitchFamily="34" charset="0"/>
+              </a:rPr>
+              <a:t> </a:t>
+            </a:r>
+            <a:r>
+              <a:rPr lang="en-GB" sz="1200" dirty="0" err="1">
+                <a:latin typeface="Arial" panose="020B0604020202020204" pitchFamily="34" charset="0"/>
+                <a:cs typeface="Arial" panose="020B0604020202020204" pitchFamily="34" charset="0"/>
+              </a:rPr>
+              <a:t>ausgeben</a:t>
+            </a:r>
+            <a:endParaRPr lang="en-GB" sz="1200" dirty="0">
+              <a:latin typeface="Arial" panose="020B0604020202020204" pitchFamily="34" charset="0"/>
+              <a:cs typeface="Arial" panose="020B0604020202020204" pitchFamily="34" charset="0"/>
+            </a:endParaRPr>
+          </a:p>
+        </p:txBody>
+      </p:sp>
+      <p:cxnSp>
+        <p:nvCxnSpPr>
+          <p:cNvPr id="82" name="Gerade Verbindung mit Pfeil 81">
+            <a:extLst>
+              <a:ext uri="{FF2B5EF4-FFF2-40B4-BE49-F238E27FC236}">
+                <a16:creationId xmlns:a16="http://schemas.microsoft.com/office/drawing/2014/main" id="{A52DFF03-F2EB-4488-864A-3C92815DC686}"/>
+              </a:ext>
+            </a:extLst>
+          </p:cNvPr>
+          <p:cNvCxnSpPr>
+            <a:cxnSpLocks/>
+            <a:stCxn id="67" idx="2"/>
+            <a:endCxn id="81" idx="0"/>
+          </p:cNvCxnSpPr>
+          <p:nvPr/>
+        </p:nvCxnSpPr>
+        <p:spPr>
+          <a:xfrm flipH="1">
+            <a:off x="4830422" y="4469375"/>
+            <a:ext cx="2" cy="324600"/>
+          </a:xfrm>
+          <a:prstGeom prst="straightConnector1">
+            <a:avLst/>
+          </a:prstGeom>
+          <a:ln w="25400">
+            <a:tailEnd type="triangle"/>
+          </a:ln>
+        </p:spPr>
+        <p:style>
+          <a:lnRef idx="1">
+            <a:schemeClr val="accent1"/>
+          </a:lnRef>
+          <a:fillRef idx="0">
+            <a:schemeClr val="accent1"/>
+          </a:fillRef>
+          <a:effectRef idx="0">
+            <a:schemeClr val="accent1"/>
+          </a:effectRef>
+          <a:fontRef idx="minor">
+            <a:schemeClr val="tx1"/>
+          </a:fontRef>
+        </p:style>
+      </p:cxnSp>
+      <p:cxnSp>
+        <p:nvCxnSpPr>
+          <p:cNvPr id="85" name="Gerade Verbindung mit Pfeil 84">
+            <a:extLst>
+              <a:ext uri="{FF2B5EF4-FFF2-40B4-BE49-F238E27FC236}">
+                <a16:creationId xmlns:a16="http://schemas.microsoft.com/office/drawing/2014/main" id="{2D1EB94A-A4DD-435B-BC27-AF48D7296891}"/>
+              </a:ext>
+            </a:extLst>
+          </p:cNvPr>
+          <p:cNvCxnSpPr>
+            <a:cxnSpLocks/>
+            <a:stCxn id="81" idx="2"/>
+            <a:endCxn id="79" idx="0"/>
+          </p:cNvCxnSpPr>
+          <p:nvPr/>
+        </p:nvCxnSpPr>
+        <p:spPr>
+          <a:xfrm>
+            <a:off x="4830422" y="5369975"/>
+            <a:ext cx="2" cy="330594"/>
+          </a:xfrm>
+          <a:prstGeom prst="straightConnector1">
+            <a:avLst/>
+          </a:prstGeom>
+          <a:ln w="25400">
+            <a:tailEnd type="triangle"/>
+          </a:ln>
+        </p:spPr>
+        <p:style>
+          <a:lnRef idx="1">
+            <a:schemeClr val="accent1"/>
+          </a:lnRef>
+          <a:fillRef idx="0">
+            <a:schemeClr val="accent1"/>
+          </a:fillRef>
+          <a:effectRef idx="0">
+            <a:schemeClr val="accent1"/>
+          </a:effectRef>
+          <a:fontRef idx="minor">
+            <a:schemeClr val="tx1"/>
+          </a:fontRef>
+        </p:style>
+      </p:cxnSp>
+      <p:sp>
+        <p:nvSpPr>
+          <p:cNvPr id="88" name="Textfeld 87">
+            <a:extLst>
+              <a:ext uri="{FF2B5EF4-FFF2-40B4-BE49-F238E27FC236}">
+                <a16:creationId xmlns:a16="http://schemas.microsoft.com/office/drawing/2014/main" id="{22CEC328-2EDE-4BB9-981E-B319B32495A9}"/>
+              </a:ext>
+            </a:extLst>
+          </p:cNvPr>
+          <p:cNvSpPr txBox="1"/>
+          <p:nvPr/>
+        </p:nvSpPr>
+        <p:spPr>
+          <a:xfrm>
+            <a:off x="5418817" y="5764887"/>
+            <a:ext cx="509275" cy="276999"/>
+          </a:xfrm>
+          <a:prstGeom prst="rect">
+            <a:avLst/>
+          </a:prstGeom>
+          <a:noFill/>
+        </p:spPr>
+        <p:txBody>
+          <a:bodyPr wrap="square" rtlCol="0">
+            <a:spAutoFit/>
+          </a:bodyPr>
+          <a:lstStyle/>
+          <a:p>
+            <a:r>
+              <a:rPr lang="de-DE" sz="1200" dirty="0">
+                <a:latin typeface="Arial" panose="020B0604020202020204" pitchFamily="34" charset="0"/>
+                <a:cs typeface="Arial" panose="020B0604020202020204" pitchFamily="34" charset="0"/>
+              </a:rPr>
+              <a:t>Ja</a:t>
+            </a:r>
+            <a:endParaRPr lang="en-GB" sz="1200" dirty="0">
+              <a:latin typeface="Arial" panose="020B0604020202020204" pitchFamily="34" charset="0"/>
+              <a:cs typeface="Arial" panose="020B0604020202020204" pitchFamily="34" charset="0"/>
+            </a:endParaRPr>
+          </a:p>
+        </p:txBody>
+      </p:sp>
+      <p:sp>
+        <p:nvSpPr>
+          <p:cNvPr id="89" name="Textfeld 88">
+            <a:extLst>
+              <a:ext uri="{FF2B5EF4-FFF2-40B4-BE49-F238E27FC236}">
+                <a16:creationId xmlns:a16="http://schemas.microsoft.com/office/drawing/2014/main" id="{364C35BD-73A1-4B32-93A6-760E4B617B65}"/>
+              </a:ext>
+            </a:extLst>
+          </p:cNvPr>
+          <p:cNvSpPr txBox="1"/>
+          <p:nvPr/>
+        </p:nvSpPr>
+        <p:spPr>
+          <a:xfrm>
+            <a:off x="4822142" y="6374186"/>
+            <a:ext cx="509275" cy="276999"/>
+          </a:xfrm>
+          <a:prstGeom prst="rect">
+            <a:avLst/>
+          </a:prstGeom>
+          <a:noFill/>
+        </p:spPr>
+        <p:txBody>
+          <a:bodyPr wrap="square" rtlCol="0">
+            <a:spAutoFit/>
+          </a:bodyPr>
+          <a:lstStyle/>
+          <a:p>
+            <a:r>
+              <a:rPr lang="de-DE" sz="1200" dirty="0">
+                <a:latin typeface="Arial" panose="020B0604020202020204" pitchFamily="34" charset="0"/>
+                <a:cs typeface="Arial" panose="020B0604020202020204" pitchFamily="34" charset="0"/>
+              </a:rPr>
+              <a:t>Nein</a:t>
+            </a:r>
+            <a:endParaRPr lang="en-GB" sz="1200" dirty="0">
+              <a:latin typeface="Arial" panose="020B0604020202020204" pitchFamily="34" charset="0"/>
+              <a:cs typeface="Arial" panose="020B0604020202020204" pitchFamily="34" charset="0"/>
+            </a:endParaRPr>
+          </a:p>
+        </p:txBody>
+      </p:sp>
+      <p:cxnSp>
+        <p:nvCxnSpPr>
+          <p:cNvPr id="90" name="Gerade Verbindung mit Pfeil 89">
+            <a:extLst>
+              <a:ext uri="{FF2B5EF4-FFF2-40B4-BE49-F238E27FC236}">
+                <a16:creationId xmlns:a16="http://schemas.microsoft.com/office/drawing/2014/main" id="{6E2D2165-AB91-472B-84F7-26F5104F8DB2}"/>
+              </a:ext>
+            </a:extLst>
+          </p:cNvPr>
+          <p:cNvCxnSpPr>
+            <a:cxnSpLocks/>
+            <a:stCxn id="79" idx="2"/>
+            <a:endCxn id="93" idx="0"/>
+          </p:cNvCxnSpPr>
+          <p:nvPr/>
+        </p:nvCxnSpPr>
+        <p:spPr>
+          <a:xfrm flipH="1">
+            <a:off x="4830423" y="6444846"/>
+            <a:ext cx="1" cy="327014"/>
+          </a:xfrm>
+          <a:prstGeom prst="straightConnector1">
+            <a:avLst/>
+          </a:prstGeom>
+          <a:ln w="25400">
+            <a:tailEnd type="triangle"/>
+          </a:ln>
+        </p:spPr>
+        <p:style>
+          <a:lnRef idx="1">
+            <a:schemeClr val="accent1"/>
+          </a:lnRef>
+          <a:fillRef idx="0">
+            <a:schemeClr val="accent1"/>
+          </a:fillRef>
+          <a:effectRef idx="0">
+            <a:schemeClr val="accent1"/>
+          </a:effectRef>
+          <a:fontRef idx="minor">
+            <a:schemeClr val="tx1"/>
+          </a:fontRef>
+        </p:style>
+      </p:cxnSp>
+      <p:sp>
+        <p:nvSpPr>
+          <p:cNvPr id="93" name="Flussdiagramm: Grenzstelle 92">
+            <a:extLst>
+              <a:ext uri="{FF2B5EF4-FFF2-40B4-BE49-F238E27FC236}">
+                <a16:creationId xmlns:a16="http://schemas.microsoft.com/office/drawing/2014/main" id="{A2CDB7BF-2C3B-4384-9418-EB3E506481C4}"/>
+              </a:ext>
+            </a:extLst>
+          </p:cNvPr>
+          <p:cNvSpPr/>
+          <p:nvPr/>
+        </p:nvSpPr>
+        <p:spPr>
+          <a:xfrm>
+            <a:off x="4373223" y="6771860"/>
+            <a:ext cx="914400" cy="301752"/>
+          </a:xfrm>
+          <a:prstGeom prst="flowChartTerminator">
+            <a:avLst/>
+          </a:prstGeom>
+        </p:spPr>
+        <p:style>
+          <a:lnRef idx="2">
+            <a:schemeClr val="accent1">
+              <a:shade val="50000"/>
+            </a:schemeClr>
+          </a:lnRef>
+          <a:fillRef idx="1">
+            <a:schemeClr val="accent1"/>
+          </a:fillRef>
+          <a:effectRef idx="0">
+            <a:schemeClr val="accent1"/>
+          </a:effectRef>
+          <a:fontRef idx="minor">
+            <a:schemeClr val="lt1"/>
+          </a:fontRef>
+        </p:style>
+        <p:txBody>
+          <a:bodyPr rtlCol="0" anchor="ctr"/>
+          <a:lstStyle/>
+          <a:p>
+            <a:pPr algn="ctr"/>
+            <a:r>
+              <a:rPr lang="de-DE" sz="1200" dirty="0">
+                <a:latin typeface="Arial" panose="020B0604020202020204" pitchFamily="34" charset="0"/>
+                <a:cs typeface="Arial" panose="020B0604020202020204" pitchFamily="34" charset="0"/>
+              </a:rPr>
+              <a:t>Ende</a:t>
+            </a:r>
+          </a:p>
+        </p:txBody>
+      </p:sp>
+      <p:cxnSp>
+        <p:nvCxnSpPr>
+          <p:cNvPr id="96" name="Verbinder: gewinkelt 95">
+            <a:extLst>
+              <a:ext uri="{FF2B5EF4-FFF2-40B4-BE49-F238E27FC236}">
+                <a16:creationId xmlns:a16="http://schemas.microsoft.com/office/drawing/2014/main" id="{53969680-01F5-4A79-9892-F613525D162F}"/>
+              </a:ext>
+            </a:extLst>
+          </p:cNvPr>
+          <p:cNvCxnSpPr>
+            <a:stCxn id="74" idx="2"/>
+            <a:endCxn id="93" idx="1"/>
+          </p:cNvCxnSpPr>
+          <p:nvPr/>
+        </p:nvCxnSpPr>
+        <p:spPr>
+          <a:xfrm rot="16200000" flipH="1">
+            <a:off x="2833820" y="5383332"/>
+            <a:ext cx="1552761" cy="1526046"/>
+          </a:xfrm>
+          <a:prstGeom prst="bentConnector2">
+            <a:avLst/>
+          </a:prstGeom>
+          <a:ln w="25400">
+            <a:tailEnd type="triangle"/>
+          </a:ln>
+        </p:spPr>
+        <p:style>
+          <a:lnRef idx="1">
+            <a:schemeClr val="accent1"/>
+          </a:lnRef>
+          <a:fillRef idx="0">
+            <a:schemeClr val="accent1"/>
+          </a:fillRef>
+          <a:effectRef idx="0">
+            <a:schemeClr val="accent1"/>
+          </a:effectRef>
+          <a:fontRef idx="minor">
+            <a:schemeClr val="tx1"/>
+          </a:fontRef>
+        </p:style>
+      </p:cxnSp>
+      <p:sp>
+        <p:nvSpPr>
+          <p:cNvPr id="97" name="Flussdiagramm: Prozess 96">
+            <a:extLst>
+              <a:ext uri="{FF2B5EF4-FFF2-40B4-BE49-F238E27FC236}">
+                <a16:creationId xmlns:a16="http://schemas.microsoft.com/office/drawing/2014/main" id="{ADA4546D-23E4-46C8-9D6C-321879C0549A}"/>
+              </a:ext>
+            </a:extLst>
+          </p:cNvPr>
+          <p:cNvSpPr/>
+          <p:nvPr/>
+        </p:nvSpPr>
+        <p:spPr>
+          <a:xfrm>
+            <a:off x="6127791" y="5780684"/>
+            <a:ext cx="1152000" cy="576000"/>
+          </a:xfrm>
+          <a:prstGeom prst="flowChartProcess">
+            <a:avLst/>
+          </a:prstGeom>
+        </p:spPr>
+        <p:style>
+          <a:lnRef idx="2">
+            <a:schemeClr val="accent1">
+              <a:shade val="50000"/>
+            </a:schemeClr>
+          </a:lnRef>
+          <a:fillRef idx="1">
+            <a:schemeClr val="accent1"/>
+          </a:fillRef>
+          <a:effectRef idx="0">
+            <a:schemeClr val="accent1"/>
+          </a:effectRef>
+          <a:fontRef idx="minor">
+            <a:schemeClr val="lt1"/>
+          </a:fontRef>
+        </p:style>
+        <p:txBody>
+          <a:bodyPr rtlCol="0" anchor="ctr"/>
+          <a:lstStyle/>
+          <a:p>
+            <a:pPr algn="ctr"/>
+            <a:r>
+              <a:rPr lang="en-GB" sz="1200" dirty="0">
+                <a:latin typeface="Arial" panose="020B0604020202020204" pitchFamily="34" charset="0"/>
+                <a:cs typeface="Arial" panose="020B0604020202020204" pitchFamily="34" charset="0"/>
+              </a:rPr>
+              <a:t>Knoten </a:t>
+            </a:r>
+            <a:r>
+              <a:rPr lang="en-GB" sz="1200" dirty="0" err="1">
+                <a:latin typeface="Arial" panose="020B0604020202020204" pitchFamily="34" charset="0"/>
+                <a:cs typeface="Arial" panose="020B0604020202020204" pitchFamily="34" charset="0"/>
+              </a:rPr>
+              <a:t>adaptieren</a:t>
+            </a:r>
+            <a:endParaRPr lang="en-GB" sz="1200" dirty="0">
+              <a:latin typeface="Arial" panose="020B0604020202020204" pitchFamily="34" charset="0"/>
+              <a:cs typeface="Arial" panose="020B0604020202020204" pitchFamily="34" charset="0"/>
+            </a:endParaRPr>
+          </a:p>
+        </p:txBody>
+      </p:sp>
+      <p:cxnSp>
+        <p:nvCxnSpPr>
+          <p:cNvPr id="98" name="Gerade Verbindung mit Pfeil 97">
+            <a:extLst>
+              <a:ext uri="{FF2B5EF4-FFF2-40B4-BE49-F238E27FC236}">
+                <a16:creationId xmlns:a16="http://schemas.microsoft.com/office/drawing/2014/main" id="{12773B4D-6626-4523-87C6-E02B06EF9FFD}"/>
+              </a:ext>
+            </a:extLst>
+          </p:cNvPr>
+          <p:cNvCxnSpPr>
+            <a:cxnSpLocks/>
+            <a:stCxn id="79" idx="3"/>
+            <a:endCxn id="97" idx="1"/>
+          </p:cNvCxnSpPr>
+          <p:nvPr/>
+        </p:nvCxnSpPr>
+        <p:spPr>
+          <a:xfrm flipV="1">
+            <a:off x="5661669" y="6068684"/>
+            <a:ext cx="466122" cy="4024"/>
+          </a:xfrm>
+          <a:prstGeom prst="straightConnector1">
+            <a:avLst/>
+          </a:prstGeom>
+          <a:ln w="25400">
+            <a:tailEnd type="triangle"/>
+          </a:ln>
+        </p:spPr>
+        <p:style>
+          <a:lnRef idx="1">
+            <a:schemeClr val="accent1"/>
+          </a:lnRef>
+          <a:fillRef idx="0">
+            <a:schemeClr val="accent1"/>
+          </a:fillRef>
+          <a:effectRef idx="0">
+            <a:schemeClr val="accent1"/>
+          </a:effectRef>
+          <a:fontRef idx="minor">
+            <a:schemeClr val="tx1"/>
+          </a:fontRef>
+        </p:style>
+      </p:cxnSp>
+      <p:cxnSp>
+        <p:nvCxnSpPr>
+          <p:cNvPr id="103" name="Verbinder: gewinkelt 102">
+            <a:extLst>
+              <a:ext uri="{FF2B5EF4-FFF2-40B4-BE49-F238E27FC236}">
+                <a16:creationId xmlns:a16="http://schemas.microsoft.com/office/drawing/2014/main" id="{02D86DC4-94D8-4C12-AD60-EC2B6CFB3E8D}"/>
+              </a:ext>
+            </a:extLst>
+          </p:cNvPr>
+          <p:cNvCxnSpPr>
+            <a:cxnSpLocks/>
+            <a:stCxn id="97" idx="2"/>
+            <a:endCxn id="93" idx="3"/>
+          </p:cNvCxnSpPr>
+          <p:nvPr/>
+        </p:nvCxnSpPr>
+        <p:spPr>
+          <a:xfrm rot="5400000">
+            <a:off x="5712681" y="5931626"/>
+            <a:ext cx="566052" cy="1416168"/>
+          </a:xfrm>
+          <a:prstGeom prst="bentConnector2">
+            <a:avLst/>
+          </a:prstGeom>
+          <a:ln w="25400">
+            <a:tailEnd type="triangle"/>
+          </a:ln>
+        </p:spPr>
+        <p:style>
+          <a:lnRef idx="1">
+            <a:schemeClr val="accent1"/>
+          </a:lnRef>
+          <a:fillRef idx="0">
+            <a:schemeClr val="accent1"/>
+          </a:fillRef>
+          <a:effectRef idx="0">
+            <a:schemeClr val="accent1"/>
+          </a:effectRef>
+          <a:fontRef idx="minor">
+            <a:schemeClr val="tx1"/>
+          </a:fontRef>
+        </p:style>
+      </p:cxnSp>
+    </p:spTree>
+    <p:extLst>
+      <p:ext uri="{BB962C8B-B14F-4D97-AF65-F5344CB8AC3E}">
+        <p14:creationId xmlns:p14="http://schemas.microsoft.com/office/powerpoint/2010/main" val="870174078"/>
       </p:ext>
     </p:extLst>
   </p:cSld>

--- a/Dokumentation/Graphiken.pptx
+++ b/Dokumentation/Graphiken.pptx
@@ -5,7 +5,7 @@
     <p:sldMasterId id="2147483648" r:id="rId1"/>
   </p:sldMasterIdLst>
   <p:notesMasterIdLst>
-    <p:notesMasterId r:id="rId8"/>
+    <p:notesMasterId r:id="rId9"/>
   </p:notesMasterIdLst>
   <p:sldIdLst>
     <p:sldId id="257" r:id="rId2"/>
@@ -14,6 +14,7 @@
     <p:sldId id="260" r:id="rId5"/>
     <p:sldId id="261" r:id="rId6"/>
     <p:sldId id="262" r:id="rId7"/>
+    <p:sldId id="263" r:id="rId8"/>
   </p:sldIdLst>
   <p:sldSz cx="12192000" cy="6858000"/>
   <p:notesSz cx="6858000" cy="9144000"/>
@@ -213,7 +214,7 @@
           <a:p>
             <a:fld id="{B9EC3B4B-6FA9-4E93-8DE6-925625796A50}" type="datetimeFigureOut">
               <a:rPr lang="en-GB" smtClean="0"/>
-              <a:t>24/05/2019</a:t>
+              <a:t>04/06/2019</a:t>
             </a:fld>
             <a:endParaRPr lang="en-GB" dirty="0"/>
           </a:p>
@@ -628,7 +629,7 @@
           <a:p>
             <a:fld id="{26B5E0E0-4D0D-4CD4-AF77-BF99AC711AE8}" type="datetimeFigureOut">
               <a:rPr lang="de-DE" smtClean="0"/>
-              <a:t>24.05.2019</a:t>
+              <a:t>04.06.2019</a:t>
             </a:fld>
             <a:endParaRPr lang="de-DE" dirty="0"/>
           </a:p>
@@ -826,7 +827,7 @@
           <a:p>
             <a:fld id="{26B5E0E0-4D0D-4CD4-AF77-BF99AC711AE8}" type="datetimeFigureOut">
               <a:rPr lang="de-DE" smtClean="0"/>
-              <a:t>24.05.2019</a:t>
+              <a:t>04.06.2019</a:t>
             </a:fld>
             <a:endParaRPr lang="de-DE" dirty="0"/>
           </a:p>
@@ -1034,7 +1035,7 @@
           <a:p>
             <a:fld id="{26B5E0E0-4D0D-4CD4-AF77-BF99AC711AE8}" type="datetimeFigureOut">
               <a:rPr lang="de-DE" smtClean="0"/>
-              <a:t>24.05.2019</a:t>
+              <a:t>04.06.2019</a:t>
             </a:fld>
             <a:endParaRPr lang="de-DE" dirty="0"/>
           </a:p>
@@ -1232,7 +1233,7 @@
           <a:p>
             <a:fld id="{26B5E0E0-4D0D-4CD4-AF77-BF99AC711AE8}" type="datetimeFigureOut">
               <a:rPr lang="de-DE" smtClean="0"/>
-              <a:t>24.05.2019</a:t>
+              <a:t>04.06.2019</a:t>
             </a:fld>
             <a:endParaRPr lang="de-DE" dirty="0"/>
           </a:p>
@@ -1507,7 +1508,7 @@
           <a:p>
             <a:fld id="{26B5E0E0-4D0D-4CD4-AF77-BF99AC711AE8}" type="datetimeFigureOut">
               <a:rPr lang="de-DE" smtClean="0"/>
-              <a:t>24.05.2019</a:t>
+              <a:t>04.06.2019</a:t>
             </a:fld>
             <a:endParaRPr lang="de-DE" dirty="0"/>
           </a:p>
@@ -1772,7 +1773,7 @@
           <a:p>
             <a:fld id="{26B5E0E0-4D0D-4CD4-AF77-BF99AC711AE8}" type="datetimeFigureOut">
               <a:rPr lang="de-DE" smtClean="0"/>
-              <a:t>24.05.2019</a:t>
+              <a:t>04.06.2019</a:t>
             </a:fld>
             <a:endParaRPr lang="de-DE" dirty="0"/>
           </a:p>
@@ -2184,7 +2185,7 @@
           <a:p>
             <a:fld id="{26B5E0E0-4D0D-4CD4-AF77-BF99AC711AE8}" type="datetimeFigureOut">
               <a:rPr lang="de-DE" smtClean="0"/>
-              <a:t>24.05.2019</a:t>
+              <a:t>04.06.2019</a:t>
             </a:fld>
             <a:endParaRPr lang="de-DE" dirty="0"/>
           </a:p>
@@ -2325,7 +2326,7 @@
           <a:p>
             <a:fld id="{26B5E0E0-4D0D-4CD4-AF77-BF99AC711AE8}" type="datetimeFigureOut">
               <a:rPr lang="de-DE" smtClean="0"/>
-              <a:t>24.05.2019</a:t>
+              <a:t>04.06.2019</a:t>
             </a:fld>
             <a:endParaRPr lang="de-DE" dirty="0"/>
           </a:p>
@@ -2438,7 +2439,7 @@
           <a:p>
             <a:fld id="{26B5E0E0-4D0D-4CD4-AF77-BF99AC711AE8}" type="datetimeFigureOut">
               <a:rPr lang="de-DE" smtClean="0"/>
-              <a:t>24.05.2019</a:t>
+              <a:t>04.06.2019</a:t>
             </a:fld>
             <a:endParaRPr lang="de-DE" dirty="0"/>
           </a:p>
@@ -2749,7 +2750,7 @@
           <a:p>
             <a:fld id="{26B5E0E0-4D0D-4CD4-AF77-BF99AC711AE8}" type="datetimeFigureOut">
               <a:rPr lang="de-DE" smtClean="0"/>
-              <a:t>24.05.2019</a:t>
+              <a:t>04.06.2019</a:t>
             </a:fld>
             <a:endParaRPr lang="de-DE" dirty="0"/>
           </a:p>
@@ -3037,7 +3038,7 @@
           <a:p>
             <a:fld id="{26B5E0E0-4D0D-4CD4-AF77-BF99AC711AE8}" type="datetimeFigureOut">
               <a:rPr lang="de-DE" smtClean="0"/>
-              <a:t>24.05.2019</a:t>
+              <a:t>04.06.2019</a:t>
             </a:fld>
             <a:endParaRPr lang="de-DE" dirty="0"/>
           </a:p>
@@ -3278,7 +3279,7 @@
           <a:p>
             <a:fld id="{26B5E0E0-4D0D-4CD4-AF77-BF99AC711AE8}" type="datetimeFigureOut">
               <a:rPr lang="de-DE" smtClean="0"/>
-              <a:t>24.05.2019</a:t>
+              <a:t>04.06.2019</a:t>
             </a:fld>
             <a:endParaRPr lang="de-DE" dirty="0"/>
           </a:p>
@@ -11926,6 +11927,948 @@
     <p:extLst>
       <p:ext uri="{BB962C8B-B14F-4D97-AF65-F5344CB8AC3E}">
         <p14:creationId xmlns:p14="http://schemas.microsoft.com/office/powerpoint/2010/main" val="870174078"/>
+      </p:ext>
+    </p:extLst>
+  </p:cSld>
+  <p:clrMapOvr>
+    <a:masterClrMapping/>
+  </p:clrMapOvr>
+</p:sld>
+</file>
+
+<file path=ppt/slides/slide7.xml><?xml version="1.0" encoding="utf-8"?>
+<p:sld xmlns:a="http://schemas.openxmlformats.org/drawingml/2006/main" xmlns:r="http://schemas.openxmlformats.org/officeDocument/2006/relationships" xmlns:p="http://schemas.openxmlformats.org/presentationml/2006/main">
+  <p:cSld>
+    <p:spTree>
+      <p:nvGrpSpPr>
+        <p:cNvPr id="1" name=""/>
+        <p:cNvGrpSpPr/>
+        <p:nvPr/>
+      </p:nvGrpSpPr>
+      <p:grpSpPr>
+        <a:xfrm>
+          <a:off x="0" y="0"/>
+          <a:ext cx="0" cy="0"/>
+          <a:chOff x="0" y="0"/>
+          <a:chExt cx="0" cy="0"/>
+        </a:xfrm>
+      </p:grpSpPr>
+      <p:sp>
+        <p:nvSpPr>
+          <p:cNvPr id="2" name="Rechteck 1">
+            <a:extLst>
+              <a:ext uri="{FF2B5EF4-FFF2-40B4-BE49-F238E27FC236}">
+                <a16:creationId xmlns:a16="http://schemas.microsoft.com/office/drawing/2014/main" id="{922CC19D-DDC3-4899-AC83-973EA12A24DA}"/>
+              </a:ext>
+            </a:extLst>
+          </p:cNvPr>
+          <p:cNvSpPr/>
+          <p:nvPr/>
+        </p:nvSpPr>
+        <p:spPr>
+          <a:xfrm>
+            <a:off x="2969704" y="1157680"/>
+            <a:ext cx="1728132" cy="528507"/>
+          </a:xfrm>
+          <a:prstGeom prst="rect">
+            <a:avLst/>
+          </a:prstGeom>
+        </p:spPr>
+        <p:style>
+          <a:lnRef idx="2">
+            <a:schemeClr val="accent1">
+              <a:shade val="50000"/>
+            </a:schemeClr>
+          </a:lnRef>
+          <a:fillRef idx="1">
+            <a:schemeClr val="accent1"/>
+          </a:fillRef>
+          <a:effectRef idx="0">
+            <a:schemeClr val="accent1"/>
+          </a:effectRef>
+          <a:fontRef idx="minor">
+            <a:schemeClr val="lt1"/>
+          </a:fontRef>
+        </p:style>
+        <p:txBody>
+          <a:bodyPr rtlCol="0" anchor="ctr"/>
+          <a:lstStyle/>
+          <a:p>
+            <a:pPr algn="ctr"/>
+            <a:r>
+              <a:rPr lang="en-GB" sz="1200" dirty="0">
+                <a:latin typeface="Arial" panose="020B0604020202020204" pitchFamily="34" charset="0"/>
+                <a:cs typeface="Arial" panose="020B0604020202020204" pitchFamily="34" charset="0"/>
+              </a:rPr>
+              <a:t>Weight Layer</a:t>
+            </a:r>
+          </a:p>
+        </p:txBody>
+      </p:sp>
+      <p:cxnSp>
+        <p:nvCxnSpPr>
+          <p:cNvPr id="4" name="Gerade Verbindung mit Pfeil 3">
+            <a:extLst>
+              <a:ext uri="{FF2B5EF4-FFF2-40B4-BE49-F238E27FC236}">
+                <a16:creationId xmlns:a16="http://schemas.microsoft.com/office/drawing/2014/main" id="{7D260B6A-211B-4C1C-8C13-CFE122D6D1E8}"/>
+              </a:ext>
+            </a:extLst>
+          </p:cNvPr>
+          <p:cNvCxnSpPr>
+            <a:cxnSpLocks/>
+            <a:endCxn id="2" idx="0"/>
+          </p:cNvCxnSpPr>
+          <p:nvPr/>
+        </p:nvCxnSpPr>
+        <p:spPr>
+          <a:xfrm>
+            <a:off x="3833770" y="713064"/>
+            <a:ext cx="0" cy="444616"/>
+          </a:xfrm>
+          <a:prstGeom prst="straightConnector1">
+            <a:avLst/>
+          </a:prstGeom>
+          <a:ln w="25400">
+            <a:tailEnd type="triangle"/>
+          </a:ln>
+        </p:spPr>
+        <p:style>
+          <a:lnRef idx="1">
+            <a:schemeClr val="accent1"/>
+          </a:lnRef>
+          <a:fillRef idx="0">
+            <a:schemeClr val="accent1"/>
+          </a:fillRef>
+          <a:effectRef idx="0">
+            <a:schemeClr val="accent1"/>
+          </a:effectRef>
+          <a:fontRef idx="minor">
+            <a:schemeClr val="tx1"/>
+          </a:fontRef>
+        </p:style>
+      </p:cxnSp>
+      <p:sp>
+        <p:nvSpPr>
+          <p:cNvPr id="34" name="Rechteck 33">
+            <a:extLst>
+              <a:ext uri="{FF2B5EF4-FFF2-40B4-BE49-F238E27FC236}">
+                <a16:creationId xmlns:a16="http://schemas.microsoft.com/office/drawing/2014/main" id="{D5FD87D9-495B-47E9-8DD3-960269994BB3}"/>
+              </a:ext>
+            </a:extLst>
+          </p:cNvPr>
+          <p:cNvSpPr/>
+          <p:nvPr/>
+        </p:nvSpPr>
+        <p:spPr>
+          <a:xfrm>
+            <a:off x="2969704" y="2130803"/>
+            <a:ext cx="1728132" cy="528507"/>
+          </a:xfrm>
+          <a:prstGeom prst="rect">
+            <a:avLst/>
+          </a:prstGeom>
+        </p:spPr>
+        <p:style>
+          <a:lnRef idx="2">
+            <a:schemeClr val="accent1">
+              <a:shade val="50000"/>
+            </a:schemeClr>
+          </a:lnRef>
+          <a:fillRef idx="1">
+            <a:schemeClr val="accent1"/>
+          </a:fillRef>
+          <a:effectRef idx="0">
+            <a:schemeClr val="accent1"/>
+          </a:effectRef>
+          <a:fontRef idx="minor">
+            <a:schemeClr val="lt1"/>
+          </a:fontRef>
+        </p:style>
+        <p:txBody>
+          <a:bodyPr rtlCol="0" anchor="ctr"/>
+          <a:lstStyle/>
+          <a:p>
+            <a:pPr algn="ctr"/>
+            <a:r>
+              <a:rPr lang="en-GB" sz="1200" dirty="0">
+                <a:latin typeface="Arial" panose="020B0604020202020204" pitchFamily="34" charset="0"/>
+                <a:cs typeface="Arial" panose="020B0604020202020204" pitchFamily="34" charset="0"/>
+              </a:rPr>
+              <a:t>Weight Layer</a:t>
+            </a:r>
+          </a:p>
+        </p:txBody>
+      </p:sp>
+      <p:cxnSp>
+        <p:nvCxnSpPr>
+          <p:cNvPr id="36" name="Gerade Verbindung mit Pfeil 35">
+            <a:extLst>
+              <a:ext uri="{FF2B5EF4-FFF2-40B4-BE49-F238E27FC236}">
+                <a16:creationId xmlns:a16="http://schemas.microsoft.com/office/drawing/2014/main" id="{8F8F3A20-9A97-4C92-BF72-312668AC037A}"/>
+              </a:ext>
+            </a:extLst>
+          </p:cNvPr>
+          <p:cNvCxnSpPr>
+            <a:cxnSpLocks/>
+            <a:stCxn id="2" idx="2"/>
+            <a:endCxn id="34" idx="0"/>
+          </p:cNvCxnSpPr>
+          <p:nvPr/>
+        </p:nvCxnSpPr>
+        <p:spPr>
+          <a:xfrm>
+            <a:off x="3833770" y="1686187"/>
+            <a:ext cx="0" cy="444616"/>
+          </a:xfrm>
+          <a:prstGeom prst="straightConnector1">
+            <a:avLst/>
+          </a:prstGeom>
+          <a:ln w="25400">
+            <a:tailEnd type="triangle"/>
+          </a:ln>
+        </p:spPr>
+        <p:style>
+          <a:lnRef idx="1">
+            <a:schemeClr val="accent1"/>
+          </a:lnRef>
+          <a:fillRef idx="0">
+            <a:schemeClr val="accent1"/>
+          </a:fillRef>
+          <a:effectRef idx="0">
+            <a:schemeClr val="accent1"/>
+          </a:effectRef>
+          <a:fontRef idx="minor">
+            <a:schemeClr val="tx1"/>
+          </a:fontRef>
+        </p:style>
+      </p:cxnSp>
+      <p:sp>
+        <p:nvSpPr>
+          <p:cNvPr id="8" name="Ellipse 7">
+            <a:extLst>
+              <a:ext uri="{FF2B5EF4-FFF2-40B4-BE49-F238E27FC236}">
+                <a16:creationId xmlns:a16="http://schemas.microsoft.com/office/drawing/2014/main" id="{2F4FA13F-65C8-4F27-BB93-6B632BDF2BBC}"/>
+              </a:ext>
+            </a:extLst>
+          </p:cNvPr>
+          <p:cNvSpPr/>
+          <p:nvPr/>
+        </p:nvSpPr>
+        <p:spPr>
+          <a:xfrm>
+            <a:off x="3716770" y="3103926"/>
+            <a:ext cx="234000" cy="234000"/>
+          </a:xfrm>
+          <a:prstGeom prst="ellipse">
+            <a:avLst/>
+          </a:prstGeom>
+        </p:spPr>
+        <p:style>
+          <a:lnRef idx="2">
+            <a:schemeClr val="accent1">
+              <a:shade val="50000"/>
+            </a:schemeClr>
+          </a:lnRef>
+          <a:fillRef idx="1">
+            <a:schemeClr val="accent1"/>
+          </a:fillRef>
+          <a:effectRef idx="0">
+            <a:schemeClr val="accent1"/>
+          </a:effectRef>
+          <a:fontRef idx="minor">
+            <a:schemeClr val="lt1"/>
+          </a:fontRef>
+        </p:style>
+        <p:txBody>
+          <a:bodyPr rtlCol="0" anchor="ctr"/>
+          <a:lstStyle/>
+          <a:p>
+            <a:pPr algn="ctr"/>
+            <a:r>
+              <a:rPr lang="en-GB" sz="1200" dirty="0">
+                <a:latin typeface="Arial" panose="020B0604020202020204" pitchFamily="34" charset="0"/>
+                <a:cs typeface="Arial" panose="020B0604020202020204" pitchFamily="34" charset="0"/>
+              </a:rPr>
+              <a:t>+</a:t>
+            </a:r>
+          </a:p>
+        </p:txBody>
+      </p:sp>
+      <p:cxnSp>
+        <p:nvCxnSpPr>
+          <p:cNvPr id="39" name="Gerade Verbindung mit Pfeil 38">
+            <a:extLst>
+              <a:ext uri="{FF2B5EF4-FFF2-40B4-BE49-F238E27FC236}">
+                <a16:creationId xmlns:a16="http://schemas.microsoft.com/office/drawing/2014/main" id="{3CC7B8A6-CE2D-47C2-9564-137AB9DC014E}"/>
+              </a:ext>
+            </a:extLst>
+          </p:cNvPr>
+          <p:cNvCxnSpPr>
+            <a:cxnSpLocks/>
+            <a:stCxn id="34" idx="2"/>
+            <a:endCxn id="8" idx="0"/>
+          </p:cNvCxnSpPr>
+          <p:nvPr/>
+        </p:nvCxnSpPr>
+        <p:spPr>
+          <a:xfrm>
+            <a:off x="3833770" y="2659310"/>
+            <a:ext cx="0" cy="444616"/>
+          </a:xfrm>
+          <a:prstGeom prst="straightConnector1">
+            <a:avLst/>
+          </a:prstGeom>
+          <a:ln w="25400">
+            <a:tailEnd type="triangle"/>
+          </a:ln>
+        </p:spPr>
+        <p:style>
+          <a:lnRef idx="1">
+            <a:schemeClr val="accent1"/>
+          </a:lnRef>
+          <a:fillRef idx="0">
+            <a:schemeClr val="accent1"/>
+          </a:fillRef>
+          <a:effectRef idx="0">
+            <a:schemeClr val="accent1"/>
+          </a:effectRef>
+          <a:fontRef idx="minor">
+            <a:schemeClr val="tx1"/>
+          </a:fontRef>
+        </p:style>
+      </p:cxnSp>
+      <p:sp>
+        <p:nvSpPr>
+          <p:cNvPr id="12" name="Textfeld 11">
+            <a:extLst>
+              <a:ext uri="{FF2B5EF4-FFF2-40B4-BE49-F238E27FC236}">
+                <a16:creationId xmlns:a16="http://schemas.microsoft.com/office/drawing/2014/main" id="{5BEABC3C-1EC1-46B5-8FD8-97E12EE77024}"/>
+              </a:ext>
+            </a:extLst>
+          </p:cNvPr>
+          <p:cNvSpPr txBox="1"/>
+          <p:nvPr/>
+        </p:nvSpPr>
+        <p:spPr>
+          <a:xfrm>
+            <a:off x="3833770" y="1759829"/>
+            <a:ext cx="747063" cy="276999"/>
+          </a:xfrm>
+          <a:prstGeom prst="rect">
+            <a:avLst/>
+          </a:prstGeom>
+          <a:noFill/>
+        </p:spPr>
+        <p:txBody>
+          <a:bodyPr wrap="square" rtlCol="0">
+            <a:spAutoFit/>
+          </a:bodyPr>
+          <a:lstStyle/>
+          <a:p>
+            <a:r>
+              <a:rPr lang="en-GB" sz="1200" dirty="0">
+                <a:latin typeface="Arial" panose="020B0604020202020204" pitchFamily="34" charset="0"/>
+                <a:cs typeface="Arial" panose="020B0604020202020204" pitchFamily="34" charset="0"/>
+              </a:rPr>
+              <a:t>ReLU</a:t>
+            </a:r>
+          </a:p>
+        </p:txBody>
+      </p:sp>
+      <p:cxnSp>
+        <p:nvCxnSpPr>
+          <p:cNvPr id="22" name="Verbinder: gewinkelt 21">
+            <a:extLst>
+              <a:ext uri="{FF2B5EF4-FFF2-40B4-BE49-F238E27FC236}">
+                <a16:creationId xmlns:a16="http://schemas.microsoft.com/office/drawing/2014/main" id="{D3F17710-BFDA-4ECB-8844-DAE8363D7E7D}"/>
+              </a:ext>
+            </a:extLst>
+          </p:cNvPr>
+          <p:cNvCxnSpPr>
+            <a:endCxn id="8" idx="6"/>
+          </p:cNvCxnSpPr>
+          <p:nvPr/>
+        </p:nvCxnSpPr>
+        <p:spPr>
+          <a:xfrm rot="16200000" flipH="1">
+            <a:off x="2685505" y="1955661"/>
+            <a:ext cx="2413530" cy="117000"/>
+          </a:xfrm>
+          <a:prstGeom prst="bentConnector4">
+            <a:avLst>
+              <a:gd name="adj1" fmla="val 3241"/>
+              <a:gd name="adj2" fmla="val 1051980"/>
+            </a:avLst>
+          </a:prstGeom>
+          <a:ln w="25400">
+            <a:tailEnd type="triangle"/>
+          </a:ln>
+        </p:spPr>
+        <p:style>
+          <a:lnRef idx="1">
+            <a:schemeClr val="accent1"/>
+          </a:lnRef>
+          <a:fillRef idx="0">
+            <a:schemeClr val="accent1"/>
+          </a:fillRef>
+          <a:effectRef idx="0">
+            <a:schemeClr val="accent1"/>
+          </a:effectRef>
+          <a:fontRef idx="minor">
+            <a:schemeClr val="tx1"/>
+          </a:fontRef>
+        </p:style>
+      </p:cxnSp>
+      <mc:AlternateContent xmlns:mc="http://schemas.openxmlformats.org/markup-compatibility/2006">
+        <mc:Choice xmlns:a14="http://schemas.microsoft.com/office/drawing/2010/main" Requires="a14">
+          <p:sp>
+            <p:nvSpPr>
+              <p:cNvPr id="53" name="Textfeld 52">
+                <a:extLst>
+                  <a:ext uri="{FF2B5EF4-FFF2-40B4-BE49-F238E27FC236}">
+                    <a16:creationId xmlns:a16="http://schemas.microsoft.com/office/drawing/2014/main" id="{47B1CAE4-BE0F-4F00-AE94-A405C2F995ED}"/>
+                  </a:ext>
+                </a:extLst>
+              </p:cNvPr>
+              <p:cNvSpPr txBox="1"/>
+              <p:nvPr/>
+            </p:nvSpPr>
+            <p:spPr>
+              <a:xfrm>
+                <a:off x="5071368" y="1769995"/>
+                <a:ext cx="677680" cy="461665"/>
+              </a:xfrm>
+              <a:prstGeom prst="rect">
+                <a:avLst/>
+              </a:prstGeom>
+              <a:noFill/>
+            </p:spPr>
+            <p:txBody>
+              <a:bodyPr wrap="square" rtlCol="0">
+                <a:spAutoFit/>
+              </a:bodyPr>
+              <a:lstStyle/>
+              <a:p>
+                <a:pPr algn="ctr"/>
+                <a14:m>
+                  <m:oMathPara xmlns:m="http://schemas.openxmlformats.org/officeDocument/2006/math">
+                    <m:oMathParaPr>
+                      <m:jc m:val="centerGroup"/>
+                    </m:oMathParaPr>
+                    <m:oMath xmlns:m="http://schemas.openxmlformats.org/officeDocument/2006/math">
+                      <m:r>
+                        <a:rPr lang="de-DE" sz="1200" b="1" i="1" smtClean="0">
+                          <a:latin typeface="Cambria Math" panose="02040503050406030204" pitchFamily="18" charset="0"/>
+                          <a:cs typeface="Arial" panose="020B0604020202020204" pitchFamily="34" charset="0"/>
+                        </a:rPr>
+                        <m:t>𝑿</m:t>
+                      </m:r>
+                    </m:oMath>
+                  </m:oMathPara>
+                </a14:m>
+                <a:endParaRPr lang="en-GB" sz="1200" b="1" dirty="0">
+                  <a:latin typeface="Arial" panose="020B0604020202020204" pitchFamily="34" charset="0"/>
+                  <a:cs typeface="Arial" panose="020B0604020202020204" pitchFamily="34" charset="0"/>
+                </a:endParaRPr>
+              </a:p>
+              <a:p>
+                <a:r>
+                  <a:rPr lang="en-GB" sz="1200" dirty="0">
+                    <a:latin typeface="Arial" panose="020B0604020202020204" pitchFamily="34" charset="0"/>
+                    <a:cs typeface="Arial" panose="020B0604020202020204" pitchFamily="34" charset="0"/>
+                  </a:rPr>
+                  <a:t>Identity</a:t>
+                </a:r>
+              </a:p>
+            </p:txBody>
+          </p:sp>
+        </mc:Choice>
+        <mc:Fallback>
+          <p:sp>
+            <p:nvSpPr>
+              <p:cNvPr id="53" name="Textfeld 52">
+                <a:extLst>
+                  <a:ext uri="{FF2B5EF4-FFF2-40B4-BE49-F238E27FC236}">
+                    <a16:creationId xmlns:a16="http://schemas.microsoft.com/office/drawing/2014/main" id="{47B1CAE4-BE0F-4F00-AE94-A405C2F995ED}"/>
+                  </a:ext>
+                </a:extLst>
+              </p:cNvPr>
+              <p:cNvSpPr txBox="1">
+                <a:spLocks noRot="1" noChangeAspect="1" noMove="1" noResize="1" noEditPoints="1" noAdjustHandles="1" noChangeArrowheads="1" noChangeShapeType="1" noTextEdit="1"/>
+              </p:cNvSpPr>
+              <p:nvPr/>
+            </p:nvSpPr>
+            <p:spPr>
+              <a:xfrm>
+                <a:off x="5071368" y="1769995"/>
+                <a:ext cx="677680" cy="461665"/>
+              </a:xfrm>
+              <a:prstGeom prst="rect">
+                <a:avLst/>
+              </a:prstGeom>
+              <a:blipFill>
+                <a:blip r:embed="rId2"/>
+                <a:stretch>
+                  <a:fillRect l="-901" b="-7895"/>
+                </a:stretch>
+              </a:blipFill>
+            </p:spPr>
+            <p:txBody>
+              <a:bodyPr/>
+              <a:lstStyle/>
+              <a:p>
+                <a:r>
+                  <a:rPr lang="en-GB">
+                    <a:noFill/>
+                  </a:rPr>
+                  <a:t> </a:t>
+                </a:r>
+              </a:p>
+            </p:txBody>
+          </p:sp>
+        </mc:Fallback>
+      </mc:AlternateContent>
+      <mc:AlternateContent xmlns:mc="http://schemas.openxmlformats.org/markup-compatibility/2006">
+        <mc:Choice xmlns:a14="http://schemas.microsoft.com/office/drawing/2010/main" Requires="a14">
+          <p:sp>
+            <p:nvSpPr>
+              <p:cNvPr id="54" name="Textfeld 53">
+                <a:extLst>
+                  <a:ext uri="{FF2B5EF4-FFF2-40B4-BE49-F238E27FC236}">
+                    <a16:creationId xmlns:a16="http://schemas.microsoft.com/office/drawing/2014/main" id="{FD1FAE80-855F-46C2-9244-7B7BAD471192}"/>
+                  </a:ext>
+                </a:extLst>
+              </p:cNvPr>
+              <p:cNvSpPr txBox="1"/>
+              <p:nvPr/>
+            </p:nvSpPr>
+            <p:spPr>
+              <a:xfrm>
+                <a:off x="3494930" y="436065"/>
+                <a:ext cx="677680" cy="276999"/>
+              </a:xfrm>
+              <a:prstGeom prst="rect">
+                <a:avLst/>
+              </a:prstGeom>
+              <a:noFill/>
+            </p:spPr>
+            <p:txBody>
+              <a:bodyPr wrap="square" rtlCol="0">
+                <a:spAutoFit/>
+              </a:bodyPr>
+              <a:lstStyle/>
+              <a:p>
+                <a:pPr algn="ctr"/>
+                <a14:m>
+                  <m:oMathPara xmlns:m="http://schemas.openxmlformats.org/officeDocument/2006/math">
+                    <m:oMathParaPr>
+                      <m:jc m:val="centerGroup"/>
+                    </m:oMathParaPr>
+                    <m:oMath xmlns:m="http://schemas.openxmlformats.org/officeDocument/2006/math">
+                      <m:r>
+                        <a:rPr lang="de-DE" sz="1200" b="1" i="1">
+                          <a:latin typeface="Cambria Math" panose="02040503050406030204" pitchFamily="18" charset="0"/>
+                          <a:cs typeface="Arial" panose="020B0604020202020204" pitchFamily="34" charset="0"/>
+                        </a:rPr>
+                        <m:t>𝑿</m:t>
+                      </m:r>
+                    </m:oMath>
+                  </m:oMathPara>
+                </a14:m>
+                <a:endParaRPr lang="en-GB" sz="1200" b="1" dirty="0">
+                  <a:latin typeface="Arial" panose="020B0604020202020204" pitchFamily="34" charset="0"/>
+                  <a:cs typeface="Arial" panose="020B0604020202020204" pitchFamily="34" charset="0"/>
+                </a:endParaRPr>
+              </a:p>
+            </p:txBody>
+          </p:sp>
+        </mc:Choice>
+        <mc:Fallback>
+          <p:sp>
+            <p:nvSpPr>
+              <p:cNvPr id="54" name="Textfeld 53">
+                <a:extLst>
+                  <a:ext uri="{FF2B5EF4-FFF2-40B4-BE49-F238E27FC236}">
+                    <a16:creationId xmlns:a16="http://schemas.microsoft.com/office/drawing/2014/main" id="{FD1FAE80-855F-46C2-9244-7B7BAD471192}"/>
+                  </a:ext>
+                </a:extLst>
+              </p:cNvPr>
+              <p:cNvSpPr txBox="1">
+                <a:spLocks noRot="1" noChangeAspect="1" noMove="1" noResize="1" noEditPoints="1" noAdjustHandles="1" noChangeArrowheads="1" noChangeShapeType="1" noTextEdit="1"/>
+              </p:cNvSpPr>
+              <p:nvPr/>
+            </p:nvSpPr>
+            <p:spPr>
+              <a:xfrm>
+                <a:off x="3494930" y="436065"/>
+                <a:ext cx="677680" cy="276999"/>
+              </a:xfrm>
+              <a:prstGeom prst="rect">
+                <a:avLst/>
+              </a:prstGeom>
+              <a:blipFill>
+                <a:blip r:embed="rId3"/>
+                <a:stretch>
+                  <a:fillRect/>
+                </a:stretch>
+              </a:blipFill>
+            </p:spPr>
+            <p:txBody>
+              <a:bodyPr/>
+              <a:lstStyle/>
+              <a:p>
+                <a:r>
+                  <a:rPr lang="en-GB">
+                    <a:noFill/>
+                  </a:rPr>
+                  <a:t> </a:t>
+                </a:r>
+              </a:p>
+            </p:txBody>
+          </p:sp>
+        </mc:Fallback>
+      </mc:AlternateContent>
+      <mc:AlternateContent xmlns:mc="http://schemas.openxmlformats.org/markup-compatibility/2006">
+        <mc:Choice xmlns:a14="http://schemas.microsoft.com/office/drawing/2010/main" Requires="a14">
+          <p:sp>
+            <p:nvSpPr>
+              <p:cNvPr id="55" name="Textfeld 54">
+                <a:extLst>
+                  <a:ext uri="{FF2B5EF4-FFF2-40B4-BE49-F238E27FC236}">
+                    <a16:creationId xmlns:a16="http://schemas.microsoft.com/office/drawing/2014/main" id="{9AAD0367-805B-4192-8AD3-D3C4DBF656CD}"/>
+                  </a:ext>
+                </a:extLst>
+              </p:cNvPr>
+              <p:cNvSpPr txBox="1"/>
+              <p:nvPr/>
+            </p:nvSpPr>
+            <p:spPr>
+              <a:xfrm>
+                <a:off x="2409024" y="1759828"/>
+                <a:ext cx="677680" cy="276999"/>
+              </a:xfrm>
+              <a:prstGeom prst="rect">
+                <a:avLst/>
+              </a:prstGeom>
+              <a:noFill/>
+            </p:spPr>
+            <p:txBody>
+              <a:bodyPr wrap="square" rtlCol="0">
+                <a:spAutoFit/>
+              </a:bodyPr>
+              <a:lstStyle/>
+              <a:p>
+                <a:pPr algn="ctr"/>
+                <a14:m>
+                  <m:oMathPara xmlns:m="http://schemas.openxmlformats.org/officeDocument/2006/math">
+                    <m:oMathParaPr>
+                      <m:jc m:val="centerGroup"/>
+                    </m:oMathParaPr>
+                    <m:oMath xmlns:m="http://schemas.openxmlformats.org/officeDocument/2006/math">
+                      <m:r>
+                        <a:rPr lang="de-DE" sz="1200" b="1" i="1" smtClean="0">
+                          <a:latin typeface="Cambria Math" panose="02040503050406030204" pitchFamily="18" charset="0"/>
+                          <a:ea typeface="Cambria Math" panose="02040503050406030204" pitchFamily="18" charset="0"/>
+                          <a:cs typeface="Arial" panose="020B0604020202020204" pitchFamily="34" charset="0"/>
+                        </a:rPr>
+                        <m:t>ℱ</m:t>
+                      </m:r>
+                      <m:r>
+                        <a:rPr lang="de-DE" sz="1200" b="1" i="1" smtClean="0">
+                          <a:latin typeface="Cambria Math" panose="02040503050406030204" pitchFamily="18" charset="0"/>
+                          <a:cs typeface="Arial" panose="020B0604020202020204" pitchFamily="34" charset="0"/>
+                        </a:rPr>
+                        <m:t>(</m:t>
+                      </m:r>
+                      <m:r>
+                        <a:rPr lang="de-DE" sz="1200" b="1" i="1">
+                          <a:latin typeface="Cambria Math" panose="02040503050406030204" pitchFamily="18" charset="0"/>
+                          <a:cs typeface="Arial" panose="020B0604020202020204" pitchFamily="34" charset="0"/>
+                        </a:rPr>
+                        <m:t>𝑿</m:t>
+                      </m:r>
+                      <m:r>
+                        <a:rPr lang="de-DE" sz="1200" b="1" i="1" smtClean="0">
+                          <a:latin typeface="Cambria Math" panose="02040503050406030204" pitchFamily="18" charset="0"/>
+                          <a:cs typeface="Arial" panose="020B0604020202020204" pitchFamily="34" charset="0"/>
+                        </a:rPr>
+                        <m:t>)</m:t>
+                      </m:r>
+                    </m:oMath>
+                  </m:oMathPara>
+                </a14:m>
+                <a:endParaRPr lang="en-GB" sz="1200" b="1" dirty="0">
+                  <a:latin typeface="Arial" panose="020B0604020202020204" pitchFamily="34" charset="0"/>
+                  <a:cs typeface="Arial" panose="020B0604020202020204" pitchFamily="34" charset="0"/>
+                </a:endParaRPr>
+              </a:p>
+            </p:txBody>
+          </p:sp>
+        </mc:Choice>
+        <mc:Fallback>
+          <p:sp>
+            <p:nvSpPr>
+              <p:cNvPr id="55" name="Textfeld 54">
+                <a:extLst>
+                  <a:ext uri="{FF2B5EF4-FFF2-40B4-BE49-F238E27FC236}">
+                    <a16:creationId xmlns:a16="http://schemas.microsoft.com/office/drawing/2014/main" id="{9AAD0367-805B-4192-8AD3-D3C4DBF656CD}"/>
+                  </a:ext>
+                </a:extLst>
+              </p:cNvPr>
+              <p:cNvSpPr txBox="1">
+                <a:spLocks noRot="1" noChangeAspect="1" noMove="1" noResize="1" noEditPoints="1" noAdjustHandles="1" noChangeArrowheads="1" noChangeShapeType="1" noTextEdit="1"/>
+              </p:cNvSpPr>
+              <p:nvPr/>
+            </p:nvSpPr>
+            <p:spPr>
+              <a:xfrm>
+                <a:off x="2409024" y="1759828"/>
+                <a:ext cx="677680" cy="276999"/>
+              </a:xfrm>
+              <a:prstGeom prst="rect">
+                <a:avLst/>
+              </a:prstGeom>
+              <a:blipFill>
+                <a:blip r:embed="rId4"/>
+                <a:stretch>
+                  <a:fillRect b="-11111"/>
+                </a:stretch>
+              </a:blipFill>
+            </p:spPr>
+            <p:txBody>
+              <a:bodyPr/>
+              <a:lstStyle/>
+              <a:p>
+                <a:r>
+                  <a:rPr lang="en-GB">
+                    <a:noFill/>
+                  </a:rPr>
+                  <a:t> </a:t>
+                </a:r>
+              </a:p>
+            </p:txBody>
+          </p:sp>
+        </mc:Fallback>
+      </mc:AlternateContent>
+      <mc:AlternateContent xmlns:mc="http://schemas.openxmlformats.org/markup-compatibility/2006">
+        <mc:Choice xmlns:a14="http://schemas.microsoft.com/office/drawing/2010/main" Requires="a14">
+          <p:sp>
+            <p:nvSpPr>
+              <p:cNvPr id="57" name="Textfeld 56">
+                <a:extLst>
+                  <a:ext uri="{FF2B5EF4-FFF2-40B4-BE49-F238E27FC236}">
+                    <a16:creationId xmlns:a16="http://schemas.microsoft.com/office/drawing/2014/main" id="{1A16A387-7E8D-49B5-8735-C85224CA66B5}"/>
+                  </a:ext>
+                </a:extLst>
+              </p:cNvPr>
+              <p:cNvSpPr txBox="1"/>
+              <p:nvPr/>
+            </p:nvSpPr>
+            <p:spPr>
+              <a:xfrm>
+                <a:off x="2937176" y="3082426"/>
+                <a:ext cx="829375" cy="276999"/>
+              </a:xfrm>
+              <a:prstGeom prst="rect">
+                <a:avLst/>
+              </a:prstGeom>
+              <a:noFill/>
+            </p:spPr>
+            <p:txBody>
+              <a:bodyPr wrap="square" rtlCol="0">
+                <a:spAutoFit/>
+              </a:bodyPr>
+              <a:lstStyle/>
+              <a:p>
+                <a:pPr algn="ctr"/>
+                <a14:m>
+                  <m:oMathPara xmlns:m="http://schemas.openxmlformats.org/officeDocument/2006/math">
+                    <m:oMathParaPr>
+                      <m:jc m:val="centerGroup"/>
+                    </m:oMathParaPr>
+                    <m:oMath xmlns:m="http://schemas.openxmlformats.org/officeDocument/2006/math">
+                      <m:r>
+                        <a:rPr lang="de-DE" sz="1200" b="1" i="1" smtClean="0">
+                          <a:latin typeface="Cambria Math" panose="02040503050406030204" pitchFamily="18" charset="0"/>
+                          <a:ea typeface="Cambria Math" panose="02040503050406030204" pitchFamily="18" charset="0"/>
+                          <a:cs typeface="Arial" panose="020B0604020202020204" pitchFamily="34" charset="0"/>
+                        </a:rPr>
+                        <m:t>ℱ</m:t>
+                      </m:r>
+                      <m:d>
+                        <m:dPr>
+                          <m:ctrlPr>
+                            <a:rPr lang="de-DE" sz="1200" b="1" i="1" smtClean="0">
+                              <a:latin typeface="Cambria Math" panose="02040503050406030204" pitchFamily="18" charset="0"/>
+                              <a:ea typeface="Cambria Math" panose="02040503050406030204" pitchFamily="18" charset="0"/>
+                              <a:cs typeface="Arial" panose="020B0604020202020204" pitchFamily="34" charset="0"/>
+                            </a:rPr>
+                          </m:ctrlPr>
+                        </m:dPr>
+                        <m:e>
+                          <m:r>
+                            <a:rPr lang="de-DE" sz="1200" b="1" i="1">
+                              <a:latin typeface="Cambria Math" panose="02040503050406030204" pitchFamily="18" charset="0"/>
+                              <a:cs typeface="Arial" panose="020B0604020202020204" pitchFamily="34" charset="0"/>
+                            </a:rPr>
+                            <m:t>𝑿</m:t>
+                          </m:r>
+                        </m:e>
+                      </m:d>
+                      <m:r>
+                        <a:rPr lang="de-DE" sz="1200" b="1" i="1" smtClean="0">
+                          <a:latin typeface="Cambria Math" panose="02040503050406030204" pitchFamily="18" charset="0"/>
+                          <a:cs typeface="Arial" panose="020B0604020202020204" pitchFamily="34" charset="0"/>
+                        </a:rPr>
+                        <m:t>+</m:t>
+                      </m:r>
+                      <m:r>
+                        <a:rPr lang="de-DE" sz="1200" b="1" i="1" smtClean="0">
+                          <a:latin typeface="Cambria Math" panose="02040503050406030204" pitchFamily="18" charset="0"/>
+                          <a:cs typeface="Arial" panose="020B0604020202020204" pitchFamily="34" charset="0"/>
+                        </a:rPr>
+                        <m:t>𝑿</m:t>
+                      </m:r>
+                    </m:oMath>
+                  </m:oMathPara>
+                </a14:m>
+                <a:endParaRPr lang="en-GB" sz="1200" b="1" dirty="0">
+                  <a:latin typeface="Arial" panose="020B0604020202020204" pitchFamily="34" charset="0"/>
+                  <a:cs typeface="Arial" panose="020B0604020202020204" pitchFamily="34" charset="0"/>
+                </a:endParaRPr>
+              </a:p>
+            </p:txBody>
+          </p:sp>
+        </mc:Choice>
+        <mc:Fallback>
+          <p:sp>
+            <p:nvSpPr>
+              <p:cNvPr id="57" name="Textfeld 56">
+                <a:extLst>
+                  <a:ext uri="{FF2B5EF4-FFF2-40B4-BE49-F238E27FC236}">
+                    <a16:creationId xmlns:a16="http://schemas.microsoft.com/office/drawing/2014/main" id="{1A16A387-7E8D-49B5-8735-C85224CA66B5}"/>
+                  </a:ext>
+                </a:extLst>
+              </p:cNvPr>
+              <p:cNvSpPr txBox="1">
+                <a:spLocks noRot="1" noChangeAspect="1" noMove="1" noResize="1" noEditPoints="1" noAdjustHandles="1" noChangeArrowheads="1" noChangeShapeType="1" noTextEdit="1"/>
+              </p:cNvSpPr>
+              <p:nvPr/>
+            </p:nvSpPr>
+            <p:spPr>
+              <a:xfrm>
+                <a:off x="2937176" y="3082426"/>
+                <a:ext cx="829375" cy="276999"/>
+              </a:xfrm>
+              <a:prstGeom prst="rect">
+                <a:avLst/>
+              </a:prstGeom>
+              <a:blipFill>
+                <a:blip r:embed="rId5"/>
+                <a:stretch>
+                  <a:fillRect/>
+                </a:stretch>
+              </a:blipFill>
+            </p:spPr>
+            <p:txBody>
+              <a:bodyPr/>
+              <a:lstStyle/>
+              <a:p>
+                <a:r>
+                  <a:rPr lang="en-GB">
+                    <a:noFill/>
+                  </a:rPr>
+                  <a:t> </a:t>
+                </a:r>
+              </a:p>
+            </p:txBody>
+          </p:sp>
+        </mc:Fallback>
+      </mc:AlternateContent>
+      <p:cxnSp>
+        <p:nvCxnSpPr>
+          <p:cNvPr id="58" name="Gerade Verbindung mit Pfeil 57">
+            <a:extLst>
+              <a:ext uri="{FF2B5EF4-FFF2-40B4-BE49-F238E27FC236}">
+                <a16:creationId xmlns:a16="http://schemas.microsoft.com/office/drawing/2014/main" id="{50E97F1C-1BF7-4FE1-9719-2A7522F72B7F}"/>
+              </a:ext>
+            </a:extLst>
+          </p:cNvPr>
+          <p:cNvCxnSpPr>
+            <a:cxnSpLocks/>
+            <a:stCxn id="8" idx="4"/>
+          </p:cNvCxnSpPr>
+          <p:nvPr/>
+        </p:nvCxnSpPr>
+        <p:spPr>
+          <a:xfrm>
+            <a:off x="3833770" y="3337926"/>
+            <a:ext cx="0" cy="327616"/>
+          </a:xfrm>
+          <a:prstGeom prst="straightConnector1">
+            <a:avLst/>
+          </a:prstGeom>
+          <a:ln w="25400">
+            <a:tailEnd type="triangle"/>
+          </a:ln>
+        </p:spPr>
+        <p:style>
+          <a:lnRef idx="1">
+            <a:schemeClr val="accent1"/>
+          </a:lnRef>
+          <a:fillRef idx="0">
+            <a:schemeClr val="accent1"/>
+          </a:fillRef>
+          <a:effectRef idx="0">
+            <a:schemeClr val="accent1"/>
+          </a:effectRef>
+          <a:fontRef idx="minor">
+            <a:schemeClr val="tx1"/>
+          </a:fontRef>
+        </p:style>
+      </p:cxnSp>
+      <p:sp>
+        <p:nvSpPr>
+          <p:cNvPr id="60" name="Textfeld 59">
+            <a:extLst>
+              <a:ext uri="{FF2B5EF4-FFF2-40B4-BE49-F238E27FC236}">
+                <a16:creationId xmlns:a16="http://schemas.microsoft.com/office/drawing/2014/main" id="{D690AA14-2A9F-49D2-84EB-9B926FFF368C}"/>
+              </a:ext>
+            </a:extLst>
+          </p:cNvPr>
+          <p:cNvSpPr txBox="1"/>
+          <p:nvPr/>
+        </p:nvSpPr>
+        <p:spPr>
+          <a:xfrm>
+            <a:off x="3833769" y="3548542"/>
+            <a:ext cx="747063" cy="276999"/>
+          </a:xfrm>
+          <a:prstGeom prst="rect">
+            <a:avLst/>
+          </a:prstGeom>
+          <a:noFill/>
+        </p:spPr>
+        <p:txBody>
+          <a:bodyPr wrap="square" rtlCol="0">
+            <a:spAutoFit/>
+          </a:bodyPr>
+          <a:lstStyle/>
+          <a:p>
+            <a:r>
+              <a:rPr lang="en-GB" sz="1200" dirty="0">
+                <a:latin typeface="Arial" panose="020B0604020202020204" pitchFamily="34" charset="0"/>
+                <a:cs typeface="Arial" panose="020B0604020202020204" pitchFamily="34" charset="0"/>
+              </a:rPr>
+              <a:t>ReLU</a:t>
+            </a:r>
+          </a:p>
+        </p:txBody>
+      </p:sp>
+    </p:spTree>
+    <p:extLst>
+      <p:ext uri="{BB962C8B-B14F-4D97-AF65-F5344CB8AC3E}">
+        <p14:creationId xmlns:p14="http://schemas.microsoft.com/office/powerpoint/2010/main" val="2755288229"/>
       </p:ext>
     </p:extLst>
   </p:cSld>

--- a/Dokumentation/Graphiken.pptx
+++ b/Dokumentation/Graphiken.pptx
@@ -5,7 +5,7 @@
     <p:sldMasterId id="2147483648" r:id="rId1"/>
   </p:sldMasterIdLst>
   <p:notesMasterIdLst>
-    <p:notesMasterId r:id="rId9"/>
+    <p:notesMasterId r:id="rId10"/>
   </p:notesMasterIdLst>
   <p:sldIdLst>
     <p:sldId id="257" r:id="rId2"/>
@@ -15,6 +15,7 @@
     <p:sldId id="261" r:id="rId6"/>
     <p:sldId id="262" r:id="rId7"/>
     <p:sldId id="263" r:id="rId8"/>
+    <p:sldId id="264" r:id="rId9"/>
   </p:sldIdLst>
   <p:sldSz cx="12192000" cy="6858000"/>
   <p:notesSz cx="6858000" cy="9144000"/>
@@ -214,7 +215,7 @@
           <a:p>
             <a:fld id="{B9EC3B4B-6FA9-4E93-8DE6-925625796A50}" type="datetimeFigureOut">
               <a:rPr lang="en-GB" smtClean="0"/>
-              <a:t>04/06/2019</a:t>
+              <a:t>13/06/2019</a:t>
             </a:fld>
             <a:endParaRPr lang="en-GB" dirty="0"/>
           </a:p>
@@ -629,7 +630,7 @@
           <a:p>
             <a:fld id="{26B5E0E0-4D0D-4CD4-AF77-BF99AC711AE8}" type="datetimeFigureOut">
               <a:rPr lang="de-DE" smtClean="0"/>
-              <a:t>04.06.2019</a:t>
+              <a:t>13.06.2019</a:t>
             </a:fld>
             <a:endParaRPr lang="de-DE" dirty="0"/>
           </a:p>
@@ -827,7 +828,7 @@
           <a:p>
             <a:fld id="{26B5E0E0-4D0D-4CD4-AF77-BF99AC711AE8}" type="datetimeFigureOut">
               <a:rPr lang="de-DE" smtClean="0"/>
-              <a:t>04.06.2019</a:t>
+              <a:t>13.06.2019</a:t>
             </a:fld>
             <a:endParaRPr lang="de-DE" dirty="0"/>
           </a:p>
@@ -1035,7 +1036,7 @@
           <a:p>
             <a:fld id="{26B5E0E0-4D0D-4CD4-AF77-BF99AC711AE8}" type="datetimeFigureOut">
               <a:rPr lang="de-DE" smtClean="0"/>
-              <a:t>04.06.2019</a:t>
+              <a:t>13.06.2019</a:t>
             </a:fld>
             <a:endParaRPr lang="de-DE" dirty="0"/>
           </a:p>
@@ -1233,7 +1234,7 @@
           <a:p>
             <a:fld id="{26B5E0E0-4D0D-4CD4-AF77-BF99AC711AE8}" type="datetimeFigureOut">
               <a:rPr lang="de-DE" smtClean="0"/>
-              <a:t>04.06.2019</a:t>
+              <a:t>13.06.2019</a:t>
             </a:fld>
             <a:endParaRPr lang="de-DE" dirty="0"/>
           </a:p>
@@ -1508,7 +1509,7 @@
           <a:p>
             <a:fld id="{26B5E0E0-4D0D-4CD4-AF77-BF99AC711AE8}" type="datetimeFigureOut">
               <a:rPr lang="de-DE" smtClean="0"/>
-              <a:t>04.06.2019</a:t>
+              <a:t>13.06.2019</a:t>
             </a:fld>
             <a:endParaRPr lang="de-DE" dirty="0"/>
           </a:p>
@@ -1773,7 +1774,7 @@
           <a:p>
             <a:fld id="{26B5E0E0-4D0D-4CD4-AF77-BF99AC711AE8}" type="datetimeFigureOut">
               <a:rPr lang="de-DE" smtClean="0"/>
-              <a:t>04.06.2019</a:t>
+              <a:t>13.06.2019</a:t>
             </a:fld>
             <a:endParaRPr lang="de-DE" dirty="0"/>
           </a:p>
@@ -2185,7 +2186,7 @@
           <a:p>
             <a:fld id="{26B5E0E0-4D0D-4CD4-AF77-BF99AC711AE8}" type="datetimeFigureOut">
               <a:rPr lang="de-DE" smtClean="0"/>
-              <a:t>04.06.2019</a:t>
+              <a:t>13.06.2019</a:t>
             </a:fld>
             <a:endParaRPr lang="de-DE" dirty="0"/>
           </a:p>
@@ -2326,7 +2327,7 @@
           <a:p>
             <a:fld id="{26B5E0E0-4D0D-4CD4-AF77-BF99AC711AE8}" type="datetimeFigureOut">
               <a:rPr lang="de-DE" smtClean="0"/>
-              <a:t>04.06.2019</a:t>
+              <a:t>13.06.2019</a:t>
             </a:fld>
             <a:endParaRPr lang="de-DE" dirty="0"/>
           </a:p>
@@ -2439,7 +2440,7 @@
           <a:p>
             <a:fld id="{26B5E0E0-4D0D-4CD4-AF77-BF99AC711AE8}" type="datetimeFigureOut">
               <a:rPr lang="de-DE" smtClean="0"/>
-              <a:t>04.06.2019</a:t>
+              <a:t>13.06.2019</a:t>
             </a:fld>
             <a:endParaRPr lang="de-DE" dirty="0"/>
           </a:p>
@@ -2750,7 +2751,7 @@
           <a:p>
             <a:fld id="{26B5E0E0-4D0D-4CD4-AF77-BF99AC711AE8}" type="datetimeFigureOut">
               <a:rPr lang="de-DE" smtClean="0"/>
-              <a:t>04.06.2019</a:t>
+              <a:t>13.06.2019</a:t>
             </a:fld>
             <a:endParaRPr lang="de-DE" dirty="0"/>
           </a:p>
@@ -3038,7 +3039,7 @@
           <a:p>
             <a:fld id="{26B5E0E0-4D0D-4CD4-AF77-BF99AC711AE8}" type="datetimeFigureOut">
               <a:rPr lang="de-DE" smtClean="0"/>
-              <a:t>04.06.2019</a:t>
+              <a:t>13.06.2019</a:t>
             </a:fld>
             <a:endParaRPr lang="de-DE" dirty="0"/>
           </a:p>
@@ -3279,7 +3280,7 @@
           <a:p>
             <a:fld id="{26B5E0E0-4D0D-4CD4-AF77-BF99AC711AE8}" type="datetimeFigureOut">
               <a:rPr lang="de-DE" smtClean="0"/>
-              <a:t>04.06.2019</a:t>
+              <a:t>13.06.2019</a:t>
             </a:fld>
             <a:endParaRPr lang="de-DE" dirty="0"/>
           </a:p>
@@ -11967,7 +11968,7 @@
         </p:nvSpPr>
         <p:spPr>
           <a:xfrm>
-            <a:off x="2969704" y="1157680"/>
+            <a:off x="830512" y="1115735"/>
             <a:ext cx="1728132" cy="528507"/>
           </a:xfrm>
           <a:prstGeom prst="rect">
@@ -12022,7 +12023,7 @@
         </p:nvCxnSpPr>
         <p:spPr>
           <a:xfrm>
-            <a:off x="3833770" y="713064"/>
+            <a:off x="1694578" y="671119"/>
             <a:ext cx="0" cy="444616"/>
           </a:xfrm>
           <a:prstGeom prst="straightConnector1">
@@ -12061,7 +12062,7 @@
         </p:nvSpPr>
         <p:spPr>
           <a:xfrm>
-            <a:off x="2969704" y="2130803"/>
+            <a:off x="830512" y="2088858"/>
             <a:ext cx="1728132" cy="528507"/>
           </a:xfrm>
           <a:prstGeom prst="rect">
@@ -12117,7 +12118,7 @@
         </p:nvCxnSpPr>
         <p:spPr>
           <a:xfrm>
-            <a:off x="3833770" y="1686187"/>
+            <a:off x="1694578" y="1644242"/>
             <a:ext cx="0" cy="444616"/>
           </a:xfrm>
           <a:prstGeom prst="straightConnector1">
@@ -12156,7 +12157,7 @@
         </p:nvSpPr>
         <p:spPr>
           <a:xfrm>
-            <a:off x="3716770" y="3103926"/>
+            <a:off x="1577578" y="3061981"/>
             <a:ext cx="234000" cy="234000"/>
           </a:xfrm>
           <a:prstGeom prst="ellipse">
@@ -12212,7 +12213,7 @@
         </p:nvCxnSpPr>
         <p:spPr>
           <a:xfrm>
-            <a:off x="3833770" y="2659310"/>
+            <a:off x="1694578" y="2617365"/>
             <a:ext cx="0" cy="444616"/>
           </a:xfrm>
           <a:prstGeom prst="straightConnector1">
@@ -12251,7 +12252,7 @@
         </p:nvSpPr>
         <p:spPr>
           <a:xfrm>
-            <a:off x="3833770" y="1759829"/>
+            <a:off x="1694578" y="1717884"/>
             <a:ext cx="747063" cy="276999"/>
           </a:xfrm>
           <a:prstGeom prst="rect">
@@ -12291,7 +12292,7 @@
         </p:nvCxnSpPr>
         <p:spPr>
           <a:xfrm rot="16200000" flipH="1">
-            <a:off x="2685505" y="1955661"/>
+            <a:off x="546313" y="1913716"/>
             <a:ext cx="2413530" cy="117000"/>
           </a:xfrm>
           <a:prstGeom prst="bentConnector4">
@@ -12319,8 +12320,8 @@
           </a:fontRef>
         </p:style>
       </p:cxnSp>
-      <mc:AlternateContent xmlns:mc="http://schemas.openxmlformats.org/markup-compatibility/2006">
-        <mc:Choice xmlns:a14="http://schemas.microsoft.com/office/drawing/2010/main" Requires="a14">
+      <mc:AlternateContent xmlns:mc="http://schemas.openxmlformats.org/markup-compatibility/2006" xmlns:a14="http://schemas.microsoft.com/office/drawing/2010/main">
+        <mc:Choice Requires="a14">
           <p:sp>
             <p:nvSpPr>
               <p:cNvPr id="53" name="Textfeld 52">
@@ -12335,7 +12336,7 @@
             </p:nvSpPr>
             <p:spPr>
               <a:xfrm>
-                <a:off x="5071368" y="1769995"/>
+                <a:off x="2932176" y="1728050"/>
                 <a:ext cx="677680" cy="461665"/>
               </a:xfrm>
               <a:prstGeom prst="rect">
@@ -12383,7 +12384,7 @@
             </p:txBody>
           </p:sp>
         </mc:Choice>
-        <mc:Fallback>
+        <mc:Fallback xmlns="">
           <p:sp>
             <p:nvSpPr>
               <p:cNvPr id="53" name="Textfeld 52">
@@ -12400,7 +12401,7 @@
             </p:nvSpPr>
             <p:spPr>
               <a:xfrm>
-                <a:off x="5071368" y="1769995"/>
+                <a:off x="2932176" y="1728050"/>
                 <a:ext cx="677680" cy="461665"/>
               </a:xfrm>
               <a:prstGeom prst="rect">
@@ -12409,7 +12410,7 @@
               <a:blipFill>
                 <a:blip r:embed="rId2"/>
                 <a:stretch>
-                  <a:fillRect l="-901" b="-7895"/>
+                  <a:fillRect b="-7895"/>
                 </a:stretch>
               </a:blipFill>
             </p:spPr>
@@ -12428,8 +12429,8 @@
           </p:sp>
         </mc:Fallback>
       </mc:AlternateContent>
-      <mc:AlternateContent xmlns:mc="http://schemas.openxmlformats.org/markup-compatibility/2006">
-        <mc:Choice xmlns:a14="http://schemas.microsoft.com/office/drawing/2010/main" Requires="a14">
+      <mc:AlternateContent xmlns:mc="http://schemas.openxmlformats.org/markup-compatibility/2006" xmlns:a14="http://schemas.microsoft.com/office/drawing/2010/main">
+        <mc:Choice Requires="a14">
           <p:sp>
             <p:nvSpPr>
               <p:cNvPr id="54" name="Textfeld 53">
@@ -12444,7 +12445,7 @@
             </p:nvSpPr>
             <p:spPr>
               <a:xfrm>
-                <a:off x="3494930" y="436065"/>
+                <a:off x="1355738" y="394120"/>
                 <a:ext cx="677680" cy="276999"/>
               </a:xfrm>
               <a:prstGeom prst="rect">
@@ -12483,7 +12484,7 @@
             </p:txBody>
           </p:sp>
         </mc:Choice>
-        <mc:Fallback>
+        <mc:Fallback xmlns="">
           <p:sp>
             <p:nvSpPr>
               <p:cNvPr id="54" name="Textfeld 53">
@@ -12500,7 +12501,7 @@
             </p:nvSpPr>
             <p:spPr>
               <a:xfrm>
-                <a:off x="3494930" y="436065"/>
+                <a:off x="1355738" y="394120"/>
                 <a:ext cx="677680" cy="276999"/>
               </a:xfrm>
               <a:prstGeom prst="rect">
@@ -12528,8 +12529,8 @@
           </p:sp>
         </mc:Fallback>
       </mc:AlternateContent>
-      <mc:AlternateContent xmlns:mc="http://schemas.openxmlformats.org/markup-compatibility/2006">
-        <mc:Choice xmlns:a14="http://schemas.microsoft.com/office/drawing/2010/main" Requires="a14">
+      <mc:AlternateContent xmlns:mc="http://schemas.openxmlformats.org/markup-compatibility/2006" xmlns:a14="http://schemas.microsoft.com/office/drawing/2010/main">
+        <mc:Choice Requires="a14">
           <p:sp>
             <p:nvSpPr>
               <p:cNvPr id="55" name="Textfeld 54">
@@ -12544,7 +12545,7 @@
             </p:nvSpPr>
             <p:spPr>
               <a:xfrm>
-                <a:off x="2409024" y="1759828"/>
+                <a:off x="269832" y="1717883"/>
                 <a:ext cx="677680" cy="276999"/>
               </a:xfrm>
               <a:prstGeom prst="rect">
@@ -12605,7 +12606,7 @@
             </p:txBody>
           </p:sp>
         </mc:Choice>
-        <mc:Fallback>
+        <mc:Fallback xmlns="">
           <p:sp>
             <p:nvSpPr>
               <p:cNvPr id="55" name="Textfeld 54">
@@ -12622,7 +12623,7 @@
             </p:nvSpPr>
             <p:spPr>
               <a:xfrm>
-                <a:off x="2409024" y="1759828"/>
+                <a:off x="269832" y="1717883"/>
                 <a:ext cx="677680" cy="276999"/>
               </a:xfrm>
               <a:prstGeom prst="rect">
@@ -12650,8 +12651,8 @@
           </p:sp>
         </mc:Fallback>
       </mc:AlternateContent>
-      <mc:AlternateContent xmlns:mc="http://schemas.openxmlformats.org/markup-compatibility/2006">
-        <mc:Choice xmlns:a14="http://schemas.microsoft.com/office/drawing/2010/main" Requires="a14">
+      <mc:AlternateContent xmlns:mc="http://schemas.openxmlformats.org/markup-compatibility/2006" xmlns:a14="http://schemas.microsoft.com/office/drawing/2010/main">
+        <mc:Choice Requires="a14">
           <p:sp>
             <p:nvSpPr>
               <p:cNvPr id="57" name="Textfeld 56">
@@ -12666,7 +12667,7 @@
             </p:nvSpPr>
             <p:spPr>
               <a:xfrm>
-                <a:off x="2937176" y="3082426"/>
+                <a:off x="797984" y="3040481"/>
                 <a:ext cx="829375" cy="276999"/>
               </a:xfrm>
               <a:prstGeom prst="rect">
@@ -12740,7 +12741,7 @@
             </p:txBody>
           </p:sp>
         </mc:Choice>
-        <mc:Fallback>
+        <mc:Fallback xmlns="">
           <p:sp>
             <p:nvSpPr>
               <p:cNvPr id="57" name="Textfeld 56">
@@ -12757,7 +12758,7 @@
             </p:nvSpPr>
             <p:spPr>
               <a:xfrm>
-                <a:off x="2937176" y="3082426"/>
+                <a:off x="797984" y="3040481"/>
                 <a:ext cx="829375" cy="276999"/>
               </a:xfrm>
               <a:prstGeom prst="rect">
@@ -12802,7 +12803,7 @@
         </p:nvCxnSpPr>
         <p:spPr>
           <a:xfrm>
-            <a:off x="3833770" y="3337926"/>
+            <a:off x="1694578" y="3295981"/>
             <a:ext cx="0" cy="327616"/>
           </a:xfrm>
           <a:prstGeom prst="straightConnector1">
@@ -12841,7 +12842,7 @@
         </p:nvSpPr>
         <p:spPr>
           <a:xfrm>
-            <a:off x="3833769" y="3548542"/>
+            <a:off x="1694577" y="3506597"/>
             <a:ext cx="747063" cy="276999"/>
           </a:xfrm>
           <a:prstGeom prst="rect">
@@ -12865,10 +12866,3056 @@
           </a:p>
         </p:txBody>
       </p:sp>
+      <mc:AlternateContent xmlns:mc="http://schemas.openxmlformats.org/markup-compatibility/2006" xmlns:a14="http://schemas.microsoft.com/office/drawing/2010/main">
+        <mc:Choice Requires="a14">
+          <p:sp>
+            <p:nvSpPr>
+              <p:cNvPr id="3" name="Rechteck 2">
+                <a:extLst>
+                  <a:ext uri="{FF2B5EF4-FFF2-40B4-BE49-F238E27FC236}">
+                    <a16:creationId xmlns:a16="http://schemas.microsoft.com/office/drawing/2014/main" id="{6E76F476-D2D3-43AD-8D33-3D7669E99A83}"/>
+                  </a:ext>
+                </a:extLst>
+              </p:cNvPr>
+              <p:cNvSpPr/>
+              <p:nvPr/>
+            </p:nvSpPr>
+            <p:spPr>
+              <a:xfrm>
+                <a:off x="6979640" y="4367997"/>
+                <a:ext cx="2192139" cy="430058"/>
+              </a:xfrm>
+              <a:prstGeom prst="rect">
+                <a:avLst/>
+              </a:prstGeom>
+            </p:spPr>
+            <p:style>
+              <a:lnRef idx="2">
+                <a:schemeClr val="accent1">
+                  <a:shade val="50000"/>
+                </a:schemeClr>
+              </a:lnRef>
+              <a:fillRef idx="1">
+                <a:schemeClr val="accent1"/>
+              </a:fillRef>
+              <a:effectRef idx="0">
+                <a:schemeClr val="accent1"/>
+              </a:effectRef>
+              <a:fontRef idx="minor">
+                <a:schemeClr val="lt1"/>
+              </a:fontRef>
+            </p:style>
+            <p:txBody>
+              <a:bodyPr rtlCol="0" anchor="ctr"/>
+              <a:lstStyle/>
+              <a:p>
+                <a:pPr algn="ctr"/>
+                <a14:m>
+                  <m:oMathPara xmlns:m="http://schemas.openxmlformats.org/officeDocument/2006/math">
+                    <m:oMathParaPr>
+                      <m:jc m:val="centerGroup"/>
+                    </m:oMathParaPr>
+                    <m:oMath xmlns:m="http://schemas.openxmlformats.org/officeDocument/2006/math">
+                      <m:sSub>
+                        <m:sSubPr>
+                          <m:ctrlPr>
+                            <a:rPr lang="de-DE" b="0" i="1" smtClean="0">
+                              <a:latin typeface="Cambria Math" panose="02040503050406030204" pitchFamily="18" charset="0"/>
+                            </a:rPr>
+                          </m:ctrlPr>
+                        </m:sSubPr>
+                        <m:e>
+                          <m:r>
+                            <a:rPr lang="de-DE" b="0" i="1" smtClean="0">
+                              <a:latin typeface="Cambria Math" panose="02040503050406030204" pitchFamily="18" charset="0"/>
+                            </a:rPr>
+                            <m:t>𝐼</m:t>
+                          </m:r>
+                        </m:e>
+                        <m:sub>
+                          <m:r>
+                            <a:rPr lang="de-DE" b="0" i="1" smtClean="0">
+                              <a:latin typeface="Cambria Math" panose="02040503050406030204" pitchFamily="18" charset="0"/>
+                            </a:rPr>
+                            <m:t>1</m:t>
+                          </m:r>
+                        </m:sub>
+                      </m:sSub>
+                      <m:r>
+                        <a:rPr lang="de-DE" b="0" i="1" smtClean="0">
+                          <a:latin typeface="Cambria Math" panose="02040503050406030204" pitchFamily="18" charset="0"/>
+                        </a:rPr>
+                        <m:t>   </m:t>
+                      </m:r>
+                      <m:sSub>
+                        <m:sSubPr>
+                          <m:ctrlPr>
+                            <a:rPr lang="de-DE" b="0" i="1" smtClean="0">
+                              <a:latin typeface="Cambria Math" panose="02040503050406030204" pitchFamily="18" charset="0"/>
+                            </a:rPr>
+                          </m:ctrlPr>
+                        </m:sSubPr>
+                        <m:e>
+                          <m:r>
+                            <a:rPr lang="de-DE" b="0" i="1" smtClean="0">
+                              <a:latin typeface="Cambria Math" panose="02040503050406030204" pitchFamily="18" charset="0"/>
+                            </a:rPr>
+                            <m:t>𝐼</m:t>
+                          </m:r>
+                        </m:e>
+                        <m:sub>
+                          <m:r>
+                            <a:rPr lang="de-DE" b="0" i="1" smtClean="0">
+                              <a:latin typeface="Cambria Math" panose="02040503050406030204" pitchFamily="18" charset="0"/>
+                            </a:rPr>
+                            <m:t>2</m:t>
+                          </m:r>
+                        </m:sub>
+                      </m:sSub>
+                      <m:r>
+                        <a:rPr lang="de-DE" b="0" i="1" smtClean="0">
+                          <a:latin typeface="Cambria Math" panose="02040503050406030204" pitchFamily="18" charset="0"/>
+                        </a:rPr>
+                        <m:t>   ………   </m:t>
+                      </m:r>
+                      <m:sSub>
+                        <m:sSubPr>
+                          <m:ctrlPr>
+                            <a:rPr lang="de-DE" b="0" i="1" smtClean="0">
+                              <a:latin typeface="Cambria Math" panose="02040503050406030204" pitchFamily="18" charset="0"/>
+                            </a:rPr>
+                          </m:ctrlPr>
+                        </m:sSubPr>
+                        <m:e>
+                          <m:r>
+                            <a:rPr lang="de-DE" b="0" i="1" smtClean="0">
+                              <a:latin typeface="Cambria Math" panose="02040503050406030204" pitchFamily="18" charset="0"/>
+                            </a:rPr>
+                            <m:t>𝐼</m:t>
+                          </m:r>
+                        </m:e>
+                        <m:sub>
+                          <m:r>
+                            <a:rPr lang="de-DE" b="0" i="1" smtClean="0">
+                              <a:latin typeface="Cambria Math" panose="02040503050406030204" pitchFamily="18" charset="0"/>
+                            </a:rPr>
+                            <m:t>𝑑</m:t>
+                          </m:r>
+                        </m:sub>
+                      </m:sSub>
+                    </m:oMath>
+                  </m:oMathPara>
+                </a14:m>
+                <a:endParaRPr lang="en-GB" dirty="0"/>
+              </a:p>
+            </p:txBody>
+          </p:sp>
+        </mc:Choice>
+        <mc:Fallback xmlns="">
+          <p:sp>
+            <p:nvSpPr>
+              <p:cNvPr id="3" name="Rechteck 2">
+                <a:extLst>
+                  <a:ext uri="{FF2B5EF4-FFF2-40B4-BE49-F238E27FC236}">
+                    <a16:creationId xmlns:a16="http://schemas.microsoft.com/office/drawing/2014/main" id="{6E76F476-D2D3-43AD-8D33-3D7669E99A83}"/>
+                  </a:ext>
+                </a:extLst>
+              </p:cNvPr>
+              <p:cNvSpPr>
+                <a:spLocks noRot="1" noChangeAspect="1" noMove="1" noResize="1" noEditPoints="1" noAdjustHandles="1" noChangeArrowheads="1" noChangeShapeType="1" noTextEdit="1"/>
+              </p:cNvSpPr>
+              <p:nvPr/>
+            </p:nvSpPr>
+            <p:spPr>
+              <a:xfrm>
+                <a:off x="6979640" y="4367997"/>
+                <a:ext cx="2192139" cy="430058"/>
+              </a:xfrm>
+              <a:prstGeom prst="rect">
+                <a:avLst/>
+              </a:prstGeom>
+              <a:blipFill>
+                <a:blip r:embed="rId6"/>
+                <a:stretch>
+                  <a:fillRect/>
+                </a:stretch>
+              </a:blipFill>
+            </p:spPr>
+            <p:txBody>
+              <a:bodyPr/>
+              <a:lstStyle/>
+              <a:p>
+                <a:r>
+                  <a:rPr lang="en-GB">
+                    <a:noFill/>
+                  </a:rPr>
+                  <a:t> </a:t>
+                </a:r>
+              </a:p>
+            </p:txBody>
+          </p:sp>
+        </mc:Fallback>
+      </mc:AlternateContent>
+      <p:cxnSp>
+        <p:nvCxnSpPr>
+          <p:cNvPr id="17" name="Gerade Verbindung mit Pfeil 16">
+            <a:extLst>
+              <a:ext uri="{FF2B5EF4-FFF2-40B4-BE49-F238E27FC236}">
+                <a16:creationId xmlns:a16="http://schemas.microsoft.com/office/drawing/2014/main" id="{183E6EB6-6F88-4496-8905-75808988894E}"/>
+              </a:ext>
+            </a:extLst>
+          </p:cNvPr>
+          <p:cNvCxnSpPr>
+            <a:cxnSpLocks/>
+            <a:stCxn id="21" idx="0"/>
+            <a:endCxn id="3" idx="2"/>
+          </p:cNvCxnSpPr>
+          <p:nvPr/>
+        </p:nvCxnSpPr>
+        <p:spPr>
+          <a:xfrm flipV="1">
+            <a:off x="8075709" y="4798055"/>
+            <a:ext cx="1" cy="470231"/>
+          </a:xfrm>
+          <a:prstGeom prst="straightConnector1">
+            <a:avLst/>
+          </a:prstGeom>
+          <a:ln w="25400">
+            <a:tailEnd type="triangle"/>
+          </a:ln>
+        </p:spPr>
+        <p:style>
+          <a:lnRef idx="1">
+            <a:schemeClr val="accent1"/>
+          </a:lnRef>
+          <a:fillRef idx="0">
+            <a:schemeClr val="accent1"/>
+          </a:fillRef>
+          <a:effectRef idx="0">
+            <a:schemeClr val="accent1"/>
+          </a:effectRef>
+          <a:fontRef idx="minor">
+            <a:schemeClr val="tx1"/>
+          </a:fontRef>
+        </p:style>
+      </p:cxnSp>
+      <p:sp>
+        <p:nvSpPr>
+          <p:cNvPr id="21" name="Textfeld 20">
+            <a:extLst>
+              <a:ext uri="{FF2B5EF4-FFF2-40B4-BE49-F238E27FC236}">
+                <a16:creationId xmlns:a16="http://schemas.microsoft.com/office/drawing/2014/main" id="{94689BB6-A5CC-483B-AAF7-6E6CCB3F53A2}"/>
+              </a:ext>
+            </a:extLst>
+          </p:cNvPr>
+          <p:cNvSpPr txBox="1"/>
+          <p:nvPr/>
+        </p:nvSpPr>
+        <p:spPr>
+          <a:xfrm>
+            <a:off x="7378821" y="5268286"/>
+            <a:ext cx="1393775" cy="461665"/>
+          </a:xfrm>
+          <a:prstGeom prst="rect">
+            <a:avLst/>
+          </a:prstGeom>
+          <a:noFill/>
+        </p:spPr>
+        <p:txBody>
+          <a:bodyPr wrap="square" rtlCol="0">
+            <a:spAutoFit/>
+          </a:bodyPr>
+          <a:lstStyle/>
+          <a:p>
+            <a:r>
+              <a:rPr lang="en-GB" sz="1200" dirty="0" err="1">
+                <a:latin typeface="Arial" panose="020B0604020202020204" pitchFamily="34" charset="0"/>
+                <a:cs typeface="Arial" panose="020B0604020202020204" pitchFamily="34" charset="0"/>
+              </a:rPr>
+              <a:t>Eingangssignal</a:t>
+            </a:r>
+            <a:r>
+              <a:rPr lang="en-GB" sz="1200" dirty="0">
+                <a:latin typeface="Arial" panose="020B0604020202020204" pitchFamily="34" charset="0"/>
+                <a:cs typeface="Arial" panose="020B0604020202020204" pitchFamily="34" charset="0"/>
+              </a:rPr>
+              <a:t> der </a:t>
+            </a:r>
+            <a:r>
+              <a:rPr lang="en-GB" sz="1200" dirty="0" err="1">
+                <a:latin typeface="Arial" panose="020B0604020202020204" pitchFamily="34" charset="0"/>
+                <a:cs typeface="Arial" panose="020B0604020202020204" pitchFamily="34" charset="0"/>
+              </a:rPr>
+              <a:t>Größe</a:t>
+            </a:r>
+            <a:r>
+              <a:rPr lang="en-GB" sz="1200" dirty="0">
+                <a:latin typeface="Arial" panose="020B0604020202020204" pitchFamily="34" charset="0"/>
+                <a:cs typeface="Arial" panose="020B0604020202020204" pitchFamily="34" charset="0"/>
+              </a:rPr>
+              <a:t> </a:t>
+            </a:r>
+            <a:r>
+              <a:rPr lang="en-GB" sz="1200" b="1" i="1" dirty="0">
+                <a:latin typeface="Arial" panose="020B0604020202020204" pitchFamily="34" charset="0"/>
+                <a:cs typeface="Arial" panose="020B0604020202020204" pitchFamily="34" charset="0"/>
+              </a:rPr>
+              <a:t>d</a:t>
+            </a:r>
+          </a:p>
+        </p:txBody>
+      </p:sp>
+      <p:cxnSp>
+        <p:nvCxnSpPr>
+          <p:cNvPr id="23" name="Gerade Verbindung mit Pfeil 22">
+            <a:extLst>
+              <a:ext uri="{FF2B5EF4-FFF2-40B4-BE49-F238E27FC236}">
+                <a16:creationId xmlns:a16="http://schemas.microsoft.com/office/drawing/2014/main" id="{2FE90B64-A583-4689-85C4-F09287C5306E}"/>
+              </a:ext>
+            </a:extLst>
+          </p:cNvPr>
+          <p:cNvCxnSpPr>
+            <a:cxnSpLocks/>
+            <a:stCxn id="21" idx="0"/>
+          </p:cNvCxnSpPr>
+          <p:nvPr/>
+        </p:nvCxnSpPr>
+        <p:spPr>
+          <a:xfrm flipV="1">
+            <a:off x="8075709" y="4798055"/>
+            <a:ext cx="696887" cy="470231"/>
+          </a:xfrm>
+          <a:prstGeom prst="straightConnector1">
+            <a:avLst/>
+          </a:prstGeom>
+          <a:ln w="25400">
+            <a:tailEnd type="triangle"/>
+          </a:ln>
+        </p:spPr>
+        <p:style>
+          <a:lnRef idx="1">
+            <a:schemeClr val="accent1"/>
+          </a:lnRef>
+          <a:fillRef idx="0">
+            <a:schemeClr val="accent1"/>
+          </a:fillRef>
+          <a:effectRef idx="0">
+            <a:schemeClr val="accent1"/>
+          </a:effectRef>
+          <a:fontRef idx="minor">
+            <a:schemeClr val="tx1"/>
+          </a:fontRef>
+        </p:style>
+      </p:cxnSp>
+      <p:cxnSp>
+        <p:nvCxnSpPr>
+          <p:cNvPr id="26" name="Gerade Verbindung mit Pfeil 25">
+            <a:extLst>
+              <a:ext uri="{FF2B5EF4-FFF2-40B4-BE49-F238E27FC236}">
+                <a16:creationId xmlns:a16="http://schemas.microsoft.com/office/drawing/2014/main" id="{61C5E18C-37E2-48BC-9397-FEBD8324B776}"/>
+              </a:ext>
+            </a:extLst>
+          </p:cNvPr>
+          <p:cNvCxnSpPr>
+            <a:cxnSpLocks/>
+            <a:stCxn id="21" idx="0"/>
+          </p:cNvCxnSpPr>
+          <p:nvPr/>
+        </p:nvCxnSpPr>
+        <p:spPr>
+          <a:xfrm flipH="1" flipV="1">
+            <a:off x="7378821" y="4798055"/>
+            <a:ext cx="696888" cy="470231"/>
+          </a:xfrm>
+          <a:prstGeom prst="straightConnector1">
+            <a:avLst/>
+          </a:prstGeom>
+          <a:ln w="25400">
+            <a:tailEnd type="triangle"/>
+          </a:ln>
+        </p:spPr>
+        <p:style>
+          <a:lnRef idx="1">
+            <a:schemeClr val="accent1"/>
+          </a:lnRef>
+          <a:fillRef idx="0">
+            <a:schemeClr val="accent1"/>
+          </a:fillRef>
+          <a:effectRef idx="0">
+            <a:schemeClr val="accent1"/>
+          </a:effectRef>
+          <a:fontRef idx="minor">
+            <a:schemeClr val="tx1"/>
+          </a:fontRef>
+        </p:style>
+      </p:cxnSp>
+      <p:sp>
+        <p:nvSpPr>
+          <p:cNvPr id="30" name="Textfeld 29">
+            <a:extLst>
+              <a:ext uri="{FF2B5EF4-FFF2-40B4-BE49-F238E27FC236}">
+                <a16:creationId xmlns:a16="http://schemas.microsoft.com/office/drawing/2014/main" id="{792F2309-6F9A-4B52-A6EA-0F7EA28BF34F}"/>
+              </a:ext>
+            </a:extLst>
+          </p:cNvPr>
+          <p:cNvSpPr txBox="1"/>
+          <p:nvPr/>
+        </p:nvSpPr>
+        <p:spPr>
+          <a:xfrm>
+            <a:off x="5680235" y="4444526"/>
+            <a:ext cx="1299403" cy="276999"/>
+          </a:xfrm>
+          <a:prstGeom prst="rect">
+            <a:avLst/>
+          </a:prstGeom>
+          <a:noFill/>
+        </p:spPr>
+        <p:txBody>
+          <a:bodyPr wrap="square" rtlCol="0">
+            <a:spAutoFit/>
+          </a:bodyPr>
+          <a:lstStyle/>
+          <a:p>
+            <a:r>
+              <a:rPr lang="en-GB" sz="1200" dirty="0" err="1">
+                <a:latin typeface="Arial" panose="020B0604020202020204" pitchFamily="34" charset="0"/>
+                <a:cs typeface="Arial" panose="020B0604020202020204" pitchFamily="34" charset="0"/>
+              </a:rPr>
+              <a:t>Eingangsschicht</a:t>
+            </a:r>
+            <a:endParaRPr lang="en-GB" sz="1200" dirty="0">
+              <a:latin typeface="Arial" panose="020B0604020202020204" pitchFamily="34" charset="0"/>
+              <a:cs typeface="Arial" panose="020B0604020202020204" pitchFamily="34" charset="0"/>
+            </a:endParaRPr>
+          </a:p>
+        </p:txBody>
+      </p:sp>
+      <mc:AlternateContent xmlns:mc="http://schemas.openxmlformats.org/markup-compatibility/2006" xmlns:a14="http://schemas.microsoft.com/office/drawing/2010/main">
+        <mc:Choice Requires="a14">
+          <p:sp>
+            <p:nvSpPr>
+              <p:cNvPr id="31" name="Rechteck 30">
+                <a:extLst>
+                  <a:ext uri="{FF2B5EF4-FFF2-40B4-BE49-F238E27FC236}">
+                    <a16:creationId xmlns:a16="http://schemas.microsoft.com/office/drawing/2014/main" id="{512D6EEE-A5B3-466E-855F-E9CFE9A00833}"/>
+                  </a:ext>
+                </a:extLst>
+              </p:cNvPr>
+              <p:cNvSpPr/>
+              <p:nvPr/>
+            </p:nvSpPr>
+            <p:spPr>
+              <a:xfrm>
+                <a:off x="6979638" y="3353537"/>
+                <a:ext cx="2192139" cy="430059"/>
+              </a:xfrm>
+              <a:prstGeom prst="rect">
+                <a:avLst/>
+              </a:prstGeom>
+            </p:spPr>
+            <p:style>
+              <a:lnRef idx="2">
+                <a:schemeClr val="accent1">
+                  <a:shade val="50000"/>
+                </a:schemeClr>
+              </a:lnRef>
+              <a:fillRef idx="1">
+                <a:schemeClr val="accent1"/>
+              </a:fillRef>
+              <a:effectRef idx="0">
+                <a:schemeClr val="accent1"/>
+              </a:effectRef>
+              <a:fontRef idx="minor">
+                <a:schemeClr val="lt1"/>
+              </a:fontRef>
+            </p:style>
+            <p:txBody>
+              <a:bodyPr rtlCol="0" anchor="ctr"/>
+              <a:lstStyle/>
+              <a:p>
+                <a:pPr algn="ctr"/>
+                <a14:m>
+                  <m:oMathPara xmlns:m="http://schemas.openxmlformats.org/officeDocument/2006/math">
+                    <m:oMathParaPr>
+                      <m:jc m:val="centerGroup"/>
+                    </m:oMathParaPr>
+                    <m:oMath xmlns:m="http://schemas.openxmlformats.org/officeDocument/2006/math">
+                      <m:sSub>
+                        <m:sSubPr>
+                          <m:ctrlPr>
+                            <a:rPr lang="de-DE" b="0" i="1" smtClean="0">
+                              <a:latin typeface="Cambria Math" panose="02040503050406030204" pitchFamily="18" charset="0"/>
+                            </a:rPr>
+                          </m:ctrlPr>
+                        </m:sSubPr>
+                        <m:e>
+                          <m:r>
+                            <a:rPr lang="de-DE" b="0" i="1" smtClean="0">
+                              <a:latin typeface="Cambria Math" panose="02040503050406030204" pitchFamily="18" charset="0"/>
+                            </a:rPr>
+                            <m:t>𝑂</m:t>
+                          </m:r>
+                        </m:e>
+                        <m:sub>
+                          <m:r>
+                            <a:rPr lang="de-DE" b="0" i="1" smtClean="0">
+                              <a:latin typeface="Cambria Math" panose="02040503050406030204" pitchFamily="18" charset="0"/>
+                            </a:rPr>
+                            <m:t>1</m:t>
+                          </m:r>
+                        </m:sub>
+                      </m:sSub>
+                      <m:r>
+                        <a:rPr lang="de-DE" b="0" i="1" smtClean="0">
+                          <a:latin typeface="Cambria Math" panose="02040503050406030204" pitchFamily="18" charset="0"/>
+                        </a:rPr>
+                        <m:t>   </m:t>
+                      </m:r>
+                      <m:sSub>
+                        <m:sSubPr>
+                          <m:ctrlPr>
+                            <a:rPr lang="de-DE" b="0" i="1" smtClean="0">
+                              <a:latin typeface="Cambria Math" panose="02040503050406030204" pitchFamily="18" charset="0"/>
+                            </a:rPr>
+                          </m:ctrlPr>
+                        </m:sSubPr>
+                        <m:e>
+                          <m:r>
+                            <a:rPr lang="de-DE" b="0" i="1" smtClean="0">
+                              <a:latin typeface="Cambria Math" panose="02040503050406030204" pitchFamily="18" charset="0"/>
+                            </a:rPr>
+                            <m:t>𝑂</m:t>
+                          </m:r>
+                        </m:e>
+                        <m:sub>
+                          <m:r>
+                            <a:rPr lang="de-DE" b="0" i="1" smtClean="0">
+                              <a:latin typeface="Cambria Math" panose="02040503050406030204" pitchFamily="18" charset="0"/>
+                            </a:rPr>
+                            <m:t>2</m:t>
+                          </m:r>
+                        </m:sub>
+                      </m:sSub>
+                      <m:r>
+                        <a:rPr lang="de-DE" b="0" i="1" smtClean="0">
+                          <a:latin typeface="Cambria Math" panose="02040503050406030204" pitchFamily="18" charset="0"/>
+                        </a:rPr>
+                        <m:t>   ………   </m:t>
+                      </m:r>
+                      <m:sSub>
+                        <m:sSubPr>
+                          <m:ctrlPr>
+                            <a:rPr lang="de-DE" b="0" i="1" smtClean="0">
+                              <a:latin typeface="Cambria Math" panose="02040503050406030204" pitchFamily="18" charset="0"/>
+                            </a:rPr>
+                          </m:ctrlPr>
+                        </m:sSubPr>
+                        <m:e>
+                          <m:r>
+                            <a:rPr lang="de-DE" b="0" i="1" smtClean="0">
+                              <a:latin typeface="Cambria Math" panose="02040503050406030204" pitchFamily="18" charset="0"/>
+                            </a:rPr>
+                            <m:t>𝑂</m:t>
+                          </m:r>
+                        </m:e>
+                        <m:sub>
+                          <m:r>
+                            <a:rPr lang="de-DE" b="0" i="1" smtClean="0">
+                              <a:latin typeface="Cambria Math" panose="02040503050406030204" pitchFamily="18" charset="0"/>
+                            </a:rPr>
+                            <m:t>𝑁</m:t>
+                          </m:r>
+                        </m:sub>
+                      </m:sSub>
+                    </m:oMath>
+                  </m:oMathPara>
+                </a14:m>
+                <a:endParaRPr lang="en-GB" dirty="0"/>
+              </a:p>
+            </p:txBody>
+          </p:sp>
+        </mc:Choice>
+        <mc:Fallback xmlns="">
+          <p:sp>
+            <p:nvSpPr>
+              <p:cNvPr id="31" name="Rechteck 30">
+                <a:extLst>
+                  <a:ext uri="{FF2B5EF4-FFF2-40B4-BE49-F238E27FC236}">
+                    <a16:creationId xmlns:a16="http://schemas.microsoft.com/office/drawing/2014/main" id="{512D6EEE-A5B3-466E-855F-E9CFE9A00833}"/>
+                  </a:ext>
+                </a:extLst>
+              </p:cNvPr>
+              <p:cNvSpPr>
+                <a:spLocks noRot="1" noChangeAspect="1" noMove="1" noResize="1" noEditPoints="1" noAdjustHandles="1" noChangeArrowheads="1" noChangeShapeType="1" noTextEdit="1"/>
+              </p:cNvSpPr>
+              <p:nvPr/>
+            </p:nvSpPr>
+            <p:spPr>
+              <a:xfrm>
+                <a:off x="6979638" y="3353537"/>
+                <a:ext cx="2192139" cy="430059"/>
+              </a:xfrm>
+              <a:prstGeom prst="rect">
+                <a:avLst/>
+              </a:prstGeom>
+              <a:blipFill>
+                <a:blip r:embed="rId7"/>
+                <a:stretch>
+                  <a:fillRect/>
+                </a:stretch>
+              </a:blipFill>
+            </p:spPr>
+            <p:txBody>
+              <a:bodyPr/>
+              <a:lstStyle/>
+              <a:p>
+                <a:r>
+                  <a:rPr lang="en-GB">
+                    <a:noFill/>
+                  </a:rPr>
+                  <a:t> </a:t>
+                </a:r>
+              </a:p>
+            </p:txBody>
+          </p:sp>
+        </mc:Fallback>
+      </mc:AlternateContent>
+      <p:cxnSp>
+        <p:nvCxnSpPr>
+          <p:cNvPr id="33" name="Gerade Verbindung mit Pfeil 32">
+            <a:extLst>
+              <a:ext uri="{FF2B5EF4-FFF2-40B4-BE49-F238E27FC236}">
+                <a16:creationId xmlns:a16="http://schemas.microsoft.com/office/drawing/2014/main" id="{DFD6872F-0728-4ABA-9B15-982DD456DAD6}"/>
+              </a:ext>
+            </a:extLst>
+          </p:cNvPr>
+          <p:cNvCxnSpPr>
+            <a:cxnSpLocks/>
+          </p:cNvCxnSpPr>
+          <p:nvPr/>
+        </p:nvCxnSpPr>
+        <p:spPr>
+          <a:xfrm>
+            <a:off x="7248088" y="3783596"/>
+            <a:ext cx="0" cy="584400"/>
+          </a:xfrm>
+          <a:prstGeom prst="straightConnector1">
+            <a:avLst/>
+          </a:prstGeom>
+          <a:ln w="25400">
+            <a:tailEnd type="triangle"/>
+          </a:ln>
+        </p:spPr>
+        <p:style>
+          <a:lnRef idx="1">
+            <a:schemeClr val="accent1"/>
+          </a:lnRef>
+          <a:fillRef idx="0">
+            <a:schemeClr val="accent1"/>
+          </a:fillRef>
+          <a:effectRef idx="0">
+            <a:schemeClr val="accent1"/>
+          </a:effectRef>
+          <a:fontRef idx="minor">
+            <a:schemeClr val="tx1"/>
+          </a:fontRef>
+        </p:style>
+      </p:cxnSp>
+      <p:cxnSp>
+        <p:nvCxnSpPr>
+          <p:cNvPr id="37" name="Gerade Verbindung mit Pfeil 36">
+            <a:extLst>
+              <a:ext uri="{FF2B5EF4-FFF2-40B4-BE49-F238E27FC236}">
+                <a16:creationId xmlns:a16="http://schemas.microsoft.com/office/drawing/2014/main" id="{9F76D4EE-4B55-46E2-A037-3924650AE932}"/>
+              </a:ext>
+            </a:extLst>
+          </p:cNvPr>
+          <p:cNvCxnSpPr>
+            <a:cxnSpLocks/>
+          </p:cNvCxnSpPr>
+          <p:nvPr/>
+        </p:nvCxnSpPr>
+        <p:spPr>
+          <a:xfrm>
+            <a:off x="7248088" y="3783596"/>
+            <a:ext cx="343949" cy="584400"/>
+          </a:xfrm>
+          <a:prstGeom prst="straightConnector1">
+            <a:avLst/>
+          </a:prstGeom>
+          <a:ln w="25400">
+            <a:tailEnd type="triangle"/>
+          </a:ln>
+        </p:spPr>
+        <p:style>
+          <a:lnRef idx="1">
+            <a:schemeClr val="accent1"/>
+          </a:lnRef>
+          <a:fillRef idx="0">
+            <a:schemeClr val="accent1"/>
+          </a:fillRef>
+          <a:effectRef idx="0">
+            <a:schemeClr val="accent1"/>
+          </a:effectRef>
+          <a:fontRef idx="minor">
+            <a:schemeClr val="tx1"/>
+          </a:fontRef>
+        </p:style>
+      </p:cxnSp>
+      <p:cxnSp>
+        <p:nvCxnSpPr>
+          <p:cNvPr id="40" name="Gerade Verbindung mit Pfeil 39">
+            <a:extLst>
+              <a:ext uri="{FF2B5EF4-FFF2-40B4-BE49-F238E27FC236}">
+                <a16:creationId xmlns:a16="http://schemas.microsoft.com/office/drawing/2014/main" id="{CEE7C89E-2BA5-406D-B789-789E20B356DD}"/>
+              </a:ext>
+            </a:extLst>
+          </p:cNvPr>
+          <p:cNvCxnSpPr>
+            <a:cxnSpLocks/>
+          </p:cNvCxnSpPr>
+          <p:nvPr/>
+        </p:nvCxnSpPr>
+        <p:spPr>
+          <a:xfrm>
+            <a:off x="7248087" y="3783595"/>
+            <a:ext cx="1524509" cy="584401"/>
+          </a:xfrm>
+          <a:prstGeom prst="straightConnector1">
+            <a:avLst/>
+          </a:prstGeom>
+          <a:ln w="25400">
+            <a:tailEnd type="triangle"/>
+          </a:ln>
+        </p:spPr>
+        <p:style>
+          <a:lnRef idx="1">
+            <a:schemeClr val="accent1"/>
+          </a:lnRef>
+          <a:fillRef idx="0">
+            <a:schemeClr val="accent1"/>
+          </a:fillRef>
+          <a:effectRef idx="0">
+            <a:schemeClr val="accent1"/>
+          </a:effectRef>
+          <a:fontRef idx="minor">
+            <a:schemeClr val="tx1"/>
+          </a:fontRef>
+        </p:style>
+      </p:cxnSp>
+      <p:sp>
+        <p:nvSpPr>
+          <p:cNvPr id="44" name="Textfeld 43">
+            <a:extLst>
+              <a:ext uri="{FF2B5EF4-FFF2-40B4-BE49-F238E27FC236}">
+                <a16:creationId xmlns:a16="http://schemas.microsoft.com/office/drawing/2014/main" id="{A3B89C76-2BD7-4CAD-848D-CE7AE081805A}"/>
+              </a:ext>
+            </a:extLst>
+          </p:cNvPr>
+          <p:cNvSpPr txBox="1"/>
+          <p:nvPr/>
+        </p:nvSpPr>
+        <p:spPr>
+          <a:xfrm>
+            <a:off x="6070603" y="3844963"/>
+            <a:ext cx="924930" cy="461665"/>
+          </a:xfrm>
+          <a:prstGeom prst="rect">
+            <a:avLst/>
+          </a:prstGeom>
+          <a:noFill/>
+        </p:spPr>
+        <p:txBody>
+          <a:bodyPr wrap="square" rtlCol="0">
+            <a:spAutoFit/>
+          </a:bodyPr>
+          <a:lstStyle/>
+          <a:p>
+            <a:r>
+              <a:rPr lang="en-GB" sz="1200" dirty="0">
+                <a:latin typeface="Arial" panose="020B0604020202020204" pitchFamily="34" charset="0"/>
+                <a:cs typeface="Arial" panose="020B0604020202020204" pitchFamily="34" charset="0"/>
+              </a:rPr>
+              <a:t>Top-Down </a:t>
+            </a:r>
+          </a:p>
+          <a:p>
+            <a:r>
+              <a:rPr lang="en-GB" sz="1200" dirty="0" err="1">
+                <a:latin typeface="Arial" panose="020B0604020202020204" pitchFamily="34" charset="0"/>
+                <a:cs typeface="Arial" panose="020B0604020202020204" pitchFamily="34" charset="0"/>
+              </a:rPr>
+              <a:t>Gewichte</a:t>
+            </a:r>
+            <a:endParaRPr lang="en-GB" sz="1200" dirty="0">
+              <a:latin typeface="Arial" panose="020B0604020202020204" pitchFamily="34" charset="0"/>
+              <a:cs typeface="Arial" panose="020B0604020202020204" pitchFamily="34" charset="0"/>
+            </a:endParaRPr>
+          </a:p>
+        </p:txBody>
+      </p:sp>
+      <mc:AlternateContent xmlns:mc="http://schemas.openxmlformats.org/markup-compatibility/2006" xmlns:a14="http://schemas.microsoft.com/office/drawing/2010/main">
+        <mc:Choice Requires="a14">
+          <p:sp>
+            <p:nvSpPr>
+              <p:cNvPr id="45" name="Textfeld 44">
+                <a:extLst>
+                  <a:ext uri="{FF2B5EF4-FFF2-40B4-BE49-F238E27FC236}">
+                    <a16:creationId xmlns:a16="http://schemas.microsoft.com/office/drawing/2014/main" id="{45407BA1-D05C-4A1D-8248-09F66F6F1344}"/>
+                  </a:ext>
+                </a:extLst>
+              </p:cNvPr>
+              <p:cNvSpPr txBox="1"/>
+              <p:nvPr/>
+            </p:nvSpPr>
+            <p:spPr>
+              <a:xfrm>
+                <a:off x="6903766" y="3915910"/>
+                <a:ext cx="420193" cy="291875"/>
+              </a:xfrm>
+              <a:prstGeom prst="rect">
+                <a:avLst/>
+              </a:prstGeom>
+              <a:noFill/>
+            </p:spPr>
+            <p:txBody>
+              <a:bodyPr wrap="square" rtlCol="0">
+                <a:spAutoFit/>
+              </a:bodyPr>
+              <a:lstStyle/>
+              <a:p>
+                <a:pPr/>
+                <a14:m>
+                  <m:oMathPara xmlns:m="http://schemas.openxmlformats.org/officeDocument/2006/math">
+                    <m:oMathParaPr>
+                      <m:jc m:val="centerGroup"/>
+                    </m:oMathParaPr>
+                    <m:oMath xmlns:m="http://schemas.openxmlformats.org/officeDocument/2006/math">
+                      <m:sSub>
+                        <m:sSubPr>
+                          <m:ctrlPr>
+                            <a:rPr lang="de-DE" sz="1200" b="0" i="1" smtClean="0">
+                              <a:latin typeface="Cambria Math" panose="02040503050406030204" pitchFamily="18" charset="0"/>
+                              <a:cs typeface="Arial" panose="020B0604020202020204" pitchFamily="34" charset="0"/>
+                            </a:rPr>
+                          </m:ctrlPr>
+                        </m:sSubPr>
+                        <m:e>
+                          <m:r>
+                            <a:rPr lang="de-DE" sz="1200" b="0" i="1" smtClean="0">
+                              <a:latin typeface="Cambria Math" panose="02040503050406030204" pitchFamily="18" charset="0"/>
+                              <a:cs typeface="Arial" panose="020B0604020202020204" pitchFamily="34" charset="0"/>
+                            </a:rPr>
+                            <m:t>𝑊</m:t>
+                          </m:r>
+                        </m:e>
+                        <m:sub>
+                          <m:r>
+                            <a:rPr lang="de-DE" sz="1200" b="0" i="1" smtClean="0">
+                              <a:latin typeface="Cambria Math" panose="02040503050406030204" pitchFamily="18" charset="0"/>
+                              <a:cs typeface="Arial" panose="020B0604020202020204" pitchFamily="34" charset="0"/>
+                            </a:rPr>
+                            <m:t>𝑗</m:t>
+                          </m:r>
+                          <m:r>
+                            <a:rPr lang="de-DE" sz="1200" b="0" i="1" smtClean="0">
+                              <a:latin typeface="Cambria Math" panose="02040503050406030204" pitchFamily="18" charset="0"/>
+                              <a:cs typeface="Arial" panose="020B0604020202020204" pitchFamily="34" charset="0"/>
+                            </a:rPr>
+                            <m:t>1</m:t>
+                          </m:r>
+                        </m:sub>
+                      </m:sSub>
+                    </m:oMath>
+                  </m:oMathPara>
+                </a14:m>
+                <a:endParaRPr lang="en-GB" sz="1200" dirty="0">
+                  <a:latin typeface="Arial" panose="020B0604020202020204" pitchFamily="34" charset="0"/>
+                  <a:cs typeface="Arial" panose="020B0604020202020204" pitchFamily="34" charset="0"/>
+                </a:endParaRPr>
+              </a:p>
+            </p:txBody>
+          </p:sp>
+        </mc:Choice>
+        <mc:Fallback xmlns="">
+          <p:sp>
+            <p:nvSpPr>
+              <p:cNvPr id="45" name="Textfeld 44">
+                <a:extLst>
+                  <a:ext uri="{FF2B5EF4-FFF2-40B4-BE49-F238E27FC236}">
+                    <a16:creationId xmlns:a16="http://schemas.microsoft.com/office/drawing/2014/main" id="{45407BA1-D05C-4A1D-8248-09F66F6F1344}"/>
+                  </a:ext>
+                </a:extLst>
+              </p:cNvPr>
+              <p:cNvSpPr txBox="1">
+                <a:spLocks noRot="1" noChangeAspect="1" noMove="1" noResize="1" noEditPoints="1" noAdjustHandles="1" noChangeArrowheads="1" noChangeShapeType="1" noTextEdit="1"/>
+              </p:cNvSpPr>
+              <p:nvPr/>
+            </p:nvSpPr>
+            <p:spPr>
+              <a:xfrm>
+                <a:off x="6903766" y="3915910"/>
+                <a:ext cx="420193" cy="291875"/>
+              </a:xfrm>
+              <a:prstGeom prst="rect">
+                <a:avLst/>
+              </a:prstGeom>
+              <a:blipFill>
+                <a:blip r:embed="rId8"/>
+                <a:stretch>
+                  <a:fillRect b="-4167"/>
+                </a:stretch>
+              </a:blipFill>
+            </p:spPr>
+            <p:txBody>
+              <a:bodyPr/>
+              <a:lstStyle/>
+              <a:p>
+                <a:r>
+                  <a:rPr lang="en-GB">
+                    <a:noFill/>
+                  </a:rPr>
+                  <a:t> </a:t>
+                </a:r>
+              </a:p>
+            </p:txBody>
+          </p:sp>
+        </mc:Fallback>
+      </mc:AlternateContent>
+      <mc:AlternateContent xmlns:mc="http://schemas.openxmlformats.org/markup-compatibility/2006" xmlns:a14="http://schemas.microsoft.com/office/drawing/2010/main">
+        <mc:Choice Requires="a14">
+          <p:sp>
+            <p:nvSpPr>
+              <p:cNvPr id="46" name="Textfeld 45">
+                <a:extLst>
+                  <a:ext uri="{FF2B5EF4-FFF2-40B4-BE49-F238E27FC236}">
+                    <a16:creationId xmlns:a16="http://schemas.microsoft.com/office/drawing/2014/main" id="{3B3A0F80-C1FA-46EC-A338-B6D4EE9AB1F8}"/>
+                  </a:ext>
+                </a:extLst>
+              </p:cNvPr>
+              <p:cNvSpPr txBox="1"/>
+              <p:nvPr/>
+            </p:nvSpPr>
+            <p:spPr>
+              <a:xfrm>
+                <a:off x="8176751" y="3917853"/>
+                <a:ext cx="420193" cy="291875"/>
+              </a:xfrm>
+              <a:prstGeom prst="rect">
+                <a:avLst/>
+              </a:prstGeom>
+              <a:noFill/>
+            </p:spPr>
+            <p:txBody>
+              <a:bodyPr wrap="square" rtlCol="0">
+                <a:spAutoFit/>
+              </a:bodyPr>
+              <a:lstStyle/>
+              <a:p>
+                <a:pPr/>
+                <a14:m>
+                  <m:oMathPara xmlns:m="http://schemas.openxmlformats.org/officeDocument/2006/math">
+                    <m:oMathParaPr>
+                      <m:jc m:val="centerGroup"/>
+                    </m:oMathParaPr>
+                    <m:oMath xmlns:m="http://schemas.openxmlformats.org/officeDocument/2006/math">
+                      <m:sSub>
+                        <m:sSubPr>
+                          <m:ctrlPr>
+                            <a:rPr lang="de-DE" sz="1200" b="0" i="1" smtClean="0">
+                              <a:latin typeface="Cambria Math" panose="02040503050406030204" pitchFamily="18" charset="0"/>
+                              <a:cs typeface="Arial" panose="020B0604020202020204" pitchFamily="34" charset="0"/>
+                            </a:rPr>
+                          </m:ctrlPr>
+                        </m:sSubPr>
+                        <m:e>
+                          <m:r>
+                            <a:rPr lang="de-DE" sz="1200" b="0" i="1" smtClean="0">
+                              <a:latin typeface="Cambria Math" panose="02040503050406030204" pitchFamily="18" charset="0"/>
+                              <a:cs typeface="Arial" panose="020B0604020202020204" pitchFamily="34" charset="0"/>
+                            </a:rPr>
+                            <m:t>𝑊</m:t>
+                          </m:r>
+                        </m:e>
+                        <m:sub>
+                          <m:r>
+                            <a:rPr lang="de-DE" sz="1200" b="0" i="1" smtClean="0">
+                              <a:latin typeface="Cambria Math" panose="02040503050406030204" pitchFamily="18" charset="0"/>
+                              <a:cs typeface="Arial" panose="020B0604020202020204" pitchFamily="34" charset="0"/>
+                            </a:rPr>
+                            <m:t>𝑗𝑑</m:t>
+                          </m:r>
+                        </m:sub>
+                      </m:sSub>
+                    </m:oMath>
+                  </m:oMathPara>
+                </a14:m>
+                <a:endParaRPr lang="en-GB" sz="1200" dirty="0">
+                  <a:latin typeface="Arial" panose="020B0604020202020204" pitchFamily="34" charset="0"/>
+                  <a:cs typeface="Arial" panose="020B0604020202020204" pitchFamily="34" charset="0"/>
+                </a:endParaRPr>
+              </a:p>
+            </p:txBody>
+          </p:sp>
+        </mc:Choice>
+        <mc:Fallback xmlns="">
+          <p:sp>
+            <p:nvSpPr>
+              <p:cNvPr id="46" name="Textfeld 45">
+                <a:extLst>
+                  <a:ext uri="{FF2B5EF4-FFF2-40B4-BE49-F238E27FC236}">
+                    <a16:creationId xmlns:a16="http://schemas.microsoft.com/office/drawing/2014/main" id="{3B3A0F80-C1FA-46EC-A338-B6D4EE9AB1F8}"/>
+                  </a:ext>
+                </a:extLst>
+              </p:cNvPr>
+              <p:cNvSpPr txBox="1">
+                <a:spLocks noRot="1" noChangeAspect="1" noMove="1" noResize="1" noEditPoints="1" noAdjustHandles="1" noChangeArrowheads="1" noChangeShapeType="1" noTextEdit="1"/>
+              </p:cNvSpPr>
+              <p:nvPr/>
+            </p:nvSpPr>
+            <p:spPr>
+              <a:xfrm>
+                <a:off x="8176751" y="3917853"/>
+                <a:ext cx="420193" cy="291875"/>
+              </a:xfrm>
+              <a:prstGeom prst="rect">
+                <a:avLst/>
+              </a:prstGeom>
+              <a:blipFill>
+                <a:blip r:embed="rId9"/>
+                <a:stretch>
+                  <a:fillRect b="-2083"/>
+                </a:stretch>
+              </a:blipFill>
+            </p:spPr>
+            <p:txBody>
+              <a:bodyPr/>
+              <a:lstStyle/>
+              <a:p>
+                <a:r>
+                  <a:rPr lang="en-GB">
+                    <a:noFill/>
+                  </a:rPr>
+                  <a:t> </a:t>
+                </a:r>
+              </a:p>
+            </p:txBody>
+          </p:sp>
+        </mc:Fallback>
+      </mc:AlternateContent>
+      <p:sp>
+        <p:nvSpPr>
+          <p:cNvPr id="47" name="Textfeld 46">
+            <a:extLst>
+              <a:ext uri="{FF2B5EF4-FFF2-40B4-BE49-F238E27FC236}">
+                <a16:creationId xmlns:a16="http://schemas.microsoft.com/office/drawing/2014/main" id="{63BC8009-D2A3-48D6-B027-ACCDE03BA5B1}"/>
+              </a:ext>
+            </a:extLst>
+          </p:cNvPr>
+          <p:cNvSpPr txBox="1"/>
+          <p:nvPr/>
+        </p:nvSpPr>
+        <p:spPr>
+          <a:xfrm>
+            <a:off x="5391504" y="3337733"/>
+            <a:ext cx="1588134" cy="461665"/>
+          </a:xfrm>
+          <a:prstGeom prst="rect">
+            <a:avLst/>
+          </a:prstGeom>
+          <a:noFill/>
+        </p:spPr>
+        <p:txBody>
+          <a:bodyPr wrap="square" rtlCol="0">
+            <a:spAutoFit/>
+          </a:bodyPr>
+          <a:lstStyle/>
+          <a:p>
+            <a:r>
+              <a:rPr lang="en-GB" sz="1200" dirty="0" err="1">
+                <a:latin typeface="Arial" panose="020B0604020202020204" pitchFamily="34" charset="0"/>
+                <a:cs typeface="Arial" panose="020B0604020202020204" pitchFamily="34" charset="0"/>
+              </a:rPr>
+              <a:t>Ausgabe</a:t>
+            </a:r>
+            <a:r>
+              <a:rPr lang="en-GB" sz="1200" dirty="0">
+                <a:latin typeface="Arial" panose="020B0604020202020204" pitchFamily="34" charset="0"/>
+                <a:cs typeface="Arial" panose="020B0604020202020204" pitchFamily="34" charset="0"/>
+              </a:rPr>
+              <a:t> </a:t>
+            </a:r>
+            <a:r>
+              <a:rPr lang="en-GB" sz="1200" dirty="0" err="1">
+                <a:latin typeface="Arial" panose="020B0604020202020204" pitchFamily="34" charset="0"/>
+                <a:cs typeface="Arial" panose="020B0604020202020204" pitchFamily="34" charset="0"/>
+              </a:rPr>
+              <a:t>Kategorie</a:t>
+            </a:r>
+            <a:r>
+              <a:rPr lang="en-GB" sz="1200" dirty="0">
+                <a:latin typeface="Arial" panose="020B0604020202020204" pitchFamily="34" charset="0"/>
+                <a:cs typeface="Arial" panose="020B0604020202020204" pitchFamily="34" charset="0"/>
+              </a:rPr>
+              <a:t> </a:t>
+            </a:r>
+          </a:p>
+          <a:p>
+            <a:r>
+              <a:rPr lang="en-GB" sz="1200" dirty="0" err="1">
+                <a:latin typeface="Arial" panose="020B0604020202020204" pitchFamily="34" charset="0"/>
+                <a:cs typeface="Arial" panose="020B0604020202020204" pitchFamily="34" charset="0"/>
+              </a:rPr>
+              <a:t>Schicht</a:t>
+            </a:r>
+            <a:endParaRPr lang="en-GB" sz="1200" dirty="0">
+              <a:latin typeface="Arial" panose="020B0604020202020204" pitchFamily="34" charset="0"/>
+              <a:cs typeface="Arial" panose="020B0604020202020204" pitchFamily="34" charset="0"/>
+            </a:endParaRPr>
+          </a:p>
+        </p:txBody>
+      </p:sp>
+      <mc:AlternateContent xmlns:mc="http://schemas.openxmlformats.org/markup-compatibility/2006" xmlns:a14="http://schemas.microsoft.com/office/drawing/2010/main">
+        <mc:Choice Requires="a14">
+          <p:sp>
+            <p:nvSpPr>
+              <p:cNvPr id="48" name="Rechteck 47">
+                <a:extLst>
+                  <a:ext uri="{FF2B5EF4-FFF2-40B4-BE49-F238E27FC236}">
+                    <a16:creationId xmlns:a16="http://schemas.microsoft.com/office/drawing/2014/main" id="{4129236F-AD14-4BD2-A158-414F64407831}"/>
+                  </a:ext>
+                </a:extLst>
+              </p:cNvPr>
+              <p:cNvSpPr/>
+              <p:nvPr/>
+            </p:nvSpPr>
+            <p:spPr>
+              <a:xfrm>
+                <a:off x="6975443" y="2477617"/>
+                <a:ext cx="2192139" cy="430059"/>
+              </a:xfrm>
+              <a:prstGeom prst="rect">
+                <a:avLst/>
+              </a:prstGeom>
+            </p:spPr>
+            <p:style>
+              <a:lnRef idx="2">
+                <a:schemeClr val="accent1">
+                  <a:shade val="50000"/>
+                </a:schemeClr>
+              </a:lnRef>
+              <a:fillRef idx="1">
+                <a:schemeClr val="accent1"/>
+              </a:fillRef>
+              <a:effectRef idx="0">
+                <a:schemeClr val="accent1"/>
+              </a:effectRef>
+              <a:fontRef idx="minor">
+                <a:schemeClr val="lt1"/>
+              </a:fontRef>
+            </p:style>
+            <p:txBody>
+              <a:bodyPr rtlCol="0" anchor="ctr"/>
+              <a:lstStyle/>
+              <a:p>
+                <a:pPr algn="ctr"/>
+                <a14:m>
+                  <m:oMathPara xmlns:m="http://schemas.openxmlformats.org/officeDocument/2006/math">
+                    <m:oMathParaPr>
+                      <m:jc m:val="centerGroup"/>
+                    </m:oMathParaPr>
+                    <m:oMath xmlns:m="http://schemas.openxmlformats.org/officeDocument/2006/math">
+                      <m:sSub>
+                        <m:sSubPr>
+                          <m:ctrlPr>
+                            <a:rPr lang="de-DE" b="0" i="1" smtClean="0">
+                              <a:latin typeface="Cambria Math" panose="02040503050406030204" pitchFamily="18" charset="0"/>
+                            </a:rPr>
+                          </m:ctrlPr>
+                        </m:sSubPr>
+                        <m:e>
+                          <m:r>
+                            <a:rPr lang="de-DE" b="0" i="1" smtClean="0">
+                              <a:latin typeface="Cambria Math" panose="02040503050406030204" pitchFamily="18" charset="0"/>
+                            </a:rPr>
+                            <m:t>𝐶</m:t>
+                          </m:r>
+                        </m:e>
+                        <m:sub>
+                          <m:r>
+                            <a:rPr lang="de-DE" b="0" i="1" smtClean="0">
+                              <a:latin typeface="Cambria Math" panose="02040503050406030204" pitchFamily="18" charset="0"/>
+                            </a:rPr>
+                            <m:t>1</m:t>
+                          </m:r>
+                        </m:sub>
+                      </m:sSub>
+                      <m:r>
+                        <a:rPr lang="de-DE" b="0" i="1" smtClean="0">
+                          <a:latin typeface="Cambria Math" panose="02040503050406030204" pitchFamily="18" charset="0"/>
+                        </a:rPr>
+                        <m:t>   </m:t>
+                      </m:r>
+                      <m:sSub>
+                        <m:sSubPr>
+                          <m:ctrlPr>
+                            <a:rPr lang="de-DE" b="0" i="1" smtClean="0">
+                              <a:latin typeface="Cambria Math" panose="02040503050406030204" pitchFamily="18" charset="0"/>
+                            </a:rPr>
+                          </m:ctrlPr>
+                        </m:sSubPr>
+                        <m:e>
+                          <m:r>
+                            <a:rPr lang="de-DE" b="0" i="1" smtClean="0">
+                              <a:latin typeface="Cambria Math" panose="02040503050406030204" pitchFamily="18" charset="0"/>
+                            </a:rPr>
+                            <m:t>𝐶</m:t>
+                          </m:r>
+                        </m:e>
+                        <m:sub>
+                          <m:r>
+                            <a:rPr lang="de-DE" b="0" i="1" smtClean="0">
+                              <a:latin typeface="Cambria Math" panose="02040503050406030204" pitchFamily="18" charset="0"/>
+                            </a:rPr>
+                            <m:t>2</m:t>
+                          </m:r>
+                        </m:sub>
+                      </m:sSub>
+                      <m:r>
+                        <a:rPr lang="de-DE" b="0" i="1" smtClean="0">
+                          <a:latin typeface="Cambria Math" panose="02040503050406030204" pitchFamily="18" charset="0"/>
+                        </a:rPr>
+                        <m:t>   ………   </m:t>
+                      </m:r>
+                      <m:sSub>
+                        <m:sSubPr>
+                          <m:ctrlPr>
+                            <a:rPr lang="de-DE" b="0" i="1" smtClean="0">
+                              <a:latin typeface="Cambria Math" panose="02040503050406030204" pitchFamily="18" charset="0"/>
+                            </a:rPr>
+                          </m:ctrlPr>
+                        </m:sSubPr>
+                        <m:e>
+                          <m:r>
+                            <a:rPr lang="de-DE" b="0" i="1" smtClean="0">
+                              <a:latin typeface="Cambria Math" panose="02040503050406030204" pitchFamily="18" charset="0"/>
+                            </a:rPr>
+                            <m:t>𝐶</m:t>
+                          </m:r>
+                        </m:e>
+                        <m:sub>
+                          <m:r>
+                            <a:rPr lang="de-DE" b="0" i="1" smtClean="0">
+                              <a:latin typeface="Cambria Math" panose="02040503050406030204" pitchFamily="18" charset="0"/>
+                            </a:rPr>
+                            <m:t>𝑀</m:t>
+                          </m:r>
+                        </m:sub>
+                      </m:sSub>
+                    </m:oMath>
+                  </m:oMathPara>
+                </a14:m>
+                <a:endParaRPr lang="en-GB" dirty="0"/>
+              </a:p>
+            </p:txBody>
+          </p:sp>
+        </mc:Choice>
+        <mc:Fallback xmlns="">
+          <p:sp>
+            <p:nvSpPr>
+              <p:cNvPr id="48" name="Rechteck 47">
+                <a:extLst>
+                  <a:ext uri="{FF2B5EF4-FFF2-40B4-BE49-F238E27FC236}">
+                    <a16:creationId xmlns:a16="http://schemas.microsoft.com/office/drawing/2014/main" id="{4129236F-AD14-4BD2-A158-414F64407831}"/>
+                  </a:ext>
+                </a:extLst>
+              </p:cNvPr>
+              <p:cNvSpPr>
+                <a:spLocks noRot="1" noChangeAspect="1" noMove="1" noResize="1" noEditPoints="1" noAdjustHandles="1" noChangeArrowheads="1" noChangeShapeType="1" noTextEdit="1"/>
+              </p:cNvSpPr>
+              <p:nvPr/>
+            </p:nvSpPr>
+            <p:spPr>
+              <a:xfrm>
+                <a:off x="6975443" y="2477617"/>
+                <a:ext cx="2192139" cy="430059"/>
+              </a:xfrm>
+              <a:prstGeom prst="rect">
+                <a:avLst/>
+              </a:prstGeom>
+              <a:blipFill>
+                <a:blip r:embed="rId10"/>
+                <a:stretch>
+                  <a:fillRect/>
+                </a:stretch>
+              </a:blipFill>
+            </p:spPr>
+            <p:txBody>
+              <a:bodyPr/>
+              <a:lstStyle/>
+              <a:p>
+                <a:r>
+                  <a:rPr lang="en-GB">
+                    <a:noFill/>
+                  </a:rPr>
+                  <a:t> </a:t>
+                </a:r>
+              </a:p>
+            </p:txBody>
+          </p:sp>
+        </mc:Fallback>
+      </mc:AlternateContent>
+      <p:sp>
+        <p:nvSpPr>
+          <p:cNvPr id="49" name="Textfeld 48">
+            <a:extLst>
+              <a:ext uri="{FF2B5EF4-FFF2-40B4-BE49-F238E27FC236}">
+                <a16:creationId xmlns:a16="http://schemas.microsoft.com/office/drawing/2014/main" id="{EEFB0902-D52A-4686-8E83-2659746B1F4A}"/>
+              </a:ext>
+            </a:extLst>
+          </p:cNvPr>
+          <p:cNvSpPr txBox="1"/>
+          <p:nvPr/>
+        </p:nvSpPr>
+        <p:spPr>
+          <a:xfrm>
+            <a:off x="5601224" y="2554105"/>
+            <a:ext cx="1374219" cy="276999"/>
+          </a:xfrm>
+          <a:prstGeom prst="rect">
+            <a:avLst/>
+          </a:prstGeom>
+          <a:noFill/>
+        </p:spPr>
+        <p:txBody>
+          <a:bodyPr wrap="square" rtlCol="0">
+            <a:spAutoFit/>
+          </a:bodyPr>
+          <a:lstStyle/>
+          <a:p>
+            <a:r>
+              <a:rPr lang="en-GB" sz="1200" dirty="0" err="1">
+                <a:latin typeface="Arial" panose="020B0604020202020204" pitchFamily="34" charset="0"/>
+                <a:cs typeface="Arial" panose="020B0604020202020204" pitchFamily="34" charset="0"/>
+              </a:rPr>
+              <a:t>Kategorie</a:t>
+            </a:r>
+            <a:r>
+              <a:rPr lang="en-GB" sz="1200" dirty="0">
+                <a:latin typeface="Arial" panose="020B0604020202020204" pitchFamily="34" charset="0"/>
+                <a:cs typeface="Arial" panose="020B0604020202020204" pitchFamily="34" charset="0"/>
+              </a:rPr>
+              <a:t> </a:t>
+            </a:r>
+            <a:r>
+              <a:rPr lang="en-GB" sz="1200" dirty="0" err="1">
+                <a:latin typeface="Arial" panose="020B0604020202020204" pitchFamily="34" charset="0"/>
+                <a:cs typeface="Arial" panose="020B0604020202020204" pitchFamily="34" charset="0"/>
+              </a:rPr>
+              <a:t>Schicht</a:t>
+            </a:r>
+            <a:endParaRPr lang="en-GB" sz="1200" dirty="0">
+              <a:latin typeface="Arial" panose="020B0604020202020204" pitchFamily="34" charset="0"/>
+              <a:cs typeface="Arial" panose="020B0604020202020204" pitchFamily="34" charset="0"/>
+            </a:endParaRPr>
+          </a:p>
+        </p:txBody>
+      </p:sp>
+      <p:sp>
+        <p:nvSpPr>
+          <p:cNvPr id="50" name="Textfeld 49">
+            <a:extLst>
+              <a:ext uri="{FF2B5EF4-FFF2-40B4-BE49-F238E27FC236}">
+                <a16:creationId xmlns:a16="http://schemas.microsoft.com/office/drawing/2014/main" id="{4084A8BD-9280-4737-842A-254C5688FB75}"/>
+              </a:ext>
+            </a:extLst>
+          </p:cNvPr>
+          <p:cNvSpPr txBox="1"/>
+          <p:nvPr/>
+        </p:nvSpPr>
+        <p:spPr>
+          <a:xfrm>
+            <a:off x="5391504" y="1752954"/>
+            <a:ext cx="1435741" cy="276999"/>
+          </a:xfrm>
+          <a:prstGeom prst="rect">
+            <a:avLst/>
+          </a:prstGeom>
+          <a:noFill/>
+        </p:spPr>
+        <p:txBody>
+          <a:bodyPr wrap="square" rtlCol="0">
+            <a:spAutoFit/>
+          </a:bodyPr>
+          <a:lstStyle/>
+          <a:p>
+            <a:r>
+              <a:rPr lang="en-GB" sz="1200" dirty="0" err="1">
+                <a:latin typeface="Arial" panose="020B0604020202020204" pitchFamily="34" charset="0"/>
+                <a:cs typeface="Arial" panose="020B0604020202020204" pitchFamily="34" charset="0"/>
+              </a:rPr>
+              <a:t>Eingang</a:t>
+            </a:r>
+            <a:r>
+              <a:rPr lang="en-GB" sz="1200" dirty="0">
+                <a:latin typeface="Arial" panose="020B0604020202020204" pitchFamily="34" charset="0"/>
+                <a:cs typeface="Arial" panose="020B0604020202020204" pitchFamily="34" charset="0"/>
+              </a:rPr>
+              <a:t> </a:t>
+            </a:r>
+            <a:r>
+              <a:rPr lang="en-GB" sz="1200" dirty="0" err="1">
+                <a:latin typeface="Arial" panose="020B0604020202020204" pitchFamily="34" charset="0"/>
+                <a:cs typeface="Arial" panose="020B0604020202020204" pitchFamily="34" charset="0"/>
+              </a:rPr>
+              <a:t>Kategorie</a:t>
+            </a:r>
+            <a:endParaRPr lang="en-GB" sz="1200" dirty="0">
+              <a:latin typeface="Arial" panose="020B0604020202020204" pitchFamily="34" charset="0"/>
+              <a:cs typeface="Arial" panose="020B0604020202020204" pitchFamily="34" charset="0"/>
+            </a:endParaRPr>
+          </a:p>
+        </p:txBody>
+      </p:sp>
+      <p:cxnSp>
+        <p:nvCxnSpPr>
+          <p:cNvPr id="51" name="Gerade Verbindung mit Pfeil 50">
+            <a:extLst>
+              <a:ext uri="{FF2B5EF4-FFF2-40B4-BE49-F238E27FC236}">
+                <a16:creationId xmlns:a16="http://schemas.microsoft.com/office/drawing/2014/main" id="{A4438B5C-24C9-4AA1-A976-2E5666728320}"/>
+              </a:ext>
+            </a:extLst>
+          </p:cNvPr>
+          <p:cNvCxnSpPr>
+            <a:cxnSpLocks/>
+            <a:stCxn id="50" idx="2"/>
+          </p:cNvCxnSpPr>
+          <p:nvPr/>
+        </p:nvCxnSpPr>
+        <p:spPr>
+          <a:xfrm>
+            <a:off x="6109375" y="2029953"/>
+            <a:ext cx="866068" cy="441513"/>
+          </a:xfrm>
+          <a:prstGeom prst="straightConnector1">
+            <a:avLst/>
+          </a:prstGeom>
+          <a:ln w="25400">
+            <a:tailEnd type="triangle"/>
+          </a:ln>
+        </p:spPr>
+        <p:style>
+          <a:lnRef idx="1">
+            <a:schemeClr val="accent1"/>
+          </a:lnRef>
+          <a:fillRef idx="0">
+            <a:schemeClr val="accent1"/>
+          </a:fillRef>
+          <a:effectRef idx="0">
+            <a:schemeClr val="accent1"/>
+          </a:effectRef>
+          <a:fontRef idx="minor">
+            <a:schemeClr val="tx1"/>
+          </a:fontRef>
+        </p:style>
+      </p:cxnSp>
+      <p:cxnSp>
+        <p:nvCxnSpPr>
+          <p:cNvPr id="56" name="Gerade Verbindung mit Pfeil 55">
+            <a:extLst>
+              <a:ext uri="{FF2B5EF4-FFF2-40B4-BE49-F238E27FC236}">
+                <a16:creationId xmlns:a16="http://schemas.microsoft.com/office/drawing/2014/main" id="{612C59EC-EE76-45E8-A269-459D8A18EEC3}"/>
+              </a:ext>
+            </a:extLst>
+          </p:cNvPr>
+          <p:cNvCxnSpPr>
+            <a:cxnSpLocks/>
+          </p:cNvCxnSpPr>
+          <p:nvPr/>
+        </p:nvCxnSpPr>
+        <p:spPr>
+          <a:xfrm flipV="1">
+            <a:off x="7218855" y="2891872"/>
+            <a:ext cx="385191" cy="450350"/>
+          </a:xfrm>
+          <a:prstGeom prst="straightConnector1">
+            <a:avLst/>
+          </a:prstGeom>
+          <a:ln w="25400">
+            <a:tailEnd type="triangle"/>
+          </a:ln>
+        </p:spPr>
+        <p:style>
+          <a:lnRef idx="1">
+            <a:schemeClr val="accent1"/>
+          </a:lnRef>
+          <a:fillRef idx="0">
+            <a:schemeClr val="accent1"/>
+          </a:fillRef>
+          <a:effectRef idx="0">
+            <a:schemeClr val="accent1"/>
+          </a:effectRef>
+          <a:fontRef idx="minor">
+            <a:schemeClr val="tx1"/>
+          </a:fontRef>
+        </p:style>
+      </p:cxnSp>
+      <p:cxnSp>
+        <p:nvCxnSpPr>
+          <p:cNvPr id="59" name="Gerade Verbindung mit Pfeil 58">
+            <a:extLst>
+              <a:ext uri="{FF2B5EF4-FFF2-40B4-BE49-F238E27FC236}">
+                <a16:creationId xmlns:a16="http://schemas.microsoft.com/office/drawing/2014/main" id="{A4B4C19E-57AB-48CA-9F78-326233F53432}"/>
+              </a:ext>
+            </a:extLst>
+          </p:cNvPr>
+          <p:cNvCxnSpPr>
+            <a:cxnSpLocks/>
+          </p:cNvCxnSpPr>
+          <p:nvPr/>
+        </p:nvCxnSpPr>
+        <p:spPr>
+          <a:xfrm flipH="1" flipV="1">
+            <a:off x="7248087" y="2907675"/>
+            <a:ext cx="355960" cy="430059"/>
+          </a:xfrm>
+          <a:prstGeom prst="straightConnector1">
+            <a:avLst/>
+          </a:prstGeom>
+          <a:ln w="25400">
+            <a:tailEnd type="triangle"/>
+          </a:ln>
+        </p:spPr>
+        <p:style>
+          <a:lnRef idx="1">
+            <a:schemeClr val="accent1"/>
+          </a:lnRef>
+          <a:fillRef idx="0">
+            <a:schemeClr val="accent1"/>
+          </a:fillRef>
+          <a:effectRef idx="0">
+            <a:schemeClr val="accent1"/>
+          </a:effectRef>
+          <a:fontRef idx="minor">
+            <a:schemeClr val="tx1"/>
+          </a:fontRef>
+        </p:style>
+      </p:cxnSp>
+      <p:cxnSp>
+        <p:nvCxnSpPr>
+          <p:cNvPr id="61" name="Gerade Verbindung mit Pfeil 60">
+            <a:extLst>
+              <a:ext uri="{FF2B5EF4-FFF2-40B4-BE49-F238E27FC236}">
+                <a16:creationId xmlns:a16="http://schemas.microsoft.com/office/drawing/2014/main" id="{B289BE39-56B2-469C-9E52-94224D4E8C85}"/>
+              </a:ext>
+            </a:extLst>
+          </p:cNvPr>
+          <p:cNvCxnSpPr>
+            <a:cxnSpLocks/>
+          </p:cNvCxnSpPr>
+          <p:nvPr/>
+        </p:nvCxnSpPr>
+        <p:spPr>
+          <a:xfrm flipV="1">
+            <a:off x="8772597" y="2907676"/>
+            <a:ext cx="0" cy="430059"/>
+          </a:xfrm>
+          <a:prstGeom prst="straightConnector1">
+            <a:avLst/>
+          </a:prstGeom>
+          <a:ln w="25400">
+            <a:tailEnd type="triangle"/>
+          </a:ln>
+        </p:spPr>
+        <p:style>
+          <a:lnRef idx="1">
+            <a:schemeClr val="accent1"/>
+          </a:lnRef>
+          <a:fillRef idx="0">
+            <a:schemeClr val="accent1"/>
+          </a:fillRef>
+          <a:effectRef idx="0">
+            <a:schemeClr val="accent1"/>
+          </a:effectRef>
+          <a:fontRef idx="minor">
+            <a:schemeClr val="tx1"/>
+          </a:fontRef>
+        </p:style>
+      </p:cxnSp>
+      <mc:AlternateContent xmlns:mc="http://schemas.openxmlformats.org/markup-compatibility/2006" xmlns:a14="http://schemas.microsoft.com/office/drawing/2010/main">
+        <mc:Choice Requires="a14">
+          <p:sp>
+            <p:nvSpPr>
+              <p:cNvPr id="69" name="Ellipse 68">
+                <a:extLst>
+                  <a:ext uri="{FF2B5EF4-FFF2-40B4-BE49-F238E27FC236}">
+                    <a16:creationId xmlns:a16="http://schemas.microsoft.com/office/drawing/2014/main" id="{A0F2CCA9-78BC-454B-822F-8CA2F113E4D1}"/>
+                  </a:ext>
+                </a:extLst>
+              </p:cNvPr>
+              <p:cNvSpPr/>
+              <p:nvPr/>
+            </p:nvSpPr>
+            <p:spPr>
+              <a:xfrm>
+                <a:off x="9988216" y="3414188"/>
+                <a:ext cx="343941" cy="308754"/>
+              </a:xfrm>
+              <a:prstGeom prst="ellipse">
+                <a:avLst/>
+              </a:prstGeom>
+            </p:spPr>
+            <p:style>
+              <a:lnRef idx="2">
+                <a:schemeClr val="accent1">
+                  <a:shade val="50000"/>
+                </a:schemeClr>
+              </a:lnRef>
+              <a:fillRef idx="1">
+                <a:schemeClr val="accent1"/>
+              </a:fillRef>
+              <a:effectRef idx="0">
+                <a:schemeClr val="accent1"/>
+              </a:effectRef>
+              <a:fontRef idx="minor">
+                <a:schemeClr val="lt1"/>
+              </a:fontRef>
+            </p:style>
+            <p:txBody>
+              <a:bodyPr rtlCol="0" anchor="ctr"/>
+              <a:lstStyle/>
+              <a:p>
+                <a:pPr algn="ctr"/>
+                <a14:m>
+                  <m:oMathPara xmlns:m="http://schemas.openxmlformats.org/officeDocument/2006/math">
+                    <m:oMathParaPr>
+                      <m:jc m:val="centerGroup"/>
+                    </m:oMathParaPr>
+                    <m:oMath xmlns:m="http://schemas.openxmlformats.org/officeDocument/2006/math">
+                      <m:r>
+                        <a:rPr lang="de-DE" b="0" i="1" smtClean="0">
+                          <a:latin typeface="Cambria Math" panose="02040503050406030204" pitchFamily="18" charset="0"/>
+                        </a:rPr>
+                        <m:t>𝜌</m:t>
+                      </m:r>
+                    </m:oMath>
+                  </m:oMathPara>
+                </a14:m>
+                <a:endParaRPr lang="en-GB" dirty="0"/>
+              </a:p>
+            </p:txBody>
+          </p:sp>
+        </mc:Choice>
+        <mc:Fallback xmlns="">
+          <p:sp>
+            <p:nvSpPr>
+              <p:cNvPr id="69" name="Ellipse 68">
+                <a:extLst>
+                  <a:ext uri="{FF2B5EF4-FFF2-40B4-BE49-F238E27FC236}">
+                    <a16:creationId xmlns:a16="http://schemas.microsoft.com/office/drawing/2014/main" id="{A0F2CCA9-78BC-454B-822F-8CA2F113E4D1}"/>
+                  </a:ext>
+                </a:extLst>
+              </p:cNvPr>
+              <p:cNvSpPr>
+                <a:spLocks noRot="1" noChangeAspect="1" noMove="1" noResize="1" noEditPoints="1" noAdjustHandles="1" noChangeArrowheads="1" noChangeShapeType="1" noTextEdit="1"/>
+              </p:cNvSpPr>
+              <p:nvPr/>
+            </p:nvSpPr>
+            <p:spPr>
+              <a:xfrm>
+                <a:off x="9988216" y="3414188"/>
+                <a:ext cx="343941" cy="308754"/>
+              </a:xfrm>
+              <a:prstGeom prst="ellipse">
+                <a:avLst/>
+              </a:prstGeom>
+              <a:blipFill>
+                <a:blip r:embed="rId11"/>
+                <a:stretch>
+                  <a:fillRect b="-15094"/>
+                </a:stretch>
+              </a:blipFill>
+            </p:spPr>
+            <p:txBody>
+              <a:bodyPr/>
+              <a:lstStyle/>
+              <a:p>
+                <a:r>
+                  <a:rPr lang="en-GB">
+                    <a:noFill/>
+                  </a:rPr>
+                  <a:t> </a:t>
+                </a:r>
+              </a:p>
+            </p:txBody>
+          </p:sp>
+        </mc:Fallback>
+      </mc:AlternateContent>
+      <p:cxnSp>
+        <p:nvCxnSpPr>
+          <p:cNvPr id="71" name="Verbinder: gewinkelt 70">
+            <a:extLst>
+              <a:ext uri="{FF2B5EF4-FFF2-40B4-BE49-F238E27FC236}">
+                <a16:creationId xmlns:a16="http://schemas.microsoft.com/office/drawing/2014/main" id="{39E01F96-BF95-4EB9-8952-0E0FC2CE0A5F}"/>
+              </a:ext>
+            </a:extLst>
+          </p:cNvPr>
+          <p:cNvCxnSpPr>
+            <a:stCxn id="48" idx="3"/>
+            <a:endCxn id="69" idx="0"/>
+          </p:cNvCxnSpPr>
+          <p:nvPr/>
+        </p:nvCxnSpPr>
+        <p:spPr>
+          <a:xfrm>
+            <a:off x="9167582" y="2692647"/>
+            <a:ext cx="992605" cy="721541"/>
+          </a:xfrm>
+          <a:prstGeom prst="bentConnector2">
+            <a:avLst/>
+          </a:prstGeom>
+          <a:ln w="25400">
+            <a:tailEnd type="triangle"/>
+          </a:ln>
+        </p:spPr>
+        <p:style>
+          <a:lnRef idx="1">
+            <a:schemeClr val="accent1"/>
+          </a:lnRef>
+          <a:fillRef idx="0">
+            <a:schemeClr val="accent1"/>
+          </a:fillRef>
+          <a:effectRef idx="0">
+            <a:schemeClr val="accent1"/>
+          </a:effectRef>
+          <a:fontRef idx="minor">
+            <a:schemeClr val="tx1"/>
+          </a:fontRef>
+        </p:style>
+      </p:cxnSp>
+      <p:cxnSp>
+        <p:nvCxnSpPr>
+          <p:cNvPr id="72" name="Gerade Verbindung mit Pfeil 71">
+            <a:extLst>
+              <a:ext uri="{FF2B5EF4-FFF2-40B4-BE49-F238E27FC236}">
+                <a16:creationId xmlns:a16="http://schemas.microsoft.com/office/drawing/2014/main" id="{E217C801-D307-424B-829F-F250D3C1C713}"/>
+              </a:ext>
+            </a:extLst>
+          </p:cNvPr>
+          <p:cNvCxnSpPr>
+            <a:cxnSpLocks/>
+            <a:stCxn id="69" idx="2"/>
+            <a:endCxn id="31" idx="3"/>
+          </p:cNvCxnSpPr>
+          <p:nvPr/>
+        </p:nvCxnSpPr>
+        <p:spPr>
+          <a:xfrm flipH="1">
+            <a:off x="9171777" y="3568565"/>
+            <a:ext cx="816439" cy="2"/>
+          </a:xfrm>
+          <a:prstGeom prst="straightConnector1">
+            <a:avLst/>
+          </a:prstGeom>
+          <a:ln w="25400">
+            <a:tailEnd type="triangle"/>
+          </a:ln>
+        </p:spPr>
+        <p:style>
+          <a:lnRef idx="1">
+            <a:schemeClr val="accent1"/>
+          </a:lnRef>
+          <a:fillRef idx="0">
+            <a:schemeClr val="accent1"/>
+          </a:fillRef>
+          <a:effectRef idx="0">
+            <a:schemeClr val="accent1"/>
+          </a:effectRef>
+          <a:fontRef idx="minor">
+            <a:schemeClr val="tx1"/>
+          </a:fontRef>
+        </p:style>
+      </p:cxnSp>
+      <p:sp>
+        <p:nvSpPr>
+          <p:cNvPr id="75" name="Textfeld 74">
+            <a:extLst>
+              <a:ext uri="{FF2B5EF4-FFF2-40B4-BE49-F238E27FC236}">
+                <a16:creationId xmlns:a16="http://schemas.microsoft.com/office/drawing/2014/main" id="{35EB1AE0-95B3-49E8-B304-D8334F256370}"/>
+              </a:ext>
+            </a:extLst>
+          </p:cNvPr>
+          <p:cNvSpPr txBox="1"/>
+          <p:nvPr/>
+        </p:nvSpPr>
+        <p:spPr>
+          <a:xfrm>
+            <a:off x="9358915" y="3584442"/>
+            <a:ext cx="737213" cy="461665"/>
+          </a:xfrm>
+          <a:prstGeom prst="rect">
+            <a:avLst/>
+          </a:prstGeom>
+          <a:noFill/>
+        </p:spPr>
+        <p:txBody>
+          <a:bodyPr wrap="square" rtlCol="0">
+            <a:spAutoFit/>
+          </a:bodyPr>
+          <a:lstStyle/>
+          <a:p>
+            <a:r>
+              <a:rPr lang="en-GB" sz="1200" dirty="0">
+                <a:latin typeface="Arial" panose="020B0604020202020204" pitchFamily="34" charset="0"/>
+                <a:cs typeface="Arial" panose="020B0604020202020204" pitchFamily="34" charset="0"/>
+              </a:rPr>
+              <a:t>Nothing I Know</a:t>
+            </a:r>
+          </a:p>
+        </p:txBody>
+      </p:sp>
+      <p:sp>
+        <p:nvSpPr>
+          <p:cNvPr id="76" name="Textfeld 75">
+            <a:extLst>
+              <a:ext uri="{FF2B5EF4-FFF2-40B4-BE49-F238E27FC236}">
+                <a16:creationId xmlns:a16="http://schemas.microsoft.com/office/drawing/2014/main" id="{0414F304-F19F-41C5-839E-A300215A033C}"/>
+              </a:ext>
+            </a:extLst>
+          </p:cNvPr>
+          <p:cNvSpPr txBox="1"/>
+          <p:nvPr/>
+        </p:nvSpPr>
+        <p:spPr>
+          <a:xfrm>
+            <a:off x="10148368" y="2923481"/>
+            <a:ext cx="812174" cy="276999"/>
+          </a:xfrm>
+          <a:prstGeom prst="rect">
+            <a:avLst/>
+          </a:prstGeom>
+          <a:noFill/>
+        </p:spPr>
+        <p:txBody>
+          <a:bodyPr wrap="square" rtlCol="0">
+            <a:spAutoFit/>
+          </a:bodyPr>
+          <a:lstStyle/>
+          <a:p>
+            <a:r>
+              <a:rPr lang="en-GB" sz="1200" dirty="0">
+                <a:latin typeface="Arial" panose="020B0604020202020204" pitchFamily="34" charset="0"/>
+                <a:cs typeface="Arial" panose="020B0604020202020204" pitchFamily="34" charset="0"/>
+              </a:rPr>
+              <a:t>Matching</a:t>
+            </a:r>
+          </a:p>
+        </p:txBody>
+      </p:sp>
+      <p:cxnSp>
+        <p:nvCxnSpPr>
+          <p:cNvPr id="77" name="Gerade Verbindung mit Pfeil 76">
+            <a:extLst>
+              <a:ext uri="{FF2B5EF4-FFF2-40B4-BE49-F238E27FC236}">
+                <a16:creationId xmlns:a16="http://schemas.microsoft.com/office/drawing/2014/main" id="{ABE77B3B-70EB-4240-B3CE-BEE2E2139321}"/>
+              </a:ext>
+            </a:extLst>
+          </p:cNvPr>
+          <p:cNvCxnSpPr>
+            <a:cxnSpLocks/>
+            <a:stCxn id="69" idx="6"/>
+          </p:cNvCxnSpPr>
+          <p:nvPr/>
+        </p:nvCxnSpPr>
+        <p:spPr>
+          <a:xfrm>
+            <a:off x="10332157" y="3568565"/>
+            <a:ext cx="628385" cy="0"/>
+          </a:xfrm>
+          <a:prstGeom prst="straightConnector1">
+            <a:avLst/>
+          </a:prstGeom>
+          <a:ln w="25400">
+            <a:tailEnd type="triangle"/>
+          </a:ln>
+        </p:spPr>
+        <p:style>
+          <a:lnRef idx="1">
+            <a:schemeClr val="accent1"/>
+          </a:lnRef>
+          <a:fillRef idx="0">
+            <a:schemeClr val="accent1"/>
+          </a:fillRef>
+          <a:effectRef idx="0">
+            <a:schemeClr val="accent1"/>
+          </a:effectRef>
+          <a:fontRef idx="minor">
+            <a:schemeClr val="tx1"/>
+          </a:fontRef>
+        </p:style>
+      </p:cxnSp>
+      <p:sp>
+        <p:nvSpPr>
+          <p:cNvPr id="80" name="Textfeld 79">
+            <a:extLst>
+              <a:ext uri="{FF2B5EF4-FFF2-40B4-BE49-F238E27FC236}">
+                <a16:creationId xmlns:a16="http://schemas.microsoft.com/office/drawing/2014/main" id="{632AF8F4-C4AC-4FFD-9480-9D1DBA89E5F3}"/>
+              </a:ext>
+            </a:extLst>
+          </p:cNvPr>
+          <p:cNvSpPr txBox="1"/>
+          <p:nvPr/>
+        </p:nvSpPr>
+        <p:spPr>
+          <a:xfrm>
+            <a:off x="10271796" y="3580125"/>
+            <a:ext cx="976229" cy="461665"/>
+          </a:xfrm>
+          <a:prstGeom prst="rect">
+            <a:avLst/>
+          </a:prstGeom>
+          <a:noFill/>
+        </p:spPr>
+        <p:txBody>
+          <a:bodyPr wrap="square" rtlCol="0">
+            <a:spAutoFit/>
+          </a:bodyPr>
+          <a:lstStyle/>
+          <a:p>
+            <a:r>
+              <a:rPr lang="en-GB" sz="1200" dirty="0" err="1">
+                <a:latin typeface="Arial" panose="020B0604020202020204" pitchFamily="34" charset="0"/>
+                <a:cs typeface="Arial" panose="020B0604020202020204" pitchFamily="34" charset="0"/>
+              </a:rPr>
+              <a:t>Ausgabe</a:t>
+            </a:r>
+            <a:r>
+              <a:rPr lang="en-GB" sz="1200" dirty="0">
+                <a:latin typeface="Arial" panose="020B0604020202020204" pitchFamily="34" charset="0"/>
+                <a:cs typeface="Arial" panose="020B0604020202020204" pitchFamily="34" charset="0"/>
+              </a:rPr>
+              <a:t> </a:t>
+            </a:r>
+            <a:r>
+              <a:rPr lang="en-GB" sz="1200" dirty="0" err="1">
+                <a:latin typeface="Arial" panose="020B0604020202020204" pitchFamily="34" charset="0"/>
+                <a:cs typeface="Arial" panose="020B0604020202020204" pitchFamily="34" charset="0"/>
+              </a:rPr>
+              <a:t>Kategorie</a:t>
+            </a:r>
+            <a:endParaRPr lang="en-GB" sz="1200" dirty="0">
+              <a:latin typeface="Arial" panose="020B0604020202020204" pitchFamily="34" charset="0"/>
+              <a:cs typeface="Arial" panose="020B0604020202020204" pitchFamily="34" charset="0"/>
+            </a:endParaRPr>
+          </a:p>
+        </p:txBody>
+      </p:sp>
     </p:spTree>
     <p:extLst>
       <p:ext uri="{BB962C8B-B14F-4D97-AF65-F5344CB8AC3E}">
         <p14:creationId xmlns:p14="http://schemas.microsoft.com/office/powerpoint/2010/main" val="2755288229"/>
+      </p:ext>
+    </p:extLst>
+  </p:cSld>
+  <p:clrMapOvr>
+    <a:masterClrMapping/>
+  </p:clrMapOvr>
+</p:sld>
+</file>
+
+<file path=ppt/slides/slide8.xml><?xml version="1.0" encoding="utf-8"?>
+<p:sld xmlns:a="http://schemas.openxmlformats.org/drawingml/2006/main" xmlns:r="http://schemas.openxmlformats.org/officeDocument/2006/relationships" xmlns:p="http://schemas.openxmlformats.org/presentationml/2006/main">
+  <p:cSld>
+    <p:spTree>
+      <p:nvGrpSpPr>
+        <p:cNvPr id="1" name=""/>
+        <p:cNvGrpSpPr/>
+        <p:nvPr/>
+      </p:nvGrpSpPr>
+      <p:grpSpPr>
+        <a:xfrm>
+          <a:off x="0" y="0"/>
+          <a:ext cx="0" cy="0"/>
+          <a:chOff x="0" y="0"/>
+          <a:chExt cx="0" cy="0"/>
+        </a:xfrm>
+      </p:grpSpPr>
+      <p:sp>
+        <p:nvSpPr>
+          <p:cNvPr id="4" name="Rechteck: abgerundete Ecken 3">
+            <a:extLst>
+              <a:ext uri="{FF2B5EF4-FFF2-40B4-BE49-F238E27FC236}">
+                <a16:creationId xmlns:a16="http://schemas.microsoft.com/office/drawing/2014/main" id="{175D130D-0BE8-4597-905E-22112BDD4A9C}"/>
+              </a:ext>
+            </a:extLst>
+          </p:cNvPr>
+          <p:cNvSpPr/>
+          <p:nvPr/>
+        </p:nvSpPr>
+        <p:spPr>
+          <a:xfrm>
+            <a:off x="1546957" y="1457214"/>
+            <a:ext cx="1751163" cy="2296241"/>
+          </a:xfrm>
+          <a:prstGeom prst="roundRect">
+            <a:avLst/>
+          </a:prstGeom>
+          <a:noFill/>
+        </p:spPr>
+        <p:style>
+          <a:lnRef idx="2">
+            <a:schemeClr val="accent1">
+              <a:shade val="50000"/>
+            </a:schemeClr>
+          </a:lnRef>
+          <a:fillRef idx="1">
+            <a:schemeClr val="accent1"/>
+          </a:fillRef>
+          <a:effectRef idx="0">
+            <a:schemeClr val="accent1"/>
+          </a:effectRef>
+          <a:fontRef idx="minor">
+            <a:schemeClr val="lt1"/>
+          </a:fontRef>
+        </p:style>
+        <p:txBody>
+          <a:bodyPr rtlCol="0" anchor="ctr"/>
+          <a:lstStyle/>
+          <a:p>
+            <a:pPr algn="ctr"/>
+            <a:endParaRPr lang="en-GB" sz="1200" dirty="0">
+              <a:latin typeface="Arial" panose="020B0604020202020204" pitchFamily="34" charset="0"/>
+              <a:cs typeface="Arial" panose="020B0604020202020204" pitchFamily="34" charset="0"/>
+            </a:endParaRPr>
+          </a:p>
+        </p:txBody>
+      </p:sp>
+      <p:cxnSp>
+        <p:nvCxnSpPr>
+          <p:cNvPr id="5" name="Gerade Verbindung mit Pfeil 4">
+            <a:extLst>
+              <a:ext uri="{FF2B5EF4-FFF2-40B4-BE49-F238E27FC236}">
+                <a16:creationId xmlns:a16="http://schemas.microsoft.com/office/drawing/2014/main" id="{A609AEEF-9B31-4FBC-9AE1-02E7193A4523}"/>
+              </a:ext>
+            </a:extLst>
+          </p:cNvPr>
+          <p:cNvCxnSpPr>
+            <a:cxnSpLocks/>
+            <a:stCxn id="6" idx="0"/>
+            <a:endCxn id="8" idx="2"/>
+          </p:cNvCxnSpPr>
+          <p:nvPr/>
+        </p:nvCxnSpPr>
+        <p:spPr>
+          <a:xfrm flipV="1">
+            <a:off x="2416727" y="3654723"/>
+            <a:ext cx="804" cy="508091"/>
+          </a:xfrm>
+          <a:prstGeom prst="straightConnector1">
+            <a:avLst/>
+          </a:prstGeom>
+          <a:ln w="25400">
+            <a:tailEnd type="triangle"/>
+          </a:ln>
+        </p:spPr>
+        <p:style>
+          <a:lnRef idx="1">
+            <a:schemeClr val="accent1"/>
+          </a:lnRef>
+          <a:fillRef idx="0">
+            <a:schemeClr val="accent1"/>
+          </a:fillRef>
+          <a:effectRef idx="0">
+            <a:schemeClr val="accent1"/>
+          </a:effectRef>
+          <a:fontRef idx="minor">
+            <a:schemeClr val="tx1"/>
+          </a:fontRef>
+        </p:style>
+      </p:cxnSp>
+      <p:sp>
+        <p:nvSpPr>
+          <p:cNvPr id="6" name="Textfeld 5">
+            <a:extLst>
+              <a:ext uri="{FF2B5EF4-FFF2-40B4-BE49-F238E27FC236}">
+                <a16:creationId xmlns:a16="http://schemas.microsoft.com/office/drawing/2014/main" id="{CF4C36DC-78C2-4C22-A2C2-334CAC7F4E56}"/>
+              </a:ext>
+            </a:extLst>
+          </p:cNvPr>
+          <p:cNvSpPr txBox="1"/>
+          <p:nvPr/>
+        </p:nvSpPr>
+        <p:spPr>
+          <a:xfrm>
+            <a:off x="1946534" y="4162814"/>
+            <a:ext cx="940385" cy="276999"/>
+          </a:xfrm>
+          <a:prstGeom prst="rect">
+            <a:avLst/>
+          </a:prstGeom>
+          <a:noFill/>
+        </p:spPr>
+        <p:txBody>
+          <a:bodyPr wrap="square" rtlCol="0">
+            <a:spAutoFit/>
+          </a:bodyPr>
+          <a:lstStyle/>
+          <a:p>
+            <a:r>
+              <a:rPr lang="de-DE" sz="1200" dirty="0">
+                <a:latin typeface="Arial" panose="020B0604020202020204" pitchFamily="34" charset="0"/>
+                <a:cs typeface="Arial" panose="020B0604020202020204" pitchFamily="34" charset="0"/>
+              </a:rPr>
+              <a:t>224x224x3</a:t>
+            </a:r>
+          </a:p>
+        </p:txBody>
+      </p:sp>
+      <p:sp>
+        <p:nvSpPr>
+          <p:cNvPr id="7" name="Textfeld 6">
+            <a:extLst>
+              <a:ext uri="{FF2B5EF4-FFF2-40B4-BE49-F238E27FC236}">
+                <a16:creationId xmlns:a16="http://schemas.microsoft.com/office/drawing/2014/main" id="{61EC9D9A-D77E-44FB-B20D-33C83910A5AD}"/>
+              </a:ext>
+            </a:extLst>
+          </p:cNvPr>
+          <p:cNvSpPr txBox="1"/>
+          <p:nvPr/>
+        </p:nvSpPr>
+        <p:spPr>
+          <a:xfrm>
+            <a:off x="3594636" y="1758024"/>
+            <a:ext cx="900870" cy="461665"/>
+          </a:xfrm>
+          <a:prstGeom prst="rect">
+            <a:avLst/>
+          </a:prstGeom>
+          <a:noFill/>
+        </p:spPr>
+        <p:txBody>
+          <a:bodyPr wrap="square" rtlCol="0">
+            <a:spAutoFit/>
+          </a:bodyPr>
+          <a:lstStyle/>
+          <a:p>
+            <a:r>
+              <a:rPr lang="de-DE" sz="1200" dirty="0">
+                <a:latin typeface="Arial" panose="020B0604020202020204" pitchFamily="34" charset="0"/>
+                <a:cs typeface="Arial" panose="020B0604020202020204" pitchFamily="34" charset="0"/>
+              </a:rPr>
+              <a:t>1x1x1024Features</a:t>
+            </a:r>
+          </a:p>
+        </p:txBody>
+      </p:sp>
+      <p:sp>
+        <p:nvSpPr>
+          <p:cNvPr id="8" name="Rechteck 7">
+            <a:extLst>
+              <a:ext uri="{FF2B5EF4-FFF2-40B4-BE49-F238E27FC236}">
+                <a16:creationId xmlns:a16="http://schemas.microsoft.com/office/drawing/2014/main" id="{B22C5EE0-1C3D-4575-A40C-A9BABB46E70E}"/>
+              </a:ext>
+            </a:extLst>
+          </p:cNvPr>
+          <p:cNvSpPr/>
+          <p:nvPr/>
+        </p:nvSpPr>
+        <p:spPr>
+          <a:xfrm>
+            <a:off x="1702234" y="3330259"/>
+            <a:ext cx="1430594" cy="324464"/>
+          </a:xfrm>
+          <a:prstGeom prst="rect">
+            <a:avLst/>
+          </a:prstGeom>
+        </p:spPr>
+        <p:style>
+          <a:lnRef idx="2">
+            <a:schemeClr val="accent1">
+              <a:shade val="50000"/>
+            </a:schemeClr>
+          </a:lnRef>
+          <a:fillRef idx="1">
+            <a:schemeClr val="accent1"/>
+          </a:fillRef>
+          <a:effectRef idx="0">
+            <a:schemeClr val="accent1"/>
+          </a:effectRef>
+          <a:fontRef idx="minor">
+            <a:schemeClr val="lt1"/>
+          </a:fontRef>
+        </p:style>
+        <p:txBody>
+          <a:bodyPr rtlCol="0" anchor="ctr"/>
+          <a:lstStyle/>
+          <a:p>
+            <a:pPr algn="ctr"/>
+            <a:endParaRPr lang="en-GB"/>
+          </a:p>
+        </p:txBody>
+      </p:sp>
+      <p:sp>
+        <p:nvSpPr>
+          <p:cNvPr id="9" name="Rechteck 8">
+            <a:extLst>
+              <a:ext uri="{FF2B5EF4-FFF2-40B4-BE49-F238E27FC236}">
+                <a16:creationId xmlns:a16="http://schemas.microsoft.com/office/drawing/2014/main" id="{17BED446-9DAF-4A79-803E-EDD15F155D7C}"/>
+              </a:ext>
+            </a:extLst>
+          </p:cNvPr>
+          <p:cNvSpPr/>
+          <p:nvPr/>
+        </p:nvSpPr>
+        <p:spPr>
+          <a:xfrm>
+            <a:off x="1701431" y="2752811"/>
+            <a:ext cx="1430594" cy="324464"/>
+          </a:xfrm>
+          <a:prstGeom prst="rect">
+            <a:avLst/>
+          </a:prstGeom>
+        </p:spPr>
+        <p:style>
+          <a:lnRef idx="2">
+            <a:schemeClr val="accent1">
+              <a:shade val="50000"/>
+            </a:schemeClr>
+          </a:lnRef>
+          <a:fillRef idx="1">
+            <a:schemeClr val="accent1"/>
+          </a:fillRef>
+          <a:effectRef idx="0">
+            <a:schemeClr val="accent1"/>
+          </a:effectRef>
+          <a:fontRef idx="minor">
+            <a:schemeClr val="lt1"/>
+          </a:fontRef>
+        </p:style>
+        <p:txBody>
+          <a:bodyPr rtlCol="0" anchor="ctr"/>
+          <a:lstStyle/>
+          <a:p>
+            <a:pPr algn="ctr"/>
+            <a:endParaRPr lang="en-GB"/>
+          </a:p>
+        </p:txBody>
+      </p:sp>
+      <p:sp>
+        <p:nvSpPr>
+          <p:cNvPr id="11" name="Rechteck 10">
+            <a:extLst>
+              <a:ext uri="{FF2B5EF4-FFF2-40B4-BE49-F238E27FC236}">
+                <a16:creationId xmlns:a16="http://schemas.microsoft.com/office/drawing/2014/main" id="{C4267197-74DF-4F0B-8912-A964645C0580}"/>
+              </a:ext>
+            </a:extLst>
+          </p:cNvPr>
+          <p:cNvSpPr/>
+          <p:nvPr/>
+        </p:nvSpPr>
+        <p:spPr>
+          <a:xfrm>
+            <a:off x="1701431" y="1595792"/>
+            <a:ext cx="1430594" cy="324464"/>
+          </a:xfrm>
+          <a:prstGeom prst="rect">
+            <a:avLst/>
+          </a:prstGeom>
+        </p:spPr>
+        <p:style>
+          <a:lnRef idx="2">
+            <a:schemeClr val="accent1">
+              <a:shade val="50000"/>
+            </a:schemeClr>
+          </a:lnRef>
+          <a:fillRef idx="1">
+            <a:schemeClr val="accent1"/>
+          </a:fillRef>
+          <a:effectRef idx="0">
+            <a:schemeClr val="accent1"/>
+          </a:effectRef>
+          <a:fontRef idx="minor">
+            <a:schemeClr val="lt1"/>
+          </a:fontRef>
+        </p:style>
+        <p:txBody>
+          <a:bodyPr rtlCol="0" anchor="ctr"/>
+          <a:lstStyle/>
+          <a:p>
+            <a:pPr algn="ctr"/>
+            <a:endParaRPr lang="en-GB"/>
+          </a:p>
+        </p:txBody>
+      </p:sp>
+      <p:cxnSp>
+        <p:nvCxnSpPr>
+          <p:cNvPr id="13" name="Gerade Verbindung mit Pfeil 12">
+            <a:extLst>
+              <a:ext uri="{FF2B5EF4-FFF2-40B4-BE49-F238E27FC236}">
+                <a16:creationId xmlns:a16="http://schemas.microsoft.com/office/drawing/2014/main" id="{C73D9908-5313-4ACC-A97B-7DE9FD4184A9}"/>
+              </a:ext>
+            </a:extLst>
+          </p:cNvPr>
+          <p:cNvCxnSpPr>
+            <a:cxnSpLocks/>
+            <a:stCxn id="8" idx="0"/>
+            <a:endCxn id="9" idx="2"/>
+          </p:cNvCxnSpPr>
+          <p:nvPr/>
+        </p:nvCxnSpPr>
+        <p:spPr>
+          <a:xfrm flipH="1" flipV="1">
+            <a:off x="2416728" y="3077275"/>
+            <a:ext cx="803" cy="252984"/>
+          </a:xfrm>
+          <a:prstGeom prst="straightConnector1">
+            <a:avLst/>
+          </a:prstGeom>
+          <a:ln w="25400">
+            <a:tailEnd type="triangle"/>
+          </a:ln>
+        </p:spPr>
+        <p:style>
+          <a:lnRef idx="1">
+            <a:schemeClr val="accent1"/>
+          </a:lnRef>
+          <a:fillRef idx="0">
+            <a:schemeClr val="accent1"/>
+          </a:fillRef>
+          <a:effectRef idx="0">
+            <a:schemeClr val="accent1"/>
+          </a:effectRef>
+          <a:fontRef idx="minor">
+            <a:schemeClr val="tx1"/>
+          </a:fontRef>
+        </p:style>
+      </p:cxnSp>
+      <p:cxnSp>
+        <p:nvCxnSpPr>
+          <p:cNvPr id="14" name="Gerade Verbindung mit Pfeil 13">
+            <a:extLst>
+              <a:ext uri="{FF2B5EF4-FFF2-40B4-BE49-F238E27FC236}">
+                <a16:creationId xmlns:a16="http://schemas.microsoft.com/office/drawing/2014/main" id="{78A6E56C-EFB8-4057-AE5E-F36EBFFD19B9}"/>
+              </a:ext>
+            </a:extLst>
+          </p:cNvPr>
+          <p:cNvCxnSpPr>
+            <a:cxnSpLocks/>
+            <a:stCxn id="9" idx="0"/>
+            <a:endCxn id="32" idx="2"/>
+          </p:cNvCxnSpPr>
+          <p:nvPr/>
+        </p:nvCxnSpPr>
+        <p:spPr>
+          <a:xfrm flipV="1">
+            <a:off x="2416728" y="2475812"/>
+            <a:ext cx="0" cy="276999"/>
+          </a:xfrm>
+          <a:prstGeom prst="straightConnector1">
+            <a:avLst/>
+          </a:prstGeom>
+          <a:ln w="25400">
+            <a:tailEnd type="triangle"/>
+          </a:ln>
+        </p:spPr>
+        <p:style>
+          <a:lnRef idx="1">
+            <a:schemeClr val="accent1"/>
+          </a:lnRef>
+          <a:fillRef idx="0">
+            <a:schemeClr val="accent1"/>
+          </a:fillRef>
+          <a:effectRef idx="0">
+            <a:schemeClr val="accent1"/>
+          </a:effectRef>
+          <a:fontRef idx="minor">
+            <a:schemeClr val="tx1"/>
+          </a:fontRef>
+        </p:style>
+      </p:cxnSp>
+      <p:cxnSp>
+        <p:nvCxnSpPr>
+          <p:cNvPr id="15" name="Gerade Verbindung mit Pfeil 14">
+            <a:extLst>
+              <a:ext uri="{FF2B5EF4-FFF2-40B4-BE49-F238E27FC236}">
+                <a16:creationId xmlns:a16="http://schemas.microsoft.com/office/drawing/2014/main" id="{A8C06841-2F38-436D-937D-B0C8E84F0E07}"/>
+              </a:ext>
+            </a:extLst>
+          </p:cNvPr>
+          <p:cNvCxnSpPr>
+            <a:cxnSpLocks/>
+            <a:stCxn id="32" idx="0"/>
+            <a:endCxn id="11" idx="2"/>
+          </p:cNvCxnSpPr>
+          <p:nvPr/>
+        </p:nvCxnSpPr>
+        <p:spPr>
+          <a:xfrm flipV="1">
+            <a:off x="2416728" y="1920256"/>
+            <a:ext cx="0" cy="278557"/>
+          </a:xfrm>
+          <a:prstGeom prst="straightConnector1">
+            <a:avLst/>
+          </a:prstGeom>
+          <a:ln w="25400">
+            <a:tailEnd type="triangle"/>
+          </a:ln>
+        </p:spPr>
+        <p:style>
+          <a:lnRef idx="1">
+            <a:schemeClr val="accent1"/>
+          </a:lnRef>
+          <a:fillRef idx="0">
+            <a:schemeClr val="accent1"/>
+          </a:fillRef>
+          <a:effectRef idx="0">
+            <a:schemeClr val="accent1"/>
+          </a:effectRef>
+          <a:fontRef idx="minor">
+            <a:schemeClr val="tx1"/>
+          </a:fontRef>
+        </p:style>
+      </p:cxnSp>
+      <p:sp>
+        <p:nvSpPr>
+          <p:cNvPr id="18" name="Textfeld 17">
+            <a:extLst>
+              <a:ext uri="{FF2B5EF4-FFF2-40B4-BE49-F238E27FC236}">
+                <a16:creationId xmlns:a16="http://schemas.microsoft.com/office/drawing/2014/main" id="{D2A0742A-0BE5-4413-AAAB-5CF36B462715}"/>
+              </a:ext>
+            </a:extLst>
+          </p:cNvPr>
+          <p:cNvSpPr txBox="1"/>
+          <p:nvPr/>
+        </p:nvSpPr>
+        <p:spPr>
+          <a:xfrm>
+            <a:off x="627731" y="3320632"/>
+            <a:ext cx="934287" cy="461665"/>
+          </a:xfrm>
+          <a:prstGeom prst="rect">
+            <a:avLst/>
+          </a:prstGeom>
+          <a:noFill/>
+        </p:spPr>
+        <p:txBody>
+          <a:bodyPr wrap="square" rtlCol="0">
+            <a:spAutoFit/>
+          </a:bodyPr>
+          <a:lstStyle/>
+          <a:p>
+            <a:r>
+              <a:rPr lang="de-DE" sz="1200" dirty="0">
+                <a:latin typeface="Arial" panose="020B0604020202020204" pitchFamily="34" charset="0"/>
+                <a:cs typeface="Arial" panose="020B0604020202020204" pitchFamily="34" charset="0"/>
+              </a:rPr>
+              <a:t>MobileNet-V2</a:t>
+            </a:r>
+          </a:p>
+        </p:txBody>
+      </p:sp>
+      <p:sp>
+        <p:nvSpPr>
+          <p:cNvPr id="25" name="Rechteck: abgerundete Ecken 24">
+            <a:extLst>
+              <a:ext uri="{FF2B5EF4-FFF2-40B4-BE49-F238E27FC236}">
+                <a16:creationId xmlns:a16="http://schemas.microsoft.com/office/drawing/2014/main" id="{A5EAB78C-057F-43B5-8B74-A25AE36EB365}"/>
+              </a:ext>
+            </a:extLst>
+          </p:cNvPr>
+          <p:cNvSpPr/>
+          <p:nvPr/>
+        </p:nvSpPr>
+        <p:spPr>
+          <a:xfrm>
+            <a:off x="4728714" y="1457214"/>
+            <a:ext cx="1850365" cy="2296241"/>
+          </a:xfrm>
+          <a:prstGeom prst="roundRect">
+            <a:avLst/>
+          </a:prstGeom>
+          <a:noFill/>
+        </p:spPr>
+        <p:style>
+          <a:lnRef idx="2">
+            <a:schemeClr val="accent1">
+              <a:shade val="50000"/>
+            </a:schemeClr>
+          </a:lnRef>
+          <a:fillRef idx="1">
+            <a:schemeClr val="accent1"/>
+          </a:fillRef>
+          <a:effectRef idx="0">
+            <a:schemeClr val="accent1"/>
+          </a:effectRef>
+          <a:fontRef idx="minor">
+            <a:schemeClr val="lt1"/>
+          </a:fontRef>
+        </p:style>
+        <p:txBody>
+          <a:bodyPr rtlCol="0" anchor="ctr"/>
+          <a:lstStyle/>
+          <a:p>
+            <a:pPr algn="ctr"/>
+            <a:endParaRPr lang="en-GB" sz="1200" dirty="0">
+              <a:latin typeface="Arial" panose="020B0604020202020204" pitchFamily="34" charset="0"/>
+              <a:cs typeface="Arial" panose="020B0604020202020204" pitchFamily="34" charset="0"/>
+            </a:endParaRPr>
+          </a:p>
+        </p:txBody>
+      </p:sp>
+      <p:sp>
+        <p:nvSpPr>
+          <p:cNvPr id="26" name="Textfeld 25">
+            <a:extLst>
+              <a:ext uri="{FF2B5EF4-FFF2-40B4-BE49-F238E27FC236}">
+                <a16:creationId xmlns:a16="http://schemas.microsoft.com/office/drawing/2014/main" id="{D64BF3F0-CA85-47AE-981A-95E0EA657D69}"/>
+              </a:ext>
+            </a:extLst>
+          </p:cNvPr>
+          <p:cNvSpPr txBox="1"/>
+          <p:nvPr/>
+        </p:nvSpPr>
+        <p:spPr>
+          <a:xfrm>
+            <a:off x="3936458" y="3261658"/>
+            <a:ext cx="900869" cy="461665"/>
+          </a:xfrm>
+          <a:prstGeom prst="rect">
+            <a:avLst/>
+          </a:prstGeom>
+          <a:noFill/>
+        </p:spPr>
+        <p:txBody>
+          <a:bodyPr wrap="square" rtlCol="0">
+            <a:spAutoFit/>
+          </a:bodyPr>
+          <a:lstStyle/>
+          <a:p>
+            <a:r>
+              <a:rPr lang="de-DE" sz="1200" dirty="0">
+                <a:latin typeface="Arial" panose="020B0604020202020204" pitchFamily="34" charset="0"/>
+                <a:cs typeface="Arial" panose="020B0604020202020204" pitchFamily="34" charset="0"/>
+              </a:rPr>
+              <a:t>SFAM-Netzwerk</a:t>
+            </a:r>
+          </a:p>
+        </p:txBody>
+      </p:sp>
+      <p:cxnSp>
+        <p:nvCxnSpPr>
+          <p:cNvPr id="31" name="Verbinder: gewinkelt 30">
+            <a:extLst>
+              <a:ext uri="{FF2B5EF4-FFF2-40B4-BE49-F238E27FC236}">
+                <a16:creationId xmlns:a16="http://schemas.microsoft.com/office/drawing/2014/main" id="{480E2891-D423-44DB-ADED-607A769EA9E1}"/>
+              </a:ext>
+            </a:extLst>
+          </p:cNvPr>
+          <p:cNvCxnSpPr>
+            <a:cxnSpLocks/>
+            <a:stCxn id="7" idx="2"/>
+            <a:endCxn id="25" idx="1"/>
+          </p:cNvCxnSpPr>
+          <p:nvPr/>
+        </p:nvCxnSpPr>
+        <p:spPr>
+          <a:xfrm rot="16200000" flipH="1">
+            <a:off x="4194069" y="2070690"/>
+            <a:ext cx="385646" cy="683643"/>
+          </a:xfrm>
+          <a:prstGeom prst="bentConnector2">
+            <a:avLst/>
+          </a:prstGeom>
+          <a:ln w="25400">
+            <a:tailEnd type="triangle"/>
+          </a:ln>
+        </p:spPr>
+        <p:style>
+          <a:lnRef idx="1">
+            <a:schemeClr val="accent1"/>
+          </a:lnRef>
+          <a:fillRef idx="0">
+            <a:schemeClr val="accent1"/>
+          </a:fillRef>
+          <a:effectRef idx="0">
+            <a:schemeClr val="accent1"/>
+          </a:effectRef>
+          <a:fontRef idx="minor">
+            <a:schemeClr val="tx1"/>
+          </a:fontRef>
+        </p:style>
+      </p:cxnSp>
+      <p:sp>
+        <p:nvSpPr>
+          <p:cNvPr id="32" name="Textfeld 31">
+            <a:extLst>
+              <a:ext uri="{FF2B5EF4-FFF2-40B4-BE49-F238E27FC236}">
+                <a16:creationId xmlns:a16="http://schemas.microsoft.com/office/drawing/2014/main" id="{36C9110B-4EC6-49E3-8838-42DE90052D42}"/>
+              </a:ext>
+            </a:extLst>
+          </p:cNvPr>
+          <p:cNvSpPr txBox="1"/>
+          <p:nvPr/>
+        </p:nvSpPr>
+        <p:spPr>
+          <a:xfrm>
+            <a:off x="2245693" y="2198813"/>
+            <a:ext cx="342070" cy="276999"/>
+          </a:xfrm>
+          <a:prstGeom prst="rect">
+            <a:avLst/>
+          </a:prstGeom>
+          <a:noFill/>
+        </p:spPr>
+        <p:txBody>
+          <a:bodyPr wrap="square" rtlCol="0">
+            <a:spAutoFit/>
+          </a:bodyPr>
+          <a:lstStyle/>
+          <a:p>
+            <a:r>
+              <a:rPr lang="de-DE" sz="1200" b="1" dirty="0">
+                <a:latin typeface="Arial" panose="020B0604020202020204" pitchFamily="34" charset="0"/>
+                <a:cs typeface="Arial" panose="020B0604020202020204" pitchFamily="34" charset="0"/>
+              </a:rPr>
+              <a:t>...</a:t>
+            </a:r>
+          </a:p>
+        </p:txBody>
+      </p:sp>
+      <p:sp>
+        <p:nvSpPr>
+          <p:cNvPr id="35" name="Rechteck 34">
+            <a:extLst>
+              <a:ext uri="{FF2B5EF4-FFF2-40B4-BE49-F238E27FC236}">
+                <a16:creationId xmlns:a16="http://schemas.microsoft.com/office/drawing/2014/main" id="{FE3BF8FF-3D5B-482B-A1AC-5347F81EDBC3}"/>
+              </a:ext>
+            </a:extLst>
+          </p:cNvPr>
+          <p:cNvSpPr/>
+          <p:nvPr/>
+        </p:nvSpPr>
+        <p:spPr>
+          <a:xfrm rot="16200000">
+            <a:off x="4343654" y="2443102"/>
+            <a:ext cx="1430594" cy="324464"/>
+          </a:xfrm>
+          <a:prstGeom prst="rect">
+            <a:avLst/>
+          </a:prstGeom>
+        </p:spPr>
+        <p:style>
+          <a:lnRef idx="2">
+            <a:schemeClr val="accent1">
+              <a:shade val="50000"/>
+            </a:schemeClr>
+          </a:lnRef>
+          <a:fillRef idx="1">
+            <a:schemeClr val="accent1"/>
+          </a:fillRef>
+          <a:effectRef idx="0">
+            <a:schemeClr val="accent1"/>
+          </a:effectRef>
+          <a:fontRef idx="minor">
+            <a:schemeClr val="lt1"/>
+          </a:fontRef>
+        </p:style>
+        <p:txBody>
+          <a:bodyPr rtlCol="0" anchor="ctr"/>
+          <a:lstStyle/>
+          <a:p>
+            <a:pPr algn="ctr"/>
+            <a:endParaRPr lang="en-GB"/>
+          </a:p>
+        </p:txBody>
+      </p:sp>
+      <p:sp>
+        <p:nvSpPr>
+          <p:cNvPr id="36" name="Rechteck 35">
+            <a:extLst>
+              <a:ext uri="{FF2B5EF4-FFF2-40B4-BE49-F238E27FC236}">
+                <a16:creationId xmlns:a16="http://schemas.microsoft.com/office/drawing/2014/main" id="{001A82CD-CC24-4E39-910A-63568931E809}"/>
+              </a:ext>
+            </a:extLst>
+          </p:cNvPr>
+          <p:cNvSpPr/>
+          <p:nvPr/>
+        </p:nvSpPr>
+        <p:spPr>
+          <a:xfrm rot="16200000">
+            <a:off x="4947456" y="2326953"/>
+            <a:ext cx="1430594" cy="556762"/>
+          </a:xfrm>
+          <a:prstGeom prst="rect">
+            <a:avLst/>
+          </a:prstGeom>
+        </p:spPr>
+        <p:style>
+          <a:lnRef idx="2">
+            <a:schemeClr val="accent1">
+              <a:shade val="50000"/>
+            </a:schemeClr>
+          </a:lnRef>
+          <a:fillRef idx="1">
+            <a:schemeClr val="accent1"/>
+          </a:fillRef>
+          <a:effectRef idx="0">
+            <a:schemeClr val="accent1"/>
+          </a:effectRef>
+          <a:fontRef idx="minor">
+            <a:schemeClr val="lt1"/>
+          </a:fontRef>
+        </p:style>
+        <p:txBody>
+          <a:bodyPr rtlCol="0" anchor="ctr"/>
+          <a:lstStyle/>
+          <a:p>
+            <a:pPr algn="ctr"/>
+            <a:endParaRPr lang="en-GB"/>
+          </a:p>
+        </p:txBody>
+      </p:sp>
+      <p:sp>
+        <p:nvSpPr>
+          <p:cNvPr id="37" name="Rechteck 36">
+            <a:extLst>
+              <a:ext uri="{FF2B5EF4-FFF2-40B4-BE49-F238E27FC236}">
+                <a16:creationId xmlns:a16="http://schemas.microsoft.com/office/drawing/2014/main" id="{D2D21010-E75F-4370-B108-B0558929C222}"/>
+              </a:ext>
+            </a:extLst>
+          </p:cNvPr>
+          <p:cNvSpPr/>
+          <p:nvPr/>
+        </p:nvSpPr>
+        <p:spPr>
+          <a:xfrm rot="16200000">
+            <a:off x="5542935" y="2445817"/>
+            <a:ext cx="1430594" cy="324464"/>
+          </a:xfrm>
+          <a:prstGeom prst="rect">
+            <a:avLst/>
+          </a:prstGeom>
+        </p:spPr>
+        <p:style>
+          <a:lnRef idx="2">
+            <a:schemeClr val="accent1">
+              <a:shade val="50000"/>
+            </a:schemeClr>
+          </a:lnRef>
+          <a:fillRef idx="1">
+            <a:schemeClr val="accent1"/>
+          </a:fillRef>
+          <a:effectRef idx="0">
+            <a:schemeClr val="accent1"/>
+          </a:effectRef>
+          <a:fontRef idx="minor">
+            <a:schemeClr val="lt1"/>
+          </a:fontRef>
+        </p:style>
+        <p:txBody>
+          <a:bodyPr rtlCol="0" anchor="ctr"/>
+          <a:lstStyle/>
+          <a:p>
+            <a:pPr algn="ctr"/>
+            <a:endParaRPr lang="en-GB"/>
+          </a:p>
+        </p:txBody>
+      </p:sp>
+      <p:cxnSp>
+        <p:nvCxnSpPr>
+          <p:cNvPr id="39" name="Gerade Verbindung mit Pfeil 38">
+            <a:extLst>
+              <a:ext uri="{FF2B5EF4-FFF2-40B4-BE49-F238E27FC236}">
+                <a16:creationId xmlns:a16="http://schemas.microsoft.com/office/drawing/2014/main" id="{AD29A471-E7BD-4BCF-8244-7AD2A310140F}"/>
+              </a:ext>
+            </a:extLst>
+          </p:cNvPr>
+          <p:cNvCxnSpPr>
+            <a:cxnSpLocks/>
+            <a:stCxn id="35" idx="2"/>
+            <a:endCxn id="36" idx="0"/>
+          </p:cNvCxnSpPr>
+          <p:nvPr/>
+        </p:nvCxnSpPr>
+        <p:spPr>
+          <a:xfrm>
+            <a:off x="5221183" y="2605334"/>
+            <a:ext cx="163189" cy="0"/>
+          </a:xfrm>
+          <a:prstGeom prst="straightConnector1">
+            <a:avLst/>
+          </a:prstGeom>
+          <a:ln w="25400">
+            <a:tailEnd type="triangle"/>
+          </a:ln>
+        </p:spPr>
+        <p:style>
+          <a:lnRef idx="1">
+            <a:schemeClr val="accent1"/>
+          </a:lnRef>
+          <a:fillRef idx="0">
+            <a:schemeClr val="accent1"/>
+          </a:fillRef>
+          <a:effectRef idx="0">
+            <a:schemeClr val="accent1"/>
+          </a:effectRef>
+          <a:fontRef idx="minor">
+            <a:schemeClr val="tx1"/>
+          </a:fontRef>
+        </p:style>
+      </p:cxnSp>
+      <p:cxnSp>
+        <p:nvCxnSpPr>
+          <p:cNvPr id="42" name="Gerade Verbindung mit Pfeil 41">
+            <a:extLst>
+              <a:ext uri="{FF2B5EF4-FFF2-40B4-BE49-F238E27FC236}">
+                <a16:creationId xmlns:a16="http://schemas.microsoft.com/office/drawing/2014/main" id="{8A295437-E029-403E-85E5-8BCD35BBB91A}"/>
+              </a:ext>
+            </a:extLst>
+          </p:cNvPr>
+          <p:cNvCxnSpPr>
+            <a:cxnSpLocks/>
+            <a:stCxn id="36" idx="2"/>
+            <a:endCxn id="37" idx="0"/>
+          </p:cNvCxnSpPr>
+          <p:nvPr/>
+        </p:nvCxnSpPr>
+        <p:spPr>
+          <a:xfrm>
+            <a:off x="5941134" y="2605334"/>
+            <a:ext cx="154866" cy="2715"/>
+          </a:xfrm>
+          <a:prstGeom prst="straightConnector1">
+            <a:avLst/>
+          </a:prstGeom>
+          <a:ln w="25400">
+            <a:tailEnd type="triangle"/>
+          </a:ln>
+        </p:spPr>
+        <p:style>
+          <a:lnRef idx="1">
+            <a:schemeClr val="accent1"/>
+          </a:lnRef>
+          <a:fillRef idx="0">
+            <a:schemeClr val="accent1"/>
+          </a:fillRef>
+          <a:effectRef idx="0">
+            <a:schemeClr val="accent1"/>
+          </a:effectRef>
+          <a:fontRef idx="minor">
+            <a:schemeClr val="tx1"/>
+          </a:fontRef>
+        </p:style>
+      </p:cxnSp>
+      <p:cxnSp>
+        <p:nvCxnSpPr>
+          <p:cNvPr id="45" name="Gerade Verbindung mit Pfeil 44">
+            <a:extLst>
+              <a:ext uri="{FF2B5EF4-FFF2-40B4-BE49-F238E27FC236}">
+                <a16:creationId xmlns:a16="http://schemas.microsoft.com/office/drawing/2014/main" id="{E3FDC1BD-96A1-4BD9-82E3-89A7471CFE11}"/>
+              </a:ext>
+            </a:extLst>
+          </p:cNvPr>
+          <p:cNvCxnSpPr>
+            <a:cxnSpLocks/>
+            <a:stCxn id="25" idx="1"/>
+            <a:endCxn id="35" idx="0"/>
+          </p:cNvCxnSpPr>
+          <p:nvPr/>
+        </p:nvCxnSpPr>
+        <p:spPr>
+          <a:xfrm flipV="1">
+            <a:off x="4728714" y="2605334"/>
+            <a:ext cx="168005" cy="1"/>
+          </a:xfrm>
+          <a:prstGeom prst="straightConnector1">
+            <a:avLst/>
+          </a:prstGeom>
+          <a:ln w="25400">
+            <a:tailEnd type="triangle"/>
+          </a:ln>
+        </p:spPr>
+        <p:style>
+          <a:lnRef idx="1">
+            <a:schemeClr val="accent1"/>
+          </a:lnRef>
+          <a:fillRef idx="0">
+            <a:schemeClr val="accent1"/>
+          </a:fillRef>
+          <a:effectRef idx="0">
+            <a:schemeClr val="accent1"/>
+          </a:effectRef>
+          <a:fontRef idx="minor">
+            <a:schemeClr val="tx1"/>
+          </a:fontRef>
+        </p:style>
+      </p:cxnSp>
+      <p:cxnSp>
+        <p:nvCxnSpPr>
+          <p:cNvPr id="48" name="Gerade Verbindung mit Pfeil 47">
+            <a:extLst>
+              <a:ext uri="{FF2B5EF4-FFF2-40B4-BE49-F238E27FC236}">
+                <a16:creationId xmlns:a16="http://schemas.microsoft.com/office/drawing/2014/main" id="{31C93E29-395C-4D7E-9DA4-DE9C1945FDE5}"/>
+              </a:ext>
+            </a:extLst>
+          </p:cNvPr>
+          <p:cNvCxnSpPr>
+            <a:cxnSpLocks/>
+            <a:stCxn id="37" idx="2"/>
+          </p:cNvCxnSpPr>
+          <p:nvPr/>
+        </p:nvCxnSpPr>
+        <p:spPr>
+          <a:xfrm>
+            <a:off x="6420464" y="2608049"/>
+            <a:ext cx="483079" cy="6262"/>
+          </a:xfrm>
+          <a:prstGeom prst="straightConnector1">
+            <a:avLst/>
+          </a:prstGeom>
+          <a:ln w="25400">
+            <a:tailEnd type="triangle"/>
+          </a:ln>
+        </p:spPr>
+        <p:style>
+          <a:lnRef idx="1">
+            <a:schemeClr val="accent1"/>
+          </a:lnRef>
+          <a:fillRef idx="0">
+            <a:schemeClr val="accent1"/>
+          </a:fillRef>
+          <a:effectRef idx="0">
+            <a:schemeClr val="accent1"/>
+          </a:effectRef>
+          <a:fontRef idx="minor">
+            <a:schemeClr val="tx1"/>
+          </a:fontRef>
+        </p:style>
+      </p:cxnSp>
+      <p:sp>
+        <p:nvSpPr>
+          <p:cNvPr id="51" name="Textfeld 50">
+            <a:extLst>
+              <a:ext uri="{FF2B5EF4-FFF2-40B4-BE49-F238E27FC236}">
+                <a16:creationId xmlns:a16="http://schemas.microsoft.com/office/drawing/2014/main" id="{1DD4ECEA-AF0F-4217-9CDD-0F07D3719D77}"/>
+              </a:ext>
+            </a:extLst>
+          </p:cNvPr>
+          <p:cNvSpPr txBox="1"/>
+          <p:nvPr/>
+        </p:nvSpPr>
+        <p:spPr>
+          <a:xfrm>
+            <a:off x="6907291" y="2466835"/>
+            <a:ext cx="1102381" cy="276999"/>
+          </a:xfrm>
+          <a:prstGeom prst="rect">
+            <a:avLst/>
+          </a:prstGeom>
+          <a:noFill/>
+        </p:spPr>
+        <p:txBody>
+          <a:bodyPr wrap="square" rtlCol="0">
+            <a:spAutoFit/>
+          </a:bodyPr>
+          <a:lstStyle/>
+          <a:p>
+            <a:r>
+              <a:rPr lang="de-DE" sz="1200" dirty="0">
+                <a:latin typeface="Arial" panose="020B0604020202020204" pitchFamily="34" charset="0"/>
+                <a:cs typeface="Arial" panose="020B0604020202020204" pitchFamily="34" charset="0"/>
+              </a:rPr>
+              <a:t>Klassenlabel</a:t>
+            </a:r>
+          </a:p>
+        </p:txBody>
+      </p:sp>
+      <p:cxnSp>
+        <p:nvCxnSpPr>
+          <p:cNvPr id="55" name="Verbinder: gewinkelt 54">
+            <a:extLst>
+              <a:ext uri="{FF2B5EF4-FFF2-40B4-BE49-F238E27FC236}">
+                <a16:creationId xmlns:a16="http://schemas.microsoft.com/office/drawing/2014/main" id="{E7252F9A-4F32-44E1-89FA-FEF4271E1E20}"/>
+              </a:ext>
+            </a:extLst>
+          </p:cNvPr>
+          <p:cNvCxnSpPr>
+            <a:cxnSpLocks/>
+            <a:stCxn id="11" idx="0"/>
+            <a:endCxn id="7" idx="0"/>
+          </p:cNvCxnSpPr>
+          <p:nvPr/>
+        </p:nvCxnSpPr>
+        <p:spPr>
+          <a:xfrm rot="16200000" flipH="1">
+            <a:off x="3149783" y="862737"/>
+            <a:ext cx="162232" cy="1628343"/>
+          </a:xfrm>
+          <a:prstGeom prst="bentConnector3">
+            <a:avLst>
+              <a:gd name="adj1" fmla="val -140909"/>
+            </a:avLst>
+          </a:prstGeom>
+          <a:ln w="25400">
+            <a:tailEnd type="triangle"/>
+          </a:ln>
+        </p:spPr>
+        <p:style>
+          <a:lnRef idx="1">
+            <a:schemeClr val="accent1"/>
+          </a:lnRef>
+          <a:fillRef idx="0">
+            <a:schemeClr val="accent1"/>
+          </a:fillRef>
+          <a:effectRef idx="0">
+            <a:schemeClr val="accent1"/>
+          </a:effectRef>
+          <a:fontRef idx="minor">
+            <a:schemeClr val="tx1"/>
+          </a:fontRef>
+        </p:style>
+      </p:cxnSp>
+      <p:pic>
+        <p:nvPicPr>
+          <p:cNvPr id="61" name="Grafik 60">
+            <a:extLst>
+              <a:ext uri="{FF2B5EF4-FFF2-40B4-BE49-F238E27FC236}">
+                <a16:creationId xmlns:a16="http://schemas.microsoft.com/office/drawing/2014/main" id="{6D0D791D-B4EB-46BE-A8D4-B69CE7BE04F3}"/>
+              </a:ext>
+            </a:extLst>
+          </p:cNvPr>
+          <p:cNvPicPr>
+            <a:picLocks noChangeAspect="1"/>
+          </p:cNvPicPr>
+          <p:nvPr/>
+        </p:nvPicPr>
+        <p:blipFill>
+          <a:blip r:embed="rId2">
+            <a:extLst>
+              <a:ext uri="{28A0092B-C50C-407E-A947-70E740481C1C}">
+                <a14:useLocalDpi xmlns:a14="http://schemas.microsoft.com/office/drawing/2010/main" val="0"/>
+              </a:ext>
+            </a:extLst>
+          </a:blip>
+          <a:stretch>
+            <a:fillRect/>
+          </a:stretch>
+        </p:blipFill>
+        <p:spPr>
+          <a:xfrm>
+            <a:off x="2130591" y="4400431"/>
+            <a:ext cx="572271" cy="763027"/>
+          </a:xfrm>
+          <a:prstGeom prst="rect">
+            <a:avLst/>
+          </a:prstGeom>
+        </p:spPr>
+      </p:pic>
+    </p:spTree>
+    <p:extLst>
+      <p:ext uri="{BB962C8B-B14F-4D97-AF65-F5344CB8AC3E}">
+        <p14:creationId xmlns:p14="http://schemas.microsoft.com/office/powerpoint/2010/main" val="685174184"/>
       </p:ext>
     </p:extLst>
   </p:cSld>

--- a/Dokumentation/Graphiken.pptx
+++ b/Dokumentation/Graphiken.pptx
@@ -5,7 +5,7 @@
     <p:sldMasterId id="2147483648" r:id="rId1"/>
   </p:sldMasterIdLst>
   <p:notesMasterIdLst>
-    <p:notesMasterId r:id="rId10"/>
+    <p:notesMasterId r:id="rId11"/>
   </p:notesMasterIdLst>
   <p:sldIdLst>
     <p:sldId id="257" r:id="rId2"/>
@@ -16,6 +16,7 @@
     <p:sldId id="262" r:id="rId7"/>
     <p:sldId id="263" r:id="rId8"/>
     <p:sldId id="264" r:id="rId9"/>
+    <p:sldId id="265" r:id="rId10"/>
   </p:sldIdLst>
   <p:sldSz cx="12192000" cy="6858000"/>
   <p:notesSz cx="6858000" cy="9144000"/>
@@ -215,7 +216,7 @@
           <a:p>
             <a:fld id="{B9EC3B4B-6FA9-4E93-8DE6-925625796A50}" type="datetimeFigureOut">
               <a:rPr lang="en-GB" smtClean="0"/>
-              <a:t>13/06/2019</a:t>
+              <a:t>03/08/2019</a:t>
             </a:fld>
             <a:endParaRPr lang="en-GB" dirty="0"/>
           </a:p>
@@ -630,7 +631,7 @@
           <a:p>
             <a:fld id="{26B5E0E0-4D0D-4CD4-AF77-BF99AC711AE8}" type="datetimeFigureOut">
               <a:rPr lang="de-DE" smtClean="0"/>
-              <a:t>13.06.2019</a:t>
+              <a:t>03.08.2019</a:t>
             </a:fld>
             <a:endParaRPr lang="de-DE" dirty="0"/>
           </a:p>
@@ -828,7 +829,7 @@
           <a:p>
             <a:fld id="{26B5E0E0-4D0D-4CD4-AF77-BF99AC711AE8}" type="datetimeFigureOut">
               <a:rPr lang="de-DE" smtClean="0"/>
-              <a:t>13.06.2019</a:t>
+              <a:t>03.08.2019</a:t>
             </a:fld>
             <a:endParaRPr lang="de-DE" dirty="0"/>
           </a:p>
@@ -1036,7 +1037,7 @@
           <a:p>
             <a:fld id="{26B5E0E0-4D0D-4CD4-AF77-BF99AC711AE8}" type="datetimeFigureOut">
               <a:rPr lang="de-DE" smtClean="0"/>
-              <a:t>13.06.2019</a:t>
+              <a:t>03.08.2019</a:t>
             </a:fld>
             <a:endParaRPr lang="de-DE" dirty="0"/>
           </a:p>
@@ -1234,7 +1235,7 @@
           <a:p>
             <a:fld id="{26B5E0E0-4D0D-4CD4-AF77-BF99AC711AE8}" type="datetimeFigureOut">
               <a:rPr lang="de-DE" smtClean="0"/>
-              <a:t>13.06.2019</a:t>
+              <a:t>03.08.2019</a:t>
             </a:fld>
             <a:endParaRPr lang="de-DE" dirty="0"/>
           </a:p>
@@ -1509,7 +1510,7 @@
           <a:p>
             <a:fld id="{26B5E0E0-4D0D-4CD4-AF77-BF99AC711AE8}" type="datetimeFigureOut">
               <a:rPr lang="de-DE" smtClean="0"/>
-              <a:t>13.06.2019</a:t>
+              <a:t>03.08.2019</a:t>
             </a:fld>
             <a:endParaRPr lang="de-DE" dirty="0"/>
           </a:p>
@@ -1774,7 +1775,7 @@
           <a:p>
             <a:fld id="{26B5E0E0-4D0D-4CD4-AF77-BF99AC711AE8}" type="datetimeFigureOut">
               <a:rPr lang="de-DE" smtClean="0"/>
-              <a:t>13.06.2019</a:t>
+              <a:t>03.08.2019</a:t>
             </a:fld>
             <a:endParaRPr lang="de-DE" dirty="0"/>
           </a:p>
@@ -2186,7 +2187,7 @@
           <a:p>
             <a:fld id="{26B5E0E0-4D0D-4CD4-AF77-BF99AC711AE8}" type="datetimeFigureOut">
               <a:rPr lang="de-DE" smtClean="0"/>
-              <a:t>13.06.2019</a:t>
+              <a:t>03.08.2019</a:t>
             </a:fld>
             <a:endParaRPr lang="de-DE" dirty="0"/>
           </a:p>
@@ -2327,7 +2328,7 @@
           <a:p>
             <a:fld id="{26B5E0E0-4D0D-4CD4-AF77-BF99AC711AE8}" type="datetimeFigureOut">
               <a:rPr lang="de-DE" smtClean="0"/>
-              <a:t>13.06.2019</a:t>
+              <a:t>03.08.2019</a:t>
             </a:fld>
             <a:endParaRPr lang="de-DE" dirty="0"/>
           </a:p>
@@ -2440,7 +2441,7 @@
           <a:p>
             <a:fld id="{26B5E0E0-4D0D-4CD4-AF77-BF99AC711AE8}" type="datetimeFigureOut">
               <a:rPr lang="de-DE" smtClean="0"/>
-              <a:t>13.06.2019</a:t>
+              <a:t>03.08.2019</a:t>
             </a:fld>
             <a:endParaRPr lang="de-DE" dirty="0"/>
           </a:p>
@@ -2751,7 +2752,7 @@
           <a:p>
             <a:fld id="{26B5E0E0-4D0D-4CD4-AF77-BF99AC711AE8}" type="datetimeFigureOut">
               <a:rPr lang="de-DE" smtClean="0"/>
-              <a:t>13.06.2019</a:t>
+              <a:t>03.08.2019</a:t>
             </a:fld>
             <a:endParaRPr lang="de-DE" dirty="0"/>
           </a:p>
@@ -3039,7 +3040,7 @@
           <a:p>
             <a:fld id="{26B5E0E0-4D0D-4CD4-AF77-BF99AC711AE8}" type="datetimeFigureOut">
               <a:rPr lang="de-DE" smtClean="0"/>
-              <a:t>13.06.2019</a:t>
+              <a:t>03.08.2019</a:t>
             </a:fld>
             <a:endParaRPr lang="de-DE" dirty="0"/>
           </a:p>
@@ -3280,7 +3281,7 @@
           <a:p>
             <a:fld id="{26B5E0E0-4D0D-4CD4-AF77-BF99AC711AE8}" type="datetimeFigureOut">
               <a:rPr lang="de-DE" smtClean="0"/>
-              <a:t>13.06.2019</a:t>
+              <a:t>03.08.2019</a:t>
             </a:fld>
             <a:endParaRPr lang="de-DE" dirty="0"/>
           </a:p>
@@ -15916,6 +15917,878 @@
     <p:extLst>
       <p:ext uri="{BB962C8B-B14F-4D97-AF65-F5344CB8AC3E}">
         <p14:creationId xmlns:p14="http://schemas.microsoft.com/office/powerpoint/2010/main" val="685174184"/>
+      </p:ext>
+    </p:extLst>
+  </p:cSld>
+  <p:clrMapOvr>
+    <a:masterClrMapping/>
+  </p:clrMapOvr>
+</p:sld>
+</file>
+
+<file path=ppt/slides/slide9.xml><?xml version="1.0" encoding="utf-8"?>
+<p:sld xmlns:a="http://schemas.openxmlformats.org/drawingml/2006/main" xmlns:r="http://schemas.openxmlformats.org/officeDocument/2006/relationships" xmlns:p="http://schemas.openxmlformats.org/presentationml/2006/main">
+  <p:cSld>
+    <p:spTree>
+      <p:nvGrpSpPr>
+        <p:cNvPr id="1" name=""/>
+        <p:cNvGrpSpPr/>
+        <p:nvPr/>
+      </p:nvGrpSpPr>
+      <p:grpSpPr>
+        <a:xfrm>
+          <a:off x="0" y="0"/>
+          <a:ext cx="0" cy="0"/>
+          <a:chOff x="0" y="0"/>
+          <a:chExt cx="0" cy="0"/>
+        </a:xfrm>
+      </p:grpSpPr>
+      <p:sp>
+        <p:nvSpPr>
+          <p:cNvPr id="4" name="Rechteck 3">
+            <a:extLst>
+              <a:ext uri="{FF2B5EF4-FFF2-40B4-BE49-F238E27FC236}">
+                <a16:creationId xmlns:a16="http://schemas.microsoft.com/office/drawing/2014/main" id="{A695E1AC-8367-4A65-95EC-A889A2660EC8}"/>
+              </a:ext>
+            </a:extLst>
+          </p:cNvPr>
+          <p:cNvSpPr/>
+          <p:nvPr/>
+        </p:nvSpPr>
+        <p:spPr>
+          <a:xfrm>
+            <a:off x="2390775" y="1152526"/>
+            <a:ext cx="1828800" cy="5172061"/>
+          </a:xfrm>
+          <a:prstGeom prst="rect">
+            <a:avLst/>
+          </a:prstGeom>
+        </p:spPr>
+        <p:style>
+          <a:lnRef idx="2">
+            <a:schemeClr val="accent1">
+              <a:shade val="50000"/>
+            </a:schemeClr>
+          </a:lnRef>
+          <a:fillRef idx="1">
+            <a:schemeClr val="accent1"/>
+          </a:fillRef>
+          <a:effectRef idx="0">
+            <a:schemeClr val="accent1"/>
+          </a:effectRef>
+          <a:fontRef idx="minor">
+            <a:schemeClr val="lt1"/>
+          </a:fontRef>
+        </p:style>
+        <p:txBody>
+          <a:bodyPr rtlCol="0" anchor="ctr"/>
+          <a:lstStyle/>
+          <a:p>
+            <a:pPr algn="ctr"/>
+            <a:r>
+              <a:rPr lang="en-GB" dirty="0"/>
+              <a:t>Main</a:t>
+            </a:r>
+          </a:p>
+        </p:txBody>
+      </p:sp>
+      <p:sp>
+        <p:nvSpPr>
+          <p:cNvPr id="5" name="Rechteck 4">
+            <a:extLst>
+              <a:ext uri="{FF2B5EF4-FFF2-40B4-BE49-F238E27FC236}">
+                <a16:creationId xmlns:a16="http://schemas.microsoft.com/office/drawing/2014/main" id="{0DF23795-D942-4BB1-A57A-8F94F8F05995}"/>
+              </a:ext>
+            </a:extLst>
+          </p:cNvPr>
+          <p:cNvSpPr/>
+          <p:nvPr/>
+        </p:nvSpPr>
+        <p:spPr>
+          <a:xfrm>
+            <a:off x="5467345" y="1152526"/>
+            <a:ext cx="1828800" cy="695320"/>
+          </a:xfrm>
+          <a:prstGeom prst="rect">
+            <a:avLst/>
+          </a:prstGeom>
+        </p:spPr>
+        <p:style>
+          <a:lnRef idx="2">
+            <a:schemeClr val="accent1">
+              <a:shade val="50000"/>
+            </a:schemeClr>
+          </a:lnRef>
+          <a:fillRef idx="1">
+            <a:schemeClr val="accent1"/>
+          </a:fillRef>
+          <a:effectRef idx="0">
+            <a:schemeClr val="accent1"/>
+          </a:effectRef>
+          <a:fontRef idx="minor">
+            <a:schemeClr val="lt1"/>
+          </a:fontRef>
+        </p:style>
+        <p:txBody>
+          <a:bodyPr rtlCol="0" anchor="ctr"/>
+          <a:lstStyle/>
+          <a:p>
+            <a:pPr algn="ctr"/>
+            <a:r>
+              <a:rPr lang="en-GB" dirty="0"/>
+              <a:t>Input-Function</a:t>
+            </a:r>
+          </a:p>
+        </p:txBody>
+      </p:sp>
+      <p:cxnSp>
+        <p:nvCxnSpPr>
+          <p:cNvPr id="6" name="Gerade Verbindung mit Pfeil 5">
+            <a:extLst>
+              <a:ext uri="{FF2B5EF4-FFF2-40B4-BE49-F238E27FC236}">
+                <a16:creationId xmlns:a16="http://schemas.microsoft.com/office/drawing/2014/main" id="{918B3C23-19C3-4652-9FA5-74299416989C}"/>
+              </a:ext>
+            </a:extLst>
+          </p:cNvPr>
+          <p:cNvCxnSpPr>
+            <a:cxnSpLocks/>
+          </p:cNvCxnSpPr>
+          <p:nvPr/>
+        </p:nvCxnSpPr>
+        <p:spPr>
+          <a:xfrm>
+            <a:off x="4219575" y="1400175"/>
+            <a:ext cx="1247775" cy="0"/>
+          </a:xfrm>
+          <a:prstGeom prst="straightConnector1">
+            <a:avLst/>
+          </a:prstGeom>
+          <a:ln w="25400">
+            <a:tailEnd type="triangle"/>
+          </a:ln>
+        </p:spPr>
+        <p:style>
+          <a:lnRef idx="1">
+            <a:schemeClr val="accent1"/>
+          </a:lnRef>
+          <a:fillRef idx="0">
+            <a:schemeClr val="accent1"/>
+          </a:fillRef>
+          <a:effectRef idx="0">
+            <a:schemeClr val="accent1"/>
+          </a:effectRef>
+          <a:fontRef idx="minor">
+            <a:schemeClr val="tx1"/>
+          </a:fontRef>
+        </p:style>
+      </p:cxnSp>
+      <p:cxnSp>
+        <p:nvCxnSpPr>
+          <p:cNvPr id="9" name="Gerade Verbindung mit Pfeil 8">
+            <a:extLst>
+              <a:ext uri="{FF2B5EF4-FFF2-40B4-BE49-F238E27FC236}">
+                <a16:creationId xmlns:a16="http://schemas.microsoft.com/office/drawing/2014/main" id="{F06D4E07-1943-4597-9644-3AA3D14F683B}"/>
+              </a:ext>
+            </a:extLst>
+          </p:cNvPr>
+          <p:cNvCxnSpPr>
+            <a:cxnSpLocks/>
+          </p:cNvCxnSpPr>
+          <p:nvPr/>
+        </p:nvCxnSpPr>
+        <p:spPr>
+          <a:xfrm flipH="1">
+            <a:off x="4219574" y="1695450"/>
+            <a:ext cx="1247776" cy="0"/>
+          </a:xfrm>
+          <a:prstGeom prst="straightConnector1">
+            <a:avLst/>
+          </a:prstGeom>
+          <a:ln w="25400">
+            <a:tailEnd type="triangle"/>
+          </a:ln>
+        </p:spPr>
+        <p:style>
+          <a:lnRef idx="1">
+            <a:schemeClr val="accent1"/>
+          </a:lnRef>
+          <a:fillRef idx="0">
+            <a:schemeClr val="accent1"/>
+          </a:fillRef>
+          <a:effectRef idx="0">
+            <a:schemeClr val="accent1"/>
+          </a:effectRef>
+          <a:fontRef idx="minor">
+            <a:schemeClr val="tx1"/>
+          </a:fontRef>
+        </p:style>
+      </p:cxnSp>
+      <p:sp>
+        <p:nvSpPr>
+          <p:cNvPr id="16" name="Rechteck 15">
+            <a:extLst>
+              <a:ext uri="{FF2B5EF4-FFF2-40B4-BE49-F238E27FC236}">
+                <a16:creationId xmlns:a16="http://schemas.microsoft.com/office/drawing/2014/main" id="{D494DF94-1A39-455A-B9CB-272AC6415231}"/>
+              </a:ext>
+            </a:extLst>
+          </p:cNvPr>
+          <p:cNvSpPr/>
+          <p:nvPr/>
+        </p:nvSpPr>
+        <p:spPr>
+          <a:xfrm>
+            <a:off x="5467345" y="2047863"/>
+            <a:ext cx="1828800" cy="695320"/>
+          </a:xfrm>
+          <a:prstGeom prst="rect">
+            <a:avLst/>
+          </a:prstGeom>
+        </p:spPr>
+        <p:style>
+          <a:lnRef idx="2">
+            <a:schemeClr val="accent1">
+              <a:shade val="50000"/>
+            </a:schemeClr>
+          </a:lnRef>
+          <a:fillRef idx="1">
+            <a:schemeClr val="accent1"/>
+          </a:fillRef>
+          <a:effectRef idx="0">
+            <a:schemeClr val="accent1"/>
+          </a:effectRef>
+          <a:fontRef idx="minor">
+            <a:schemeClr val="lt1"/>
+          </a:fontRef>
+        </p:style>
+        <p:txBody>
+          <a:bodyPr rtlCol="0" anchor="ctr"/>
+          <a:lstStyle/>
+          <a:p>
+            <a:pPr algn="ctr"/>
+            <a:r>
+              <a:rPr lang="en-GB" dirty="0"/>
+              <a:t>Modul A</a:t>
+            </a:r>
+          </a:p>
+        </p:txBody>
+      </p:sp>
+      <p:cxnSp>
+        <p:nvCxnSpPr>
+          <p:cNvPr id="17" name="Gerade Verbindung mit Pfeil 16">
+            <a:extLst>
+              <a:ext uri="{FF2B5EF4-FFF2-40B4-BE49-F238E27FC236}">
+                <a16:creationId xmlns:a16="http://schemas.microsoft.com/office/drawing/2014/main" id="{633E4553-FDAD-4DB7-9D3A-971A8758FF97}"/>
+              </a:ext>
+            </a:extLst>
+          </p:cNvPr>
+          <p:cNvCxnSpPr>
+            <a:cxnSpLocks/>
+          </p:cNvCxnSpPr>
+          <p:nvPr/>
+        </p:nvCxnSpPr>
+        <p:spPr>
+          <a:xfrm>
+            <a:off x="4219575" y="2285995"/>
+            <a:ext cx="1247775" cy="0"/>
+          </a:xfrm>
+          <a:prstGeom prst="straightConnector1">
+            <a:avLst/>
+          </a:prstGeom>
+          <a:ln w="25400">
+            <a:tailEnd type="triangle"/>
+          </a:ln>
+        </p:spPr>
+        <p:style>
+          <a:lnRef idx="1">
+            <a:schemeClr val="accent1"/>
+          </a:lnRef>
+          <a:fillRef idx="0">
+            <a:schemeClr val="accent1"/>
+          </a:fillRef>
+          <a:effectRef idx="0">
+            <a:schemeClr val="accent1"/>
+          </a:effectRef>
+          <a:fontRef idx="minor">
+            <a:schemeClr val="tx1"/>
+          </a:fontRef>
+        </p:style>
+      </p:cxnSp>
+      <p:cxnSp>
+        <p:nvCxnSpPr>
+          <p:cNvPr id="18" name="Gerade Verbindung mit Pfeil 17">
+            <a:extLst>
+              <a:ext uri="{FF2B5EF4-FFF2-40B4-BE49-F238E27FC236}">
+                <a16:creationId xmlns:a16="http://schemas.microsoft.com/office/drawing/2014/main" id="{16E254AE-7D09-4AF0-A480-1CCA42FF3823}"/>
+              </a:ext>
+            </a:extLst>
+          </p:cNvPr>
+          <p:cNvCxnSpPr>
+            <a:cxnSpLocks/>
+          </p:cNvCxnSpPr>
+          <p:nvPr/>
+        </p:nvCxnSpPr>
+        <p:spPr>
+          <a:xfrm flipH="1">
+            <a:off x="4219574" y="2581270"/>
+            <a:ext cx="1247776" cy="0"/>
+          </a:xfrm>
+          <a:prstGeom prst="straightConnector1">
+            <a:avLst/>
+          </a:prstGeom>
+          <a:ln w="25400">
+            <a:tailEnd type="triangle"/>
+          </a:ln>
+        </p:spPr>
+        <p:style>
+          <a:lnRef idx="1">
+            <a:schemeClr val="accent1"/>
+          </a:lnRef>
+          <a:fillRef idx="0">
+            <a:schemeClr val="accent1"/>
+          </a:fillRef>
+          <a:effectRef idx="0">
+            <a:schemeClr val="accent1"/>
+          </a:effectRef>
+          <a:fontRef idx="minor">
+            <a:schemeClr val="tx1"/>
+          </a:fontRef>
+        </p:style>
+      </p:cxnSp>
+      <p:sp>
+        <p:nvSpPr>
+          <p:cNvPr id="19" name="Rechteck 18">
+            <a:extLst>
+              <a:ext uri="{FF2B5EF4-FFF2-40B4-BE49-F238E27FC236}">
+                <a16:creationId xmlns:a16="http://schemas.microsoft.com/office/drawing/2014/main" id="{F330B0E1-5810-45C1-BDAE-456F5099BE4B}"/>
+              </a:ext>
+            </a:extLst>
+          </p:cNvPr>
+          <p:cNvSpPr/>
+          <p:nvPr/>
+        </p:nvSpPr>
+        <p:spPr>
+          <a:xfrm>
+            <a:off x="5467345" y="2943212"/>
+            <a:ext cx="1828800" cy="695320"/>
+          </a:xfrm>
+          <a:prstGeom prst="rect">
+            <a:avLst/>
+          </a:prstGeom>
+        </p:spPr>
+        <p:style>
+          <a:lnRef idx="2">
+            <a:schemeClr val="accent1">
+              <a:shade val="50000"/>
+            </a:schemeClr>
+          </a:lnRef>
+          <a:fillRef idx="1">
+            <a:schemeClr val="accent1"/>
+          </a:fillRef>
+          <a:effectRef idx="0">
+            <a:schemeClr val="accent1"/>
+          </a:effectRef>
+          <a:fontRef idx="minor">
+            <a:schemeClr val="lt1"/>
+          </a:fontRef>
+        </p:style>
+        <p:txBody>
+          <a:bodyPr rtlCol="0" anchor="ctr"/>
+          <a:lstStyle/>
+          <a:p>
+            <a:pPr algn="ctr"/>
+            <a:r>
+              <a:rPr lang="en-GB" dirty="0"/>
+              <a:t>Data Separation and Preparation</a:t>
+            </a:r>
+          </a:p>
+        </p:txBody>
+      </p:sp>
+      <p:cxnSp>
+        <p:nvCxnSpPr>
+          <p:cNvPr id="20" name="Gerade Verbindung mit Pfeil 19">
+            <a:extLst>
+              <a:ext uri="{FF2B5EF4-FFF2-40B4-BE49-F238E27FC236}">
+                <a16:creationId xmlns:a16="http://schemas.microsoft.com/office/drawing/2014/main" id="{503A4448-F247-403C-8398-DF49A0E0DD14}"/>
+              </a:ext>
+            </a:extLst>
+          </p:cNvPr>
+          <p:cNvCxnSpPr>
+            <a:cxnSpLocks/>
+          </p:cNvCxnSpPr>
+          <p:nvPr/>
+        </p:nvCxnSpPr>
+        <p:spPr>
+          <a:xfrm>
+            <a:off x="4219574" y="3171815"/>
+            <a:ext cx="1247775" cy="0"/>
+          </a:xfrm>
+          <a:prstGeom prst="straightConnector1">
+            <a:avLst/>
+          </a:prstGeom>
+          <a:ln w="25400">
+            <a:tailEnd type="triangle"/>
+          </a:ln>
+        </p:spPr>
+        <p:style>
+          <a:lnRef idx="1">
+            <a:schemeClr val="accent1"/>
+          </a:lnRef>
+          <a:fillRef idx="0">
+            <a:schemeClr val="accent1"/>
+          </a:fillRef>
+          <a:effectRef idx="0">
+            <a:schemeClr val="accent1"/>
+          </a:effectRef>
+          <a:fontRef idx="minor">
+            <a:schemeClr val="tx1"/>
+          </a:fontRef>
+        </p:style>
+      </p:cxnSp>
+      <p:cxnSp>
+        <p:nvCxnSpPr>
+          <p:cNvPr id="21" name="Gerade Verbindung mit Pfeil 20">
+            <a:extLst>
+              <a:ext uri="{FF2B5EF4-FFF2-40B4-BE49-F238E27FC236}">
+                <a16:creationId xmlns:a16="http://schemas.microsoft.com/office/drawing/2014/main" id="{0D9D75A9-5A7B-4EFC-A33E-A096145940ED}"/>
+              </a:ext>
+            </a:extLst>
+          </p:cNvPr>
+          <p:cNvCxnSpPr>
+            <a:cxnSpLocks/>
+          </p:cNvCxnSpPr>
+          <p:nvPr/>
+        </p:nvCxnSpPr>
+        <p:spPr>
+          <a:xfrm flipH="1">
+            <a:off x="4219573" y="3467090"/>
+            <a:ext cx="1247776" cy="0"/>
+          </a:xfrm>
+          <a:prstGeom prst="straightConnector1">
+            <a:avLst/>
+          </a:prstGeom>
+          <a:ln w="25400">
+            <a:tailEnd type="triangle"/>
+          </a:ln>
+        </p:spPr>
+        <p:style>
+          <a:lnRef idx="1">
+            <a:schemeClr val="accent1"/>
+          </a:lnRef>
+          <a:fillRef idx="0">
+            <a:schemeClr val="accent1"/>
+          </a:fillRef>
+          <a:effectRef idx="0">
+            <a:schemeClr val="accent1"/>
+          </a:effectRef>
+          <a:fontRef idx="minor">
+            <a:schemeClr val="tx1"/>
+          </a:fontRef>
+        </p:style>
+      </p:cxnSp>
+      <p:sp>
+        <p:nvSpPr>
+          <p:cNvPr id="22" name="Rechteck 21">
+            <a:extLst>
+              <a:ext uri="{FF2B5EF4-FFF2-40B4-BE49-F238E27FC236}">
+                <a16:creationId xmlns:a16="http://schemas.microsoft.com/office/drawing/2014/main" id="{5412E8D0-F063-4835-BF09-191BA7128BD0}"/>
+              </a:ext>
+            </a:extLst>
+          </p:cNvPr>
+          <p:cNvSpPr/>
+          <p:nvPr/>
+        </p:nvSpPr>
+        <p:spPr>
+          <a:xfrm>
+            <a:off x="5467345" y="3838569"/>
+            <a:ext cx="1828800" cy="695320"/>
+          </a:xfrm>
+          <a:prstGeom prst="rect">
+            <a:avLst/>
+          </a:prstGeom>
+        </p:spPr>
+        <p:style>
+          <a:lnRef idx="2">
+            <a:schemeClr val="accent1">
+              <a:shade val="50000"/>
+            </a:schemeClr>
+          </a:lnRef>
+          <a:fillRef idx="1">
+            <a:schemeClr val="accent1"/>
+          </a:fillRef>
+          <a:effectRef idx="0">
+            <a:schemeClr val="accent1"/>
+          </a:effectRef>
+          <a:fontRef idx="minor">
+            <a:schemeClr val="lt1"/>
+          </a:fontRef>
+        </p:style>
+        <p:txBody>
+          <a:bodyPr rtlCol="0" anchor="ctr"/>
+          <a:lstStyle/>
+          <a:p>
+            <a:pPr algn="ctr"/>
+            <a:r>
+              <a:rPr lang="en-GB" dirty="0"/>
+              <a:t>Modul B</a:t>
+            </a:r>
+          </a:p>
+        </p:txBody>
+      </p:sp>
+      <p:cxnSp>
+        <p:nvCxnSpPr>
+          <p:cNvPr id="23" name="Gerade Verbindung mit Pfeil 22">
+            <a:extLst>
+              <a:ext uri="{FF2B5EF4-FFF2-40B4-BE49-F238E27FC236}">
+                <a16:creationId xmlns:a16="http://schemas.microsoft.com/office/drawing/2014/main" id="{F9A3F141-55EE-444E-984C-CFC0CB48B628}"/>
+              </a:ext>
+            </a:extLst>
+          </p:cNvPr>
+          <p:cNvCxnSpPr>
+            <a:cxnSpLocks/>
+          </p:cNvCxnSpPr>
+          <p:nvPr/>
+        </p:nvCxnSpPr>
+        <p:spPr>
+          <a:xfrm>
+            <a:off x="4219573" y="4038591"/>
+            <a:ext cx="1247775" cy="0"/>
+          </a:xfrm>
+          <a:prstGeom prst="straightConnector1">
+            <a:avLst/>
+          </a:prstGeom>
+          <a:ln w="25400">
+            <a:tailEnd type="triangle"/>
+          </a:ln>
+        </p:spPr>
+        <p:style>
+          <a:lnRef idx="1">
+            <a:schemeClr val="accent1"/>
+          </a:lnRef>
+          <a:fillRef idx="0">
+            <a:schemeClr val="accent1"/>
+          </a:fillRef>
+          <a:effectRef idx="0">
+            <a:schemeClr val="accent1"/>
+          </a:effectRef>
+          <a:fontRef idx="minor">
+            <a:schemeClr val="tx1"/>
+          </a:fontRef>
+        </p:style>
+      </p:cxnSp>
+      <p:cxnSp>
+        <p:nvCxnSpPr>
+          <p:cNvPr id="24" name="Gerade Verbindung mit Pfeil 23">
+            <a:extLst>
+              <a:ext uri="{FF2B5EF4-FFF2-40B4-BE49-F238E27FC236}">
+                <a16:creationId xmlns:a16="http://schemas.microsoft.com/office/drawing/2014/main" id="{A3474F8D-3D44-4891-ACD5-730E7FC9FFAA}"/>
+              </a:ext>
+            </a:extLst>
+          </p:cNvPr>
+          <p:cNvCxnSpPr>
+            <a:cxnSpLocks/>
+          </p:cNvCxnSpPr>
+          <p:nvPr/>
+        </p:nvCxnSpPr>
+        <p:spPr>
+          <a:xfrm flipH="1">
+            <a:off x="4219572" y="4333866"/>
+            <a:ext cx="1247776" cy="0"/>
+          </a:xfrm>
+          <a:prstGeom prst="straightConnector1">
+            <a:avLst/>
+          </a:prstGeom>
+          <a:ln w="25400">
+            <a:tailEnd type="triangle"/>
+          </a:ln>
+        </p:spPr>
+        <p:style>
+          <a:lnRef idx="1">
+            <a:schemeClr val="accent1"/>
+          </a:lnRef>
+          <a:fillRef idx="0">
+            <a:schemeClr val="accent1"/>
+          </a:fillRef>
+          <a:effectRef idx="0">
+            <a:schemeClr val="accent1"/>
+          </a:effectRef>
+          <a:fontRef idx="minor">
+            <a:schemeClr val="tx1"/>
+          </a:fontRef>
+        </p:style>
+      </p:cxnSp>
+      <p:sp>
+        <p:nvSpPr>
+          <p:cNvPr id="25" name="Rechteck 24">
+            <a:extLst>
+              <a:ext uri="{FF2B5EF4-FFF2-40B4-BE49-F238E27FC236}">
+                <a16:creationId xmlns:a16="http://schemas.microsoft.com/office/drawing/2014/main" id="{9BC77C66-9FCF-41BF-B652-74FF0FF98C5D}"/>
+              </a:ext>
+            </a:extLst>
+          </p:cNvPr>
+          <p:cNvSpPr/>
+          <p:nvPr/>
+        </p:nvSpPr>
+        <p:spPr>
+          <a:xfrm>
+            <a:off x="5467347" y="4733910"/>
+            <a:ext cx="1828800" cy="695320"/>
+          </a:xfrm>
+          <a:prstGeom prst="rect">
+            <a:avLst/>
+          </a:prstGeom>
+        </p:spPr>
+        <p:style>
+          <a:lnRef idx="2">
+            <a:schemeClr val="accent1">
+              <a:shade val="50000"/>
+            </a:schemeClr>
+          </a:lnRef>
+          <a:fillRef idx="1">
+            <a:schemeClr val="accent1"/>
+          </a:fillRef>
+          <a:effectRef idx="0">
+            <a:schemeClr val="accent1"/>
+          </a:effectRef>
+          <a:fontRef idx="minor">
+            <a:schemeClr val="lt1"/>
+          </a:fontRef>
+        </p:style>
+        <p:txBody>
+          <a:bodyPr rtlCol="0" anchor="ctr"/>
+          <a:lstStyle/>
+          <a:p>
+            <a:pPr algn="ctr"/>
+            <a:r>
+              <a:rPr lang="en-GB" dirty="0"/>
+              <a:t>Continual/</a:t>
+            </a:r>
+          </a:p>
+          <a:p>
+            <a:pPr algn="ctr"/>
+            <a:r>
+              <a:rPr lang="en-GB" dirty="0"/>
+              <a:t>Distributed Learning</a:t>
+            </a:r>
+          </a:p>
+        </p:txBody>
+      </p:sp>
+      <p:cxnSp>
+        <p:nvCxnSpPr>
+          <p:cNvPr id="26" name="Gerade Verbindung mit Pfeil 25">
+            <a:extLst>
+              <a:ext uri="{FF2B5EF4-FFF2-40B4-BE49-F238E27FC236}">
+                <a16:creationId xmlns:a16="http://schemas.microsoft.com/office/drawing/2014/main" id="{D853ECB3-5693-4BF0-817B-5FC38005EF54}"/>
+              </a:ext>
+            </a:extLst>
+          </p:cNvPr>
+          <p:cNvCxnSpPr>
+            <a:cxnSpLocks/>
+          </p:cNvCxnSpPr>
+          <p:nvPr/>
+        </p:nvCxnSpPr>
+        <p:spPr>
+          <a:xfrm>
+            <a:off x="4219572" y="4943454"/>
+            <a:ext cx="1247775" cy="0"/>
+          </a:xfrm>
+          <a:prstGeom prst="straightConnector1">
+            <a:avLst/>
+          </a:prstGeom>
+          <a:ln w="25400">
+            <a:tailEnd type="triangle"/>
+          </a:ln>
+        </p:spPr>
+        <p:style>
+          <a:lnRef idx="1">
+            <a:schemeClr val="accent1"/>
+          </a:lnRef>
+          <a:fillRef idx="0">
+            <a:schemeClr val="accent1"/>
+          </a:fillRef>
+          <a:effectRef idx="0">
+            <a:schemeClr val="accent1"/>
+          </a:effectRef>
+          <a:fontRef idx="minor">
+            <a:schemeClr val="tx1"/>
+          </a:fontRef>
+        </p:style>
+      </p:cxnSp>
+      <p:cxnSp>
+        <p:nvCxnSpPr>
+          <p:cNvPr id="27" name="Gerade Verbindung mit Pfeil 26">
+            <a:extLst>
+              <a:ext uri="{FF2B5EF4-FFF2-40B4-BE49-F238E27FC236}">
+                <a16:creationId xmlns:a16="http://schemas.microsoft.com/office/drawing/2014/main" id="{74ED56CB-C340-4D02-9659-BA503139F8CD}"/>
+              </a:ext>
+            </a:extLst>
+          </p:cNvPr>
+          <p:cNvCxnSpPr>
+            <a:cxnSpLocks/>
+          </p:cNvCxnSpPr>
+          <p:nvPr/>
+        </p:nvCxnSpPr>
+        <p:spPr>
+          <a:xfrm flipH="1">
+            <a:off x="4219571" y="5238729"/>
+            <a:ext cx="1247776" cy="0"/>
+          </a:xfrm>
+          <a:prstGeom prst="straightConnector1">
+            <a:avLst/>
+          </a:prstGeom>
+          <a:ln w="25400">
+            <a:tailEnd type="triangle"/>
+          </a:ln>
+        </p:spPr>
+        <p:style>
+          <a:lnRef idx="1">
+            <a:schemeClr val="accent1"/>
+          </a:lnRef>
+          <a:fillRef idx="0">
+            <a:schemeClr val="accent1"/>
+          </a:fillRef>
+          <a:effectRef idx="0">
+            <a:schemeClr val="accent1"/>
+          </a:effectRef>
+          <a:fontRef idx="minor">
+            <a:schemeClr val="tx1"/>
+          </a:fontRef>
+        </p:style>
+      </p:cxnSp>
+      <p:sp>
+        <p:nvSpPr>
+          <p:cNvPr id="28" name="Rechteck 27">
+            <a:extLst>
+              <a:ext uri="{FF2B5EF4-FFF2-40B4-BE49-F238E27FC236}">
+                <a16:creationId xmlns:a16="http://schemas.microsoft.com/office/drawing/2014/main" id="{63A73BF4-4725-4580-9A76-EDCB53CE9178}"/>
+              </a:ext>
+            </a:extLst>
+          </p:cNvPr>
+          <p:cNvSpPr/>
+          <p:nvPr/>
+        </p:nvSpPr>
+        <p:spPr>
+          <a:xfrm>
+            <a:off x="5467348" y="5629267"/>
+            <a:ext cx="1828800" cy="695320"/>
+          </a:xfrm>
+          <a:prstGeom prst="rect">
+            <a:avLst/>
+          </a:prstGeom>
+        </p:spPr>
+        <p:style>
+          <a:lnRef idx="2">
+            <a:schemeClr val="accent1">
+              <a:shade val="50000"/>
+            </a:schemeClr>
+          </a:lnRef>
+          <a:fillRef idx="1">
+            <a:schemeClr val="accent1"/>
+          </a:fillRef>
+          <a:effectRef idx="0">
+            <a:schemeClr val="accent1"/>
+          </a:effectRef>
+          <a:fontRef idx="minor">
+            <a:schemeClr val="lt1"/>
+          </a:fontRef>
+        </p:style>
+        <p:txBody>
+          <a:bodyPr rtlCol="0" anchor="ctr"/>
+          <a:lstStyle/>
+          <a:p>
+            <a:pPr algn="ctr"/>
+            <a:r>
+              <a:rPr lang="en-GB" dirty="0"/>
+              <a:t>Metric Visualization</a:t>
+            </a:r>
+          </a:p>
+        </p:txBody>
+      </p:sp>
+      <p:cxnSp>
+        <p:nvCxnSpPr>
+          <p:cNvPr id="29" name="Gerade Verbindung mit Pfeil 28">
+            <a:extLst>
+              <a:ext uri="{FF2B5EF4-FFF2-40B4-BE49-F238E27FC236}">
+                <a16:creationId xmlns:a16="http://schemas.microsoft.com/office/drawing/2014/main" id="{7CE3921C-ACBC-4757-8613-56A75845B331}"/>
+              </a:ext>
+            </a:extLst>
+          </p:cNvPr>
+          <p:cNvCxnSpPr>
+            <a:cxnSpLocks/>
+          </p:cNvCxnSpPr>
+          <p:nvPr/>
+        </p:nvCxnSpPr>
+        <p:spPr>
+          <a:xfrm>
+            <a:off x="4219572" y="5819767"/>
+            <a:ext cx="1247775" cy="0"/>
+          </a:xfrm>
+          <a:prstGeom prst="straightConnector1">
+            <a:avLst/>
+          </a:prstGeom>
+          <a:ln w="25400">
+            <a:tailEnd type="triangle"/>
+          </a:ln>
+        </p:spPr>
+        <p:style>
+          <a:lnRef idx="1">
+            <a:schemeClr val="accent1"/>
+          </a:lnRef>
+          <a:fillRef idx="0">
+            <a:schemeClr val="accent1"/>
+          </a:fillRef>
+          <a:effectRef idx="0">
+            <a:schemeClr val="accent1"/>
+          </a:effectRef>
+          <a:fontRef idx="minor">
+            <a:schemeClr val="tx1"/>
+          </a:fontRef>
+        </p:style>
+      </p:cxnSp>
+      <p:cxnSp>
+        <p:nvCxnSpPr>
+          <p:cNvPr id="30" name="Gerade Verbindung mit Pfeil 29">
+            <a:extLst>
+              <a:ext uri="{FF2B5EF4-FFF2-40B4-BE49-F238E27FC236}">
+                <a16:creationId xmlns:a16="http://schemas.microsoft.com/office/drawing/2014/main" id="{329087EC-422D-467E-A074-14E4A4579EBC}"/>
+              </a:ext>
+            </a:extLst>
+          </p:cNvPr>
+          <p:cNvCxnSpPr>
+            <a:cxnSpLocks/>
+          </p:cNvCxnSpPr>
+          <p:nvPr/>
+        </p:nvCxnSpPr>
+        <p:spPr>
+          <a:xfrm flipH="1">
+            <a:off x="4219571" y="6115042"/>
+            <a:ext cx="1247776" cy="0"/>
+          </a:xfrm>
+          <a:prstGeom prst="straightConnector1">
+            <a:avLst/>
+          </a:prstGeom>
+          <a:ln w="25400">
+            <a:tailEnd type="triangle"/>
+          </a:ln>
+        </p:spPr>
+        <p:style>
+          <a:lnRef idx="1">
+            <a:schemeClr val="accent1"/>
+          </a:lnRef>
+          <a:fillRef idx="0">
+            <a:schemeClr val="accent1"/>
+          </a:fillRef>
+          <a:effectRef idx="0">
+            <a:schemeClr val="accent1"/>
+          </a:effectRef>
+          <a:fontRef idx="minor">
+            <a:schemeClr val="tx1"/>
+          </a:fontRef>
+        </p:style>
+      </p:cxnSp>
+    </p:spTree>
+    <p:extLst>
+      <p:ext uri="{BB962C8B-B14F-4D97-AF65-F5344CB8AC3E}">
+        <p14:creationId xmlns:p14="http://schemas.microsoft.com/office/powerpoint/2010/main" val="1674817618"/>
       </p:ext>
     </p:extLst>
   </p:cSld>

--- a/Dokumentation/Graphiken.pptx
+++ b/Dokumentation/Graphiken.pptx
@@ -216,7 +216,7 @@
           <a:p>
             <a:fld id="{B9EC3B4B-6FA9-4E93-8DE6-925625796A50}" type="datetimeFigureOut">
               <a:rPr lang="en-GB" smtClean="0"/>
-              <a:t>03/08/2019</a:t>
+              <a:t>05/08/2019</a:t>
             </a:fld>
             <a:endParaRPr lang="en-GB" dirty="0"/>
           </a:p>
@@ -375,7 +375,7 @@
           <a:p>
             <a:fld id="{2E1376D8-A72A-47F5-B9E1-9F12C055F6F3}" type="slidenum">
               <a:rPr lang="en-GB" smtClean="0"/>
-              <a:t>‹Nr.›</a:t>
+              <a:t>‹#›</a:t>
             </a:fld>
             <a:endParaRPr lang="en-GB" dirty="0"/>
           </a:p>
@@ -631,7 +631,7 @@
           <a:p>
             <a:fld id="{26B5E0E0-4D0D-4CD4-AF77-BF99AC711AE8}" type="datetimeFigureOut">
               <a:rPr lang="de-DE" smtClean="0"/>
-              <a:t>03.08.2019</a:t>
+              <a:t>05.08.2019</a:t>
             </a:fld>
             <a:endParaRPr lang="de-DE" dirty="0"/>
           </a:p>
@@ -685,7 +685,7 @@
           <a:p>
             <a:fld id="{D60157FE-D0B5-4B53-9AE5-CBDF8F90BAA9}" type="slidenum">
               <a:rPr lang="de-DE" smtClean="0"/>
-              <a:t>‹Nr.›</a:t>
+              <a:t>‹#›</a:t>
             </a:fld>
             <a:endParaRPr lang="de-DE" dirty="0"/>
           </a:p>
@@ -829,7 +829,7 @@
           <a:p>
             <a:fld id="{26B5E0E0-4D0D-4CD4-AF77-BF99AC711AE8}" type="datetimeFigureOut">
               <a:rPr lang="de-DE" smtClean="0"/>
-              <a:t>03.08.2019</a:t>
+              <a:t>05.08.2019</a:t>
             </a:fld>
             <a:endParaRPr lang="de-DE" dirty="0"/>
           </a:p>
@@ -883,7 +883,7 @@
           <a:p>
             <a:fld id="{D60157FE-D0B5-4B53-9AE5-CBDF8F90BAA9}" type="slidenum">
               <a:rPr lang="de-DE" smtClean="0"/>
-              <a:t>‹Nr.›</a:t>
+              <a:t>‹#›</a:t>
             </a:fld>
             <a:endParaRPr lang="de-DE" dirty="0"/>
           </a:p>
@@ -1037,7 +1037,7 @@
           <a:p>
             <a:fld id="{26B5E0E0-4D0D-4CD4-AF77-BF99AC711AE8}" type="datetimeFigureOut">
               <a:rPr lang="de-DE" smtClean="0"/>
-              <a:t>03.08.2019</a:t>
+              <a:t>05.08.2019</a:t>
             </a:fld>
             <a:endParaRPr lang="de-DE" dirty="0"/>
           </a:p>
@@ -1091,7 +1091,7 @@
           <a:p>
             <a:fld id="{D60157FE-D0B5-4B53-9AE5-CBDF8F90BAA9}" type="slidenum">
               <a:rPr lang="de-DE" smtClean="0"/>
-              <a:t>‹Nr.›</a:t>
+              <a:t>‹#›</a:t>
             </a:fld>
             <a:endParaRPr lang="de-DE" dirty="0"/>
           </a:p>
@@ -1235,7 +1235,7 @@
           <a:p>
             <a:fld id="{26B5E0E0-4D0D-4CD4-AF77-BF99AC711AE8}" type="datetimeFigureOut">
               <a:rPr lang="de-DE" smtClean="0"/>
-              <a:t>03.08.2019</a:t>
+              <a:t>05.08.2019</a:t>
             </a:fld>
             <a:endParaRPr lang="de-DE" dirty="0"/>
           </a:p>
@@ -1289,7 +1289,7 @@
           <a:p>
             <a:fld id="{D60157FE-D0B5-4B53-9AE5-CBDF8F90BAA9}" type="slidenum">
               <a:rPr lang="de-DE" smtClean="0"/>
-              <a:t>‹Nr.›</a:t>
+              <a:t>‹#›</a:t>
             </a:fld>
             <a:endParaRPr lang="de-DE" dirty="0"/>
           </a:p>
@@ -1510,7 +1510,7 @@
           <a:p>
             <a:fld id="{26B5E0E0-4D0D-4CD4-AF77-BF99AC711AE8}" type="datetimeFigureOut">
               <a:rPr lang="de-DE" smtClean="0"/>
-              <a:t>03.08.2019</a:t>
+              <a:t>05.08.2019</a:t>
             </a:fld>
             <a:endParaRPr lang="de-DE" dirty="0"/>
           </a:p>
@@ -1564,7 +1564,7 @@
           <a:p>
             <a:fld id="{D60157FE-D0B5-4B53-9AE5-CBDF8F90BAA9}" type="slidenum">
               <a:rPr lang="de-DE" smtClean="0"/>
-              <a:t>‹Nr.›</a:t>
+              <a:t>‹#›</a:t>
             </a:fld>
             <a:endParaRPr lang="de-DE" dirty="0"/>
           </a:p>
@@ -1775,7 +1775,7 @@
           <a:p>
             <a:fld id="{26B5E0E0-4D0D-4CD4-AF77-BF99AC711AE8}" type="datetimeFigureOut">
               <a:rPr lang="de-DE" smtClean="0"/>
-              <a:t>03.08.2019</a:t>
+              <a:t>05.08.2019</a:t>
             </a:fld>
             <a:endParaRPr lang="de-DE" dirty="0"/>
           </a:p>
@@ -1829,7 +1829,7 @@
           <a:p>
             <a:fld id="{D60157FE-D0B5-4B53-9AE5-CBDF8F90BAA9}" type="slidenum">
               <a:rPr lang="de-DE" smtClean="0"/>
-              <a:t>‹Nr.›</a:t>
+              <a:t>‹#›</a:t>
             </a:fld>
             <a:endParaRPr lang="de-DE" dirty="0"/>
           </a:p>
@@ -2187,7 +2187,7 @@
           <a:p>
             <a:fld id="{26B5E0E0-4D0D-4CD4-AF77-BF99AC711AE8}" type="datetimeFigureOut">
               <a:rPr lang="de-DE" smtClean="0"/>
-              <a:t>03.08.2019</a:t>
+              <a:t>05.08.2019</a:t>
             </a:fld>
             <a:endParaRPr lang="de-DE" dirty="0"/>
           </a:p>
@@ -2241,7 +2241,7 @@
           <a:p>
             <a:fld id="{D60157FE-D0B5-4B53-9AE5-CBDF8F90BAA9}" type="slidenum">
               <a:rPr lang="de-DE" smtClean="0"/>
-              <a:t>‹Nr.›</a:t>
+              <a:t>‹#›</a:t>
             </a:fld>
             <a:endParaRPr lang="de-DE" dirty="0"/>
           </a:p>
@@ -2328,7 +2328,7 @@
           <a:p>
             <a:fld id="{26B5E0E0-4D0D-4CD4-AF77-BF99AC711AE8}" type="datetimeFigureOut">
               <a:rPr lang="de-DE" smtClean="0"/>
-              <a:t>03.08.2019</a:t>
+              <a:t>05.08.2019</a:t>
             </a:fld>
             <a:endParaRPr lang="de-DE" dirty="0"/>
           </a:p>
@@ -2382,7 +2382,7 @@
           <a:p>
             <a:fld id="{D60157FE-D0B5-4B53-9AE5-CBDF8F90BAA9}" type="slidenum">
               <a:rPr lang="de-DE" smtClean="0"/>
-              <a:t>‹Nr.›</a:t>
+              <a:t>‹#›</a:t>
             </a:fld>
             <a:endParaRPr lang="de-DE" dirty="0"/>
           </a:p>
@@ -2441,7 +2441,7 @@
           <a:p>
             <a:fld id="{26B5E0E0-4D0D-4CD4-AF77-BF99AC711AE8}" type="datetimeFigureOut">
               <a:rPr lang="de-DE" smtClean="0"/>
-              <a:t>03.08.2019</a:t>
+              <a:t>05.08.2019</a:t>
             </a:fld>
             <a:endParaRPr lang="de-DE" dirty="0"/>
           </a:p>
@@ -2495,7 +2495,7 @@
           <a:p>
             <a:fld id="{D60157FE-D0B5-4B53-9AE5-CBDF8F90BAA9}" type="slidenum">
               <a:rPr lang="de-DE" smtClean="0"/>
-              <a:t>‹Nr.›</a:t>
+              <a:t>‹#›</a:t>
             </a:fld>
             <a:endParaRPr lang="de-DE" dirty="0"/>
           </a:p>
@@ -2752,7 +2752,7 @@
           <a:p>
             <a:fld id="{26B5E0E0-4D0D-4CD4-AF77-BF99AC711AE8}" type="datetimeFigureOut">
               <a:rPr lang="de-DE" smtClean="0"/>
-              <a:t>03.08.2019</a:t>
+              <a:t>05.08.2019</a:t>
             </a:fld>
             <a:endParaRPr lang="de-DE" dirty="0"/>
           </a:p>
@@ -2806,7 +2806,7 @@
           <a:p>
             <a:fld id="{D60157FE-D0B5-4B53-9AE5-CBDF8F90BAA9}" type="slidenum">
               <a:rPr lang="de-DE" smtClean="0"/>
-              <a:t>‹Nr.›</a:t>
+              <a:t>‹#›</a:t>
             </a:fld>
             <a:endParaRPr lang="de-DE" dirty="0"/>
           </a:p>
@@ -3040,7 +3040,7 @@
           <a:p>
             <a:fld id="{26B5E0E0-4D0D-4CD4-AF77-BF99AC711AE8}" type="datetimeFigureOut">
               <a:rPr lang="de-DE" smtClean="0"/>
-              <a:t>03.08.2019</a:t>
+              <a:t>05.08.2019</a:t>
             </a:fld>
             <a:endParaRPr lang="de-DE" dirty="0"/>
           </a:p>
@@ -3094,7 +3094,7 @@
           <a:p>
             <a:fld id="{D60157FE-D0B5-4B53-9AE5-CBDF8F90BAA9}" type="slidenum">
               <a:rPr lang="de-DE" smtClean="0"/>
-              <a:t>‹Nr.›</a:t>
+              <a:t>‹#›</a:t>
             </a:fld>
             <a:endParaRPr lang="de-DE" dirty="0"/>
           </a:p>
@@ -3281,7 +3281,7 @@
           <a:p>
             <a:fld id="{26B5E0E0-4D0D-4CD4-AF77-BF99AC711AE8}" type="datetimeFigureOut">
               <a:rPr lang="de-DE" smtClean="0"/>
-              <a:t>03.08.2019</a:t>
+              <a:t>05.08.2019</a:t>
             </a:fld>
             <a:endParaRPr lang="de-DE" dirty="0"/>
           </a:p>
@@ -3371,7 +3371,7 @@
           <a:p>
             <a:fld id="{D60157FE-D0B5-4B53-9AE5-CBDF8F90BAA9}" type="slidenum">
               <a:rPr lang="de-DE" smtClean="0"/>
-              <a:t>‹Nr.›</a:t>
+              <a:t>‹#›</a:t>
             </a:fld>
             <a:endParaRPr lang="de-DE" dirty="0"/>
           </a:p>
@@ -15892,7 +15892,7 @@
           <p:nvPr/>
         </p:nvPicPr>
         <p:blipFill>
-          <a:blip r:embed="rId2">
+          <a:blip r:embed="rId2" cstate="hqprint">
             <a:extLst>
               <a:ext uri="{28A0092B-C50C-407E-A947-70E740481C1C}">
                 <a14:useLocalDpi xmlns:a14="http://schemas.microsoft.com/office/drawing/2010/main" val="0"/>
@@ -15943,848 +15943,30 @@
           <a:chExt cx="0" cy="0"/>
         </a:xfrm>
       </p:grpSpPr>
-      <p:sp>
-        <p:nvSpPr>
-          <p:cNvPr id="4" name="Rechteck 3">
-            <a:extLst>
-              <a:ext uri="{FF2B5EF4-FFF2-40B4-BE49-F238E27FC236}">
-                <a16:creationId xmlns:a16="http://schemas.microsoft.com/office/drawing/2014/main" id="{A695E1AC-8367-4A65-95EC-A889A2660EC8}"/>
-              </a:ext>
-            </a:extLst>
-          </p:cNvPr>
-          <p:cNvSpPr/>
-          <p:nvPr/>
-        </p:nvSpPr>
-        <p:spPr>
-          <a:xfrm>
-            <a:off x="2390775" y="1152526"/>
-            <a:ext cx="1828800" cy="5172061"/>
+      <p:pic>
+        <p:nvPicPr>
+          <p:cNvPr id="11" name="Picture 10"/>
+          <p:cNvPicPr>
+            <a:picLocks noChangeAspect="1"/>
+          </p:cNvPicPr>
+          <p:nvPr/>
+        </p:nvPicPr>
+        <p:blipFill>
+          <a:blip r:embed="rId2"/>
+          <a:stretch>
+            <a:fillRect/>
+          </a:stretch>
+        </p:blipFill>
+        <p:spPr>
+          <a:xfrm>
+            <a:off x="3626849" y="797800"/>
+            <a:ext cx="4938301" cy="5262400"/>
           </a:xfrm>
           <a:prstGeom prst="rect">
             <a:avLst/>
           </a:prstGeom>
         </p:spPr>
-        <p:style>
-          <a:lnRef idx="2">
-            <a:schemeClr val="accent1">
-              <a:shade val="50000"/>
-            </a:schemeClr>
-          </a:lnRef>
-          <a:fillRef idx="1">
-            <a:schemeClr val="accent1"/>
-          </a:fillRef>
-          <a:effectRef idx="0">
-            <a:schemeClr val="accent1"/>
-          </a:effectRef>
-          <a:fontRef idx="minor">
-            <a:schemeClr val="lt1"/>
-          </a:fontRef>
-        </p:style>
-        <p:txBody>
-          <a:bodyPr rtlCol="0" anchor="ctr"/>
-          <a:lstStyle/>
-          <a:p>
-            <a:pPr algn="ctr"/>
-            <a:r>
-              <a:rPr lang="en-GB" dirty="0"/>
-              <a:t>Main</a:t>
-            </a:r>
-          </a:p>
-        </p:txBody>
-      </p:sp>
-      <p:sp>
-        <p:nvSpPr>
-          <p:cNvPr id="5" name="Rechteck 4">
-            <a:extLst>
-              <a:ext uri="{FF2B5EF4-FFF2-40B4-BE49-F238E27FC236}">
-                <a16:creationId xmlns:a16="http://schemas.microsoft.com/office/drawing/2014/main" id="{0DF23795-D942-4BB1-A57A-8F94F8F05995}"/>
-              </a:ext>
-            </a:extLst>
-          </p:cNvPr>
-          <p:cNvSpPr/>
-          <p:nvPr/>
-        </p:nvSpPr>
-        <p:spPr>
-          <a:xfrm>
-            <a:off x="5467345" y="1152526"/>
-            <a:ext cx="1828800" cy="695320"/>
-          </a:xfrm>
-          <a:prstGeom prst="rect">
-            <a:avLst/>
-          </a:prstGeom>
-        </p:spPr>
-        <p:style>
-          <a:lnRef idx="2">
-            <a:schemeClr val="accent1">
-              <a:shade val="50000"/>
-            </a:schemeClr>
-          </a:lnRef>
-          <a:fillRef idx="1">
-            <a:schemeClr val="accent1"/>
-          </a:fillRef>
-          <a:effectRef idx="0">
-            <a:schemeClr val="accent1"/>
-          </a:effectRef>
-          <a:fontRef idx="minor">
-            <a:schemeClr val="lt1"/>
-          </a:fontRef>
-        </p:style>
-        <p:txBody>
-          <a:bodyPr rtlCol="0" anchor="ctr"/>
-          <a:lstStyle/>
-          <a:p>
-            <a:pPr algn="ctr"/>
-            <a:r>
-              <a:rPr lang="en-GB" dirty="0"/>
-              <a:t>Input-Function</a:t>
-            </a:r>
-          </a:p>
-        </p:txBody>
-      </p:sp>
-      <p:cxnSp>
-        <p:nvCxnSpPr>
-          <p:cNvPr id="6" name="Gerade Verbindung mit Pfeil 5">
-            <a:extLst>
-              <a:ext uri="{FF2B5EF4-FFF2-40B4-BE49-F238E27FC236}">
-                <a16:creationId xmlns:a16="http://schemas.microsoft.com/office/drawing/2014/main" id="{918B3C23-19C3-4652-9FA5-74299416989C}"/>
-              </a:ext>
-            </a:extLst>
-          </p:cNvPr>
-          <p:cNvCxnSpPr>
-            <a:cxnSpLocks/>
-          </p:cNvCxnSpPr>
-          <p:nvPr/>
-        </p:nvCxnSpPr>
-        <p:spPr>
-          <a:xfrm>
-            <a:off x="4219575" y="1400175"/>
-            <a:ext cx="1247775" cy="0"/>
-          </a:xfrm>
-          <a:prstGeom prst="straightConnector1">
-            <a:avLst/>
-          </a:prstGeom>
-          <a:ln w="25400">
-            <a:tailEnd type="triangle"/>
-          </a:ln>
-        </p:spPr>
-        <p:style>
-          <a:lnRef idx="1">
-            <a:schemeClr val="accent1"/>
-          </a:lnRef>
-          <a:fillRef idx="0">
-            <a:schemeClr val="accent1"/>
-          </a:fillRef>
-          <a:effectRef idx="0">
-            <a:schemeClr val="accent1"/>
-          </a:effectRef>
-          <a:fontRef idx="minor">
-            <a:schemeClr val="tx1"/>
-          </a:fontRef>
-        </p:style>
-      </p:cxnSp>
-      <p:cxnSp>
-        <p:nvCxnSpPr>
-          <p:cNvPr id="9" name="Gerade Verbindung mit Pfeil 8">
-            <a:extLst>
-              <a:ext uri="{FF2B5EF4-FFF2-40B4-BE49-F238E27FC236}">
-                <a16:creationId xmlns:a16="http://schemas.microsoft.com/office/drawing/2014/main" id="{F06D4E07-1943-4597-9644-3AA3D14F683B}"/>
-              </a:ext>
-            </a:extLst>
-          </p:cNvPr>
-          <p:cNvCxnSpPr>
-            <a:cxnSpLocks/>
-          </p:cNvCxnSpPr>
-          <p:nvPr/>
-        </p:nvCxnSpPr>
-        <p:spPr>
-          <a:xfrm flipH="1">
-            <a:off x="4219574" y="1695450"/>
-            <a:ext cx="1247776" cy="0"/>
-          </a:xfrm>
-          <a:prstGeom prst="straightConnector1">
-            <a:avLst/>
-          </a:prstGeom>
-          <a:ln w="25400">
-            <a:tailEnd type="triangle"/>
-          </a:ln>
-        </p:spPr>
-        <p:style>
-          <a:lnRef idx="1">
-            <a:schemeClr val="accent1"/>
-          </a:lnRef>
-          <a:fillRef idx="0">
-            <a:schemeClr val="accent1"/>
-          </a:fillRef>
-          <a:effectRef idx="0">
-            <a:schemeClr val="accent1"/>
-          </a:effectRef>
-          <a:fontRef idx="minor">
-            <a:schemeClr val="tx1"/>
-          </a:fontRef>
-        </p:style>
-      </p:cxnSp>
-      <p:sp>
-        <p:nvSpPr>
-          <p:cNvPr id="16" name="Rechteck 15">
-            <a:extLst>
-              <a:ext uri="{FF2B5EF4-FFF2-40B4-BE49-F238E27FC236}">
-                <a16:creationId xmlns:a16="http://schemas.microsoft.com/office/drawing/2014/main" id="{D494DF94-1A39-455A-B9CB-272AC6415231}"/>
-              </a:ext>
-            </a:extLst>
-          </p:cNvPr>
-          <p:cNvSpPr/>
-          <p:nvPr/>
-        </p:nvSpPr>
-        <p:spPr>
-          <a:xfrm>
-            <a:off x="5467345" y="2047863"/>
-            <a:ext cx="1828800" cy="695320"/>
-          </a:xfrm>
-          <a:prstGeom prst="rect">
-            <a:avLst/>
-          </a:prstGeom>
-        </p:spPr>
-        <p:style>
-          <a:lnRef idx="2">
-            <a:schemeClr val="accent1">
-              <a:shade val="50000"/>
-            </a:schemeClr>
-          </a:lnRef>
-          <a:fillRef idx="1">
-            <a:schemeClr val="accent1"/>
-          </a:fillRef>
-          <a:effectRef idx="0">
-            <a:schemeClr val="accent1"/>
-          </a:effectRef>
-          <a:fontRef idx="minor">
-            <a:schemeClr val="lt1"/>
-          </a:fontRef>
-        </p:style>
-        <p:txBody>
-          <a:bodyPr rtlCol="0" anchor="ctr"/>
-          <a:lstStyle/>
-          <a:p>
-            <a:pPr algn="ctr"/>
-            <a:r>
-              <a:rPr lang="en-GB" dirty="0"/>
-              <a:t>Modul A</a:t>
-            </a:r>
-          </a:p>
-        </p:txBody>
-      </p:sp>
-      <p:cxnSp>
-        <p:nvCxnSpPr>
-          <p:cNvPr id="17" name="Gerade Verbindung mit Pfeil 16">
-            <a:extLst>
-              <a:ext uri="{FF2B5EF4-FFF2-40B4-BE49-F238E27FC236}">
-                <a16:creationId xmlns:a16="http://schemas.microsoft.com/office/drawing/2014/main" id="{633E4553-FDAD-4DB7-9D3A-971A8758FF97}"/>
-              </a:ext>
-            </a:extLst>
-          </p:cNvPr>
-          <p:cNvCxnSpPr>
-            <a:cxnSpLocks/>
-          </p:cNvCxnSpPr>
-          <p:nvPr/>
-        </p:nvCxnSpPr>
-        <p:spPr>
-          <a:xfrm>
-            <a:off x="4219575" y="2285995"/>
-            <a:ext cx="1247775" cy="0"/>
-          </a:xfrm>
-          <a:prstGeom prst="straightConnector1">
-            <a:avLst/>
-          </a:prstGeom>
-          <a:ln w="25400">
-            <a:tailEnd type="triangle"/>
-          </a:ln>
-        </p:spPr>
-        <p:style>
-          <a:lnRef idx="1">
-            <a:schemeClr val="accent1"/>
-          </a:lnRef>
-          <a:fillRef idx="0">
-            <a:schemeClr val="accent1"/>
-          </a:fillRef>
-          <a:effectRef idx="0">
-            <a:schemeClr val="accent1"/>
-          </a:effectRef>
-          <a:fontRef idx="minor">
-            <a:schemeClr val="tx1"/>
-          </a:fontRef>
-        </p:style>
-      </p:cxnSp>
-      <p:cxnSp>
-        <p:nvCxnSpPr>
-          <p:cNvPr id="18" name="Gerade Verbindung mit Pfeil 17">
-            <a:extLst>
-              <a:ext uri="{FF2B5EF4-FFF2-40B4-BE49-F238E27FC236}">
-                <a16:creationId xmlns:a16="http://schemas.microsoft.com/office/drawing/2014/main" id="{16E254AE-7D09-4AF0-A480-1CCA42FF3823}"/>
-              </a:ext>
-            </a:extLst>
-          </p:cNvPr>
-          <p:cNvCxnSpPr>
-            <a:cxnSpLocks/>
-          </p:cNvCxnSpPr>
-          <p:nvPr/>
-        </p:nvCxnSpPr>
-        <p:spPr>
-          <a:xfrm flipH="1">
-            <a:off x="4219574" y="2581270"/>
-            <a:ext cx="1247776" cy="0"/>
-          </a:xfrm>
-          <a:prstGeom prst="straightConnector1">
-            <a:avLst/>
-          </a:prstGeom>
-          <a:ln w="25400">
-            <a:tailEnd type="triangle"/>
-          </a:ln>
-        </p:spPr>
-        <p:style>
-          <a:lnRef idx="1">
-            <a:schemeClr val="accent1"/>
-          </a:lnRef>
-          <a:fillRef idx="0">
-            <a:schemeClr val="accent1"/>
-          </a:fillRef>
-          <a:effectRef idx="0">
-            <a:schemeClr val="accent1"/>
-          </a:effectRef>
-          <a:fontRef idx="minor">
-            <a:schemeClr val="tx1"/>
-          </a:fontRef>
-        </p:style>
-      </p:cxnSp>
-      <p:sp>
-        <p:nvSpPr>
-          <p:cNvPr id="19" name="Rechteck 18">
-            <a:extLst>
-              <a:ext uri="{FF2B5EF4-FFF2-40B4-BE49-F238E27FC236}">
-                <a16:creationId xmlns:a16="http://schemas.microsoft.com/office/drawing/2014/main" id="{F330B0E1-5810-45C1-BDAE-456F5099BE4B}"/>
-              </a:ext>
-            </a:extLst>
-          </p:cNvPr>
-          <p:cNvSpPr/>
-          <p:nvPr/>
-        </p:nvSpPr>
-        <p:spPr>
-          <a:xfrm>
-            <a:off x="5467345" y="2943212"/>
-            <a:ext cx="1828800" cy="695320"/>
-          </a:xfrm>
-          <a:prstGeom prst="rect">
-            <a:avLst/>
-          </a:prstGeom>
-        </p:spPr>
-        <p:style>
-          <a:lnRef idx="2">
-            <a:schemeClr val="accent1">
-              <a:shade val="50000"/>
-            </a:schemeClr>
-          </a:lnRef>
-          <a:fillRef idx="1">
-            <a:schemeClr val="accent1"/>
-          </a:fillRef>
-          <a:effectRef idx="0">
-            <a:schemeClr val="accent1"/>
-          </a:effectRef>
-          <a:fontRef idx="minor">
-            <a:schemeClr val="lt1"/>
-          </a:fontRef>
-        </p:style>
-        <p:txBody>
-          <a:bodyPr rtlCol="0" anchor="ctr"/>
-          <a:lstStyle/>
-          <a:p>
-            <a:pPr algn="ctr"/>
-            <a:r>
-              <a:rPr lang="en-GB" dirty="0"/>
-              <a:t>Data Separation and Preparation</a:t>
-            </a:r>
-          </a:p>
-        </p:txBody>
-      </p:sp>
-      <p:cxnSp>
-        <p:nvCxnSpPr>
-          <p:cNvPr id="20" name="Gerade Verbindung mit Pfeil 19">
-            <a:extLst>
-              <a:ext uri="{FF2B5EF4-FFF2-40B4-BE49-F238E27FC236}">
-                <a16:creationId xmlns:a16="http://schemas.microsoft.com/office/drawing/2014/main" id="{503A4448-F247-403C-8398-DF49A0E0DD14}"/>
-              </a:ext>
-            </a:extLst>
-          </p:cNvPr>
-          <p:cNvCxnSpPr>
-            <a:cxnSpLocks/>
-          </p:cNvCxnSpPr>
-          <p:nvPr/>
-        </p:nvCxnSpPr>
-        <p:spPr>
-          <a:xfrm>
-            <a:off x="4219574" y="3171815"/>
-            <a:ext cx="1247775" cy="0"/>
-          </a:xfrm>
-          <a:prstGeom prst="straightConnector1">
-            <a:avLst/>
-          </a:prstGeom>
-          <a:ln w="25400">
-            <a:tailEnd type="triangle"/>
-          </a:ln>
-        </p:spPr>
-        <p:style>
-          <a:lnRef idx="1">
-            <a:schemeClr val="accent1"/>
-          </a:lnRef>
-          <a:fillRef idx="0">
-            <a:schemeClr val="accent1"/>
-          </a:fillRef>
-          <a:effectRef idx="0">
-            <a:schemeClr val="accent1"/>
-          </a:effectRef>
-          <a:fontRef idx="minor">
-            <a:schemeClr val="tx1"/>
-          </a:fontRef>
-        </p:style>
-      </p:cxnSp>
-      <p:cxnSp>
-        <p:nvCxnSpPr>
-          <p:cNvPr id="21" name="Gerade Verbindung mit Pfeil 20">
-            <a:extLst>
-              <a:ext uri="{FF2B5EF4-FFF2-40B4-BE49-F238E27FC236}">
-                <a16:creationId xmlns:a16="http://schemas.microsoft.com/office/drawing/2014/main" id="{0D9D75A9-5A7B-4EFC-A33E-A096145940ED}"/>
-              </a:ext>
-            </a:extLst>
-          </p:cNvPr>
-          <p:cNvCxnSpPr>
-            <a:cxnSpLocks/>
-          </p:cNvCxnSpPr>
-          <p:nvPr/>
-        </p:nvCxnSpPr>
-        <p:spPr>
-          <a:xfrm flipH="1">
-            <a:off x="4219573" y="3467090"/>
-            <a:ext cx="1247776" cy="0"/>
-          </a:xfrm>
-          <a:prstGeom prst="straightConnector1">
-            <a:avLst/>
-          </a:prstGeom>
-          <a:ln w="25400">
-            <a:tailEnd type="triangle"/>
-          </a:ln>
-        </p:spPr>
-        <p:style>
-          <a:lnRef idx="1">
-            <a:schemeClr val="accent1"/>
-          </a:lnRef>
-          <a:fillRef idx="0">
-            <a:schemeClr val="accent1"/>
-          </a:fillRef>
-          <a:effectRef idx="0">
-            <a:schemeClr val="accent1"/>
-          </a:effectRef>
-          <a:fontRef idx="minor">
-            <a:schemeClr val="tx1"/>
-          </a:fontRef>
-        </p:style>
-      </p:cxnSp>
-      <p:sp>
-        <p:nvSpPr>
-          <p:cNvPr id="22" name="Rechteck 21">
-            <a:extLst>
-              <a:ext uri="{FF2B5EF4-FFF2-40B4-BE49-F238E27FC236}">
-                <a16:creationId xmlns:a16="http://schemas.microsoft.com/office/drawing/2014/main" id="{5412E8D0-F063-4835-BF09-191BA7128BD0}"/>
-              </a:ext>
-            </a:extLst>
-          </p:cNvPr>
-          <p:cNvSpPr/>
-          <p:nvPr/>
-        </p:nvSpPr>
-        <p:spPr>
-          <a:xfrm>
-            <a:off x="5467345" y="3838569"/>
-            <a:ext cx="1828800" cy="695320"/>
-          </a:xfrm>
-          <a:prstGeom prst="rect">
-            <a:avLst/>
-          </a:prstGeom>
-        </p:spPr>
-        <p:style>
-          <a:lnRef idx="2">
-            <a:schemeClr val="accent1">
-              <a:shade val="50000"/>
-            </a:schemeClr>
-          </a:lnRef>
-          <a:fillRef idx="1">
-            <a:schemeClr val="accent1"/>
-          </a:fillRef>
-          <a:effectRef idx="0">
-            <a:schemeClr val="accent1"/>
-          </a:effectRef>
-          <a:fontRef idx="minor">
-            <a:schemeClr val="lt1"/>
-          </a:fontRef>
-        </p:style>
-        <p:txBody>
-          <a:bodyPr rtlCol="0" anchor="ctr"/>
-          <a:lstStyle/>
-          <a:p>
-            <a:pPr algn="ctr"/>
-            <a:r>
-              <a:rPr lang="en-GB" dirty="0"/>
-              <a:t>Modul B</a:t>
-            </a:r>
-          </a:p>
-        </p:txBody>
-      </p:sp>
-      <p:cxnSp>
-        <p:nvCxnSpPr>
-          <p:cNvPr id="23" name="Gerade Verbindung mit Pfeil 22">
-            <a:extLst>
-              <a:ext uri="{FF2B5EF4-FFF2-40B4-BE49-F238E27FC236}">
-                <a16:creationId xmlns:a16="http://schemas.microsoft.com/office/drawing/2014/main" id="{F9A3F141-55EE-444E-984C-CFC0CB48B628}"/>
-              </a:ext>
-            </a:extLst>
-          </p:cNvPr>
-          <p:cNvCxnSpPr>
-            <a:cxnSpLocks/>
-          </p:cNvCxnSpPr>
-          <p:nvPr/>
-        </p:nvCxnSpPr>
-        <p:spPr>
-          <a:xfrm>
-            <a:off x="4219573" y="4038591"/>
-            <a:ext cx="1247775" cy="0"/>
-          </a:xfrm>
-          <a:prstGeom prst="straightConnector1">
-            <a:avLst/>
-          </a:prstGeom>
-          <a:ln w="25400">
-            <a:tailEnd type="triangle"/>
-          </a:ln>
-        </p:spPr>
-        <p:style>
-          <a:lnRef idx="1">
-            <a:schemeClr val="accent1"/>
-          </a:lnRef>
-          <a:fillRef idx="0">
-            <a:schemeClr val="accent1"/>
-          </a:fillRef>
-          <a:effectRef idx="0">
-            <a:schemeClr val="accent1"/>
-          </a:effectRef>
-          <a:fontRef idx="minor">
-            <a:schemeClr val="tx1"/>
-          </a:fontRef>
-        </p:style>
-      </p:cxnSp>
-      <p:cxnSp>
-        <p:nvCxnSpPr>
-          <p:cNvPr id="24" name="Gerade Verbindung mit Pfeil 23">
-            <a:extLst>
-              <a:ext uri="{FF2B5EF4-FFF2-40B4-BE49-F238E27FC236}">
-                <a16:creationId xmlns:a16="http://schemas.microsoft.com/office/drawing/2014/main" id="{A3474F8D-3D44-4891-ACD5-730E7FC9FFAA}"/>
-              </a:ext>
-            </a:extLst>
-          </p:cNvPr>
-          <p:cNvCxnSpPr>
-            <a:cxnSpLocks/>
-          </p:cNvCxnSpPr>
-          <p:nvPr/>
-        </p:nvCxnSpPr>
-        <p:spPr>
-          <a:xfrm flipH="1">
-            <a:off x="4219572" y="4333866"/>
-            <a:ext cx="1247776" cy="0"/>
-          </a:xfrm>
-          <a:prstGeom prst="straightConnector1">
-            <a:avLst/>
-          </a:prstGeom>
-          <a:ln w="25400">
-            <a:tailEnd type="triangle"/>
-          </a:ln>
-        </p:spPr>
-        <p:style>
-          <a:lnRef idx="1">
-            <a:schemeClr val="accent1"/>
-          </a:lnRef>
-          <a:fillRef idx="0">
-            <a:schemeClr val="accent1"/>
-          </a:fillRef>
-          <a:effectRef idx="0">
-            <a:schemeClr val="accent1"/>
-          </a:effectRef>
-          <a:fontRef idx="minor">
-            <a:schemeClr val="tx1"/>
-          </a:fontRef>
-        </p:style>
-      </p:cxnSp>
-      <p:sp>
-        <p:nvSpPr>
-          <p:cNvPr id="25" name="Rechteck 24">
-            <a:extLst>
-              <a:ext uri="{FF2B5EF4-FFF2-40B4-BE49-F238E27FC236}">
-                <a16:creationId xmlns:a16="http://schemas.microsoft.com/office/drawing/2014/main" id="{9BC77C66-9FCF-41BF-B652-74FF0FF98C5D}"/>
-              </a:ext>
-            </a:extLst>
-          </p:cNvPr>
-          <p:cNvSpPr/>
-          <p:nvPr/>
-        </p:nvSpPr>
-        <p:spPr>
-          <a:xfrm>
-            <a:off x="5467347" y="4733910"/>
-            <a:ext cx="1828800" cy="695320"/>
-          </a:xfrm>
-          <a:prstGeom prst="rect">
-            <a:avLst/>
-          </a:prstGeom>
-        </p:spPr>
-        <p:style>
-          <a:lnRef idx="2">
-            <a:schemeClr val="accent1">
-              <a:shade val="50000"/>
-            </a:schemeClr>
-          </a:lnRef>
-          <a:fillRef idx="1">
-            <a:schemeClr val="accent1"/>
-          </a:fillRef>
-          <a:effectRef idx="0">
-            <a:schemeClr val="accent1"/>
-          </a:effectRef>
-          <a:fontRef idx="minor">
-            <a:schemeClr val="lt1"/>
-          </a:fontRef>
-        </p:style>
-        <p:txBody>
-          <a:bodyPr rtlCol="0" anchor="ctr"/>
-          <a:lstStyle/>
-          <a:p>
-            <a:pPr algn="ctr"/>
-            <a:r>
-              <a:rPr lang="en-GB" dirty="0"/>
-              <a:t>Continual/</a:t>
-            </a:r>
-          </a:p>
-          <a:p>
-            <a:pPr algn="ctr"/>
-            <a:r>
-              <a:rPr lang="en-GB" dirty="0"/>
-              <a:t>Distributed Learning</a:t>
-            </a:r>
-          </a:p>
-        </p:txBody>
-      </p:sp>
-      <p:cxnSp>
-        <p:nvCxnSpPr>
-          <p:cNvPr id="26" name="Gerade Verbindung mit Pfeil 25">
-            <a:extLst>
-              <a:ext uri="{FF2B5EF4-FFF2-40B4-BE49-F238E27FC236}">
-                <a16:creationId xmlns:a16="http://schemas.microsoft.com/office/drawing/2014/main" id="{D853ECB3-5693-4BF0-817B-5FC38005EF54}"/>
-              </a:ext>
-            </a:extLst>
-          </p:cNvPr>
-          <p:cNvCxnSpPr>
-            <a:cxnSpLocks/>
-          </p:cNvCxnSpPr>
-          <p:nvPr/>
-        </p:nvCxnSpPr>
-        <p:spPr>
-          <a:xfrm>
-            <a:off x="4219572" y="4943454"/>
-            <a:ext cx="1247775" cy="0"/>
-          </a:xfrm>
-          <a:prstGeom prst="straightConnector1">
-            <a:avLst/>
-          </a:prstGeom>
-          <a:ln w="25400">
-            <a:tailEnd type="triangle"/>
-          </a:ln>
-        </p:spPr>
-        <p:style>
-          <a:lnRef idx="1">
-            <a:schemeClr val="accent1"/>
-          </a:lnRef>
-          <a:fillRef idx="0">
-            <a:schemeClr val="accent1"/>
-          </a:fillRef>
-          <a:effectRef idx="0">
-            <a:schemeClr val="accent1"/>
-          </a:effectRef>
-          <a:fontRef idx="minor">
-            <a:schemeClr val="tx1"/>
-          </a:fontRef>
-        </p:style>
-      </p:cxnSp>
-      <p:cxnSp>
-        <p:nvCxnSpPr>
-          <p:cNvPr id="27" name="Gerade Verbindung mit Pfeil 26">
-            <a:extLst>
-              <a:ext uri="{FF2B5EF4-FFF2-40B4-BE49-F238E27FC236}">
-                <a16:creationId xmlns:a16="http://schemas.microsoft.com/office/drawing/2014/main" id="{74ED56CB-C340-4D02-9659-BA503139F8CD}"/>
-              </a:ext>
-            </a:extLst>
-          </p:cNvPr>
-          <p:cNvCxnSpPr>
-            <a:cxnSpLocks/>
-          </p:cNvCxnSpPr>
-          <p:nvPr/>
-        </p:nvCxnSpPr>
-        <p:spPr>
-          <a:xfrm flipH="1">
-            <a:off x="4219571" y="5238729"/>
-            <a:ext cx="1247776" cy="0"/>
-          </a:xfrm>
-          <a:prstGeom prst="straightConnector1">
-            <a:avLst/>
-          </a:prstGeom>
-          <a:ln w="25400">
-            <a:tailEnd type="triangle"/>
-          </a:ln>
-        </p:spPr>
-        <p:style>
-          <a:lnRef idx="1">
-            <a:schemeClr val="accent1"/>
-          </a:lnRef>
-          <a:fillRef idx="0">
-            <a:schemeClr val="accent1"/>
-          </a:fillRef>
-          <a:effectRef idx="0">
-            <a:schemeClr val="accent1"/>
-          </a:effectRef>
-          <a:fontRef idx="minor">
-            <a:schemeClr val="tx1"/>
-          </a:fontRef>
-        </p:style>
-      </p:cxnSp>
-      <p:sp>
-        <p:nvSpPr>
-          <p:cNvPr id="28" name="Rechteck 27">
-            <a:extLst>
-              <a:ext uri="{FF2B5EF4-FFF2-40B4-BE49-F238E27FC236}">
-                <a16:creationId xmlns:a16="http://schemas.microsoft.com/office/drawing/2014/main" id="{63A73BF4-4725-4580-9A76-EDCB53CE9178}"/>
-              </a:ext>
-            </a:extLst>
-          </p:cNvPr>
-          <p:cNvSpPr/>
-          <p:nvPr/>
-        </p:nvSpPr>
-        <p:spPr>
-          <a:xfrm>
-            <a:off x="5467348" y="5629267"/>
-            <a:ext cx="1828800" cy="695320"/>
-          </a:xfrm>
-          <a:prstGeom prst="rect">
-            <a:avLst/>
-          </a:prstGeom>
-        </p:spPr>
-        <p:style>
-          <a:lnRef idx="2">
-            <a:schemeClr val="accent1">
-              <a:shade val="50000"/>
-            </a:schemeClr>
-          </a:lnRef>
-          <a:fillRef idx="1">
-            <a:schemeClr val="accent1"/>
-          </a:fillRef>
-          <a:effectRef idx="0">
-            <a:schemeClr val="accent1"/>
-          </a:effectRef>
-          <a:fontRef idx="minor">
-            <a:schemeClr val="lt1"/>
-          </a:fontRef>
-        </p:style>
-        <p:txBody>
-          <a:bodyPr rtlCol="0" anchor="ctr"/>
-          <a:lstStyle/>
-          <a:p>
-            <a:pPr algn="ctr"/>
-            <a:r>
-              <a:rPr lang="en-GB" dirty="0"/>
-              <a:t>Metric Visualization</a:t>
-            </a:r>
-          </a:p>
-        </p:txBody>
-      </p:sp>
-      <p:cxnSp>
-        <p:nvCxnSpPr>
-          <p:cNvPr id="29" name="Gerade Verbindung mit Pfeil 28">
-            <a:extLst>
-              <a:ext uri="{FF2B5EF4-FFF2-40B4-BE49-F238E27FC236}">
-                <a16:creationId xmlns:a16="http://schemas.microsoft.com/office/drawing/2014/main" id="{7CE3921C-ACBC-4757-8613-56A75845B331}"/>
-              </a:ext>
-            </a:extLst>
-          </p:cNvPr>
-          <p:cNvCxnSpPr>
-            <a:cxnSpLocks/>
-          </p:cNvCxnSpPr>
-          <p:nvPr/>
-        </p:nvCxnSpPr>
-        <p:spPr>
-          <a:xfrm>
-            <a:off x="4219572" y="5819767"/>
-            <a:ext cx="1247775" cy="0"/>
-          </a:xfrm>
-          <a:prstGeom prst="straightConnector1">
-            <a:avLst/>
-          </a:prstGeom>
-          <a:ln w="25400">
-            <a:tailEnd type="triangle"/>
-          </a:ln>
-        </p:spPr>
-        <p:style>
-          <a:lnRef idx="1">
-            <a:schemeClr val="accent1"/>
-          </a:lnRef>
-          <a:fillRef idx="0">
-            <a:schemeClr val="accent1"/>
-          </a:fillRef>
-          <a:effectRef idx="0">
-            <a:schemeClr val="accent1"/>
-          </a:effectRef>
-          <a:fontRef idx="minor">
-            <a:schemeClr val="tx1"/>
-          </a:fontRef>
-        </p:style>
-      </p:cxnSp>
-      <p:cxnSp>
-        <p:nvCxnSpPr>
-          <p:cNvPr id="30" name="Gerade Verbindung mit Pfeil 29">
-            <a:extLst>
-              <a:ext uri="{FF2B5EF4-FFF2-40B4-BE49-F238E27FC236}">
-                <a16:creationId xmlns:a16="http://schemas.microsoft.com/office/drawing/2014/main" id="{329087EC-422D-467E-A074-14E4A4579EBC}"/>
-              </a:ext>
-            </a:extLst>
-          </p:cNvPr>
-          <p:cNvCxnSpPr>
-            <a:cxnSpLocks/>
-          </p:cNvCxnSpPr>
-          <p:nvPr/>
-        </p:nvCxnSpPr>
-        <p:spPr>
-          <a:xfrm flipH="1">
-            <a:off x="4219571" y="6115042"/>
-            <a:ext cx="1247776" cy="0"/>
-          </a:xfrm>
-          <a:prstGeom prst="straightConnector1">
-            <a:avLst/>
-          </a:prstGeom>
-          <a:ln w="25400">
-            <a:tailEnd type="triangle"/>
-          </a:ln>
-        </p:spPr>
-        <p:style>
-          <a:lnRef idx="1">
-            <a:schemeClr val="accent1"/>
-          </a:lnRef>
-          <a:fillRef idx="0">
-            <a:schemeClr val="accent1"/>
-          </a:fillRef>
-          <a:effectRef idx="0">
-            <a:schemeClr val="accent1"/>
-          </a:effectRef>
-          <a:fontRef idx="minor">
-            <a:schemeClr val="tx1"/>
-          </a:fontRef>
-        </p:style>
-      </p:cxnSp>
+      </p:pic>
     </p:spTree>
     <p:extLst>
       <p:ext uri="{BB962C8B-B14F-4D97-AF65-F5344CB8AC3E}">

--- a/Dokumentation/Graphiken.pptx
+++ b/Dokumentation/Graphiken.pptx
@@ -5,7 +5,7 @@
     <p:sldMasterId id="2147483648" r:id="rId1"/>
   </p:sldMasterIdLst>
   <p:notesMasterIdLst>
-    <p:notesMasterId r:id="rId11"/>
+    <p:notesMasterId r:id="rId13"/>
   </p:notesMasterIdLst>
   <p:sldIdLst>
     <p:sldId id="257" r:id="rId2"/>
@@ -17,6 +17,8 @@
     <p:sldId id="263" r:id="rId8"/>
     <p:sldId id="264" r:id="rId9"/>
     <p:sldId id="265" r:id="rId10"/>
+    <p:sldId id="266" r:id="rId11"/>
+    <p:sldId id="268" r:id="rId12"/>
   </p:sldIdLst>
   <p:sldSz cx="12192000" cy="6858000"/>
   <p:notesSz cx="6858000" cy="9144000"/>
@@ -216,7 +218,7 @@
           <a:p>
             <a:fld id="{B9EC3B4B-6FA9-4E93-8DE6-925625796A50}" type="datetimeFigureOut">
               <a:rPr lang="en-GB" smtClean="0"/>
-              <a:t>05/08/2019</a:t>
+              <a:t>08/08/2019</a:t>
             </a:fld>
             <a:endParaRPr lang="en-GB" dirty="0"/>
           </a:p>
@@ -375,7 +377,7 @@
           <a:p>
             <a:fld id="{2E1376D8-A72A-47F5-B9E1-9F12C055F6F3}" type="slidenum">
               <a:rPr lang="en-GB" smtClean="0"/>
-              <a:t>‹#›</a:t>
+              <a:t>‹Nr.›</a:t>
             </a:fld>
             <a:endParaRPr lang="en-GB" dirty="0"/>
           </a:p>
@@ -631,7 +633,7 @@
           <a:p>
             <a:fld id="{26B5E0E0-4D0D-4CD4-AF77-BF99AC711AE8}" type="datetimeFigureOut">
               <a:rPr lang="de-DE" smtClean="0"/>
-              <a:t>05.08.2019</a:t>
+              <a:t>08.08.2019</a:t>
             </a:fld>
             <a:endParaRPr lang="de-DE" dirty="0"/>
           </a:p>
@@ -685,7 +687,7 @@
           <a:p>
             <a:fld id="{D60157FE-D0B5-4B53-9AE5-CBDF8F90BAA9}" type="slidenum">
               <a:rPr lang="de-DE" smtClean="0"/>
-              <a:t>‹#›</a:t>
+              <a:t>‹Nr.›</a:t>
             </a:fld>
             <a:endParaRPr lang="de-DE" dirty="0"/>
           </a:p>
@@ -829,7 +831,7 @@
           <a:p>
             <a:fld id="{26B5E0E0-4D0D-4CD4-AF77-BF99AC711AE8}" type="datetimeFigureOut">
               <a:rPr lang="de-DE" smtClean="0"/>
-              <a:t>05.08.2019</a:t>
+              <a:t>08.08.2019</a:t>
             </a:fld>
             <a:endParaRPr lang="de-DE" dirty="0"/>
           </a:p>
@@ -883,7 +885,7 @@
           <a:p>
             <a:fld id="{D60157FE-D0B5-4B53-9AE5-CBDF8F90BAA9}" type="slidenum">
               <a:rPr lang="de-DE" smtClean="0"/>
-              <a:t>‹#›</a:t>
+              <a:t>‹Nr.›</a:t>
             </a:fld>
             <a:endParaRPr lang="de-DE" dirty="0"/>
           </a:p>
@@ -1037,7 +1039,7 @@
           <a:p>
             <a:fld id="{26B5E0E0-4D0D-4CD4-AF77-BF99AC711AE8}" type="datetimeFigureOut">
               <a:rPr lang="de-DE" smtClean="0"/>
-              <a:t>05.08.2019</a:t>
+              <a:t>08.08.2019</a:t>
             </a:fld>
             <a:endParaRPr lang="de-DE" dirty="0"/>
           </a:p>
@@ -1091,7 +1093,7 @@
           <a:p>
             <a:fld id="{D60157FE-D0B5-4B53-9AE5-CBDF8F90BAA9}" type="slidenum">
               <a:rPr lang="de-DE" smtClean="0"/>
-              <a:t>‹#›</a:t>
+              <a:t>‹Nr.›</a:t>
             </a:fld>
             <a:endParaRPr lang="de-DE" dirty="0"/>
           </a:p>
@@ -1235,7 +1237,7 @@
           <a:p>
             <a:fld id="{26B5E0E0-4D0D-4CD4-AF77-BF99AC711AE8}" type="datetimeFigureOut">
               <a:rPr lang="de-DE" smtClean="0"/>
-              <a:t>05.08.2019</a:t>
+              <a:t>08.08.2019</a:t>
             </a:fld>
             <a:endParaRPr lang="de-DE" dirty="0"/>
           </a:p>
@@ -1289,7 +1291,7 @@
           <a:p>
             <a:fld id="{D60157FE-D0B5-4B53-9AE5-CBDF8F90BAA9}" type="slidenum">
               <a:rPr lang="de-DE" smtClean="0"/>
-              <a:t>‹#›</a:t>
+              <a:t>‹Nr.›</a:t>
             </a:fld>
             <a:endParaRPr lang="de-DE" dirty="0"/>
           </a:p>
@@ -1510,7 +1512,7 @@
           <a:p>
             <a:fld id="{26B5E0E0-4D0D-4CD4-AF77-BF99AC711AE8}" type="datetimeFigureOut">
               <a:rPr lang="de-DE" smtClean="0"/>
-              <a:t>05.08.2019</a:t>
+              <a:t>08.08.2019</a:t>
             </a:fld>
             <a:endParaRPr lang="de-DE" dirty="0"/>
           </a:p>
@@ -1564,7 +1566,7 @@
           <a:p>
             <a:fld id="{D60157FE-D0B5-4B53-9AE5-CBDF8F90BAA9}" type="slidenum">
               <a:rPr lang="de-DE" smtClean="0"/>
-              <a:t>‹#›</a:t>
+              <a:t>‹Nr.›</a:t>
             </a:fld>
             <a:endParaRPr lang="de-DE" dirty="0"/>
           </a:p>
@@ -1775,7 +1777,7 @@
           <a:p>
             <a:fld id="{26B5E0E0-4D0D-4CD4-AF77-BF99AC711AE8}" type="datetimeFigureOut">
               <a:rPr lang="de-DE" smtClean="0"/>
-              <a:t>05.08.2019</a:t>
+              <a:t>08.08.2019</a:t>
             </a:fld>
             <a:endParaRPr lang="de-DE" dirty="0"/>
           </a:p>
@@ -1829,7 +1831,7 @@
           <a:p>
             <a:fld id="{D60157FE-D0B5-4B53-9AE5-CBDF8F90BAA9}" type="slidenum">
               <a:rPr lang="de-DE" smtClean="0"/>
-              <a:t>‹#›</a:t>
+              <a:t>‹Nr.›</a:t>
             </a:fld>
             <a:endParaRPr lang="de-DE" dirty="0"/>
           </a:p>
@@ -2187,7 +2189,7 @@
           <a:p>
             <a:fld id="{26B5E0E0-4D0D-4CD4-AF77-BF99AC711AE8}" type="datetimeFigureOut">
               <a:rPr lang="de-DE" smtClean="0"/>
-              <a:t>05.08.2019</a:t>
+              <a:t>08.08.2019</a:t>
             </a:fld>
             <a:endParaRPr lang="de-DE" dirty="0"/>
           </a:p>
@@ -2241,7 +2243,7 @@
           <a:p>
             <a:fld id="{D60157FE-D0B5-4B53-9AE5-CBDF8F90BAA9}" type="slidenum">
               <a:rPr lang="de-DE" smtClean="0"/>
-              <a:t>‹#›</a:t>
+              <a:t>‹Nr.›</a:t>
             </a:fld>
             <a:endParaRPr lang="de-DE" dirty="0"/>
           </a:p>
@@ -2328,7 +2330,7 @@
           <a:p>
             <a:fld id="{26B5E0E0-4D0D-4CD4-AF77-BF99AC711AE8}" type="datetimeFigureOut">
               <a:rPr lang="de-DE" smtClean="0"/>
-              <a:t>05.08.2019</a:t>
+              <a:t>08.08.2019</a:t>
             </a:fld>
             <a:endParaRPr lang="de-DE" dirty="0"/>
           </a:p>
@@ -2382,7 +2384,7 @@
           <a:p>
             <a:fld id="{D60157FE-D0B5-4B53-9AE5-CBDF8F90BAA9}" type="slidenum">
               <a:rPr lang="de-DE" smtClean="0"/>
-              <a:t>‹#›</a:t>
+              <a:t>‹Nr.›</a:t>
             </a:fld>
             <a:endParaRPr lang="de-DE" dirty="0"/>
           </a:p>
@@ -2441,7 +2443,7 @@
           <a:p>
             <a:fld id="{26B5E0E0-4D0D-4CD4-AF77-BF99AC711AE8}" type="datetimeFigureOut">
               <a:rPr lang="de-DE" smtClean="0"/>
-              <a:t>05.08.2019</a:t>
+              <a:t>08.08.2019</a:t>
             </a:fld>
             <a:endParaRPr lang="de-DE" dirty="0"/>
           </a:p>
@@ -2495,7 +2497,7 @@
           <a:p>
             <a:fld id="{D60157FE-D0B5-4B53-9AE5-CBDF8F90BAA9}" type="slidenum">
               <a:rPr lang="de-DE" smtClean="0"/>
-              <a:t>‹#›</a:t>
+              <a:t>‹Nr.›</a:t>
             </a:fld>
             <a:endParaRPr lang="de-DE" dirty="0"/>
           </a:p>
@@ -2752,7 +2754,7 @@
           <a:p>
             <a:fld id="{26B5E0E0-4D0D-4CD4-AF77-BF99AC711AE8}" type="datetimeFigureOut">
               <a:rPr lang="de-DE" smtClean="0"/>
-              <a:t>05.08.2019</a:t>
+              <a:t>08.08.2019</a:t>
             </a:fld>
             <a:endParaRPr lang="de-DE" dirty="0"/>
           </a:p>
@@ -2806,7 +2808,7 @@
           <a:p>
             <a:fld id="{D60157FE-D0B5-4B53-9AE5-CBDF8F90BAA9}" type="slidenum">
               <a:rPr lang="de-DE" smtClean="0"/>
-              <a:t>‹#›</a:t>
+              <a:t>‹Nr.›</a:t>
             </a:fld>
             <a:endParaRPr lang="de-DE" dirty="0"/>
           </a:p>
@@ -3040,7 +3042,7 @@
           <a:p>
             <a:fld id="{26B5E0E0-4D0D-4CD4-AF77-BF99AC711AE8}" type="datetimeFigureOut">
               <a:rPr lang="de-DE" smtClean="0"/>
-              <a:t>05.08.2019</a:t>
+              <a:t>08.08.2019</a:t>
             </a:fld>
             <a:endParaRPr lang="de-DE" dirty="0"/>
           </a:p>
@@ -3094,7 +3096,7 @@
           <a:p>
             <a:fld id="{D60157FE-D0B5-4B53-9AE5-CBDF8F90BAA9}" type="slidenum">
               <a:rPr lang="de-DE" smtClean="0"/>
-              <a:t>‹#›</a:t>
+              <a:t>‹Nr.›</a:t>
             </a:fld>
             <a:endParaRPr lang="de-DE" dirty="0"/>
           </a:p>
@@ -3281,7 +3283,7 @@
           <a:p>
             <a:fld id="{26B5E0E0-4D0D-4CD4-AF77-BF99AC711AE8}" type="datetimeFigureOut">
               <a:rPr lang="de-DE" smtClean="0"/>
-              <a:t>05.08.2019</a:t>
+              <a:t>08.08.2019</a:t>
             </a:fld>
             <a:endParaRPr lang="de-DE" dirty="0"/>
           </a:p>
@@ -3371,7 +3373,7 @@
           <a:p>
             <a:fld id="{D60157FE-D0B5-4B53-9AE5-CBDF8F90BAA9}" type="slidenum">
               <a:rPr lang="de-DE" smtClean="0"/>
-              <a:t>‹#›</a:t>
+              <a:t>‹Nr.›</a:t>
             </a:fld>
             <a:endParaRPr lang="de-DE" dirty="0"/>
           </a:p>
@@ -4301,6 +4303,2915 @@
     <p:extLst>
       <p:ext uri="{BB962C8B-B14F-4D97-AF65-F5344CB8AC3E}">
         <p14:creationId xmlns:p14="http://schemas.microsoft.com/office/powerpoint/2010/main" val="403885833"/>
+      </p:ext>
+    </p:extLst>
+  </p:cSld>
+  <p:clrMapOvr>
+    <a:masterClrMapping/>
+  </p:clrMapOvr>
+</p:sld>
+</file>
+
+<file path=ppt/slides/slide10.xml><?xml version="1.0" encoding="utf-8"?>
+<p:sld xmlns:a="http://schemas.openxmlformats.org/drawingml/2006/main" xmlns:r="http://schemas.openxmlformats.org/officeDocument/2006/relationships" xmlns:p="http://schemas.openxmlformats.org/presentationml/2006/main">
+  <p:cSld>
+    <p:spTree>
+      <p:nvGrpSpPr>
+        <p:cNvPr id="1" name=""/>
+        <p:cNvGrpSpPr/>
+        <p:nvPr/>
+      </p:nvGrpSpPr>
+      <p:grpSpPr>
+        <a:xfrm>
+          <a:off x="0" y="0"/>
+          <a:ext cx="0" cy="0"/>
+          <a:chOff x="0" y="0"/>
+          <a:chExt cx="0" cy="0"/>
+        </a:xfrm>
+      </p:grpSpPr>
+      <p:sp>
+        <p:nvSpPr>
+          <p:cNvPr id="2" name="Flussdiagramm: Grenzstelle 1">
+            <a:extLst>
+              <a:ext uri="{FF2B5EF4-FFF2-40B4-BE49-F238E27FC236}">
+                <a16:creationId xmlns:a16="http://schemas.microsoft.com/office/drawing/2014/main" id="{566A886B-20AA-438E-9AA7-E224F6333028}"/>
+              </a:ext>
+            </a:extLst>
+          </p:cNvPr>
+          <p:cNvSpPr/>
+          <p:nvPr/>
+        </p:nvSpPr>
+        <p:spPr>
+          <a:xfrm>
+            <a:off x="614557" y="135293"/>
+            <a:ext cx="1759203" cy="552727"/>
+          </a:xfrm>
+          <a:prstGeom prst="flowChartTerminator">
+            <a:avLst/>
+          </a:prstGeom>
+        </p:spPr>
+        <p:style>
+          <a:lnRef idx="2">
+            <a:schemeClr val="accent1">
+              <a:shade val="50000"/>
+            </a:schemeClr>
+          </a:lnRef>
+          <a:fillRef idx="1">
+            <a:schemeClr val="accent1"/>
+          </a:fillRef>
+          <a:effectRef idx="0">
+            <a:schemeClr val="accent1"/>
+          </a:effectRef>
+          <a:fontRef idx="minor">
+            <a:schemeClr val="lt1"/>
+          </a:fontRef>
+        </p:style>
+        <p:txBody>
+          <a:bodyPr rtlCol="0" anchor="ctr"/>
+          <a:lstStyle/>
+          <a:p>
+            <a:pPr algn="ctr"/>
+            <a:r>
+              <a:rPr lang="en-GB" sz="1200" dirty="0"/>
+              <a:t>Input-</a:t>
+            </a:r>
+            <a:r>
+              <a:rPr lang="en-GB" sz="1200" dirty="0" err="1"/>
+              <a:t>Funktion</a:t>
+            </a:r>
+            <a:endParaRPr lang="en-GB" sz="1200" dirty="0"/>
+          </a:p>
+        </p:txBody>
+      </p:sp>
+      <p:sp>
+        <p:nvSpPr>
+          <p:cNvPr id="3" name="Flussdiagramm: Verzweigung 2">
+            <a:extLst>
+              <a:ext uri="{FF2B5EF4-FFF2-40B4-BE49-F238E27FC236}">
+                <a16:creationId xmlns:a16="http://schemas.microsoft.com/office/drawing/2014/main" id="{AF217F05-8A4E-40CE-8583-6364CE51DF2D}"/>
+              </a:ext>
+            </a:extLst>
+          </p:cNvPr>
+          <p:cNvSpPr/>
+          <p:nvPr/>
+        </p:nvSpPr>
+        <p:spPr>
+          <a:xfrm>
+            <a:off x="579759" y="1197001"/>
+            <a:ext cx="1828799" cy="902897"/>
+          </a:xfrm>
+          <a:prstGeom prst="flowChartDecision">
+            <a:avLst/>
+          </a:prstGeom>
+        </p:spPr>
+        <p:style>
+          <a:lnRef idx="2">
+            <a:schemeClr val="accent1">
+              <a:shade val="50000"/>
+            </a:schemeClr>
+          </a:lnRef>
+          <a:fillRef idx="1">
+            <a:schemeClr val="accent1"/>
+          </a:fillRef>
+          <a:effectRef idx="0">
+            <a:schemeClr val="accent1"/>
+          </a:effectRef>
+          <a:fontRef idx="minor">
+            <a:schemeClr val="lt1"/>
+          </a:fontRef>
+        </p:style>
+        <p:txBody>
+          <a:bodyPr rtlCol="0" anchor="ctr"/>
+          <a:lstStyle/>
+          <a:p>
+            <a:pPr algn="ctr"/>
+            <a:r>
+              <a:rPr lang="en-GB" sz="1200" dirty="0" err="1"/>
+              <a:t>Datensatz</a:t>
+            </a:r>
+            <a:r>
+              <a:rPr lang="en-GB" sz="1200" dirty="0"/>
+              <a:t> in </a:t>
+            </a:r>
+            <a:r>
+              <a:rPr lang="en-GB" sz="1200" dirty="0" err="1"/>
+              <a:t>tf_dataset</a:t>
+            </a:r>
+            <a:r>
+              <a:rPr lang="en-GB" sz="1200" dirty="0"/>
+              <a:t>?</a:t>
+            </a:r>
+          </a:p>
+        </p:txBody>
+      </p:sp>
+      <p:cxnSp>
+        <p:nvCxnSpPr>
+          <p:cNvPr id="5" name="Gerade Verbindung mit Pfeil 4">
+            <a:extLst>
+              <a:ext uri="{FF2B5EF4-FFF2-40B4-BE49-F238E27FC236}">
+                <a16:creationId xmlns:a16="http://schemas.microsoft.com/office/drawing/2014/main" id="{79639BCA-04B3-4C68-80A1-337A267ACBE6}"/>
+              </a:ext>
+            </a:extLst>
+          </p:cNvPr>
+          <p:cNvCxnSpPr>
+            <a:cxnSpLocks/>
+            <a:stCxn id="2" idx="2"/>
+            <a:endCxn id="3" idx="0"/>
+          </p:cNvCxnSpPr>
+          <p:nvPr/>
+        </p:nvCxnSpPr>
+        <p:spPr>
+          <a:xfrm>
+            <a:off x="1494159" y="688020"/>
+            <a:ext cx="0" cy="508981"/>
+          </a:xfrm>
+          <a:prstGeom prst="straightConnector1">
+            <a:avLst/>
+          </a:prstGeom>
+          <a:ln>
+            <a:tailEnd type="triangle"/>
+          </a:ln>
+        </p:spPr>
+        <p:style>
+          <a:lnRef idx="1">
+            <a:schemeClr val="accent1"/>
+          </a:lnRef>
+          <a:fillRef idx="0">
+            <a:schemeClr val="accent1"/>
+          </a:fillRef>
+          <a:effectRef idx="0">
+            <a:schemeClr val="accent1"/>
+          </a:effectRef>
+          <a:fontRef idx="minor">
+            <a:schemeClr val="tx1"/>
+          </a:fontRef>
+        </p:style>
+      </p:cxnSp>
+      <p:sp>
+        <p:nvSpPr>
+          <p:cNvPr id="8" name="Textfeld 7">
+            <a:extLst>
+              <a:ext uri="{FF2B5EF4-FFF2-40B4-BE49-F238E27FC236}">
+                <a16:creationId xmlns:a16="http://schemas.microsoft.com/office/drawing/2014/main" id="{627FDB16-60C2-4382-AA20-44E37A2E3BC8}"/>
+              </a:ext>
+            </a:extLst>
+          </p:cNvPr>
+          <p:cNvSpPr txBox="1"/>
+          <p:nvPr/>
+        </p:nvSpPr>
+        <p:spPr>
+          <a:xfrm>
+            <a:off x="935731" y="1961397"/>
+            <a:ext cx="391566" cy="276999"/>
+          </a:xfrm>
+          <a:prstGeom prst="rect">
+            <a:avLst/>
+          </a:prstGeom>
+          <a:noFill/>
+        </p:spPr>
+        <p:txBody>
+          <a:bodyPr wrap="square" rtlCol="0">
+            <a:spAutoFit/>
+          </a:bodyPr>
+          <a:lstStyle/>
+          <a:p>
+            <a:r>
+              <a:rPr lang="en-GB" sz="1200" dirty="0" err="1"/>
+              <a:t>Ja</a:t>
+            </a:r>
+            <a:endParaRPr lang="en-GB" sz="1200" dirty="0"/>
+          </a:p>
+        </p:txBody>
+      </p:sp>
+      <p:cxnSp>
+        <p:nvCxnSpPr>
+          <p:cNvPr id="10" name="Gerade Verbindung mit Pfeil 9">
+            <a:extLst>
+              <a:ext uri="{FF2B5EF4-FFF2-40B4-BE49-F238E27FC236}">
+                <a16:creationId xmlns:a16="http://schemas.microsoft.com/office/drawing/2014/main" id="{2701CC66-B787-4B18-B4E1-FC9A17DAEBE5}"/>
+              </a:ext>
+            </a:extLst>
+          </p:cNvPr>
+          <p:cNvCxnSpPr>
+            <a:cxnSpLocks/>
+            <a:stCxn id="3" idx="3"/>
+            <a:endCxn id="14" idx="1"/>
+          </p:cNvCxnSpPr>
+          <p:nvPr/>
+        </p:nvCxnSpPr>
+        <p:spPr>
+          <a:xfrm flipV="1">
+            <a:off x="2408558" y="1641625"/>
+            <a:ext cx="962407" cy="6825"/>
+          </a:xfrm>
+          <a:prstGeom prst="straightConnector1">
+            <a:avLst/>
+          </a:prstGeom>
+          <a:ln>
+            <a:tailEnd type="triangle"/>
+          </a:ln>
+        </p:spPr>
+        <p:style>
+          <a:lnRef idx="1">
+            <a:schemeClr val="accent1"/>
+          </a:lnRef>
+          <a:fillRef idx="0">
+            <a:schemeClr val="accent1"/>
+          </a:fillRef>
+          <a:effectRef idx="0">
+            <a:schemeClr val="accent1"/>
+          </a:effectRef>
+          <a:fontRef idx="minor">
+            <a:schemeClr val="tx1"/>
+          </a:fontRef>
+        </p:style>
+      </p:cxnSp>
+      <p:sp>
+        <p:nvSpPr>
+          <p:cNvPr id="12" name="Textfeld 11">
+            <a:extLst>
+              <a:ext uri="{FF2B5EF4-FFF2-40B4-BE49-F238E27FC236}">
+                <a16:creationId xmlns:a16="http://schemas.microsoft.com/office/drawing/2014/main" id="{2E642CFB-9E70-4DED-8D33-B88BEDC11EDD}"/>
+              </a:ext>
+            </a:extLst>
+          </p:cNvPr>
+          <p:cNvSpPr txBox="1"/>
+          <p:nvPr/>
+        </p:nvSpPr>
+        <p:spPr>
+          <a:xfrm>
+            <a:off x="2408558" y="1360130"/>
+            <a:ext cx="628682" cy="276999"/>
+          </a:xfrm>
+          <a:prstGeom prst="rect">
+            <a:avLst/>
+          </a:prstGeom>
+          <a:noFill/>
+        </p:spPr>
+        <p:txBody>
+          <a:bodyPr wrap="square" rtlCol="0">
+            <a:spAutoFit/>
+          </a:bodyPr>
+          <a:lstStyle/>
+          <a:p>
+            <a:r>
+              <a:rPr lang="en-GB" sz="1200" dirty="0" err="1"/>
+              <a:t>Nein</a:t>
+            </a:r>
+            <a:endParaRPr lang="en-GB" sz="1200" dirty="0"/>
+          </a:p>
+        </p:txBody>
+      </p:sp>
+      <p:sp>
+        <p:nvSpPr>
+          <p:cNvPr id="14" name="Flussdiagramm: Verzweigung 13">
+            <a:extLst>
+              <a:ext uri="{FF2B5EF4-FFF2-40B4-BE49-F238E27FC236}">
+                <a16:creationId xmlns:a16="http://schemas.microsoft.com/office/drawing/2014/main" id="{263045B4-F8D3-44E2-B83F-F1FBFFB9684A}"/>
+              </a:ext>
+            </a:extLst>
+          </p:cNvPr>
+          <p:cNvSpPr/>
+          <p:nvPr/>
+        </p:nvSpPr>
+        <p:spPr>
+          <a:xfrm>
+            <a:off x="3370965" y="1174361"/>
+            <a:ext cx="1397479" cy="934527"/>
+          </a:xfrm>
+          <a:prstGeom prst="flowChartDecision">
+            <a:avLst/>
+          </a:prstGeom>
+        </p:spPr>
+        <p:style>
+          <a:lnRef idx="2">
+            <a:schemeClr val="accent1">
+              <a:shade val="50000"/>
+            </a:schemeClr>
+          </a:lnRef>
+          <a:fillRef idx="1">
+            <a:schemeClr val="accent1"/>
+          </a:fillRef>
+          <a:effectRef idx="0">
+            <a:schemeClr val="accent1"/>
+          </a:effectRef>
+          <a:fontRef idx="minor">
+            <a:schemeClr val="lt1"/>
+          </a:fontRef>
+        </p:style>
+        <p:txBody>
+          <a:bodyPr rtlCol="0" anchor="ctr"/>
+          <a:lstStyle/>
+          <a:p>
+            <a:pPr algn="ctr"/>
+            <a:r>
+              <a:rPr lang="en-GB" sz="1200" dirty="0" err="1"/>
+              <a:t>Datensatz</a:t>
+            </a:r>
+            <a:r>
+              <a:rPr lang="en-GB" sz="1200" dirty="0"/>
+              <a:t> </a:t>
+            </a:r>
+            <a:r>
+              <a:rPr lang="en-GB" sz="1200" dirty="0" err="1"/>
+              <a:t>lokal</a:t>
+            </a:r>
+            <a:r>
+              <a:rPr lang="en-GB" sz="1200" dirty="0"/>
+              <a:t> </a:t>
+            </a:r>
+            <a:r>
+              <a:rPr lang="en-GB" sz="1200" dirty="0" err="1"/>
+              <a:t>vorhanden</a:t>
+            </a:r>
+            <a:r>
+              <a:rPr lang="en-GB" sz="1200" dirty="0"/>
+              <a:t>?</a:t>
+            </a:r>
+          </a:p>
+        </p:txBody>
+      </p:sp>
+      <p:cxnSp>
+        <p:nvCxnSpPr>
+          <p:cNvPr id="16" name="Gerade Verbindung mit Pfeil 15">
+            <a:extLst>
+              <a:ext uri="{FF2B5EF4-FFF2-40B4-BE49-F238E27FC236}">
+                <a16:creationId xmlns:a16="http://schemas.microsoft.com/office/drawing/2014/main" id="{F0FCFC66-496E-4DA0-9276-6F57244C93A6}"/>
+              </a:ext>
+            </a:extLst>
+          </p:cNvPr>
+          <p:cNvCxnSpPr>
+            <a:cxnSpLocks/>
+            <a:stCxn id="14" idx="3"/>
+            <a:endCxn id="23" idx="1"/>
+          </p:cNvCxnSpPr>
+          <p:nvPr/>
+        </p:nvCxnSpPr>
+        <p:spPr>
+          <a:xfrm>
+            <a:off x="4768444" y="1641625"/>
+            <a:ext cx="724624" cy="3859"/>
+          </a:xfrm>
+          <a:prstGeom prst="straightConnector1">
+            <a:avLst/>
+          </a:prstGeom>
+          <a:ln>
+            <a:tailEnd type="triangle"/>
+          </a:ln>
+        </p:spPr>
+        <p:style>
+          <a:lnRef idx="1">
+            <a:schemeClr val="accent1"/>
+          </a:lnRef>
+          <a:fillRef idx="0">
+            <a:schemeClr val="accent1"/>
+          </a:fillRef>
+          <a:effectRef idx="0">
+            <a:schemeClr val="accent1"/>
+          </a:effectRef>
+          <a:fontRef idx="minor">
+            <a:schemeClr val="tx1"/>
+          </a:fontRef>
+        </p:style>
+      </p:cxnSp>
+      <p:sp>
+        <p:nvSpPr>
+          <p:cNvPr id="17" name="Textfeld 16">
+            <a:extLst>
+              <a:ext uri="{FF2B5EF4-FFF2-40B4-BE49-F238E27FC236}">
+                <a16:creationId xmlns:a16="http://schemas.microsoft.com/office/drawing/2014/main" id="{4412B056-F555-4292-A32D-5EBF25DEF9DD}"/>
+              </a:ext>
+            </a:extLst>
+          </p:cNvPr>
+          <p:cNvSpPr txBox="1"/>
+          <p:nvPr/>
+        </p:nvSpPr>
+        <p:spPr>
+          <a:xfrm>
+            <a:off x="4768444" y="1305326"/>
+            <a:ext cx="628682" cy="276999"/>
+          </a:xfrm>
+          <a:prstGeom prst="rect">
+            <a:avLst/>
+          </a:prstGeom>
+          <a:noFill/>
+        </p:spPr>
+        <p:txBody>
+          <a:bodyPr wrap="square" rtlCol="0">
+            <a:spAutoFit/>
+          </a:bodyPr>
+          <a:lstStyle/>
+          <a:p>
+            <a:r>
+              <a:rPr lang="en-GB" sz="1200" dirty="0" err="1"/>
+              <a:t>Nein</a:t>
+            </a:r>
+            <a:endParaRPr lang="en-GB" sz="1200" dirty="0"/>
+          </a:p>
+        </p:txBody>
+      </p:sp>
+      <p:cxnSp>
+        <p:nvCxnSpPr>
+          <p:cNvPr id="20" name="Gerade Verbindung mit Pfeil 19">
+            <a:extLst>
+              <a:ext uri="{FF2B5EF4-FFF2-40B4-BE49-F238E27FC236}">
+                <a16:creationId xmlns:a16="http://schemas.microsoft.com/office/drawing/2014/main" id="{8A2FEA2B-9E78-4EF8-B9B1-55B44EAE2294}"/>
+              </a:ext>
+            </a:extLst>
+          </p:cNvPr>
+          <p:cNvCxnSpPr>
+            <a:cxnSpLocks/>
+            <a:stCxn id="14" idx="2"/>
+            <a:endCxn id="25" idx="0"/>
+          </p:cNvCxnSpPr>
+          <p:nvPr/>
+        </p:nvCxnSpPr>
+        <p:spPr>
+          <a:xfrm flipH="1">
+            <a:off x="4069704" y="2108888"/>
+            <a:ext cx="1" cy="329758"/>
+          </a:xfrm>
+          <a:prstGeom prst="straightConnector1">
+            <a:avLst/>
+          </a:prstGeom>
+          <a:ln>
+            <a:tailEnd type="triangle"/>
+          </a:ln>
+        </p:spPr>
+        <p:style>
+          <a:lnRef idx="1">
+            <a:schemeClr val="accent1"/>
+          </a:lnRef>
+          <a:fillRef idx="0">
+            <a:schemeClr val="accent1"/>
+          </a:fillRef>
+          <a:effectRef idx="0">
+            <a:schemeClr val="accent1"/>
+          </a:effectRef>
+          <a:fontRef idx="minor">
+            <a:schemeClr val="tx1"/>
+          </a:fontRef>
+        </p:style>
+      </p:cxnSp>
+      <p:sp>
+        <p:nvSpPr>
+          <p:cNvPr id="21" name="Textfeld 20">
+            <a:extLst>
+              <a:ext uri="{FF2B5EF4-FFF2-40B4-BE49-F238E27FC236}">
+                <a16:creationId xmlns:a16="http://schemas.microsoft.com/office/drawing/2014/main" id="{C4BC5F3D-267A-4D96-B782-E6C1B1BEA9A3}"/>
+              </a:ext>
+            </a:extLst>
+          </p:cNvPr>
+          <p:cNvSpPr txBox="1"/>
+          <p:nvPr/>
+        </p:nvSpPr>
+        <p:spPr>
+          <a:xfrm>
+            <a:off x="4160508" y="2029688"/>
+            <a:ext cx="394325" cy="276999"/>
+          </a:xfrm>
+          <a:prstGeom prst="rect">
+            <a:avLst/>
+          </a:prstGeom>
+          <a:noFill/>
+        </p:spPr>
+        <p:txBody>
+          <a:bodyPr wrap="square" rtlCol="0">
+            <a:spAutoFit/>
+          </a:bodyPr>
+          <a:lstStyle/>
+          <a:p>
+            <a:r>
+              <a:rPr lang="en-GB" sz="1200" dirty="0" err="1"/>
+              <a:t>Ja</a:t>
+            </a:r>
+            <a:endParaRPr lang="en-GB" sz="1200" dirty="0"/>
+          </a:p>
+        </p:txBody>
+      </p:sp>
+      <p:sp>
+        <p:nvSpPr>
+          <p:cNvPr id="23" name="Flussdiagramm: Prozess 22">
+            <a:extLst>
+              <a:ext uri="{FF2B5EF4-FFF2-40B4-BE49-F238E27FC236}">
+                <a16:creationId xmlns:a16="http://schemas.microsoft.com/office/drawing/2014/main" id="{3DD95C5D-4642-48CE-A359-6AF20314FAA7}"/>
+              </a:ext>
+            </a:extLst>
+          </p:cNvPr>
+          <p:cNvSpPr/>
+          <p:nvPr/>
+        </p:nvSpPr>
+        <p:spPr>
+          <a:xfrm>
+            <a:off x="5493068" y="1313366"/>
+            <a:ext cx="1544128" cy="664235"/>
+          </a:xfrm>
+          <a:prstGeom prst="flowChartProcess">
+            <a:avLst/>
+          </a:prstGeom>
+        </p:spPr>
+        <p:style>
+          <a:lnRef idx="2">
+            <a:schemeClr val="accent1">
+              <a:shade val="50000"/>
+            </a:schemeClr>
+          </a:lnRef>
+          <a:fillRef idx="1">
+            <a:schemeClr val="accent1"/>
+          </a:fillRef>
+          <a:effectRef idx="0">
+            <a:schemeClr val="accent1"/>
+          </a:effectRef>
+          <a:fontRef idx="minor">
+            <a:schemeClr val="lt1"/>
+          </a:fontRef>
+        </p:style>
+        <p:txBody>
+          <a:bodyPr rtlCol="0" anchor="ctr"/>
+          <a:lstStyle/>
+          <a:p>
+            <a:pPr algn="ctr"/>
+            <a:r>
+              <a:rPr lang="en-GB" sz="1200" dirty="0" err="1"/>
+              <a:t>Fehlermeldung</a:t>
+            </a:r>
+            <a:endParaRPr lang="en-GB" sz="1200" dirty="0"/>
+          </a:p>
+        </p:txBody>
+      </p:sp>
+      <p:sp>
+        <p:nvSpPr>
+          <p:cNvPr id="25" name="Flussdiagramm: Prozess 24">
+            <a:extLst>
+              <a:ext uri="{FF2B5EF4-FFF2-40B4-BE49-F238E27FC236}">
+                <a16:creationId xmlns:a16="http://schemas.microsoft.com/office/drawing/2014/main" id="{6AA1302B-38C2-483F-A8C4-94F17687482C}"/>
+              </a:ext>
+            </a:extLst>
+          </p:cNvPr>
+          <p:cNvSpPr/>
+          <p:nvPr/>
+        </p:nvSpPr>
+        <p:spPr>
+          <a:xfrm>
+            <a:off x="3297640" y="2438646"/>
+            <a:ext cx="1544128" cy="664235"/>
+          </a:xfrm>
+          <a:prstGeom prst="flowChartProcess">
+            <a:avLst/>
+          </a:prstGeom>
+        </p:spPr>
+        <p:style>
+          <a:lnRef idx="2">
+            <a:schemeClr val="accent1">
+              <a:shade val="50000"/>
+            </a:schemeClr>
+          </a:lnRef>
+          <a:fillRef idx="1">
+            <a:schemeClr val="accent1"/>
+          </a:fillRef>
+          <a:effectRef idx="0">
+            <a:schemeClr val="accent1"/>
+          </a:effectRef>
+          <a:fontRef idx="minor">
+            <a:schemeClr val="lt1"/>
+          </a:fontRef>
+        </p:style>
+        <p:txBody>
+          <a:bodyPr rtlCol="0" anchor="ctr"/>
+          <a:lstStyle/>
+          <a:p>
+            <a:pPr algn="ctr"/>
+            <a:r>
+              <a:rPr lang="en-GB" sz="1200" dirty="0" err="1"/>
+              <a:t>Extrakations-Funktion</a:t>
+            </a:r>
+            <a:endParaRPr lang="en-GB" sz="1200" dirty="0"/>
+          </a:p>
+        </p:txBody>
+      </p:sp>
+      <p:sp>
+        <p:nvSpPr>
+          <p:cNvPr id="29" name="Flussdiagramm: Prozess 28">
+            <a:extLst>
+              <a:ext uri="{FF2B5EF4-FFF2-40B4-BE49-F238E27FC236}">
+                <a16:creationId xmlns:a16="http://schemas.microsoft.com/office/drawing/2014/main" id="{0A887AD3-51EA-4F87-8C77-9DC08D1F2A14}"/>
+              </a:ext>
+            </a:extLst>
+          </p:cNvPr>
+          <p:cNvSpPr/>
+          <p:nvPr/>
+        </p:nvSpPr>
+        <p:spPr>
+          <a:xfrm>
+            <a:off x="3297640" y="4722399"/>
+            <a:ext cx="1544128" cy="664235"/>
+          </a:xfrm>
+          <a:prstGeom prst="flowChartProcess">
+            <a:avLst/>
+          </a:prstGeom>
+        </p:spPr>
+        <p:style>
+          <a:lnRef idx="2">
+            <a:schemeClr val="accent1">
+              <a:shade val="50000"/>
+            </a:schemeClr>
+          </a:lnRef>
+          <a:fillRef idx="1">
+            <a:schemeClr val="accent1"/>
+          </a:fillRef>
+          <a:effectRef idx="0">
+            <a:schemeClr val="accent1"/>
+          </a:effectRef>
+          <a:fontRef idx="minor">
+            <a:schemeClr val="lt1"/>
+          </a:fontRef>
+        </p:style>
+        <p:txBody>
+          <a:bodyPr rtlCol="0" anchor="ctr"/>
+          <a:lstStyle/>
+          <a:p>
+            <a:pPr algn="ctr"/>
+            <a:r>
+              <a:rPr lang="en-GB" sz="1200" dirty="0"/>
+              <a:t>Bild-Augmentation</a:t>
+            </a:r>
+          </a:p>
+        </p:txBody>
+      </p:sp>
+      <p:sp>
+        <p:nvSpPr>
+          <p:cNvPr id="38" name="Flussdiagramm: Verzweigung 37">
+            <a:extLst>
+              <a:ext uri="{FF2B5EF4-FFF2-40B4-BE49-F238E27FC236}">
+                <a16:creationId xmlns:a16="http://schemas.microsoft.com/office/drawing/2014/main" id="{8BC65406-1AED-4CE5-9820-B5ACAEFBA9C7}"/>
+              </a:ext>
+            </a:extLst>
+          </p:cNvPr>
+          <p:cNvSpPr/>
+          <p:nvPr/>
+        </p:nvSpPr>
+        <p:spPr>
+          <a:xfrm>
+            <a:off x="3297640" y="3496603"/>
+            <a:ext cx="1544129" cy="906454"/>
+          </a:xfrm>
+          <a:prstGeom prst="flowChartDecision">
+            <a:avLst/>
+          </a:prstGeom>
+        </p:spPr>
+        <p:style>
+          <a:lnRef idx="2">
+            <a:schemeClr val="accent1">
+              <a:shade val="50000"/>
+            </a:schemeClr>
+          </a:lnRef>
+          <a:fillRef idx="1">
+            <a:schemeClr val="accent1"/>
+          </a:fillRef>
+          <a:effectRef idx="0">
+            <a:schemeClr val="accent1"/>
+          </a:effectRef>
+          <a:fontRef idx="minor">
+            <a:schemeClr val="lt1"/>
+          </a:fontRef>
+        </p:style>
+        <p:txBody>
+          <a:bodyPr rtlCol="0" anchor="ctr"/>
+          <a:lstStyle/>
+          <a:p>
+            <a:pPr algn="ctr"/>
+            <a:r>
+              <a:rPr lang="en-GB" sz="1200" dirty="0" err="1"/>
+              <a:t>Visu</a:t>
+            </a:r>
+            <a:r>
+              <a:rPr lang="en-GB" sz="1200" dirty="0"/>
+              <a:t> = True?</a:t>
+            </a:r>
+          </a:p>
+        </p:txBody>
+      </p:sp>
+      <p:cxnSp>
+        <p:nvCxnSpPr>
+          <p:cNvPr id="40" name="Gerade Verbindung mit Pfeil 39">
+            <a:extLst>
+              <a:ext uri="{FF2B5EF4-FFF2-40B4-BE49-F238E27FC236}">
+                <a16:creationId xmlns:a16="http://schemas.microsoft.com/office/drawing/2014/main" id="{DA2ED42C-7FE9-4F09-A8B1-91C1C320EF54}"/>
+              </a:ext>
+            </a:extLst>
+          </p:cNvPr>
+          <p:cNvCxnSpPr>
+            <a:cxnSpLocks/>
+            <a:stCxn id="25" idx="2"/>
+            <a:endCxn id="38" idx="0"/>
+          </p:cNvCxnSpPr>
+          <p:nvPr/>
+        </p:nvCxnSpPr>
+        <p:spPr>
+          <a:xfrm>
+            <a:off x="4069704" y="3102881"/>
+            <a:ext cx="1" cy="393722"/>
+          </a:xfrm>
+          <a:prstGeom prst="straightConnector1">
+            <a:avLst/>
+          </a:prstGeom>
+          <a:ln>
+            <a:tailEnd type="triangle"/>
+          </a:ln>
+        </p:spPr>
+        <p:style>
+          <a:lnRef idx="1">
+            <a:schemeClr val="accent1"/>
+          </a:lnRef>
+          <a:fillRef idx="0">
+            <a:schemeClr val="accent1"/>
+          </a:fillRef>
+          <a:effectRef idx="0">
+            <a:schemeClr val="accent1"/>
+          </a:effectRef>
+          <a:fontRef idx="minor">
+            <a:schemeClr val="tx1"/>
+          </a:fontRef>
+        </p:style>
+      </p:cxnSp>
+      <p:cxnSp>
+        <p:nvCxnSpPr>
+          <p:cNvPr id="42" name="Gerade Verbindung mit Pfeil 41">
+            <a:extLst>
+              <a:ext uri="{FF2B5EF4-FFF2-40B4-BE49-F238E27FC236}">
+                <a16:creationId xmlns:a16="http://schemas.microsoft.com/office/drawing/2014/main" id="{012BE7CB-32AC-485F-BE2F-3DDA39EB96A5}"/>
+              </a:ext>
+            </a:extLst>
+          </p:cNvPr>
+          <p:cNvCxnSpPr>
+            <a:stCxn id="38" idx="2"/>
+            <a:endCxn id="29" idx="0"/>
+          </p:cNvCxnSpPr>
+          <p:nvPr/>
+        </p:nvCxnSpPr>
+        <p:spPr>
+          <a:xfrm flipH="1">
+            <a:off x="4069704" y="4403057"/>
+            <a:ext cx="1" cy="319342"/>
+          </a:xfrm>
+          <a:prstGeom prst="straightConnector1">
+            <a:avLst/>
+          </a:prstGeom>
+          <a:ln>
+            <a:tailEnd type="triangle"/>
+          </a:ln>
+        </p:spPr>
+        <p:style>
+          <a:lnRef idx="1">
+            <a:schemeClr val="accent1"/>
+          </a:lnRef>
+          <a:fillRef idx="0">
+            <a:schemeClr val="accent1"/>
+          </a:fillRef>
+          <a:effectRef idx="0">
+            <a:schemeClr val="accent1"/>
+          </a:effectRef>
+          <a:fontRef idx="minor">
+            <a:schemeClr val="tx1"/>
+          </a:fontRef>
+        </p:style>
+      </p:cxnSp>
+      <p:sp>
+        <p:nvSpPr>
+          <p:cNvPr id="43" name="Textfeld 42">
+            <a:extLst>
+              <a:ext uri="{FF2B5EF4-FFF2-40B4-BE49-F238E27FC236}">
+                <a16:creationId xmlns:a16="http://schemas.microsoft.com/office/drawing/2014/main" id="{544B66A8-B327-4E96-8D66-7BBA282463C7}"/>
+              </a:ext>
+            </a:extLst>
+          </p:cNvPr>
+          <p:cNvSpPr txBox="1"/>
+          <p:nvPr/>
+        </p:nvSpPr>
+        <p:spPr>
+          <a:xfrm>
+            <a:off x="3451665" y="4322190"/>
+            <a:ext cx="630066" cy="276999"/>
+          </a:xfrm>
+          <a:prstGeom prst="rect">
+            <a:avLst/>
+          </a:prstGeom>
+          <a:noFill/>
+        </p:spPr>
+        <p:txBody>
+          <a:bodyPr wrap="square" rtlCol="0">
+            <a:spAutoFit/>
+          </a:bodyPr>
+          <a:lstStyle/>
+          <a:p>
+            <a:r>
+              <a:rPr lang="en-GB" sz="1200" dirty="0" err="1"/>
+              <a:t>Nein</a:t>
+            </a:r>
+            <a:endParaRPr lang="en-GB" sz="1200" dirty="0"/>
+          </a:p>
+        </p:txBody>
+      </p:sp>
+      <p:cxnSp>
+        <p:nvCxnSpPr>
+          <p:cNvPr id="45" name="Gerade Verbindung mit Pfeil 44">
+            <a:extLst>
+              <a:ext uri="{FF2B5EF4-FFF2-40B4-BE49-F238E27FC236}">
+                <a16:creationId xmlns:a16="http://schemas.microsoft.com/office/drawing/2014/main" id="{940CFC20-C331-4F45-978B-D91829F56B7B}"/>
+              </a:ext>
+            </a:extLst>
+          </p:cNvPr>
+          <p:cNvCxnSpPr>
+            <a:cxnSpLocks/>
+            <a:stCxn id="38" idx="3"/>
+            <a:endCxn id="46" idx="1"/>
+          </p:cNvCxnSpPr>
+          <p:nvPr/>
+        </p:nvCxnSpPr>
+        <p:spPr>
+          <a:xfrm>
+            <a:off x="4841769" y="3949830"/>
+            <a:ext cx="520987" cy="0"/>
+          </a:xfrm>
+          <a:prstGeom prst="straightConnector1">
+            <a:avLst/>
+          </a:prstGeom>
+          <a:ln>
+            <a:tailEnd type="triangle"/>
+          </a:ln>
+        </p:spPr>
+        <p:style>
+          <a:lnRef idx="1">
+            <a:schemeClr val="accent1"/>
+          </a:lnRef>
+          <a:fillRef idx="0">
+            <a:schemeClr val="accent1"/>
+          </a:fillRef>
+          <a:effectRef idx="0">
+            <a:schemeClr val="accent1"/>
+          </a:effectRef>
+          <a:fontRef idx="minor">
+            <a:schemeClr val="tx1"/>
+          </a:fontRef>
+        </p:style>
+      </p:cxnSp>
+      <p:sp>
+        <p:nvSpPr>
+          <p:cNvPr id="46" name="Flussdiagramm: Prozess 45">
+            <a:extLst>
+              <a:ext uri="{FF2B5EF4-FFF2-40B4-BE49-F238E27FC236}">
+                <a16:creationId xmlns:a16="http://schemas.microsoft.com/office/drawing/2014/main" id="{B9F8FD20-71CF-4501-81D1-EA1B86A7F113}"/>
+              </a:ext>
+            </a:extLst>
+          </p:cNvPr>
+          <p:cNvSpPr/>
+          <p:nvPr/>
+        </p:nvSpPr>
+        <p:spPr>
+          <a:xfrm>
+            <a:off x="5362756" y="3617712"/>
+            <a:ext cx="1544128" cy="664235"/>
+          </a:xfrm>
+          <a:prstGeom prst="flowChartProcess">
+            <a:avLst/>
+          </a:prstGeom>
+        </p:spPr>
+        <p:style>
+          <a:lnRef idx="2">
+            <a:schemeClr val="accent1">
+              <a:shade val="50000"/>
+            </a:schemeClr>
+          </a:lnRef>
+          <a:fillRef idx="1">
+            <a:schemeClr val="accent1"/>
+          </a:fillRef>
+          <a:effectRef idx="0">
+            <a:schemeClr val="accent1"/>
+          </a:effectRef>
+          <a:fontRef idx="minor">
+            <a:schemeClr val="lt1"/>
+          </a:fontRef>
+        </p:style>
+        <p:txBody>
+          <a:bodyPr rtlCol="0" anchor="ctr"/>
+          <a:lstStyle/>
+          <a:p>
+            <a:pPr algn="ctr"/>
+            <a:r>
+              <a:rPr lang="en-GB" sz="1200" dirty="0" err="1"/>
+              <a:t>Darstellung</a:t>
+            </a:r>
+            <a:r>
+              <a:rPr lang="en-GB" sz="1200" dirty="0"/>
+              <a:t> Bild</a:t>
+            </a:r>
+          </a:p>
+        </p:txBody>
+      </p:sp>
+      <p:cxnSp>
+        <p:nvCxnSpPr>
+          <p:cNvPr id="50" name="Verbinder: gewinkelt 49">
+            <a:extLst>
+              <a:ext uri="{FF2B5EF4-FFF2-40B4-BE49-F238E27FC236}">
+                <a16:creationId xmlns:a16="http://schemas.microsoft.com/office/drawing/2014/main" id="{1FE145A3-FC15-4DE5-9D69-922AD79DEE3C}"/>
+              </a:ext>
+            </a:extLst>
+          </p:cNvPr>
+          <p:cNvCxnSpPr>
+            <a:cxnSpLocks/>
+            <a:stCxn id="3" idx="2"/>
+            <a:endCxn id="38" idx="0"/>
+          </p:cNvCxnSpPr>
+          <p:nvPr/>
+        </p:nvCxnSpPr>
+        <p:spPr>
+          <a:xfrm rot="16200000" flipH="1">
+            <a:off x="2083580" y="1510477"/>
+            <a:ext cx="1396705" cy="2575546"/>
+          </a:xfrm>
+          <a:prstGeom prst="bentConnector3">
+            <a:avLst>
+              <a:gd name="adj1" fmla="val 82117"/>
+            </a:avLst>
+          </a:prstGeom>
+          <a:ln>
+            <a:tailEnd type="triangle"/>
+          </a:ln>
+        </p:spPr>
+        <p:style>
+          <a:lnRef idx="1">
+            <a:schemeClr val="accent1"/>
+          </a:lnRef>
+          <a:fillRef idx="0">
+            <a:schemeClr val="accent1"/>
+          </a:fillRef>
+          <a:effectRef idx="0">
+            <a:schemeClr val="accent1"/>
+          </a:effectRef>
+          <a:fontRef idx="minor">
+            <a:schemeClr val="tx1"/>
+          </a:fontRef>
+        </p:style>
+      </p:cxnSp>
+      <p:sp>
+        <p:nvSpPr>
+          <p:cNvPr id="52" name="Textfeld 51">
+            <a:extLst>
+              <a:ext uri="{FF2B5EF4-FFF2-40B4-BE49-F238E27FC236}">
+                <a16:creationId xmlns:a16="http://schemas.microsoft.com/office/drawing/2014/main" id="{202ACADD-CAAD-42C1-A248-E9A61FFC7493}"/>
+              </a:ext>
+            </a:extLst>
+          </p:cNvPr>
+          <p:cNvSpPr txBox="1"/>
+          <p:nvPr/>
+        </p:nvSpPr>
+        <p:spPr>
+          <a:xfrm>
+            <a:off x="4885622" y="3626558"/>
+            <a:ext cx="394325" cy="276999"/>
+          </a:xfrm>
+          <a:prstGeom prst="rect">
+            <a:avLst/>
+          </a:prstGeom>
+          <a:noFill/>
+        </p:spPr>
+        <p:txBody>
+          <a:bodyPr wrap="square" rtlCol="0">
+            <a:spAutoFit/>
+          </a:bodyPr>
+          <a:lstStyle/>
+          <a:p>
+            <a:r>
+              <a:rPr lang="en-GB" sz="1200" dirty="0" err="1"/>
+              <a:t>Ja</a:t>
+            </a:r>
+            <a:endParaRPr lang="en-GB" sz="1200" dirty="0"/>
+          </a:p>
+        </p:txBody>
+      </p:sp>
+      <p:cxnSp>
+        <p:nvCxnSpPr>
+          <p:cNvPr id="85" name="Verbinder: gewinkelt 84">
+            <a:extLst>
+              <a:ext uri="{FF2B5EF4-FFF2-40B4-BE49-F238E27FC236}">
+                <a16:creationId xmlns:a16="http://schemas.microsoft.com/office/drawing/2014/main" id="{0B12BE17-40F0-4649-A0FB-C281B8352A4E}"/>
+              </a:ext>
+            </a:extLst>
+          </p:cNvPr>
+          <p:cNvCxnSpPr>
+            <a:stCxn id="46" idx="2"/>
+            <a:endCxn id="29" idx="0"/>
+          </p:cNvCxnSpPr>
+          <p:nvPr/>
+        </p:nvCxnSpPr>
+        <p:spPr>
+          <a:xfrm rot="5400000">
+            <a:off x="4882036" y="3469615"/>
+            <a:ext cx="440452" cy="2065116"/>
+          </a:xfrm>
+          <a:prstGeom prst="bentConnector3">
+            <a:avLst/>
+          </a:prstGeom>
+          <a:ln>
+            <a:tailEnd type="triangle"/>
+          </a:ln>
+        </p:spPr>
+        <p:style>
+          <a:lnRef idx="1">
+            <a:schemeClr val="accent1"/>
+          </a:lnRef>
+          <a:fillRef idx="0">
+            <a:schemeClr val="accent1"/>
+          </a:fillRef>
+          <a:effectRef idx="0">
+            <a:schemeClr val="accent1"/>
+          </a:effectRef>
+          <a:fontRef idx="minor">
+            <a:schemeClr val="tx1"/>
+          </a:fontRef>
+        </p:style>
+      </p:cxnSp>
+      <p:sp>
+        <p:nvSpPr>
+          <p:cNvPr id="86" name="Flussdiagramm: Verzweigung 85">
+            <a:extLst>
+              <a:ext uri="{FF2B5EF4-FFF2-40B4-BE49-F238E27FC236}">
+                <a16:creationId xmlns:a16="http://schemas.microsoft.com/office/drawing/2014/main" id="{BB80762A-5911-4193-B153-B0D3F78D44A0}"/>
+              </a:ext>
+            </a:extLst>
+          </p:cNvPr>
+          <p:cNvSpPr/>
+          <p:nvPr/>
+        </p:nvSpPr>
+        <p:spPr>
+          <a:xfrm>
+            <a:off x="3297640" y="5553970"/>
+            <a:ext cx="1544129" cy="906454"/>
+          </a:xfrm>
+          <a:prstGeom prst="flowChartDecision">
+            <a:avLst/>
+          </a:prstGeom>
+        </p:spPr>
+        <p:style>
+          <a:lnRef idx="2">
+            <a:schemeClr val="accent1">
+              <a:shade val="50000"/>
+            </a:schemeClr>
+          </a:lnRef>
+          <a:fillRef idx="1">
+            <a:schemeClr val="accent1"/>
+          </a:fillRef>
+          <a:effectRef idx="0">
+            <a:schemeClr val="accent1"/>
+          </a:effectRef>
+          <a:fontRef idx="minor">
+            <a:schemeClr val="lt1"/>
+          </a:fontRef>
+        </p:style>
+        <p:txBody>
+          <a:bodyPr rtlCol="0" anchor="ctr"/>
+          <a:lstStyle/>
+          <a:p>
+            <a:pPr algn="ctr"/>
+            <a:r>
+              <a:rPr lang="en-GB" sz="1200" dirty="0" err="1"/>
+              <a:t>Visu</a:t>
+            </a:r>
+            <a:r>
+              <a:rPr lang="en-GB" sz="1200" dirty="0"/>
+              <a:t> = True?</a:t>
+            </a:r>
+          </a:p>
+        </p:txBody>
+      </p:sp>
+      <p:sp>
+        <p:nvSpPr>
+          <p:cNvPr id="87" name="Textfeld 86">
+            <a:extLst>
+              <a:ext uri="{FF2B5EF4-FFF2-40B4-BE49-F238E27FC236}">
+                <a16:creationId xmlns:a16="http://schemas.microsoft.com/office/drawing/2014/main" id="{210A3E40-4740-40BF-88A7-44D92A18E295}"/>
+              </a:ext>
+            </a:extLst>
+          </p:cNvPr>
+          <p:cNvSpPr txBox="1"/>
+          <p:nvPr/>
+        </p:nvSpPr>
+        <p:spPr>
+          <a:xfrm>
+            <a:off x="3451665" y="6379557"/>
+            <a:ext cx="630066" cy="276999"/>
+          </a:xfrm>
+          <a:prstGeom prst="rect">
+            <a:avLst/>
+          </a:prstGeom>
+          <a:noFill/>
+        </p:spPr>
+        <p:txBody>
+          <a:bodyPr wrap="square" rtlCol="0">
+            <a:spAutoFit/>
+          </a:bodyPr>
+          <a:lstStyle/>
+          <a:p>
+            <a:r>
+              <a:rPr lang="en-GB" sz="1200" dirty="0" err="1"/>
+              <a:t>Nein</a:t>
+            </a:r>
+            <a:endParaRPr lang="en-GB" sz="1200" dirty="0"/>
+          </a:p>
+        </p:txBody>
+      </p:sp>
+      <p:cxnSp>
+        <p:nvCxnSpPr>
+          <p:cNvPr id="88" name="Gerade Verbindung mit Pfeil 87">
+            <a:extLst>
+              <a:ext uri="{FF2B5EF4-FFF2-40B4-BE49-F238E27FC236}">
+                <a16:creationId xmlns:a16="http://schemas.microsoft.com/office/drawing/2014/main" id="{E182C385-F761-4164-9A86-2C6B6F0DE282}"/>
+              </a:ext>
+            </a:extLst>
+          </p:cNvPr>
+          <p:cNvCxnSpPr>
+            <a:cxnSpLocks/>
+            <a:stCxn id="86" idx="3"/>
+            <a:endCxn id="89" idx="1"/>
+          </p:cNvCxnSpPr>
+          <p:nvPr/>
+        </p:nvCxnSpPr>
+        <p:spPr>
+          <a:xfrm>
+            <a:off x="4841769" y="6007197"/>
+            <a:ext cx="520987" cy="0"/>
+          </a:xfrm>
+          <a:prstGeom prst="straightConnector1">
+            <a:avLst/>
+          </a:prstGeom>
+          <a:ln>
+            <a:tailEnd type="triangle"/>
+          </a:ln>
+        </p:spPr>
+        <p:style>
+          <a:lnRef idx="1">
+            <a:schemeClr val="accent1"/>
+          </a:lnRef>
+          <a:fillRef idx="0">
+            <a:schemeClr val="accent1"/>
+          </a:fillRef>
+          <a:effectRef idx="0">
+            <a:schemeClr val="accent1"/>
+          </a:effectRef>
+          <a:fontRef idx="minor">
+            <a:schemeClr val="tx1"/>
+          </a:fontRef>
+        </p:style>
+      </p:cxnSp>
+      <p:sp>
+        <p:nvSpPr>
+          <p:cNvPr id="89" name="Flussdiagramm: Prozess 88">
+            <a:extLst>
+              <a:ext uri="{FF2B5EF4-FFF2-40B4-BE49-F238E27FC236}">
+                <a16:creationId xmlns:a16="http://schemas.microsoft.com/office/drawing/2014/main" id="{ECA18361-E1C3-4FB0-A6C4-057D3AE51B0F}"/>
+              </a:ext>
+            </a:extLst>
+          </p:cNvPr>
+          <p:cNvSpPr/>
+          <p:nvPr/>
+        </p:nvSpPr>
+        <p:spPr>
+          <a:xfrm>
+            <a:off x="5362756" y="5675079"/>
+            <a:ext cx="1544128" cy="664235"/>
+          </a:xfrm>
+          <a:prstGeom prst="flowChartProcess">
+            <a:avLst/>
+          </a:prstGeom>
+        </p:spPr>
+        <p:style>
+          <a:lnRef idx="2">
+            <a:schemeClr val="accent1">
+              <a:shade val="50000"/>
+            </a:schemeClr>
+          </a:lnRef>
+          <a:fillRef idx="1">
+            <a:schemeClr val="accent1"/>
+          </a:fillRef>
+          <a:effectRef idx="0">
+            <a:schemeClr val="accent1"/>
+          </a:effectRef>
+          <a:fontRef idx="minor">
+            <a:schemeClr val="lt1"/>
+          </a:fontRef>
+        </p:style>
+        <p:txBody>
+          <a:bodyPr rtlCol="0" anchor="ctr"/>
+          <a:lstStyle/>
+          <a:p>
+            <a:pPr algn="ctr"/>
+            <a:r>
+              <a:rPr lang="en-GB" sz="1200" dirty="0" err="1"/>
+              <a:t>Darstellung</a:t>
+            </a:r>
+            <a:r>
+              <a:rPr lang="en-GB" sz="1200" dirty="0"/>
+              <a:t> Bild</a:t>
+            </a:r>
+          </a:p>
+        </p:txBody>
+      </p:sp>
+      <p:sp>
+        <p:nvSpPr>
+          <p:cNvPr id="90" name="Textfeld 89">
+            <a:extLst>
+              <a:ext uri="{FF2B5EF4-FFF2-40B4-BE49-F238E27FC236}">
+                <a16:creationId xmlns:a16="http://schemas.microsoft.com/office/drawing/2014/main" id="{051FF1B5-EF7B-4D46-A3F9-F71947B408AA}"/>
+              </a:ext>
+            </a:extLst>
+          </p:cNvPr>
+          <p:cNvSpPr txBox="1"/>
+          <p:nvPr/>
+        </p:nvSpPr>
+        <p:spPr>
+          <a:xfrm>
+            <a:off x="4885622" y="5683925"/>
+            <a:ext cx="394325" cy="276999"/>
+          </a:xfrm>
+          <a:prstGeom prst="rect">
+            <a:avLst/>
+          </a:prstGeom>
+          <a:noFill/>
+        </p:spPr>
+        <p:txBody>
+          <a:bodyPr wrap="square" rtlCol="0">
+            <a:spAutoFit/>
+          </a:bodyPr>
+          <a:lstStyle/>
+          <a:p>
+            <a:r>
+              <a:rPr lang="en-GB" sz="1200" dirty="0" err="1"/>
+              <a:t>Ja</a:t>
+            </a:r>
+            <a:endParaRPr lang="en-GB" sz="1200" dirty="0"/>
+          </a:p>
+        </p:txBody>
+      </p:sp>
+      <p:cxnSp>
+        <p:nvCxnSpPr>
+          <p:cNvPr id="92" name="Gerade Verbindung mit Pfeil 91">
+            <a:extLst>
+              <a:ext uri="{FF2B5EF4-FFF2-40B4-BE49-F238E27FC236}">
+                <a16:creationId xmlns:a16="http://schemas.microsoft.com/office/drawing/2014/main" id="{032F6B70-B000-4864-84C2-29A39E6CBDB4}"/>
+              </a:ext>
+            </a:extLst>
+          </p:cNvPr>
+          <p:cNvCxnSpPr>
+            <a:stCxn id="29" idx="2"/>
+            <a:endCxn id="86" idx="0"/>
+          </p:cNvCxnSpPr>
+          <p:nvPr/>
+        </p:nvCxnSpPr>
+        <p:spPr>
+          <a:xfrm>
+            <a:off x="4069704" y="5386634"/>
+            <a:ext cx="1" cy="167336"/>
+          </a:xfrm>
+          <a:prstGeom prst="straightConnector1">
+            <a:avLst/>
+          </a:prstGeom>
+          <a:ln>
+            <a:tailEnd type="triangle"/>
+          </a:ln>
+        </p:spPr>
+        <p:style>
+          <a:lnRef idx="1">
+            <a:schemeClr val="accent1"/>
+          </a:lnRef>
+          <a:fillRef idx="0">
+            <a:schemeClr val="accent1"/>
+          </a:fillRef>
+          <a:effectRef idx="0">
+            <a:schemeClr val="accent1"/>
+          </a:effectRef>
+          <a:fontRef idx="minor">
+            <a:schemeClr val="tx1"/>
+          </a:fontRef>
+        </p:style>
+      </p:cxnSp>
+      <p:sp>
+        <p:nvSpPr>
+          <p:cNvPr id="95" name="Flussdiagramm: Grenzstelle 94">
+            <a:extLst>
+              <a:ext uri="{FF2B5EF4-FFF2-40B4-BE49-F238E27FC236}">
+                <a16:creationId xmlns:a16="http://schemas.microsoft.com/office/drawing/2014/main" id="{240F4981-79AA-4210-A66D-48796C26DB0F}"/>
+              </a:ext>
+            </a:extLst>
+          </p:cNvPr>
+          <p:cNvSpPr/>
+          <p:nvPr/>
+        </p:nvSpPr>
+        <p:spPr>
+          <a:xfrm>
+            <a:off x="7427871" y="5730833"/>
+            <a:ext cx="1759203" cy="552727"/>
+          </a:xfrm>
+          <a:prstGeom prst="flowChartTerminator">
+            <a:avLst/>
+          </a:prstGeom>
+        </p:spPr>
+        <p:style>
+          <a:lnRef idx="2">
+            <a:schemeClr val="accent1">
+              <a:shade val="50000"/>
+            </a:schemeClr>
+          </a:lnRef>
+          <a:fillRef idx="1">
+            <a:schemeClr val="accent1"/>
+          </a:fillRef>
+          <a:effectRef idx="0">
+            <a:schemeClr val="accent1"/>
+          </a:effectRef>
+          <a:fontRef idx="minor">
+            <a:schemeClr val="lt1"/>
+          </a:fontRef>
+        </p:style>
+        <p:txBody>
+          <a:bodyPr rtlCol="0" anchor="ctr"/>
+          <a:lstStyle/>
+          <a:p>
+            <a:pPr algn="ctr"/>
+            <a:r>
+              <a:rPr lang="en-GB" sz="1200" dirty="0"/>
+              <a:t>Return Datasets to Main-</a:t>
+            </a:r>
+            <a:r>
+              <a:rPr lang="en-GB" sz="1200" dirty="0" err="1"/>
+              <a:t>Funktion</a:t>
+            </a:r>
+            <a:endParaRPr lang="en-GB" sz="1200" dirty="0"/>
+          </a:p>
+        </p:txBody>
+      </p:sp>
+      <p:cxnSp>
+        <p:nvCxnSpPr>
+          <p:cNvPr id="97" name="Gerade Verbindung mit Pfeil 96">
+            <a:extLst>
+              <a:ext uri="{FF2B5EF4-FFF2-40B4-BE49-F238E27FC236}">
+                <a16:creationId xmlns:a16="http://schemas.microsoft.com/office/drawing/2014/main" id="{7525D6CB-1093-4A5D-A438-53DE6D37B387}"/>
+              </a:ext>
+            </a:extLst>
+          </p:cNvPr>
+          <p:cNvCxnSpPr>
+            <a:stCxn id="89" idx="3"/>
+            <a:endCxn id="95" idx="1"/>
+          </p:cNvCxnSpPr>
+          <p:nvPr/>
+        </p:nvCxnSpPr>
+        <p:spPr>
+          <a:xfrm>
+            <a:off x="6906884" y="6007197"/>
+            <a:ext cx="520987" cy="0"/>
+          </a:xfrm>
+          <a:prstGeom prst="straightConnector1">
+            <a:avLst/>
+          </a:prstGeom>
+          <a:ln>
+            <a:tailEnd type="triangle"/>
+          </a:ln>
+        </p:spPr>
+        <p:style>
+          <a:lnRef idx="1">
+            <a:schemeClr val="accent1"/>
+          </a:lnRef>
+          <a:fillRef idx="0">
+            <a:schemeClr val="accent1"/>
+          </a:fillRef>
+          <a:effectRef idx="0">
+            <a:schemeClr val="accent1"/>
+          </a:effectRef>
+          <a:fontRef idx="minor">
+            <a:schemeClr val="tx1"/>
+          </a:fontRef>
+        </p:style>
+      </p:cxnSp>
+      <p:cxnSp>
+        <p:nvCxnSpPr>
+          <p:cNvPr id="99" name="Verbinder: gewinkelt 98">
+            <a:extLst>
+              <a:ext uri="{FF2B5EF4-FFF2-40B4-BE49-F238E27FC236}">
+                <a16:creationId xmlns:a16="http://schemas.microsoft.com/office/drawing/2014/main" id="{B75671FD-4EDF-474E-99AE-5F003CD89F6E}"/>
+              </a:ext>
+            </a:extLst>
+          </p:cNvPr>
+          <p:cNvCxnSpPr>
+            <a:stCxn id="86" idx="2"/>
+            <a:endCxn id="95" idx="2"/>
+          </p:cNvCxnSpPr>
+          <p:nvPr/>
+        </p:nvCxnSpPr>
+        <p:spPr>
+          <a:xfrm rot="5400000" flipH="1" flipV="1">
+            <a:off x="6100157" y="4253108"/>
+            <a:ext cx="176864" cy="4237768"/>
+          </a:xfrm>
+          <a:prstGeom prst="bentConnector3">
+            <a:avLst>
+              <a:gd name="adj1" fmla="val -129252"/>
+            </a:avLst>
+          </a:prstGeom>
+          <a:ln>
+            <a:tailEnd type="triangle"/>
+          </a:ln>
+        </p:spPr>
+        <p:style>
+          <a:lnRef idx="1">
+            <a:schemeClr val="accent1"/>
+          </a:lnRef>
+          <a:fillRef idx="0">
+            <a:schemeClr val="accent1"/>
+          </a:fillRef>
+          <a:effectRef idx="0">
+            <a:schemeClr val="accent1"/>
+          </a:effectRef>
+          <a:fontRef idx="minor">
+            <a:schemeClr val="tx1"/>
+          </a:fontRef>
+        </p:style>
+      </p:cxnSp>
+    </p:spTree>
+    <p:extLst>
+      <p:ext uri="{BB962C8B-B14F-4D97-AF65-F5344CB8AC3E}">
+        <p14:creationId xmlns:p14="http://schemas.microsoft.com/office/powerpoint/2010/main" val="1615185808"/>
+      </p:ext>
+    </p:extLst>
+  </p:cSld>
+  <p:clrMapOvr>
+    <a:masterClrMapping/>
+  </p:clrMapOvr>
+</p:sld>
+</file>
+
+<file path=ppt/slides/slide11.xml><?xml version="1.0" encoding="utf-8"?>
+<p:sld xmlns:a="http://schemas.openxmlformats.org/drawingml/2006/main" xmlns:r="http://schemas.openxmlformats.org/officeDocument/2006/relationships" xmlns:p="http://schemas.openxmlformats.org/presentationml/2006/main">
+  <p:cSld>
+    <p:spTree>
+      <p:nvGrpSpPr>
+        <p:cNvPr id="1" name=""/>
+        <p:cNvGrpSpPr/>
+        <p:nvPr/>
+      </p:nvGrpSpPr>
+      <p:grpSpPr>
+        <a:xfrm>
+          <a:off x="0" y="0"/>
+          <a:ext cx="0" cy="0"/>
+          <a:chOff x="0" y="0"/>
+          <a:chExt cx="0" cy="0"/>
+        </a:xfrm>
+      </p:grpSpPr>
+      <p:sp>
+        <p:nvSpPr>
+          <p:cNvPr id="2" name="Flussdiagramm: Grenzstelle 1">
+            <a:extLst>
+              <a:ext uri="{FF2B5EF4-FFF2-40B4-BE49-F238E27FC236}">
+                <a16:creationId xmlns:a16="http://schemas.microsoft.com/office/drawing/2014/main" id="{566A886B-20AA-438E-9AA7-E224F6333028}"/>
+              </a:ext>
+            </a:extLst>
+          </p:cNvPr>
+          <p:cNvSpPr/>
+          <p:nvPr/>
+        </p:nvSpPr>
+        <p:spPr>
+          <a:xfrm>
+            <a:off x="614557" y="135293"/>
+            <a:ext cx="1759203" cy="552727"/>
+          </a:xfrm>
+          <a:prstGeom prst="flowChartTerminator">
+            <a:avLst/>
+          </a:prstGeom>
+        </p:spPr>
+        <p:style>
+          <a:lnRef idx="2">
+            <a:schemeClr val="accent1">
+              <a:shade val="50000"/>
+            </a:schemeClr>
+          </a:lnRef>
+          <a:fillRef idx="1">
+            <a:schemeClr val="accent1"/>
+          </a:fillRef>
+          <a:effectRef idx="0">
+            <a:schemeClr val="accent1"/>
+          </a:effectRef>
+          <a:fontRef idx="minor">
+            <a:schemeClr val="lt1"/>
+          </a:fontRef>
+        </p:style>
+        <p:txBody>
+          <a:bodyPr rtlCol="0" anchor="ctr"/>
+          <a:lstStyle/>
+          <a:p>
+            <a:pPr algn="ctr"/>
+            <a:r>
+              <a:rPr lang="en-GB" sz="1200" dirty="0" err="1"/>
+              <a:t>Modul_b.train</a:t>
+            </a:r>
+            <a:endParaRPr lang="en-GB" sz="1200" dirty="0"/>
+          </a:p>
+        </p:txBody>
+      </p:sp>
+      <p:sp>
+        <p:nvSpPr>
+          <p:cNvPr id="3" name="Flussdiagramm: Verzweigung 2">
+            <a:extLst>
+              <a:ext uri="{FF2B5EF4-FFF2-40B4-BE49-F238E27FC236}">
+                <a16:creationId xmlns:a16="http://schemas.microsoft.com/office/drawing/2014/main" id="{AF217F05-8A4E-40CE-8583-6364CE51DF2D}"/>
+              </a:ext>
+            </a:extLst>
+          </p:cNvPr>
+          <p:cNvSpPr/>
+          <p:nvPr/>
+        </p:nvSpPr>
+        <p:spPr>
+          <a:xfrm>
+            <a:off x="579759" y="1197001"/>
+            <a:ext cx="1828799" cy="902897"/>
+          </a:xfrm>
+          <a:prstGeom prst="flowChartDecision">
+            <a:avLst/>
+          </a:prstGeom>
+        </p:spPr>
+        <p:style>
+          <a:lnRef idx="2">
+            <a:schemeClr val="accent1">
+              <a:shade val="50000"/>
+            </a:schemeClr>
+          </a:lnRef>
+          <a:fillRef idx="1">
+            <a:schemeClr val="accent1"/>
+          </a:fillRef>
+          <a:effectRef idx="0">
+            <a:schemeClr val="accent1"/>
+          </a:effectRef>
+          <a:fontRef idx="minor">
+            <a:schemeClr val="lt1"/>
+          </a:fontRef>
+        </p:style>
+        <p:txBody>
+          <a:bodyPr rtlCol="0" anchor="ctr"/>
+          <a:lstStyle/>
+          <a:p>
+            <a:pPr algn="ctr"/>
+            <a:r>
+              <a:rPr lang="en-GB" sz="1200" dirty="0"/>
+              <a:t>For </a:t>
+            </a:r>
+            <a:r>
+              <a:rPr lang="en-GB" sz="1200" dirty="0" err="1"/>
+              <a:t>i</a:t>
+            </a:r>
+            <a:r>
+              <a:rPr lang="en-GB" sz="1200" dirty="0"/>
+              <a:t> &lt; Epochs</a:t>
+            </a:r>
+          </a:p>
+        </p:txBody>
+      </p:sp>
+      <p:cxnSp>
+        <p:nvCxnSpPr>
+          <p:cNvPr id="5" name="Gerade Verbindung mit Pfeil 4">
+            <a:extLst>
+              <a:ext uri="{FF2B5EF4-FFF2-40B4-BE49-F238E27FC236}">
+                <a16:creationId xmlns:a16="http://schemas.microsoft.com/office/drawing/2014/main" id="{79639BCA-04B3-4C68-80A1-337A267ACBE6}"/>
+              </a:ext>
+            </a:extLst>
+          </p:cNvPr>
+          <p:cNvCxnSpPr>
+            <a:cxnSpLocks/>
+            <a:stCxn id="2" idx="2"/>
+            <a:endCxn id="3" idx="0"/>
+          </p:cNvCxnSpPr>
+          <p:nvPr/>
+        </p:nvCxnSpPr>
+        <p:spPr>
+          <a:xfrm>
+            <a:off x="1494159" y="688020"/>
+            <a:ext cx="0" cy="508981"/>
+          </a:xfrm>
+          <a:prstGeom prst="straightConnector1">
+            <a:avLst/>
+          </a:prstGeom>
+          <a:ln>
+            <a:tailEnd type="triangle"/>
+          </a:ln>
+        </p:spPr>
+        <p:style>
+          <a:lnRef idx="1">
+            <a:schemeClr val="accent1"/>
+          </a:lnRef>
+          <a:fillRef idx="0">
+            <a:schemeClr val="accent1"/>
+          </a:fillRef>
+          <a:effectRef idx="0">
+            <a:schemeClr val="accent1"/>
+          </a:effectRef>
+          <a:fontRef idx="minor">
+            <a:schemeClr val="tx1"/>
+          </a:fontRef>
+        </p:style>
+      </p:cxnSp>
+      <p:sp>
+        <p:nvSpPr>
+          <p:cNvPr id="8" name="Textfeld 7">
+            <a:extLst>
+              <a:ext uri="{FF2B5EF4-FFF2-40B4-BE49-F238E27FC236}">
+                <a16:creationId xmlns:a16="http://schemas.microsoft.com/office/drawing/2014/main" id="{627FDB16-60C2-4382-AA20-44E37A2E3BC8}"/>
+              </a:ext>
+            </a:extLst>
+          </p:cNvPr>
+          <p:cNvSpPr txBox="1"/>
+          <p:nvPr/>
+        </p:nvSpPr>
+        <p:spPr>
+          <a:xfrm>
+            <a:off x="935731" y="1961397"/>
+            <a:ext cx="391566" cy="276999"/>
+          </a:xfrm>
+          <a:prstGeom prst="rect">
+            <a:avLst/>
+          </a:prstGeom>
+          <a:noFill/>
+        </p:spPr>
+        <p:txBody>
+          <a:bodyPr wrap="square" rtlCol="0">
+            <a:spAutoFit/>
+          </a:bodyPr>
+          <a:lstStyle/>
+          <a:p>
+            <a:r>
+              <a:rPr lang="en-GB" sz="1200" dirty="0" err="1"/>
+              <a:t>Ja</a:t>
+            </a:r>
+            <a:endParaRPr lang="en-GB" sz="1200" dirty="0"/>
+          </a:p>
+        </p:txBody>
+      </p:sp>
+      <p:cxnSp>
+        <p:nvCxnSpPr>
+          <p:cNvPr id="10" name="Gerade Verbindung mit Pfeil 9">
+            <a:extLst>
+              <a:ext uri="{FF2B5EF4-FFF2-40B4-BE49-F238E27FC236}">
+                <a16:creationId xmlns:a16="http://schemas.microsoft.com/office/drawing/2014/main" id="{2701CC66-B787-4B18-B4E1-FC9A17DAEBE5}"/>
+              </a:ext>
+            </a:extLst>
+          </p:cNvPr>
+          <p:cNvCxnSpPr>
+            <a:cxnSpLocks/>
+            <a:stCxn id="3" idx="3"/>
+            <a:endCxn id="56" idx="1"/>
+          </p:cNvCxnSpPr>
+          <p:nvPr/>
+        </p:nvCxnSpPr>
+        <p:spPr>
+          <a:xfrm flipV="1">
+            <a:off x="2408558" y="1648449"/>
+            <a:ext cx="752334" cy="1"/>
+          </a:xfrm>
+          <a:prstGeom prst="straightConnector1">
+            <a:avLst/>
+          </a:prstGeom>
+          <a:ln>
+            <a:tailEnd type="triangle"/>
+          </a:ln>
+        </p:spPr>
+        <p:style>
+          <a:lnRef idx="1">
+            <a:schemeClr val="accent1"/>
+          </a:lnRef>
+          <a:fillRef idx="0">
+            <a:schemeClr val="accent1"/>
+          </a:fillRef>
+          <a:effectRef idx="0">
+            <a:schemeClr val="accent1"/>
+          </a:effectRef>
+          <a:fontRef idx="minor">
+            <a:schemeClr val="tx1"/>
+          </a:fontRef>
+        </p:style>
+      </p:cxnSp>
+      <p:sp>
+        <p:nvSpPr>
+          <p:cNvPr id="12" name="Textfeld 11">
+            <a:extLst>
+              <a:ext uri="{FF2B5EF4-FFF2-40B4-BE49-F238E27FC236}">
+                <a16:creationId xmlns:a16="http://schemas.microsoft.com/office/drawing/2014/main" id="{2E642CFB-9E70-4DED-8D33-B88BEDC11EDD}"/>
+              </a:ext>
+            </a:extLst>
+          </p:cNvPr>
+          <p:cNvSpPr txBox="1"/>
+          <p:nvPr/>
+        </p:nvSpPr>
+        <p:spPr>
+          <a:xfrm>
+            <a:off x="2408558" y="1360130"/>
+            <a:ext cx="628682" cy="276999"/>
+          </a:xfrm>
+          <a:prstGeom prst="rect">
+            <a:avLst/>
+          </a:prstGeom>
+          <a:noFill/>
+        </p:spPr>
+        <p:txBody>
+          <a:bodyPr wrap="square" rtlCol="0">
+            <a:spAutoFit/>
+          </a:bodyPr>
+          <a:lstStyle/>
+          <a:p>
+            <a:r>
+              <a:rPr lang="en-GB" sz="1200" dirty="0" err="1"/>
+              <a:t>Nein</a:t>
+            </a:r>
+            <a:endParaRPr lang="en-GB" sz="1200" dirty="0"/>
+          </a:p>
+        </p:txBody>
+      </p:sp>
+      <p:cxnSp>
+        <p:nvCxnSpPr>
+          <p:cNvPr id="6" name="Gerade Verbindung mit Pfeil 5">
+            <a:extLst>
+              <a:ext uri="{FF2B5EF4-FFF2-40B4-BE49-F238E27FC236}">
+                <a16:creationId xmlns:a16="http://schemas.microsoft.com/office/drawing/2014/main" id="{21B92450-1D57-421A-8654-676E4BD77BEA}"/>
+              </a:ext>
+            </a:extLst>
+          </p:cNvPr>
+          <p:cNvCxnSpPr>
+            <a:cxnSpLocks/>
+            <a:stCxn id="3" idx="2"/>
+            <a:endCxn id="36" idx="0"/>
+          </p:cNvCxnSpPr>
+          <p:nvPr/>
+        </p:nvCxnSpPr>
+        <p:spPr>
+          <a:xfrm>
+            <a:off x="1494159" y="2099898"/>
+            <a:ext cx="0" cy="378759"/>
+          </a:xfrm>
+          <a:prstGeom prst="straightConnector1">
+            <a:avLst/>
+          </a:prstGeom>
+          <a:ln>
+            <a:tailEnd type="triangle"/>
+          </a:ln>
+        </p:spPr>
+        <p:style>
+          <a:lnRef idx="1">
+            <a:schemeClr val="accent1"/>
+          </a:lnRef>
+          <a:fillRef idx="0">
+            <a:schemeClr val="accent1"/>
+          </a:fillRef>
+          <a:effectRef idx="0">
+            <a:schemeClr val="accent1"/>
+          </a:effectRef>
+          <a:fontRef idx="minor">
+            <a:schemeClr val="tx1"/>
+          </a:fontRef>
+        </p:style>
+      </p:cxnSp>
+      <p:sp>
+        <p:nvSpPr>
+          <p:cNvPr id="36" name="Flussdiagramm: Verzweigung 35">
+            <a:extLst>
+              <a:ext uri="{FF2B5EF4-FFF2-40B4-BE49-F238E27FC236}">
+                <a16:creationId xmlns:a16="http://schemas.microsoft.com/office/drawing/2014/main" id="{75B26531-7F1A-4867-8258-2DB15ED94D83}"/>
+              </a:ext>
+            </a:extLst>
+          </p:cNvPr>
+          <p:cNvSpPr/>
+          <p:nvPr/>
+        </p:nvSpPr>
+        <p:spPr>
+          <a:xfrm>
+            <a:off x="579759" y="2478657"/>
+            <a:ext cx="1828799" cy="902897"/>
+          </a:xfrm>
+          <a:prstGeom prst="flowChartDecision">
+            <a:avLst/>
+          </a:prstGeom>
+        </p:spPr>
+        <p:style>
+          <a:lnRef idx="2">
+            <a:schemeClr val="accent1">
+              <a:shade val="50000"/>
+            </a:schemeClr>
+          </a:lnRef>
+          <a:fillRef idx="1">
+            <a:schemeClr val="accent1"/>
+          </a:fillRef>
+          <a:effectRef idx="0">
+            <a:schemeClr val="accent1"/>
+          </a:effectRef>
+          <a:fontRef idx="minor">
+            <a:schemeClr val="lt1"/>
+          </a:fontRef>
+        </p:style>
+        <p:txBody>
+          <a:bodyPr rtlCol="0" anchor="ctr"/>
+          <a:lstStyle/>
+          <a:p>
+            <a:pPr algn="ctr"/>
+            <a:r>
+              <a:rPr lang="en-GB" sz="1200" dirty="0" err="1"/>
+              <a:t>Gewichte</a:t>
+            </a:r>
+            <a:r>
+              <a:rPr lang="en-GB" sz="1200" dirty="0"/>
+              <a:t> </a:t>
+            </a:r>
+            <a:r>
+              <a:rPr lang="en-GB" sz="1200" dirty="0" err="1"/>
+              <a:t>vorhanden</a:t>
+            </a:r>
+            <a:endParaRPr lang="en-GB" sz="1200" dirty="0"/>
+          </a:p>
+        </p:txBody>
+      </p:sp>
+      <p:sp>
+        <p:nvSpPr>
+          <p:cNvPr id="37" name="Textfeld 36">
+            <a:extLst>
+              <a:ext uri="{FF2B5EF4-FFF2-40B4-BE49-F238E27FC236}">
+                <a16:creationId xmlns:a16="http://schemas.microsoft.com/office/drawing/2014/main" id="{B6DC883C-639B-43A1-BC15-3C0D53684EB3}"/>
+              </a:ext>
+            </a:extLst>
+          </p:cNvPr>
+          <p:cNvSpPr txBox="1"/>
+          <p:nvPr/>
+        </p:nvSpPr>
+        <p:spPr>
+          <a:xfrm>
+            <a:off x="935731" y="3243053"/>
+            <a:ext cx="391566" cy="276999"/>
+          </a:xfrm>
+          <a:prstGeom prst="rect">
+            <a:avLst/>
+          </a:prstGeom>
+          <a:noFill/>
+        </p:spPr>
+        <p:txBody>
+          <a:bodyPr wrap="square" rtlCol="0">
+            <a:spAutoFit/>
+          </a:bodyPr>
+          <a:lstStyle/>
+          <a:p>
+            <a:r>
+              <a:rPr lang="en-GB" sz="1200" dirty="0" err="1"/>
+              <a:t>Ja</a:t>
+            </a:r>
+            <a:endParaRPr lang="en-GB" sz="1200" dirty="0"/>
+          </a:p>
+        </p:txBody>
+      </p:sp>
+      <p:cxnSp>
+        <p:nvCxnSpPr>
+          <p:cNvPr id="39" name="Gerade Verbindung mit Pfeil 38">
+            <a:extLst>
+              <a:ext uri="{FF2B5EF4-FFF2-40B4-BE49-F238E27FC236}">
+                <a16:creationId xmlns:a16="http://schemas.microsoft.com/office/drawing/2014/main" id="{C55F3F8C-F7AE-408C-87A3-2510215E5E90}"/>
+              </a:ext>
+            </a:extLst>
+          </p:cNvPr>
+          <p:cNvCxnSpPr>
+            <a:cxnSpLocks/>
+            <a:stCxn id="36" idx="3"/>
+            <a:endCxn id="9" idx="1"/>
+          </p:cNvCxnSpPr>
+          <p:nvPr/>
+        </p:nvCxnSpPr>
+        <p:spPr>
+          <a:xfrm flipV="1">
+            <a:off x="2408558" y="2918785"/>
+            <a:ext cx="962407" cy="11321"/>
+          </a:xfrm>
+          <a:prstGeom prst="straightConnector1">
+            <a:avLst/>
+          </a:prstGeom>
+          <a:ln>
+            <a:tailEnd type="triangle"/>
+          </a:ln>
+        </p:spPr>
+        <p:style>
+          <a:lnRef idx="1">
+            <a:schemeClr val="accent1"/>
+          </a:lnRef>
+          <a:fillRef idx="0">
+            <a:schemeClr val="accent1"/>
+          </a:fillRef>
+          <a:effectRef idx="0">
+            <a:schemeClr val="accent1"/>
+          </a:effectRef>
+          <a:fontRef idx="minor">
+            <a:schemeClr val="tx1"/>
+          </a:fontRef>
+        </p:style>
+      </p:cxnSp>
+      <p:sp>
+        <p:nvSpPr>
+          <p:cNvPr id="41" name="Textfeld 40">
+            <a:extLst>
+              <a:ext uri="{FF2B5EF4-FFF2-40B4-BE49-F238E27FC236}">
+                <a16:creationId xmlns:a16="http://schemas.microsoft.com/office/drawing/2014/main" id="{A38490C3-C530-4CF4-A40D-7F514C94F763}"/>
+              </a:ext>
+            </a:extLst>
+          </p:cNvPr>
+          <p:cNvSpPr txBox="1"/>
+          <p:nvPr/>
+        </p:nvSpPr>
+        <p:spPr>
+          <a:xfrm>
+            <a:off x="2408558" y="2641786"/>
+            <a:ext cx="628682" cy="276999"/>
+          </a:xfrm>
+          <a:prstGeom prst="rect">
+            <a:avLst/>
+          </a:prstGeom>
+          <a:noFill/>
+        </p:spPr>
+        <p:txBody>
+          <a:bodyPr wrap="square" rtlCol="0">
+            <a:spAutoFit/>
+          </a:bodyPr>
+          <a:lstStyle/>
+          <a:p>
+            <a:r>
+              <a:rPr lang="en-GB" sz="1200" dirty="0" err="1"/>
+              <a:t>Nein</a:t>
+            </a:r>
+            <a:endParaRPr lang="en-GB" sz="1200" dirty="0"/>
+          </a:p>
+        </p:txBody>
+      </p:sp>
+      <p:cxnSp>
+        <p:nvCxnSpPr>
+          <p:cNvPr id="44" name="Gerade Verbindung mit Pfeil 43">
+            <a:extLst>
+              <a:ext uri="{FF2B5EF4-FFF2-40B4-BE49-F238E27FC236}">
+                <a16:creationId xmlns:a16="http://schemas.microsoft.com/office/drawing/2014/main" id="{BBE1AB0E-A6F1-476A-9AE4-DF6E6945A8C0}"/>
+              </a:ext>
+            </a:extLst>
+          </p:cNvPr>
+          <p:cNvCxnSpPr>
+            <a:cxnSpLocks/>
+            <a:stCxn id="36" idx="2"/>
+            <a:endCxn id="47" idx="0"/>
+          </p:cNvCxnSpPr>
+          <p:nvPr/>
+        </p:nvCxnSpPr>
+        <p:spPr>
+          <a:xfrm>
+            <a:off x="1494159" y="3381554"/>
+            <a:ext cx="0" cy="400064"/>
+          </a:xfrm>
+          <a:prstGeom prst="straightConnector1">
+            <a:avLst/>
+          </a:prstGeom>
+          <a:ln>
+            <a:tailEnd type="triangle"/>
+          </a:ln>
+        </p:spPr>
+        <p:style>
+          <a:lnRef idx="1">
+            <a:schemeClr val="accent1"/>
+          </a:lnRef>
+          <a:fillRef idx="0">
+            <a:schemeClr val="accent1"/>
+          </a:fillRef>
+          <a:effectRef idx="0">
+            <a:schemeClr val="accent1"/>
+          </a:effectRef>
+          <a:fontRef idx="minor">
+            <a:schemeClr val="tx1"/>
+          </a:fontRef>
+        </p:style>
+      </p:cxnSp>
+      <p:sp>
+        <p:nvSpPr>
+          <p:cNvPr id="9" name="Flussdiagramm: Prozess 8">
+            <a:extLst>
+              <a:ext uri="{FF2B5EF4-FFF2-40B4-BE49-F238E27FC236}">
+                <a16:creationId xmlns:a16="http://schemas.microsoft.com/office/drawing/2014/main" id="{B7669596-FF7E-4E0B-A64E-C494C8D19F2A}"/>
+              </a:ext>
+            </a:extLst>
+          </p:cNvPr>
+          <p:cNvSpPr/>
+          <p:nvPr/>
+        </p:nvSpPr>
+        <p:spPr>
+          <a:xfrm>
+            <a:off x="3370965" y="2606913"/>
+            <a:ext cx="1339058" cy="623743"/>
+          </a:xfrm>
+          <a:prstGeom prst="flowChartProcess">
+            <a:avLst/>
+          </a:prstGeom>
+        </p:spPr>
+        <p:style>
+          <a:lnRef idx="2">
+            <a:schemeClr val="accent1">
+              <a:shade val="50000"/>
+            </a:schemeClr>
+          </a:lnRef>
+          <a:fillRef idx="1">
+            <a:schemeClr val="accent1"/>
+          </a:fillRef>
+          <a:effectRef idx="0">
+            <a:schemeClr val="accent1"/>
+          </a:effectRef>
+          <a:fontRef idx="minor">
+            <a:schemeClr val="lt1"/>
+          </a:fontRef>
+        </p:style>
+        <p:txBody>
+          <a:bodyPr rtlCol="0" anchor="ctr"/>
+          <a:lstStyle/>
+          <a:p>
+            <a:pPr algn="ctr"/>
+            <a:r>
+              <a:rPr lang="en-GB" sz="1200" dirty="0" err="1"/>
+              <a:t>Gewichte</a:t>
+            </a:r>
+            <a:r>
+              <a:rPr lang="en-GB" sz="1200" dirty="0"/>
+              <a:t> </a:t>
+            </a:r>
+            <a:r>
+              <a:rPr lang="en-GB" sz="1200" dirty="0" err="1"/>
+              <a:t>initialisieren</a:t>
+            </a:r>
+            <a:endParaRPr lang="en-GB" sz="1200" dirty="0"/>
+          </a:p>
+        </p:txBody>
+      </p:sp>
+      <p:sp>
+        <p:nvSpPr>
+          <p:cNvPr id="47" name="Flussdiagramm: Verzweigung 46">
+            <a:extLst>
+              <a:ext uri="{FF2B5EF4-FFF2-40B4-BE49-F238E27FC236}">
+                <a16:creationId xmlns:a16="http://schemas.microsoft.com/office/drawing/2014/main" id="{BB816EDA-EFBB-4FD9-B09F-D6D796CAF519}"/>
+              </a:ext>
+            </a:extLst>
+          </p:cNvPr>
+          <p:cNvSpPr/>
+          <p:nvPr/>
+        </p:nvSpPr>
+        <p:spPr>
+          <a:xfrm>
+            <a:off x="579759" y="3781618"/>
+            <a:ext cx="1828799" cy="902897"/>
+          </a:xfrm>
+          <a:prstGeom prst="flowChartDecision">
+            <a:avLst/>
+          </a:prstGeom>
+        </p:spPr>
+        <p:style>
+          <a:lnRef idx="2">
+            <a:schemeClr val="accent1">
+              <a:shade val="50000"/>
+            </a:schemeClr>
+          </a:lnRef>
+          <a:fillRef idx="1">
+            <a:schemeClr val="accent1"/>
+          </a:fillRef>
+          <a:effectRef idx="0">
+            <a:schemeClr val="accent1"/>
+          </a:effectRef>
+          <a:fontRef idx="minor">
+            <a:schemeClr val="lt1"/>
+          </a:fontRef>
+        </p:style>
+        <p:txBody>
+          <a:bodyPr rtlCol="0" anchor="ctr"/>
+          <a:lstStyle/>
+          <a:p>
+            <a:pPr algn="ctr"/>
+            <a:r>
+              <a:rPr lang="en-GB" sz="1200" dirty="0"/>
+              <a:t>For j &lt; </a:t>
+            </a:r>
+            <a:r>
+              <a:rPr lang="en-GB" sz="1200" dirty="0" err="1"/>
+              <a:t>Anzahl</a:t>
+            </a:r>
+            <a:r>
+              <a:rPr lang="en-GB" sz="1200" dirty="0"/>
+              <a:t> Samples</a:t>
+            </a:r>
+          </a:p>
+        </p:txBody>
+      </p:sp>
+      <p:sp>
+        <p:nvSpPr>
+          <p:cNvPr id="48" name="Textfeld 47">
+            <a:extLst>
+              <a:ext uri="{FF2B5EF4-FFF2-40B4-BE49-F238E27FC236}">
+                <a16:creationId xmlns:a16="http://schemas.microsoft.com/office/drawing/2014/main" id="{BDF2091D-94DB-4F27-A8DD-9B4AA674EB91}"/>
+              </a:ext>
+            </a:extLst>
+          </p:cNvPr>
+          <p:cNvSpPr txBox="1"/>
+          <p:nvPr/>
+        </p:nvSpPr>
+        <p:spPr>
+          <a:xfrm>
+            <a:off x="935731" y="4546014"/>
+            <a:ext cx="391566" cy="276999"/>
+          </a:xfrm>
+          <a:prstGeom prst="rect">
+            <a:avLst/>
+          </a:prstGeom>
+          <a:noFill/>
+        </p:spPr>
+        <p:txBody>
+          <a:bodyPr wrap="square" rtlCol="0">
+            <a:spAutoFit/>
+          </a:bodyPr>
+          <a:lstStyle/>
+          <a:p>
+            <a:r>
+              <a:rPr lang="en-GB" sz="1200" dirty="0" err="1"/>
+              <a:t>Ja</a:t>
+            </a:r>
+            <a:endParaRPr lang="en-GB" sz="1200" dirty="0"/>
+          </a:p>
+        </p:txBody>
+      </p:sp>
+      <p:sp>
+        <p:nvSpPr>
+          <p:cNvPr id="51" name="Textfeld 50">
+            <a:extLst>
+              <a:ext uri="{FF2B5EF4-FFF2-40B4-BE49-F238E27FC236}">
+                <a16:creationId xmlns:a16="http://schemas.microsoft.com/office/drawing/2014/main" id="{1F3FFFCD-A4E8-451B-BCCD-6A8796E33003}"/>
+              </a:ext>
+            </a:extLst>
+          </p:cNvPr>
+          <p:cNvSpPr txBox="1"/>
+          <p:nvPr/>
+        </p:nvSpPr>
+        <p:spPr>
+          <a:xfrm>
+            <a:off x="393270" y="3817569"/>
+            <a:ext cx="628682" cy="276999"/>
+          </a:xfrm>
+          <a:prstGeom prst="rect">
+            <a:avLst/>
+          </a:prstGeom>
+          <a:noFill/>
+        </p:spPr>
+        <p:txBody>
+          <a:bodyPr wrap="square" rtlCol="0">
+            <a:spAutoFit/>
+          </a:bodyPr>
+          <a:lstStyle/>
+          <a:p>
+            <a:r>
+              <a:rPr lang="en-GB" sz="1200" dirty="0" err="1"/>
+              <a:t>Nein</a:t>
+            </a:r>
+            <a:endParaRPr lang="en-GB" sz="1200" dirty="0"/>
+          </a:p>
+        </p:txBody>
+      </p:sp>
+      <p:cxnSp>
+        <p:nvCxnSpPr>
+          <p:cNvPr id="53" name="Gerade Verbindung mit Pfeil 52">
+            <a:extLst>
+              <a:ext uri="{FF2B5EF4-FFF2-40B4-BE49-F238E27FC236}">
+                <a16:creationId xmlns:a16="http://schemas.microsoft.com/office/drawing/2014/main" id="{88E7C98F-404F-466C-8923-4AB72CAB7DD7}"/>
+              </a:ext>
+            </a:extLst>
+          </p:cNvPr>
+          <p:cNvCxnSpPr>
+            <a:cxnSpLocks/>
+            <a:stCxn id="47" idx="2"/>
+            <a:endCxn id="59" idx="0"/>
+          </p:cNvCxnSpPr>
+          <p:nvPr/>
+        </p:nvCxnSpPr>
+        <p:spPr>
+          <a:xfrm flipH="1">
+            <a:off x="1494158" y="4684515"/>
+            <a:ext cx="1" cy="378759"/>
+          </a:xfrm>
+          <a:prstGeom prst="straightConnector1">
+            <a:avLst/>
+          </a:prstGeom>
+          <a:ln>
+            <a:tailEnd type="triangle"/>
+          </a:ln>
+        </p:spPr>
+        <p:style>
+          <a:lnRef idx="1">
+            <a:schemeClr val="accent1"/>
+          </a:lnRef>
+          <a:fillRef idx="0">
+            <a:schemeClr val="accent1"/>
+          </a:fillRef>
+          <a:effectRef idx="0">
+            <a:schemeClr val="accent1"/>
+          </a:effectRef>
+          <a:fontRef idx="minor">
+            <a:schemeClr val="tx1"/>
+          </a:fontRef>
+        </p:style>
+      </p:cxnSp>
+      <p:cxnSp>
+        <p:nvCxnSpPr>
+          <p:cNvPr id="15" name="Verbinder: gewinkelt 14">
+            <a:extLst>
+              <a:ext uri="{FF2B5EF4-FFF2-40B4-BE49-F238E27FC236}">
+                <a16:creationId xmlns:a16="http://schemas.microsoft.com/office/drawing/2014/main" id="{BD85F2D9-A130-49F1-A35F-7E3D403B2B97}"/>
+              </a:ext>
+            </a:extLst>
+          </p:cNvPr>
+          <p:cNvCxnSpPr>
+            <a:stCxn id="9" idx="2"/>
+            <a:endCxn id="47" idx="0"/>
+          </p:cNvCxnSpPr>
+          <p:nvPr/>
+        </p:nvCxnSpPr>
+        <p:spPr>
+          <a:xfrm rot="5400000">
+            <a:off x="2491846" y="2232970"/>
+            <a:ext cx="550962" cy="2546335"/>
+          </a:xfrm>
+          <a:prstGeom prst="bentConnector3">
+            <a:avLst/>
+          </a:prstGeom>
+          <a:ln>
+            <a:tailEnd type="triangle"/>
+          </a:ln>
+        </p:spPr>
+        <p:style>
+          <a:lnRef idx="1">
+            <a:schemeClr val="accent1"/>
+          </a:lnRef>
+          <a:fillRef idx="0">
+            <a:schemeClr val="accent1"/>
+          </a:fillRef>
+          <a:effectRef idx="0">
+            <a:schemeClr val="accent1"/>
+          </a:effectRef>
+          <a:fontRef idx="minor">
+            <a:schemeClr val="tx1"/>
+          </a:fontRef>
+        </p:style>
+      </p:cxnSp>
+      <p:cxnSp>
+        <p:nvCxnSpPr>
+          <p:cNvPr id="22" name="Verbinder: gewinkelt 21">
+            <a:extLst>
+              <a:ext uri="{FF2B5EF4-FFF2-40B4-BE49-F238E27FC236}">
+                <a16:creationId xmlns:a16="http://schemas.microsoft.com/office/drawing/2014/main" id="{BAF47ED4-7CF4-4D8F-B925-42C51FDF2334}"/>
+              </a:ext>
+            </a:extLst>
+          </p:cNvPr>
+          <p:cNvCxnSpPr>
+            <a:cxnSpLocks/>
+            <a:stCxn id="47" idx="1"/>
+            <a:endCxn id="3" idx="0"/>
+          </p:cNvCxnSpPr>
+          <p:nvPr/>
+        </p:nvCxnSpPr>
+        <p:spPr>
+          <a:xfrm rot="10800000" flipH="1">
+            <a:off x="579759" y="1197001"/>
+            <a:ext cx="914400" cy="3036066"/>
+          </a:xfrm>
+          <a:prstGeom prst="bentConnector4">
+            <a:avLst>
+              <a:gd name="adj1" fmla="val -25000"/>
+              <a:gd name="adj2" fmla="val 107529"/>
+            </a:avLst>
+          </a:prstGeom>
+          <a:ln>
+            <a:tailEnd type="triangle"/>
+          </a:ln>
+        </p:spPr>
+        <p:style>
+          <a:lnRef idx="1">
+            <a:schemeClr val="accent1"/>
+          </a:lnRef>
+          <a:fillRef idx="0">
+            <a:schemeClr val="accent1"/>
+          </a:fillRef>
+          <a:effectRef idx="0">
+            <a:schemeClr val="accent1"/>
+          </a:effectRef>
+          <a:fontRef idx="minor">
+            <a:schemeClr val="tx1"/>
+          </a:fontRef>
+        </p:style>
+      </p:cxnSp>
+      <p:sp>
+        <p:nvSpPr>
+          <p:cNvPr id="56" name="Flussdiagramm: Grenzstelle 55">
+            <a:extLst>
+              <a:ext uri="{FF2B5EF4-FFF2-40B4-BE49-F238E27FC236}">
+                <a16:creationId xmlns:a16="http://schemas.microsoft.com/office/drawing/2014/main" id="{D470A0AA-7C38-4DB4-8347-D6BEC9911549}"/>
+              </a:ext>
+            </a:extLst>
+          </p:cNvPr>
+          <p:cNvSpPr/>
+          <p:nvPr/>
+        </p:nvSpPr>
+        <p:spPr>
+          <a:xfrm>
+            <a:off x="3160892" y="1372085"/>
+            <a:ext cx="1759203" cy="552727"/>
+          </a:xfrm>
+          <a:prstGeom prst="flowChartTerminator">
+            <a:avLst/>
+          </a:prstGeom>
+        </p:spPr>
+        <p:style>
+          <a:lnRef idx="2">
+            <a:schemeClr val="accent1">
+              <a:shade val="50000"/>
+            </a:schemeClr>
+          </a:lnRef>
+          <a:fillRef idx="1">
+            <a:schemeClr val="accent1"/>
+          </a:fillRef>
+          <a:effectRef idx="0">
+            <a:schemeClr val="accent1"/>
+          </a:effectRef>
+          <a:fontRef idx="minor">
+            <a:schemeClr val="lt1"/>
+          </a:fontRef>
+        </p:style>
+        <p:txBody>
+          <a:bodyPr rtlCol="0" anchor="ctr"/>
+          <a:lstStyle/>
+          <a:p>
+            <a:pPr algn="ctr"/>
+            <a:r>
+              <a:rPr lang="en-GB" sz="1200" dirty="0"/>
+              <a:t>Training </a:t>
+            </a:r>
+            <a:r>
+              <a:rPr lang="en-GB" sz="1200" dirty="0" err="1"/>
+              <a:t>beendet</a:t>
+            </a:r>
+            <a:endParaRPr lang="en-GB" sz="1200" dirty="0"/>
+          </a:p>
+        </p:txBody>
+      </p:sp>
+      <p:sp>
+        <p:nvSpPr>
+          <p:cNvPr id="59" name="Flussdiagramm: Prozess 58">
+            <a:extLst>
+              <a:ext uri="{FF2B5EF4-FFF2-40B4-BE49-F238E27FC236}">
+                <a16:creationId xmlns:a16="http://schemas.microsoft.com/office/drawing/2014/main" id="{837C685A-F126-4D43-A06E-9FF7A5421FDC}"/>
+              </a:ext>
+            </a:extLst>
+          </p:cNvPr>
+          <p:cNvSpPr/>
+          <p:nvPr/>
+        </p:nvSpPr>
+        <p:spPr>
+          <a:xfrm>
+            <a:off x="824629" y="5063274"/>
+            <a:ext cx="1339058" cy="623743"/>
+          </a:xfrm>
+          <a:prstGeom prst="flowChartProcess">
+            <a:avLst/>
+          </a:prstGeom>
+        </p:spPr>
+        <p:style>
+          <a:lnRef idx="2">
+            <a:schemeClr val="accent1">
+              <a:shade val="50000"/>
+            </a:schemeClr>
+          </a:lnRef>
+          <a:fillRef idx="1">
+            <a:schemeClr val="accent1"/>
+          </a:fillRef>
+          <a:effectRef idx="0">
+            <a:schemeClr val="accent1"/>
+          </a:effectRef>
+          <a:fontRef idx="minor">
+            <a:schemeClr val="lt1"/>
+          </a:fontRef>
+        </p:style>
+        <p:txBody>
+          <a:bodyPr rtlCol="0" anchor="ctr"/>
+          <a:lstStyle/>
+          <a:p>
+            <a:pPr algn="ctr"/>
+            <a:r>
+              <a:rPr lang="en-GB" sz="1200" dirty="0"/>
+              <a:t>_</a:t>
+            </a:r>
+            <a:r>
+              <a:rPr lang="en-GB" sz="1200" dirty="0" err="1"/>
+              <a:t>match_category</a:t>
+            </a:r>
+            <a:r>
+              <a:rPr lang="en-GB" sz="1200" dirty="0"/>
+              <a:t>()</a:t>
+            </a:r>
+          </a:p>
+        </p:txBody>
+      </p:sp>
+      <p:sp>
+        <p:nvSpPr>
+          <p:cNvPr id="63" name="Flussdiagramm: Verzweigung 62">
+            <a:extLst>
+              <a:ext uri="{FF2B5EF4-FFF2-40B4-BE49-F238E27FC236}">
+                <a16:creationId xmlns:a16="http://schemas.microsoft.com/office/drawing/2014/main" id="{048B51EB-6980-4500-B6E4-93CEF9F8B464}"/>
+              </a:ext>
+            </a:extLst>
+          </p:cNvPr>
+          <p:cNvSpPr/>
+          <p:nvPr/>
+        </p:nvSpPr>
+        <p:spPr>
+          <a:xfrm>
+            <a:off x="2560249" y="5651190"/>
+            <a:ext cx="1828799" cy="902897"/>
+          </a:xfrm>
+          <a:prstGeom prst="flowChartDecision">
+            <a:avLst/>
+          </a:prstGeom>
+        </p:spPr>
+        <p:style>
+          <a:lnRef idx="2">
+            <a:schemeClr val="accent1">
+              <a:shade val="50000"/>
+            </a:schemeClr>
+          </a:lnRef>
+          <a:fillRef idx="1">
+            <a:schemeClr val="accent1"/>
+          </a:fillRef>
+          <a:effectRef idx="0">
+            <a:schemeClr val="accent1"/>
+          </a:effectRef>
+          <a:fontRef idx="minor">
+            <a:schemeClr val="lt1"/>
+          </a:fontRef>
+        </p:style>
+        <p:txBody>
+          <a:bodyPr rtlCol="0" anchor="ctr"/>
+          <a:lstStyle/>
+          <a:p>
+            <a:pPr algn="ctr"/>
+            <a:r>
+              <a:rPr lang="en-GB" sz="1200" dirty="0"/>
+              <a:t>Category == -1</a:t>
+            </a:r>
+          </a:p>
+        </p:txBody>
+      </p:sp>
+      <p:sp>
+        <p:nvSpPr>
+          <p:cNvPr id="64" name="Textfeld 63">
+            <a:extLst>
+              <a:ext uri="{FF2B5EF4-FFF2-40B4-BE49-F238E27FC236}">
+                <a16:creationId xmlns:a16="http://schemas.microsoft.com/office/drawing/2014/main" id="{C6DD7753-900B-47B0-B868-E307693B0506}"/>
+              </a:ext>
+            </a:extLst>
+          </p:cNvPr>
+          <p:cNvSpPr txBox="1"/>
+          <p:nvPr/>
+        </p:nvSpPr>
+        <p:spPr>
+          <a:xfrm>
+            <a:off x="4318457" y="6145292"/>
+            <a:ext cx="391566" cy="276999"/>
+          </a:xfrm>
+          <a:prstGeom prst="rect">
+            <a:avLst/>
+          </a:prstGeom>
+          <a:noFill/>
+        </p:spPr>
+        <p:txBody>
+          <a:bodyPr wrap="square" rtlCol="0">
+            <a:spAutoFit/>
+          </a:bodyPr>
+          <a:lstStyle/>
+          <a:p>
+            <a:r>
+              <a:rPr lang="en-GB" sz="1200" dirty="0" err="1"/>
+              <a:t>Ja</a:t>
+            </a:r>
+            <a:endParaRPr lang="en-GB" sz="1200" dirty="0"/>
+          </a:p>
+        </p:txBody>
+      </p:sp>
+      <p:sp>
+        <p:nvSpPr>
+          <p:cNvPr id="65" name="Textfeld 64">
+            <a:extLst>
+              <a:ext uri="{FF2B5EF4-FFF2-40B4-BE49-F238E27FC236}">
+                <a16:creationId xmlns:a16="http://schemas.microsoft.com/office/drawing/2014/main" id="{30949A1A-44D9-4844-AFB5-6A6AC96011C0}"/>
+              </a:ext>
+            </a:extLst>
+          </p:cNvPr>
+          <p:cNvSpPr txBox="1"/>
+          <p:nvPr/>
+        </p:nvSpPr>
+        <p:spPr>
+          <a:xfrm>
+            <a:off x="3853553" y="5482743"/>
+            <a:ext cx="628682" cy="276999"/>
+          </a:xfrm>
+          <a:prstGeom prst="rect">
+            <a:avLst/>
+          </a:prstGeom>
+          <a:noFill/>
+        </p:spPr>
+        <p:txBody>
+          <a:bodyPr wrap="square" rtlCol="0">
+            <a:spAutoFit/>
+          </a:bodyPr>
+          <a:lstStyle/>
+          <a:p>
+            <a:r>
+              <a:rPr lang="en-GB" sz="1200" dirty="0" err="1"/>
+              <a:t>Nein</a:t>
+            </a:r>
+            <a:endParaRPr lang="en-GB" sz="1200" dirty="0"/>
+          </a:p>
+        </p:txBody>
+      </p:sp>
+      <p:cxnSp>
+        <p:nvCxnSpPr>
+          <p:cNvPr id="34" name="Verbinder: gewinkelt 33">
+            <a:extLst>
+              <a:ext uri="{FF2B5EF4-FFF2-40B4-BE49-F238E27FC236}">
+                <a16:creationId xmlns:a16="http://schemas.microsoft.com/office/drawing/2014/main" id="{6C3D0CA0-32F7-4572-9A56-8E205B313CB6}"/>
+              </a:ext>
+            </a:extLst>
+          </p:cNvPr>
+          <p:cNvCxnSpPr>
+            <a:stCxn id="59" idx="2"/>
+            <a:endCxn id="63" idx="1"/>
+          </p:cNvCxnSpPr>
+          <p:nvPr/>
+        </p:nvCxnSpPr>
+        <p:spPr>
+          <a:xfrm rot="16200000" flipH="1">
+            <a:off x="1819392" y="5361782"/>
+            <a:ext cx="415622" cy="1066091"/>
+          </a:xfrm>
+          <a:prstGeom prst="bentConnector2">
+            <a:avLst/>
+          </a:prstGeom>
+          <a:ln>
+            <a:tailEnd type="triangle"/>
+          </a:ln>
+        </p:spPr>
+        <p:style>
+          <a:lnRef idx="1">
+            <a:schemeClr val="accent1"/>
+          </a:lnRef>
+          <a:fillRef idx="0">
+            <a:schemeClr val="accent1"/>
+          </a:fillRef>
+          <a:effectRef idx="0">
+            <a:schemeClr val="accent1"/>
+          </a:effectRef>
+          <a:fontRef idx="minor">
+            <a:schemeClr val="tx1"/>
+          </a:fontRef>
+        </p:style>
+      </p:cxnSp>
+      <p:sp>
+        <p:nvSpPr>
+          <p:cNvPr id="68" name="Flussdiagramm: Prozess 67">
+            <a:extLst>
+              <a:ext uri="{FF2B5EF4-FFF2-40B4-BE49-F238E27FC236}">
+                <a16:creationId xmlns:a16="http://schemas.microsoft.com/office/drawing/2014/main" id="{D50B5652-1944-43A7-AB34-4C1BC305D0A5}"/>
+              </a:ext>
+            </a:extLst>
+          </p:cNvPr>
+          <p:cNvSpPr/>
+          <p:nvPr/>
+        </p:nvSpPr>
+        <p:spPr>
+          <a:xfrm>
+            <a:off x="4957472" y="5790766"/>
+            <a:ext cx="1339058" cy="623743"/>
+          </a:xfrm>
+          <a:prstGeom prst="flowChartProcess">
+            <a:avLst/>
+          </a:prstGeom>
+        </p:spPr>
+        <p:style>
+          <a:lnRef idx="2">
+            <a:schemeClr val="accent1">
+              <a:shade val="50000"/>
+            </a:schemeClr>
+          </a:lnRef>
+          <a:fillRef idx="1">
+            <a:schemeClr val="accent1"/>
+          </a:fillRef>
+          <a:effectRef idx="0">
+            <a:schemeClr val="accent1"/>
+          </a:effectRef>
+          <a:fontRef idx="minor">
+            <a:schemeClr val="lt1"/>
+          </a:fontRef>
+        </p:style>
+        <p:txBody>
+          <a:bodyPr rtlCol="0" anchor="ctr"/>
+          <a:lstStyle/>
+          <a:p>
+            <a:pPr algn="ctr"/>
+            <a:r>
+              <a:rPr lang="en-GB" sz="1200" dirty="0"/>
+              <a:t>_</a:t>
+            </a:r>
+            <a:r>
+              <a:rPr lang="en-GB" sz="1200" dirty="0" err="1"/>
+              <a:t>add_category</a:t>
+            </a:r>
+            <a:r>
+              <a:rPr lang="en-GB" sz="1200" dirty="0"/>
+              <a:t>()</a:t>
+            </a:r>
+          </a:p>
+        </p:txBody>
+      </p:sp>
+      <p:cxnSp>
+        <p:nvCxnSpPr>
+          <p:cNvPr id="69" name="Gerade Verbindung mit Pfeil 68">
+            <a:extLst>
+              <a:ext uri="{FF2B5EF4-FFF2-40B4-BE49-F238E27FC236}">
+                <a16:creationId xmlns:a16="http://schemas.microsoft.com/office/drawing/2014/main" id="{9471A335-C926-4A37-A466-458EE8295C33}"/>
+              </a:ext>
+            </a:extLst>
+          </p:cNvPr>
+          <p:cNvCxnSpPr>
+            <a:cxnSpLocks/>
+            <a:stCxn id="63" idx="3"/>
+            <a:endCxn id="68" idx="1"/>
+          </p:cNvCxnSpPr>
+          <p:nvPr/>
+        </p:nvCxnSpPr>
+        <p:spPr>
+          <a:xfrm flipV="1">
+            <a:off x="4389048" y="6102638"/>
+            <a:ext cx="568424" cy="1"/>
+          </a:xfrm>
+          <a:prstGeom prst="straightConnector1">
+            <a:avLst/>
+          </a:prstGeom>
+          <a:ln>
+            <a:tailEnd type="triangle"/>
+          </a:ln>
+        </p:spPr>
+        <p:style>
+          <a:lnRef idx="1">
+            <a:schemeClr val="accent1"/>
+          </a:lnRef>
+          <a:fillRef idx="0">
+            <a:schemeClr val="accent1"/>
+          </a:fillRef>
+          <a:effectRef idx="0">
+            <a:schemeClr val="accent1"/>
+          </a:effectRef>
+          <a:fontRef idx="minor">
+            <a:schemeClr val="tx1"/>
+          </a:fontRef>
+        </p:style>
+      </p:cxnSp>
+      <p:sp>
+        <p:nvSpPr>
+          <p:cNvPr id="72" name="Flussdiagramm: Prozess 71">
+            <a:extLst>
+              <a:ext uri="{FF2B5EF4-FFF2-40B4-BE49-F238E27FC236}">
+                <a16:creationId xmlns:a16="http://schemas.microsoft.com/office/drawing/2014/main" id="{AC6117C6-D3F6-4CCC-AB71-C7EA9D6B2E01}"/>
+              </a:ext>
+            </a:extLst>
+          </p:cNvPr>
+          <p:cNvSpPr/>
+          <p:nvPr/>
+        </p:nvSpPr>
+        <p:spPr>
+          <a:xfrm>
+            <a:off x="2805119" y="4785321"/>
+            <a:ext cx="1339058" cy="623743"/>
+          </a:xfrm>
+          <a:prstGeom prst="flowChartProcess">
+            <a:avLst/>
+          </a:prstGeom>
+        </p:spPr>
+        <p:style>
+          <a:lnRef idx="2">
+            <a:schemeClr val="accent1">
+              <a:shade val="50000"/>
+            </a:schemeClr>
+          </a:lnRef>
+          <a:fillRef idx="1">
+            <a:schemeClr val="accent1"/>
+          </a:fillRef>
+          <a:effectRef idx="0">
+            <a:schemeClr val="accent1"/>
+          </a:effectRef>
+          <a:fontRef idx="minor">
+            <a:schemeClr val="lt1"/>
+          </a:fontRef>
+        </p:style>
+        <p:txBody>
+          <a:bodyPr rtlCol="0" anchor="ctr"/>
+          <a:lstStyle/>
+          <a:p>
+            <a:pPr algn="ctr"/>
+            <a:r>
+              <a:rPr lang="en-GB" sz="1200" dirty="0" err="1"/>
+              <a:t>Gewinner-Kategorie</a:t>
+            </a:r>
+            <a:r>
+              <a:rPr lang="en-GB" sz="1200" dirty="0"/>
+              <a:t> </a:t>
+            </a:r>
+            <a:r>
+              <a:rPr lang="en-GB" sz="1200" dirty="0" err="1"/>
+              <a:t>anpassen</a:t>
+            </a:r>
+            <a:endParaRPr lang="en-GB" sz="1200" dirty="0"/>
+          </a:p>
+        </p:txBody>
+      </p:sp>
+      <p:cxnSp>
+        <p:nvCxnSpPr>
+          <p:cNvPr id="57" name="Gerade Verbindung mit Pfeil 56">
+            <a:extLst>
+              <a:ext uri="{FF2B5EF4-FFF2-40B4-BE49-F238E27FC236}">
+                <a16:creationId xmlns:a16="http://schemas.microsoft.com/office/drawing/2014/main" id="{D2B3B66B-F5E1-4013-9E17-B2E266184D51}"/>
+              </a:ext>
+            </a:extLst>
+          </p:cNvPr>
+          <p:cNvCxnSpPr>
+            <a:stCxn id="63" idx="0"/>
+            <a:endCxn id="72" idx="2"/>
+          </p:cNvCxnSpPr>
+          <p:nvPr/>
+        </p:nvCxnSpPr>
+        <p:spPr>
+          <a:xfrm flipH="1" flipV="1">
+            <a:off x="3474648" y="5409064"/>
+            <a:ext cx="1" cy="242126"/>
+          </a:xfrm>
+          <a:prstGeom prst="straightConnector1">
+            <a:avLst/>
+          </a:prstGeom>
+          <a:ln>
+            <a:tailEnd type="triangle"/>
+          </a:ln>
+        </p:spPr>
+        <p:style>
+          <a:lnRef idx="1">
+            <a:schemeClr val="accent1"/>
+          </a:lnRef>
+          <a:fillRef idx="0">
+            <a:schemeClr val="accent1"/>
+          </a:fillRef>
+          <a:effectRef idx="0">
+            <a:schemeClr val="accent1"/>
+          </a:effectRef>
+          <a:fontRef idx="minor">
+            <a:schemeClr val="tx1"/>
+          </a:fontRef>
+        </p:style>
+      </p:cxnSp>
+      <p:cxnSp>
+        <p:nvCxnSpPr>
+          <p:cNvPr id="60" name="Verbinder: gewinkelt 59">
+            <a:extLst>
+              <a:ext uri="{FF2B5EF4-FFF2-40B4-BE49-F238E27FC236}">
+                <a16:creationId xmlns:a16="http://schemas.microsoft.com/office/drawing/2014/main" id="{3F41857E-882D-4BD7-9441-A650EABF2725}"/>
+              </a:ext>
+            </a:extLst>
+          </p:cNvPr>
+          <p:cNvCxnSpPr>
+            <a:stCxn id="72" idx="0"/>
+            <a:endCxn id="47" idx="0"/>
+          </p:cNvCxnSpPr>
+          <p:nvPr/>
+        </p:nvCxnSpPr>
+        <p:spPr>
+          <a:xfrm rot="16200000" flipV="1">
+            <a:off x="1982553" y="3293225"/>
+            <a:ext cx="1003703" cy="1980489"/>
+          </a:xfrm>
+          <a:prstGeom prst="bentConnector3">
+            <a:avLst>
+              <a:gd name="adj1" fmla="val 116473"/>
+            </a:avLst>
+          </a:prstGeom>
+          <a:ln>
+            <a:tailEnd type="triangle"/>
+          </a:ln>
+        </p:spPr>
+        <p:style>
+          <a:lnRef idx="1">
+            <a:schemeClr val="accent1"/>
+          </a:lnRef>
+          <a:fillRef idx="0">
+            <a:schemeClr val="accent1"/>
+          </a:fillRef>
+          <a:effectRef idx="0">
+            <a:schemeClr val="accent1"/>
+          </a:effectRef>
+          <a:fontRef idx="minor">
+            <a:schemeClr val="tx1"/>
+          </a:fontRef>
+        </p:style>
+      </p:cxnSp>
+      <p:cxnSp>
+        <p:nvCxnSpPr>
+          <p:cNvPr id="66" name="Verbinder: gewinkelt 65">
+            <a:extLst>
+              <a:ext uri="{FF2B5EF4-FFF2-40B4-BE49-F238E27FC236}">
+                <a16:creationId xmlns:a16="http://schemas.microsoft.com/office/drawing/2014/main" id="{17D9B7D2-46EB-4469-8DBF-E68EE34C4B73}"/>
+              </a:ext>
+            </a:extLst>
+          </p:cNvPr>
+          <p:cNvCxnSpPr>
+            <a:stCxn id="68" idx="0"/>
+            <a:endCxn id="47" idx="0"/>
+          </p:cNvCxnSpPr>
+          <p:nvPr/>
+        </p:nvCxnSpPr>
+        <p:spPr>
+          <a:xfrm rot="16200000" flipV="1">
+            <a:off x="2556006" y="2719771"/>
+            <a:ext cx="2009148" cy="4132842"/>
+          </a:xfrm>
+          <a:prstGeom prst="bentConnector3">
+            <a:avLst>
+              <a:gd name="adj1" fmla="val 107943"/>
+            </a:avLst>
+          </a:prstGeom>
+          <a:ln>
+            <a:tailEnd type="triangle"/>
+          </a:ln>
+        </p:spPr>
+        <p:style>
+          <a:lnRef idx="1">
+            <a:schemeClr val="accent1"/>
+          </a:lnRef>
+          <a:fillRef idx="0">
+            <a:schemeClr val="accent1"/>
+          </a:fillRef>
+          <a:effectRef idx="0">
+            <a:schemeClr val="accent1"/>
+          </a:effectRef>
+          <a:fontRef idx="minor">
+            <a:schemeClr val="tx1"/>
+          </a:fontRef>
+        </p:style>
+      </p:cxnSp>
+    </p:spTree>
+    <p:extLst>
+      <p:ext uri="{BB962C8B-B14F-4D97-AF65-F5344CB8AC3E}">
+        <p14:creationId xmlns:p14="http://schemas.microsoft.com/office/powerpoint/2010/main" val="2259159987"/>
       </p:ext>
     </p:extLst>
   </p:cSld>

--- a/Dokumentation/Graphiken.pptx
+++ b/Dokumentation/Graphiken.pptx
@@ -5,7 +5,7 @@
     <p:sldMasterId id="2147483648" r:id="rId1"/>
   </p:sldMasterIdLst>
   <p:notesMasterIdLst>
-    <p:notesMasterId r:id="rId13"/>
+    <p:notesMasterId r:id="rId14"/>
   </p:notesMasterIdLst>
   <p:sldIdLst>
     <p:sldId id="257" r:id="rId2"/>
@@ -19,6 +19,7 @@
     <p:sldId id="265" r:id="rId10"/>
     <p:sldId id="266" r:id="rId11"/>
     <p:sldId id="268" r:id="rId12"/>
+    <p:sldId id="269" r:id="rId13"/>
   </p:sldIdLst>
   <p:sldSz cx="12192000" cy="6858000"/>
   <p:notesSz cx="6858000" cy="9144000"/>
@@ -218,7 +219,7 @@
           <a:p>
             <a:fld id="{B9EC3B4B-6FA9-4E93-8DE6-925625796A50}" type="datetimeFigureOut">
               <a:rPr lang="en-GB" smtClean="0"/>
-              <a:t>08/08/2019</a:t>
+              <a:t>09/08/2019</a:t>
             </a:fld>
             <a:endParaRPr lang="en-GB" dirty="0"/>
           </a:p>
@@ -377,7 +378,7 @@
           <a:p>
             <a:fld id="{2E1376D8-A72A-47F5-B9E1-9F12C055F6F3}" type="slidenum">
               <a:rPr lang="en-GB" smtClean="0"/>
-              <a:t>‹Nr.›</a:t>
+              <a:t>‹#›</a:t>
             </a:fld>
             <a:endParaRPr lang="en-GB" dirty="0"/>
           </a:p>
@@ -633,7 +634,7 @@
           <a:p>
             <a:fld id="{26B5E0E0-4D0D-4CD4-AF77-BF99AC711AE8}" type="datetimeFigureOut">
               <a:rPr lang="de-DE" smtClean="0"/>
-              <a:t>08.08.2019</a:t>
+              <a:t>09.08.2019</a:t>
             </a:fld>
             <a:endParaRPr lang="de-DE" dirty="0"/>
           </a:p>
@@ -687,7 +688,7 @@
           <a:p>
             <a:fld id="{D60157FE-D0B5-4B53-9AE5-CBDF8F90BAA9}" type="slidenum">
               <a:rPr lang="de-DE" smtClean="0"/>
-              <a:t>‹Nr.›</a:t>
+              <a:t>‹#›</a:t>
             </a:fld>
             <a:endParaRPr lang="de-DE" dirty="0"/>
           </a:p>
@@ -831,7 +832,7 @@
           <a:p>
             <a:fld id="{26B5E0E0-4D0D-4CD4-AF77-BF99AC711AE8}" type="datetimeFigureOut">
               <a:rPr lang="de-DE" smtClean="0"/>
-              <a:t>08.08.2019</a:t>
+              <a:t>09.08.2019</a:t>
             </a:fld>
             <a:endParaRPr lang="de-DE" dirty="0"/>
           </a:p>
@@ -885,7 +886,7 @@
           <a:p>
             <a:fld id="{D60157FE-D0B5-4B53-9AE5-CBDF8F90BAA9}" type="slidenum">
               <a:rPr lang="de-DE" smtClean="0"/>
-              <a:t>‹Nr.›</a:t>
+              <a:t>‹#›</a:t>
             </a:fld>
             <a:endParaRPr lang="de-DE" dirty="0"/>
           </a:p>
@@ -1039,7 +1040,7 @@
           <a:p>
             <a:fld id="{26B5E0E0-4D0D-4CD4-AF77-BF99AC711AE8}" type="datetimeFigureOut">
               <a:rPr lang="de-DE" smtClean="0"/>
-              <a:t>08.08.2019</a:t>
+              <a:t>09.08.2019</a:t>
             </a:fld>
             <a:endParaRPr lang="de-DE" dirty="0"/>
           </a:p>
@@ -1093,7 +1094,7 @@
           <a:p>
             <a:fld id="{D60157FE-D0B5-4B53-9AE5-CBDF8F90BAA9}" type="slidenum">
               <a:rPr lang="de-DE" smtClean="0"/>
-              <a:t>‹Nr.›</a:t>
+              <a:t>‹#›</a:t>
             </a:fld>
             <a:endParaRPr lang="de-DE" dirty="0"/>
           </a:p>
@@ -1237,7 +1238,7 @@
           <a:p>
             <a:fld id="{26B5E0E0-4D0D-4CD4-AF77-BF99AC711AE8}" type="datetimeFigureOut">
               <a:rPr lang="de-DE" smtClean="0"/>
-              <a:t>08.08.2019</a:t>
+              <a:t>09.08.2019</a:t>
             </a:fld>
             <a:endParaRPr lang="de-DE" dirty="0"/>
           </a:p>
@@ -1291,7 +1292,7 @@
           <a:p>
             <a:fld id="{D60157FE-D0B5-4B53-9AE5-CBDF8F90BAA9}" type="slidenum">
               <a:rPr lang="de-DE" smtClean="0"/>
-              <a:t>‹Nr.›</a:t>
+              <a:t>‹#›</a:t>
             </a:fld>
             <a:endParaRPr lang="de-DE" dirty="0"/>
           </a:p>
@@ -1512,7 +1513,7 @@
           <a:p>
             <a:fld id="{26B5E0E0-4D0D-4CD4-AF77-BF99AC711AE8}" type="datetimeFigureOut">
               <a:rPr lang="de-DE" smtClean="0"/>
-              <a:t>08.08.2019</a:t>
+              <a:t>09.08.2019</a:t>
             </a:fld>
             <a:endParaRPr lang="de-DE" dirty="0"/>
           </a:p>
@@ -1566,7 +1567,7 @@
           <a:p>
             <a:fld id="{D60157FE-D0B5-4B53-9AE5-CBDF8F90BAA9}" type="slidenum">
               <a:rPr lang="de-DE" smtClean="0"/>
-              <a:t>‹Nr.›</a:t>
+              <a:t>‹#›</a:t>
             </a:fld>
             <a:endParaRPr lang="de-DE" dirty="0"/>
           </a:p>
@@ -1777,7 +1778,7 @@
           <a:p>
             <a:fld id="{26B5E0E0-4D0D-4CD4-AF77-BF99AC711AE8}" type="datetimeFigureOut">
               <a:rPr lang="de-DE" smtClean="0"/>
-              <a:t>08.08.2019</a:t>
+              <a:t>09.08.2019</a:t>
             </a:fld>
             <a:endParaRPr lang="de-DE" dirty="0"/>
           </a:p>
@@ -1831,7 +1832,7 @@
           <a:p>
             <a:fld id="{D60157FE-D0B5-4B53-9AE5-CBDF8F90BAA9}" type="slidenum">
               <a:rPr lang="de-DE" smtClean="0"/>
-              <a:t>‹Nr.›</a:t>
+              <a:t>‹#›</a:t>
             </a:fld>
             <a:endParaRPr lang="de-DE" dirty="0"/>
           </a:p>
@@ -2189,7 +2190,7 @@
           <a:p>
             <a:fld id="{26B5E0E0-4D0D-4CD4-AF77-BF99AC711AE8}" type="datetimeFigureOut">
               <a:rPr lang="de-DE" smtClean="0"/>
-              <a:t>08.08.2019</a:t>
+              <a:t>09.08.2019</a:t>
             </a:fld>
             <a:endParaRPr lang="de-DE" dirty="0"/>
           </a:p>
@@ -2243,7 +2244,7 @@
           <a:p>
             <a:fld id="{D60157FE-D0B5-4B53-9AE5-CBDF8F90BAA9}" type="slidenum">
               <a:rPr lang="de-DE" smtClean="0"/>
-              <a:t>‹Nr.›</a:t>
+              <a:t>‹#›</a:t>
             </a:fld>
             <a:endParaRPr lang="de-DE" dirty="0"/>
           </a:p>
@@ -2330,7 +2331,7 @@
           <a:p>
             <a:fld id="{26B5E0E0-4D0D-4CD4-AF77-BF99AC711AE8}" type="datetimeFigureOut">
               <a:rPr lang="de-DE" smtClean="0"/>
-              <a:t>08.08.2019</a:t>
+              <a:t>09.08.2019</a:t>
             </a:fld>
             <a:endParaRPr lang="de-DE" dirty="0"/>
           </a:p>
@@ -2384,7 +2385,7 @@
           <a:p>
             <a:fld id="{D60157FE-D0B5-4B53-9AE5-CBDF8F90BAA9}" type="slidenum">
               <a:rPr lang="de-DE" smtClean="0"/>
-              <a:t>‹Nr.›</a:t>
+              <a:t>‹#›</a:t>
             </a:fld>
             <a:endParaRPr lang="de-DE" dirty="0"/>
           </a:p>
@@ -2443,7 +2444,7 @@
           <a:p>
             <a:fld id="{26B5E0E0-4D0D-4CD4-AF77-BF99AC711AE8}" type="datetimeFigureOut">
               <a:rPr lang="de-DE" smtClean="0"/>
-              <a:t>08.08.2019</a:t>
+              <a:t>09.08.2019</a:t>
             </a:fld>
             <a:endParaRPr lang="de-DE" dirty="0"/>
           </a:p>
@@ -2497,7 +2498,7 @@
           <a:p>
             <a:fld id="{D60157FE-D0B5-4B53-9AE5-CBDF8F90BAA9}" type="slidenum">
               <a:rPr lang="de-DE" smtClean="0"/>
-              <a:t>‹Nr.›</a:t>
+              <a:t>‹#›</a:t>
             </a:fld>
             <a:endParaRPr lang="de-DE" dirty="0"/>
           </a:p>
@@ -2754,7 +2755,7 @@
           <a:p>
             <a:fld id="{26B5E0E0-4D0D-4CD4-AF77-BF99AC711AE8}" type="datetimeFigureOut">
               <a:rPr lang="de-DE" smtClean="0"/>
-              <a:t>08.08.2019</a:t>
+              <a:t>09.08.2019</a:t>
             </a:fld>
             <a:endParaRPr lang="de-DE" dirty="0"/>
           </a:p>
@@ -2808,7 +2809,7 @@
           <a:p>
             <a:fld id="{D60157FE-D0B5-4B53-9AE5-CBDF8F90BAA9}" type="slidenum">
               <a:rPr lang="de-DE" smtClean="0"/>
-              <a:t>‹Nr.›</a:t>
+              <a:t>‹#›</a:t>
             </a:fld>
             <a:endParaRPr lang="de-DE" dirty="0"/>
           </a:p>
@@ -3042,7 +3043,7 @@
           <a:p>
             <a:fld id="{26B5E0E0-4D0D-4CD4-AF77-BF99AC711AE8}" type="datetimeFigureOut">
               <a:rPr lang="de-DE" smtClean="0"/>
-              <a:t>08.08.2019</a:t>
+              <a:t>09.08.2019</a:t>
             </a:fld>
             <a:endParaRPr lang="de-DE" dirty="0"/>
           </a:p>
@@ -3096,7 +3097,7 @@
           <a:p>
             <a:fld id="{D60157FE-D0B5-4B53-9AE5-CBDF8F90BAA9}" type="slidenum">
               <a:rPr lang="de-DE" smtClean="0"/>
-              <a:t>‹Nr.›</a:t>
+              <a:t>‹#›</a:t>
             </a:fld>
             <a:endParaRPr lang="de-DE" dirty="0"/>
           </a:p>
@@ -3283,7 +3284,7 @@
           <a:p>
             <a:fld id="{26B5E0E0-4D0D-4CD4-AF77-BF99AC711AE8}" type="datetimeFigureOut">
               <a:rPr lang="de-DE" smtClean="0"/>
-              <a:t>08.08.2019</a:t>
+              <a:t>09.08.2019</a:t>
             </a:fld>
             <a:endParaRPr lang="de-DE" dirty="0"/>
           </a:p>
@@ -3373,7 +3374,7 @@
           <a:p>
             <a:fld id="{D60157FE-D0B5-4B53-9AE5-CBDF8F90BAA9}" type="slidenum">
               <a:rPr lang="de-DE" smtClean="0"/>
-              <a:t>‹Nr.›</a:t>
+              <a:t>‹#›</a:t>
             </a:fld>
             <a:endParaRPr lang="de-DE" dirty="0"/>
           </a:p>
@@ -4331,1449 +4332,137 @@
       </p:grpSpPr>
       <p:sp>
         <p:nvSpPr>
-          <p:cNvPr id="2" name="Flussdiagramm: Grenzstelle 1">
-            <a:extLst>
-              <a:ext uri="{FF2B5EF4-FFF2-40B4-BE49-F238E27FC236}">
-                <a16:creationId xmlns:a16="http://schemas.microsoft.com/office/drawing/2014/main" id="{566A886B-20AA-438E-9AA7-E224F6333028}"/>
-              </a:ext>
-            </a:extLst>
-          </p:cNvPr>
-          <p:cNvSpPr/>
-          <p:nvPr/>
-        </p:nvSpPr>
-        <p:spPr>
-          <a:xfrm>
-            <a:off x="614557" y="135293"/>
-            <a:ext cx="1759203" cy="552727"/>
-          </a:xfrm>
-          <a:prstGeom prst="flowChartTerminator">
-            <a:avLst/>
-          </a:prstGeom>
-        </p:spPr>
-        <p:style>
-          <a:lnRef idx="2">
-            <a:schemeClr val="accent1">
-              <a:shade val="50000"/>
-            </a:schemeClr>
-          </a:lnRef>
-          <a:fillRef idx="1">
-            <a:schemeClr val="accent1"/>
-          </a:fillRef>
-          <a:effectRef idx="0">
-            <a:schemeClr val="accent1"/>
-          </a:effectRef>
-          <a:fontRef idx="minor">
-            <a:schemeClr val="lt1"/>
-          </a:fontRef>
-        </p:style>
-        <p:txBody>
-          <a:bodyPr rtlCol="0" anchor="ctr"/>
-          <a:lstStyle/>
-          <a:p>
-            <a:pPr algn="ctr"/>
-            <a:r>
-              <a:rPr lang="en-GB" sz="1200" dirty="0"/>
-              <a:t>Input-</a:t>
-            </a:r>
-            <a:r>
-              <a:rPr lang="en-GB" sz="1200" dirty="0" err="1"/>
-              <a:t>Funktion</a:t>
-            </a:r>
-            <a:endParaRPr lang="en-GB" sz="1200" dirty="0"/>
-          </a:p>
-        </p:txBody>
-      </p:sp>
-      <p:sp>
-        <p:nvSpPr>
-          <p:cNvPr id="3" name="Flussdiagramm: Verzweigung 2">
-            <a:extLst>
-              <a:ext uri="{FF2B5EF4-FFF2-40B4-BE49-F238E27FC236}">
-                <a16:creationId xmlns:a16="http://schemas.microsoft.com/office/drawing/2014/main" id="{AF217F05-8A4E-40CE-8583-6364CE51DF2D}"/>
-              </a:ext>
-            </a:extLst>
-          </p:cNvPr>
-          <p:cNvSpPr/>
-          <p:nvPr/>
-        </p:nvSpPr>
-        <p:spPr>
-          <a:xfrm>
-            <a:off x="579759" y="1197001"/>
-            <a:ext cx="1828799" cy="902897"/>
-          </a:xfrm>
-          <a:prstGeom prst="flowChartDecision">
-            <a:avLst/>
-          </a:prstGeom>
-        </p:spPr>
-        <p:style>
-          <a:lnRef idx="2">
-            <a:schemeClr val="accent1">
-              <a:shade val="50000"/>
-            </a:schemeClr>
-          </a:lnRef>
-          <a:fillRef idx="1">
-            <a:schemeClr val="accent1"/>
-          </a:fillRef>
-          <a:effectRef idx="0">
-            <a:schemeClr val="accent1"/>
-          </a:effectRef>
-          <a:fontRef idx="minor">
-            <a:schemeClr val="lt1"/>
-          </a:fontRef>
-        </p:style>
-        <p:txBody>
-          <a:bodyPr rtlCol="0" anchor="ctr"/>
-          <a:lstStyle/>
-          <a:p>
-            <a:pPr algn="ctr"/>
-            <a:r>
-              <a:rPr lang="en-GB" sz="1200" dirty="0" err="1"/>
-              <a:t>Datensatz</a:t>
-            </a:r>
-            <a:r>
-              <a:rPr lang="en-GB" sz="1200" dirty="0"/>
-              <a:t> in </a:t>
-            </a:r>
-            <a:r>
-              <a:rPr lang="en-GB" sz="1200" dirty="0" err="1"/>
-              <a:t>tf_dataset</a:t>
-            </a:r>
-            <a:r>
-              <a:rPr lang="en-GB" sz="1200" dirty="0"/>
-              <a:t>?</a:t>
-            </a:r>
-          </a:p>
-        </p:txBody>
-      </p:sp>
-      <p:cxnSp>
-        <p:nvCxnSpPr>
-          <p:cNvPr id="5" name="Gerade Verbindung mit Pfeil 4">
-            <a:extLst>
-              <a:ext uri="{FF2B5EF4-FFF2-40B4-BE49-F238E27FC236}">
-                <a16:creationId xmlns:a16="http://schemas.microsoft.com/office/drawing/2014/main" id="{79639BCA-04B3-4C68-80A1-337A267ACBE6}"/>
-              </a:ext>
-            </a:extLst>
-          </p:cNvPr>
-          <p:cNvCxnSpPr>
-            <a:cxnSpLocks/>
-            <a:stCxn id="2" idx="2"/>
-            <a:endCxn id="3" idx="0"/>
-          </p:cNvCxnSpPr>
-          <p:nvPr/>
-        </p:nvCxnSpPr>
-        <p:spPr>
-          <a:xfrm>
-            <a:off x="1494159" y="688020"/>
-            <a:ext cx="0" cy="508981"/>
-          </a:xfrm>
-          <a:prstGeom prst="straightConnector1">
-            <a:avLst/>
-          </a:prstGeom>
+          <p:cNvPr id="13" name="Rectangle 4"/>
+          <p:cNvSpPr>
+            <a:spLocks noChangeArrowheads="1"/>
+          </p:cNvSpPr>
+          <p:nvPr/>
+        </p:nvSpPr>
+        <p:spPr bwMode="auto">
+          <a:xfrm>
+            <a:off x="2527069" y="964276"/>
+            <a:ext cx="12192000" cy="0"/>
+          </a:xfrm>
+          <a:prstGeom prst="rect">
+            <a:avLst/>
+          </a:prstGeom>
+          <a:noFill/>
           <a:ln>
-            <a:tailEnd type="triangle"/>
+            <a:noFill/>
           </a:ln>
-        </p:spPr>
-        <p:style>
-          <a:lnRef idx="1">
-            <a:schemeClr val="accent1"/>
-          </a:lnRef>
-          <a:fillRef idx="0">
-            <a:schemeClr val="accent1"/>
-          </a:fillRef>
-          <a:effectRef idx="0">
-            <a:schemeClr val="accent1"/>
-          </a:effectRef>
-          <a:fontRef idx="minor">
-            <a:schemeClr val="tx1"/>
-          </a:fontRef>
-        </p:style>
-      </p:cxnSp>
-      <p:sp>
-        <p:nvSpPr>
-          <p:cNvPr id="8" name="Textfeld 7">
-            <a:extLst>
-              <a:ext uri="{FF2B5EF4-FFF2-40B4-BE49-F238E27FC236}">
-                <a16:creationId xmlns:a16="http://schemas.microsoft.com/office/drawing/2014/main" id="{627FDB16-60C2-4382-AA20-44E37A2E3BC8}"/>
-              </a:ext>
-            </a:extLst>
-          </p:cNvPr>
-          <p:cNvSpPr txBox="1"/>
-          <p:nvPr/>
-        </p:nvSpPr>
-        <p:spPr>
-          <a:xfrm>
-            <a:off x="935731" y="1961397"/>
-            <a:ext cx="391566" cy="276999"/>
-          </a:xfrm>
-          <a:prstGeom prst="rect">
-            <a:avLst/>
-          </a:prstGeom>
-          <a:noFill/>
-        </p:spPr>
-        <p:txBody>
-          <a:bodyPr wrap="square" rtlCol="0">
+          <a:effectLst/>
+          <a:extLst>
+            <a:ext uri="{909E8E84-426E-40DD-AFC4-6F175D3DCCD1}">
+              <a14:hiddenFill xmlns:a14="http://schemas.microsoft.com/office/drawing/2010/main">
+                <a:solidFill>
+                  <a:schemeClr val="accent1"/>
+                </a:solidFill>
+              </a14:hiddenFill>
+            </a:ext>
+            <a:ext uri="{91240B29-F687-4F45-9708-019B960494DF}">
+              <a14:hiddenLine xmlns:a14="http://schemas.microsoft.com/office/drawing/2010/main" w="9525">
+                <a:solidFill>
+                  <a:schemeClr val="tx1"/>
+                </a:solidFill>
+                <a:miter lim="800000"/>
+                <a:headEnd/>
+                <a:tailEnd/>
+              </a14:hiddenLine>
+            </a:ext>
+            <a:ext uri="{AF507438-7753-43E0-B8FC-AC1667EBCBE1}">
+              <a14:hiddenEffects xmlns:a14="http://schemas.microsoft.com/office/drawing/2010/main">
+                <a:effectLst>
+                  <a:outerShdw dist="35921" dir="2700000" algn="ctr" rotWithShape="0">
+                    <a:schemeClr val="bg2"/>
+                  </a:outerShdw>
+                </a:effectLst>
+              </a14:hiddenEffects>
+            </a:ext>
+          </a:extLst>
+        </p:spPr>
+        <p:txBody>
+          <a:bodyPr vert="horz" wrap="none" lIns="91440" tIns="45720" rIns="91440" bIns="45720" numCol="1" anchor="ctr" anchorCtr="0" compatLnSpc="1">
+            <a:prstTxWarp prst="textNoShape">
+              <a:avLst/>
+            </a:prstTxWarp>
             <a:spAutoFit/>
           </a:bodyPr>
           <a:lstStyle/>
           <a:p>
-            <a:r>
-              <a:rPr lang="en-GB" sz="1200" dirty="0" err="1"/>
-              <a:t>Ja</a:t>
-            </a:r>
-            <a:endParaRPr lang="en-GB" sz="1200" dirty="0"/>
-          </a:p>
-        </p:txBody>
-      </p:sp>
-      <p:cxnSp>
-        <p:nvCxnSpPr>
-          <p:cNvPr id="10" name="Gerade Verbindung mit Pfeil 9">
-            <a:extLst>
-              <a:ext uri="{FF2B5EF4-FFF2-40B4-BE49-F238E27FC236}">
-                <a16:creationId xmlns:a16="http://schemas.microsoft.com/office/drawing/2014/main" id="{2701CC66-B787-4B18-B4E1-FC9A17DAEBE5}"/>
-              </a:ext>
-            </a:extLst>
-          </p:cNvPr>
-          <p:cNvCxnSpPr>
-            <a:cxnSpLocks/>
-            <a:stCxn id="3" idx="3"/>
-            <a:endCxn id="14" idx="1"/>
-          </p:cNvCxnSpPr>
-          <p:nvPr/>
-        </p:nvCxnSpPr>
-        <p:spPr>
-          <a:xfrm flipV="1">
-            <a:off x="2408558" y="1641625"/>
-            <a:ext cx="962407" cy="6825"/>
-          </a:xfrm>
-          <a:prstGeom prst="straightConnector1">
-            <a:avLst/>
-          </a:prstGeom>
-          <a:ln>
-            <a:tailEnd type="triangle"/>
-          </a:ln>
-        </p:spPr>
-        <p:style>
-          <a:lnRef idx="1">
-            <a:schemeClr val="accent1"/>
-          </a:lnRef>
-          <a:fillRef idx="0">
-            <a:schemeClr val="accent1"/>
-          </a:fillRef>
-          <a:effectRef idx="0">
-            <a:schemeClr val="accent1"/>
-          </a:effectRef>
-          <a:fontRef idx="minor">
-            <a:schemeClr val="tx1"/>
-          </a:fontRef>
-        </p:style>
-      </p:cxnSp>
-      <p:sp>
-        <p:nvSpPr>
-          <p:cNvPr id="12" name="Textfeld 11">
-            <a:extLst>
-              <a:ext uri="{FF2B5EF4-FFF2-40B4-BE49-F238E27FC236}">
-                <a16:creationId xmlns:a16="http://schemas.microsoft.com/office/drawing/2014/main" id="{2E642CFB-9E70-4DED-8D33-B88BEDC11EDD}"/>
-              </a:ext>
-            </a:extLst>
-          </p:cNvPr>
-          <p:cNvSpPr txBox="1"/>
-          <p:nvPr/>
-        </p:nvSpPr>
-        <p:spPr>
-          <a:xfrm>
-            <a:off x="2408558" y="1360130"/>
-            <a:ext cx="628682" cy="276999"/>
-          </a:xfrm>
-          <a:prstGeom prst="rect">
-            <a:avLst/>
-          </a:prstGeom>
-          <a:noFill/>
-        </p:spPr>
-        <p:txBody>
-          <a:bodyPr wrap="square" rtlCol="0">
-            <a:spAutoFit/>
-          </a:bodyPr>
-          <a:lstStyle/>
-          <a:p>
-            <a:r>
-              <a:rPr lang="en-GB" sz="1200" dirty="0" err="1"/>
-              <a:t>Nein</a:t>
-            </a:r>
-            <a:endParaRPr lang="en-GB" sz="1200" dirty="0"/>
-          </a:p>
-        </p:txBody>
-      </p:sp>
-      <p:sp>
-        <p:nvSpPr>
-          <p:cNvPr id="14" name="Flussdiagramm: Verzweigung 13">
-            <a:extLst>
-              <a:ext uri="{FF2B5EF4-FFF2-40B4-BE49-F238E27FC236}">
-                <a16:creationId xmlns:a16="http://schemas.microsoft.com/office/drawing/2014/main" id="{263045B4-F8D3-44E2-B83F-F1FBFFB9684A}"/>
-              </a:ext>
-            </a:extLst>
-          </p:cNvPr>
-          <p:cNvSpPr/>
-          <p:nvPr/>
-        </p:nvSpPr>
-        <p:spPr>
-          <a:xfrm>
-            <a:off x="3370965" y="1174361"/>
-            <a:ext cx="1397479" cy="934527"/>
-          </a:xfrm>
-          <a:prstGeom prst="flowChartDecision">
-            <a:avLst/>
-          </a:prstGeom>
-        </p:spPr>
-        <p:style>
-          <a:lnRef idx="2">
-            <a:schemeClr val="accent1">
-              <a:shade val="50000"/>
-            </a:schemeClr>
-          </a:lnRef>
-          <a:fillRef idx="1">
-            <a:schemeClr val="accent1"/>
-          </a:fillRef>
-          <a:effectRef idx="0">
-            <a:schemeClr val="accent1"/>
-          </a:effectRef>
-          <a:fontRef idx="minor">
-            <a:schemeClr val="lt1"/>
-          </a:fontRef>
-        </p:style>
-        <p:txBody>
-          <a:bodyPr rtlCol="0" anchor="ctr"/>
-          <a:lstStyle/>
-          <a:p>
-            <a:pPr algn="ctr"/>
-            <a:r>
-              <a:rPr lang="en-GB" sz="1200" dirty="0" err="1"/>
-              <a:t>Datensatz</a:t>
-            </a:r>
-            <a:r>
-              <a:rPr lang="en-GB" sz="1200" dirty="0"/>
-              <a:t> </a:t>
-            </a:r>
-            <a:r>
-              <a:rPr lang="en-GB" sz="1200" dirty="0" err="1"/>
-              <a:t>lokal</a:t>
-            </a:r>
-            <a:r>
-              <a:rPr lang="en-GB" sz="1200" dirty="0"/>
-              <a:t> </a:t>
-            </a:r>
-            <a:r>
-              <a:rPr lang="en-GB" sz="1200" dirty="0" err="1"/>
-              <a:t>vorhanden</a:t>
-            </a:r>
-            <a:r>
-              <a:rPr lang="en-GB" sz="1200" dirty="0"/>
-              <a:t>?</a:t>
-            </a:r>
-          </a:p>
-        </p:txBody>
-      </p:sp>
-      <p:cxnSp>
-        <p:nvCxnSpPr>
-          <p:cNvPr id="16" name="Gerade Verbindung mit Pfeil 15">
-            <a:extLst>
-              <a:ext uri="{FF2B5EF4-FFF2-40B4-BE49-F238E27FC236}">
-                <a16:creationId xmlns:a16="http://schemas.microsoft.com/office/drawing/2014/main" id="{F0FCFC66-496E-4DA0-9276-6F57244C93A6}"/>
-              </a:ext>
-            </a:extLst>
-          </p:cNvPr>
-          <p:cNvCxnSpPr>
-            <a:cxnSpLocks/>
-            <a:stCxn id="14" idx="3"/>
-            <a:endCxn id="23" idx="1"/>
-          </p:cNvCxnSpPr>
-          <p:nvPr/>
-        </p:nvCxnSpPr>
-        <p:spPr>
-          <a:xfrm>
-            <a:off x="4768444" y="1641625"/>
-            <a:ext cx="724624" cy="3859"/>
-          </a:xfrm>
-          <a:prstGeom prst="straightConnector1">
-            <a:avLst/>
-          </a:prstGeom>
-          <a:ln>
-            <a:tailEnd type="triangle"/>
-          </a:ln>
-        </p:spPr>
-        <p:style>
-          <a:lnRef idx="1">
-            <a:schemeClr val="accent1"/>
-          </a:lnRef>
-          <a:fillRef idx="0">
-            <a:schemeClr val="accent1"/>
-          </a:fillRef>
-          <a:effectRef idx="0">
-            <a:schemeClr val="accent1"/>
-          </a:effectRef>
-          <a:fontRef idx="minor">
-            <a:schemeClr val="tx1"/>
-          </a:fontRef>
-        </p:style>
-      </p:cxnSp>
-      <p:sp>
-        <p:nvSpPr>
-          <p:cNvPr id="17" name="Textfeld 16">
-            <a:extLst>
-              <a:ext uri="{FF2B5EF4-FFF2-40B4-BE49-F238E27FC236}">
-                <a16:creationId xmlns:a16="http://schemas.microsoft.com/office/drawing/2014/main" id="{4412B056-F555-4292-A32D-5EBF25DEF9DD}"/>
-              </a:ext>
-            </a:extLst>
-          </p:cNvPr>
-          <p:cNvSpPr txBox="1"/>
-          <p:nvPr/>
-        </p:nvSpPr>
-        <p:spPr>
-          <a:xfrm>
-            <a:off x="4768444" y="1305326"/>
-            <a:ext cx="628682" cy="276999"/>
-          </a:xfrm>
-          <a:prstGeom prst="rect">
-            <a:avLst/>
-          </a:prstGeom>
-          <a:noFill/>
-        </p:spPr>
-        <p:txBody>
-          <a:bodyPr wrap="square" rtlCol="0">
-            <a:spAutoFit/>
-          </a:bodyPr>
-          <a:lstStyle/>
-          <a:p>
-            <a:r>
-              <a:rPr lang="en-GB" sz="1200" dirty="0" err="1"/>
-              <a:t>Nein</a:t>
-            </a:r>
-            <a:endParaRPr lang="en-GB" sz="1200" dirty="0"/>
-          </a:p>
-        </p:txBody>
-      </p:sp>
-      <p:cxnSp>
-        <p:nvCxnSpPr>
-          <p:cNvPr id="20" name="Gerade Verbindung mit Pfeil 19">
-            <a:extLst>
-              <a:ext uri="{FF2B5EF4-FFF2-40B4-BE49-F238E27FC236}">
-                <a16:creationId xmlns:a16="http://schemas.microsoft.com/office/drawing/2014/main" id="{8A2FEA2B-9E78-4EF8-B9B1-55B44EAE2294}"/>
-              </a:ext>
-            </a:extLst>
-          </p:cNvPr>
-          <p:cNvCxnSpPr>
-            <a:cxnSpLocks/>
-            <a:stCxn id="14" idx="2"/>
-            <a:endCxn id="25" idx="0"/>
-          </p:cNvCxnSpPr>
-          <p:nvPr/>
-        </p:nvCxnSpPr>
-        <p:spPr>
-          <a:xfrm flipH="1">
-            <a:off x="4069704" y="2108888"/>
-            <a:ext cx="1" cy="329758"/>
-          </a:xfrm>
-          <a:prstGeom prst="straightConnector1">
-            <a:avLst/>
-          </a:prstGeom>
-          <a:ln>
-            <a:tailEnd type="triangle"/>
-          </a:ln>
-        </p:spPr>
-        <p:style>
-          <a:lnRef idx="1">
-            <a:schemeClr val="accent1"/>
-          </a:lnRef>
-          <a:fillRef idx="0">
-            <a:schemeClr val="accent1"/>
-          </a:fillRef>
-          <a:effectRef idx="0">
-            <a:schemeClr val="accent1"/>
-          </a:effectRef>
-          <a:fontRef idx="minor">
-            <a:schemeClr val="tx1"/>
-          </a:fontRef>
-        </p:style>
-      </p:cxnSp>
-      <p:sp>
-        <p:nvSpPr>
-          <p:cNvPr id="21" name="Textfeld 20">
-            <a:extLst>
-              <a:ext uri="{FF2B5EF4-FFF2-40B4-BE49-F238E27FC236}">
-                <a16:creationId xmlns:a16="http://schemas.microsoft.com/office/drawing/2014/main" id="{C4BC5F3D-267A-4D96-B782-E6C1B1BEA9A3}"/>
-              </a:ext>
-            </a:extLst>
-          </p:cNvPr>
-          <p:cNvSpPr txBox="1"/>
-          <p:nvPr/>
-        </p:nvSpPr>
-        <p:spPr>
-          <a:xfrm>
-            <a:off x="4160508" y="2029688"/>
-            <a:ext cx="394325" cy="276999"/>
-          </a:xfrm>
-          <a:prstGeom prst="rect">
-            <a:avLst/>
-          </a:prstGeom>
-          <a:noFill/>
-        </p:spPr>
-        <p:txBody>
-          <a:bodyPr wrap="square" rtlCol="0">
-            <a:spAutoFit/>
-          </a:bodyPr>
-          <a:lstStyle/>
-          <a:p>
-            <a:r>
-              <a:rPr lang="en-GB" sz="1200" dirty="0" err="1"/>
-              <a:t>Ja</a:t>
-            </a:r>
-            <a:endParaRPr lang="en-GB" sz="1200" dirty="0"/>
-          </a:p>
-        </p:txBody>
-      </p:sp>
-      <p:sp>
-        <p:nvSpPr>
-          <p:cNvPr id="23" name="Flussdiagramm: Prozess 22">
-            <a:extLst>
-              <a:ext uri="{FF2B5EF4-FFF2-40B4-BE49-F238E27FC236}">
-                <a16:creationId xmlns:a16="http://schemas.microsoft.com/office/drawing/2014/main" id="{3DD95C5D-4642-48CE-A359-6AF20314FAA7}"/>
-              </a:ext>
-            </a:extLst>
-          </p:cNvPr>
-          <p:cNvSpPr/>
-          <p:nvPr/>
-        </p:nvSpPr>
-        <p:spPr>
-          <a:xfrm>
-            <a:off x="5493068" y="1313366"/>
-            <a:ext cx="1544128" cy="664235"/>
-          </a:xfrm>
-          <a:prstGeom prst="flowChartProcess">
-            <a:avLst/>
-          </a:prstGeom>
-        </p:spPr>
-        <p:style>
-          <a:lnRef idx="2">
-            <a:schemeClr val="accent1">
-              <a:shade val="50000"/>
-            </a:schemeClr>
-          </a:lnRef>
-          <a:fillRef idx="1">
-            <a:schemeClr val="accent1"/>
-          </a:fillRef>
-          <a:effectRef idx="0">
-            <a:schemeClr val="accent1"/>
-          </a:effectRef>
-          <a:fontRef idx="minor">
-            <a:schemeClr val="lt1"/>
-          </a:fontRef>
-        </p:style>
-        <p:txBody>
-          <a:bodyPr rtlCol="0" anchor="ctr"/>
-          <a:lstStyle/>
-          <a:p>
-            <a:pPr algn="ctr"/>
-            <a:r>
-              <a:rPr lang="en-GB" sz="1200" dirty="0" err="1"/>
-              <a:t>Fehlermeldung</a:t>
-            </a:r>
-            <a:endParaRPr lang="en-GB" sz="1200" dirty="0"/>
-          </a:p>
-        </p:txBody>
-      </p:sp>
-      <p:sp>
-        <p:nvSpPr>
-          <p:cNvPr id="25" name="Flussdiagramm: Prozess 24">
-            <a:extLst>
-              <a:ext uri="{FF2B5EF4-FFF2-40B4-BE49-F238E27FC236}">
-                <a16:creationId xmlns:a16="http://schemas.microsoft.com/office/drawing/2014/main" id="{6AA1302B-38C2-483F-A8C4-94F17687482C}"/>
-              </a:ext>
-            </a:extLst>
-          </p:cNvPr>
-          <p:cNvSpPr/>
-          <p:nvPr/>
-        </p:nvSpPr>
-        <p:spPr>
-          <a:xfrm>
-            <a:off x="3297640" y="2438646"/>
-            <a:ext cx="1544128" cy="664235"/>
-          </a:xfrm>
-          <a:prstGeom prst="flowChartProcess">
-            <a:avLst/>
-          </a:prstGeom>
-        </p:spPr>
-        <p:style>
-          <a:lnRef idx="2">
-            <a:schemeClr val="accent1">
-              <a:shade val="50000"/>
-            </a:schemeClr>
-          </a:lnRef>
-          <a:fillRef idx="1">
-            <a:schemeClr val="accent1"/>
-          </a:fillRef>
-          <a:effectRef idx="0">
-            <a:schemeClr val="accent1"/>
-          </a:effectRef>
-          <a:fontRef idx="minor">
-            <a:schemeClr val="lt1"/>
-          </a:fontRef>
-        </p:style>
-        <p:txBody>
-          <a:bodyPr rtlCol="0" anchor="ctr"/>
-          <a:lstStyle/>
-          <a:p>
-            <a:pPr algn="ctr"/>
-            <a:r>
-              <a:rPr lang="en-GB" sz="1200" dirty="0" err="1"/>
-              <a:t>Extrakations-Funktion</a:t>
-            </a:r>
-            <a:endParaRPr lang="en-GB" sz="1200" dirty="0"/>
-          </a:p>
-        </p:txBody>
-      </p:sp>
-      <p:sp>
-        <p:nvSpPr>
-          <p:cNvPr id="29" name="Flussdiagramm: Prozess 28">
-            <a:extLst>
-              <a:ext uri="{FF2B5EF4-FFF2-40B4-BE49-F238E27FC236}">
-                <a16:creationId xmlns:a16="http://schemas.microsoft.com/office/drawing/2014/main" id="{0A887AD3-51EA-4F87-8C77-9DC08D1F2A14}"/>
-              </a:ext>
-            </a:extLst>
-          </p:cNvPr>
-          <p:cNvSpPr/>
-          <p:nvPr/>
-        </p:nvSpPr>
-        <p:spPr>
-          <a:xfrm>
-            <a:off x="3297640" y="4722399"/>
-            <a:ext cx="1544128" cy="664235"/>
-          </a:xfrm>
-          <a:prstGeom prst="flowChartProcess">
-            <a:avLst/>
-          </a:prstGeom>
-        </p:spPr>
-        <p:style>
-          <a:lnRef idx="2">
-            <a:schemeClr val="accent1">
-              <a:shade val="50000"/>
-            </a:schemeClr>
-          </a:lnRef>
-          <a:fillRef idx="1">
-            <a:schemeClr val="accent1"/>
-          </a:fillRef>
-          <a:effectRef idx="0">
-            <a:schemeClr val="accent1"/>
-          </a:effectRef>
-          <a:fontRef idx="minor">
-            <a:schemeClr val="lt1"/>
-          </a:fontRef>
-        </p:style>
-        <p:txBody>
-          <a:bodyPr rtlCol="0" anchor="ctr"/>
-          <a:lstStyle/>
-          <a:p>
-            <a:pPr algn="ctr"/>
-            <a:r>
-              <a:rPr lang="en-GB" sz="1200" dirty="0"/>
-              <a:t>Bild-Augmentation</a:t>
-            </a:r>
-          </a:p>
-        </p:txBody>
-      </p:sp>
-      <p:sp>
-        <p:nvSpPr>
-          <p:cNvPr id="38" name="Flussdiagramm: Verzweigung 37">
-            <a:extLst>
-              <a:ext uri="{FF2B5EF4-FFF2-40B4-BE49-F238E27FC236}">
-                <a16:creationId xmlns:a16="http://schemas.microsoft.com/office/drawing/2014/main" id="{8BC65406-1AED-4CE5-9820-B5ACAEFBA9C7}"/>
-              </a:ext>
-            </a:extLst>
-          </p:cNvPr>
-          <p:cNvSpPr/>
-          <p:nvPr/>
-        </p:nvSpPr>
-        <p:spPr>
-          <a:xfrm>
-            <a:off x="3297640" y="3496603"/>
-            <a:ext cx="1544129" cy="906454"/>
-          </a:xfrm>
-          <a:prstGeom prst="flowChartDecision">
-            <a:avLst/>
-          </a:prstGeom>
-        </p:spPr>
-        <p:style>
-          <a:lnRef idx="2">
-            <a:schemeClr val="accent1">
-              <a:shade val="50000"/>
-            </a:schemeClr>
-          </a:lnRef>
-          <a:fillRef idx="1">
-            <a:schemeClr val="accent1"/>
-          </a:fillRef>
-          <a:effectRef idx="0">
-            <a:schemeClr val="accent1"/>
-          </a:effectRef>
-          <a:fontRef idx="minor">
-            <a:schemeClr val="lt1"/>
-          </a:fontRef>
-        </p:style>
-        <p:txBody>
-          <a:bodyPr rtlCol="0" anchor="ctr"/>
-          <a:lstStyle/>
-          <a:p>
-            <a:pPr algn="ctr"/>
-            <a:r>
-              <a:rPr lang="en-GB" sz="1200" dirty="0" err="1"/>
-              <a:t>Visu</a:t>
-            </a:r>
-            <a:r>
-              <a:rPr lang="en-GB" sz="1200" dirty="0"/>
-              <a:t> = True?</a:t>
-            </a:r>
-          </a:p>
-        </p:txBody>
-      </p:sp>
-      <p:cxnSp>
-        <p:nvCxnSpPr>
-          <p:cNvPr id="40" name="Gerade Verbindung mit Pfeil 39">
-            <a:extLst>
-              <a:ext uri="{FF2B5EF4-FFF2-40B4-BE49-F238E27FC236}">
-                <a16:creationId xmlns:a16="http://schemas.microsoft.com/office/drawing/2014/main" id="{DA2ED42C-7FE9-4F09-A8B1-91C1C320EF54}"/>
-              </a:ext>
-            </a:extLst>
-          </p:cNvPr>
-          <p:cNvCxnSpPr>
-            <a:cxnSpLocks/>
-            <a:stCxn id="25" idx="2"/>
-            <a:endCxn id="38" idx="0"/>
-          </p:cNvCxnSpPr>
-          <p:nvPr/>
-        </p:nvCxnSpPr>
-        <p:spPr>
-          <a:xfrm>
-            <a:off x="4069704" y="3102881"/>
-            <a:ext cx="1" cy="393722"/>
-          </a:xfrm>
-          <a:prstGeom prst="straightConnector1">
-            <a:avLst/>
-          </a:prstGeom>
-          <a:ln>
-            <a:tailEnd type="triangle"/>
-          </a:ln>
-        </p:spPr>
-        <p:style>
-          <a:lnRef idx="1">
-            <a:schemeClr val="accent1"/>
-          </a:lnRef>
-          <a:fillRef idx="0">
-            <a:schemeClr val="accent1"/>
-          </a:fillRef>
-          <a:effectRef idx="0">
-            <a:schemeClr val="accent1"/>
-          </a:effectRef>
-          <a:fontRef idx="minor">
-            <a:schemeClr val="tx1"/>
-          </a:fontRef>
-        </p:style>
-      </p:cxnSp>
-      <p:cxnSp>
-        <p:nvCxnSpPr>
-          <p:cNvPr id="42" name="Gerade Verbindung mit Pfeil 41">
-            <a:extLst>
-              <a:ext uri="{FF2B5EF4-FFF2-40B4-BE49-F238E27FC236}">
-                <a16:creationId xmlns:a16="http://schemas.microsoft.com/office/drawing/2014/main" id="{012BE7CB-32AC-485F-BE2F-3DDA39EB96A5}"/>
-              </a:ext>
-            </a:extLst>
-          </p:cNvPr>
-          <p:cNvCxnSpPr>
-            <a:stCxn id="38" idx="2"/>
-            <a:endCxn id="29" idx="0"/>
-          </p:cNvCxnSpPr>
-          <p:nvPr/>
-        </p:nvCxnSpPr>
-        <p:spPr>
-          <a:xfrm flipH="1">
-            <a:off x="4069704" y="4403057"/>
-            <a:ext cx="1" cy="319342"/>
-          </a:xfrm>
-          <a:prstGeom prst="straightConnector1">
-            <a:avLst/>
-          </a:prstGeom>
-          <a:ln>
-            <a:tailEnd type="triangle"/>
-          </a:ln>
-        </p:spPr>
-        <p:style>
-          <a:lnRef idx="1">
-            <a:schemeClr val="accent1"/>
-          </a:lnRef>
-          <a:fillRef idx="0">
-            <a:schemeClr val="accent1"/>
-          </a:fillRef>
-          <a:effectRef idx="0">
-            <a:schemeClr val="accent1"/>
-          </a:effectRef>
-          <a:fontRef idx="minor">
-            <a:schemeClr val="tx1"/>
-          </a:fontRef>
-        </p:style>
-      </p:cxnSp>
-      <p:sp>
-        <p:nvSpPr>
-          <p:cNvPr id="43" name="Textfeld 42">
-            <a:extLst>
-              <a:ext uri="{FF2B5EF4-FFF2-40B4-BE49-F238E27FC236}">
-                <a16:creationId xmlns:a16="http://schemas.microsoft.com/office/drawing/2014/main" id="{544B66A8-B327-4E96-8D66-7BBA282463C7}"/>
-              </a:ext>
-            </a:extLst>
-          </p:cNvPr>
-          <p:cNvSpPr txBox="1"/>
-          <p:nvPr/>
-        </p:nvSpPr>
-        <p:spPr>
-          <a:xfrm>
-            <a:off x="3451665" y="4322190"/>
-            <a:ext cx="630066" cy="276999"/>
-          </a:xfrm>
-          <a:prstGeom prst="rect">
-            <a:avLst/>
-          </a:prstGeom>
-          <a:noFill/>
-        </p:spPr>
-        <p:txBody>
-          <a:bodyPr wrap="square" rtlCol="0">
-            <a:spAutoFit/>
-          </a:bodyPr>
-          <a:lstStyle/>
-          <a:p>
-            <a:r>
-              <a:rPr lang="en-GB" sz="1200" dirty="0" err="1"/>
-              <a:t>Nein</a:t>
-            </a:r>
-            <a:endParaRPr lang="en-GB" sz="1200" dirty="0"/>
-          </a:p>
-        </p:txBody>
-      </p:sp>
-      <p:cxnSp>
-        <p:nvCxnSpPr>
-          <p:cNvPr id="45" name="Gerade Verbindung mit Pfeil 44">
-            <a:extLst>
-              <a:ext uri="{FF2B5EF4-FFF2-40B4-BE49-F238E27FC236}">
-                <a16:creationId xmlns:a16="http://schemas.microsoft.com/office/drawing/2014/main" id="{940CFC20-C331-4F45-978B-D91829F56B7B}"/>
-              </a:ext>
-            </a:extLst>
-          </p:cNvPr>
-          <p:cNvCxnSpPr>
-            <a:cxnSpLocks/>
-            <a:stCxn id="38" idx="3"/>
-            <a:endCxn id="46" idx="1"/>
-          </p:cNvCxnSpPr>
-          <p:nvPr/>
-        </p:nvCxnSpPr>
-        <p:spPr>
-          <a:xfrm>
-            <a:off x="4841769" y="3949830"/>
-            <a:ext cx="520987" cy="0"/>
-          </a:xfrm>
-          <a:prstGeom prst="straightConnector1">
-            <a:avLst/>
-          </a:prstGeom>
-          <a:ln>
-            <a:tailEnd type="triangle"/>
-          </a:ln>
-        </p:spPr>
-        <p:style>
-          <a:lnRef idx="1">
-            <a:schemeClr val="accent1"/>
-          </a:lnRef>
-          <a:fillRef idx="0">
-            <a:schemeClr val="accent1"/>
-          </a:fillRef>
-          <a:effectRef idx="0">
-            <a:schemeClr val="accent1"/>
-          </a:effectRef>
-          <a:fontRef idx="minor">
-            <a:schemeClr val="tx1"/>
-          </a:fontRef>
-        </p:style>
-      </p:cxnSp>
-      <p:sp>
-        <p:nvSpPr>
-          <p:cNvPr id="46" name="Flussdiagramm: Prozess 45">
-            <a:extLst>
-              <a:ext uri="{FF2B5EF4-FFF2-40B4-BE49-F238E27FC236}">
-                <a16:creationId xmlns:a16="http://schemas.microsoft.com/office/drawing/2014/main" id="{B9F8FD20-71CF-4501-81D1-EA1B86A7F113}"/>
-              </a:ext>
-            </a:extLst>
-          </p:cNvPr>
-          <p:cNvSpPr/>
-          <p:nvPr/>
-        </p:nvSpPr>
-        <p:spPr>
-          <a:xfrm>
-            <a:off x="5362756" y="3617712"/>
-            <a:ext cx="1544128" cy="664235"/>
-          </a:xfrm>
-          <a:prstGeom prst="flowChartProcess">
-            <a:avLst/>
-          </a:prstGeom>
-        </p:spPr>
-        <p:style>
-          <a:lnRef idx="2">
-            <a:schemeClr val="accent1">
-              <a:shade val="50000"/>
-            </a:schemeClr>
-          </a:lnRef>
-          <a:fillRef idx="1">
-            <a:schemeClr val="accent1"/>
-          </a:fillRef>
-          <a:effectRef idx="0">
-            <a:schemeClr val="accent1"/>
-          </a:effectRef>
-          <a:fontRef idx="minor">
-            <a:schemeClr val="lt1"/>
-          </a:fontRef>
-        </p:style>
-        <p:txBody>
-          <a:bodyPr rtlCol="0" anchor="ctr"/>
-          <a:lstStyle/>
-          <a:p>
-            <a:pPr algn="ctr"/>
-            <a:r>
-              <a:rPr lang="en-GB" sz="1200" dirty="0" err="1"/>
-              <a:t>Darstellung</a:t>
-            </a:r>
-            <a:r>
-              <a:rPr lang="en-GB" sz="1200" dirty="0"/>
-              <a:t> Bild</a:t>
-            </a:r>
-          </a:p>
-        </p:txBody>
-      </p:sp>
-      <p:cxnSp>
-        <p:nvCxnSpPr>
-          <p:cNvPr id="50" name="Verbinder: gewinkelt 49">
-            <a:extLst>
-              <a:ext uri="{FF2B5EF4-FFF2-40B4-BE49-F238E27FC236}">
-                <a16:creationId xmlns:a16="http://schemas.microsoft.com/office/drawing/2014/main" id="{1FE145A3-FC15-4DE5-9D69-922AD79DEE3C}"/>
-              </a:ext>
-            </a:extLst>
-          </p:cNvPr>
-          <p:cNvCxnSpPr>
-            <a:cxnSpLocks/>
-            <a:stCxn id="3" idx="2"/>
-            <a:endCxn id="38" idx="0"/>
-          </p:cNvCxnSpPr>
-          <p:nvPr/>
-        </p:nvCxnSpPr>
-        <p:spPr>
-          <a:xfrm rot="16200000" flipH="1">
-            <a:off x="2083580" y="1510477"/>
-            <a:ext cx="1396705" cy="2575546"/>
-          </a:xfrm>
-          <a:prstGeom prst="bentConnector3">
-            <a:avLst>
-              <a:gd name="adj1" fmla="val 82117"/>
-            </a:avLst>
-          </a:prstGeom>
-          <a:ln>
-            <a:tailEnd type="triangle"/>
-          </a:ln>
-        </p:spPr>
-        <p:style>
-          <a:lnRef idx="1">
-            <a:schemeClr val="accent1"/>
-          </a:lnRef>
-          <a:fillRef idx="0">
-            <a:schemeClr val="accent1"/>
-          </a:fillRef>
-          <a:effectRef idx="0">
-            <a:schemeClr val="accent1"/>
-          </a:effectRef>
-          <a:fontRef idx="minor">
-            <a:schemeClr val="tx1"/>
-          </a:fontRef>
-        </p:style>
-      </p:cxnSp>
-      <p:sp>
-        <p:nvSpPr>
-          <p:cNvPr id="52" name="Textfeld 51">
-            <a:extLst>
-              <a:ext uri="{FF2B5EF4-FFF2-40B4-BE49-F238E27FC236}">
-                <a16:creationId xmlns:a16="http://schemas.microsoft.com/office/drawing/2014/main" id="{202ACADD-CAAD-42C1-A248-E9A61FFC7493}"/>
-              </a:ext>
-            </a:extLst>
-          </p:cNvPr>
-          <p:cNvSpPr txBox="1"/>
-          <p:nvPr/>
-        </p:nvSpPr>
-        <p:spPr>
-          <a:xfrm>
-            <a:off x="4885622" y="3626558"/>
-            <a:ext cx="394325" cy="276999"/>
-          </a:xfrm>
-          <a:prstGeom prst="rect">
-            <a:avLst/>
-          </a:prstGeom>
-          <a:noFill/>
-        </p:spPr>
-        <p:txBody>
-          <a:bodyPr wrap="square" rtlCol="0">
-            <a:spAutoFit/>
-          </a:bodyPr>
-          <a:lstStyle/>
-          <a:p>
-            <a:r>
-              <a:rPr lang="en-GB" sz="1200" dirty="0" err="1"/>
-              <a:t>Ja</a:t>
-            </a:r>
-            <a:endParaRPr lang="en-GB" sz="1200" dirty="0"/>
-          </a:p>
-        </p:txBody>
-      </p:sp>
-      <p:cxnSp>
-        <p:nvCxnSpPr>
-          <p:cNvPr id="85" name="Verbinder: gewinkelt 84">
-            <a:extLst>
-              <a:ext uri="{FF2B5EF4-FFF2-40B4-BE49-F238E27FC236}">
-                <a16:creationId xmlns:a16="http://schemas.microsoft.com/office/drawing/2014/main" id="{0B12BE17-40F0-4649-A0FB-C281B8352A4E}"/>
-              </a:ext>
-            </a:extLst>
-          </p:cNvPr>
-          <p:cNvCxnSpPr>
-            <a:stCxn id="46" idx="2"/>
-            <a:endCxn id="29" idx="0"/>
-          </p:cNvCxnSpPr>
-          <p:nvPr/>
-        </p:nvCxnSpPr>
-        <p:spPr>
-          <a:xfrm rot="5400000">
-            <a:off x="4882036" y="3469615"/>
-            <a:ext cx="440452" cy="2065116"/>
-          </a:xfrm>
-          <a:prstGeom prst="bentConnector3">
-            <a:avLst/>
-          </a:prstGeom>
-          <a:ln>
-            <a:tailEnd type="triangle"/>
-          </a:ln>
-        </p:spPr>
-        <p:style>
-          <a:lnRef idx="1">
-            <a:schemeClr val="accent1"/>
-          </a:lnRef>
-          <a:fillRef idx="0">
-            <a:schemeClr val="accent1"/>
-          </a:fillRef>
-          <a:effectRef idx="0">
-            <a:schemeClr val="accent1"/>
-          </a:effectRef>
-          <a:fontRef idx="minor">
-            <a:schemeClr val="tx1"/>
-          </a:fontRef>
-        </p:style>
-      </p:cxnSp>
-      <p:sp>
-        <p:nvSpPr>
-          <p:cNvPr id="86" name="Flussdiagramm: Verzweigung 85">
-            <a:extLst>
-              <a:ext uri="{FF2B5EF4-FFF2-40B4-BE49-F238E27FC236}">
-                <a16:creationId xmlns:a16="http://schemas.microsoft.com/office/drawing/2014/main" id="{BB80762A-5911-4193-B153-B0D3F78D44A0}"/>
-              </a:ext>
-            </a:extLst>
-          </p:cNvPr>
-          <p:cNvSpPr/>
-          <p:nvPr/>
-        </p:nvSpPr>
-        <p:spPr>
-          <a:xfrm>
-            <a:off x="3297640" y="5553970"/>
-            <a:ext cx="1544129" cy="906454"/>
-          </a:xfrm>
-          <a:prstGeom prst="flowChartDecision">
-            <a:avLst/>
-          </a:prstGeom>
-        </p:spPr>
-        <p:style>
-          <a:lnRef idx="2">
-            <a:schemeClr val="accent1">
-              <a:shade val="50000"/>
-            </a:schemeClr>
-          </a:lnRef>
-          <a:fillRef idx="1">
-            <a:schemeClr val="accent1"/>
-          </a:fillRef>
-          <a:effectRef idx="0">
-            <a:schemeClr val="accent1"/>
-          </a:effectRef>
-          <a:fontRef idx="minor">
-            <a:schemeClr val="lt1"/>
-          </a:fontRef>
-        </p:style>
-        <p:txBody>
-          <a:bodyPr rtlCol="0" anchor="ctr"/>
-          <a:lstStyle/>
-          <a:p>
-            <a:pPr algn="ctr"/>
-            <a:r>
-              <a:rPr lang="en-GB" sz="1200" dirty="0" err="1"/>
-              <a:t>Visu</a:t>
-            </a:r>
-            <a:r>
-              <a:rPr lang="en-GB" sz="1200" dirty="0"/>
-              <a:t> = True?</a:t>
-            </a:r>
-          </a:p>
-        </p:txBody>
-      </p:sp>
-      <p:sp>
-        <p:nvSpPr>
-          <p:cNvPr id="87" name="Textfeld 86">
-            <a:extLst>
-              <a:ext uri="{FF2B5EF4-FFF2-40B4-BE49-F238E27FC236}">
-                <a16:creationId xmlns:a16="http://schemas.microsoft.com/office/drawing/2014/main" id="{210A3E40-4740-40BF-88A7-44D92A18E295}"/>
-              </a:ext>
-            </a:extLst>
-          </p:cNvPr>
-          <p:cNvSpPr txBox="1"/>
-          <p:nvPr/>
-        </p:nvSpPr>
-        <p:spPr>
-          <a:xfrm>
-            <a:off x="3451665" y="6379557"/>
-            <a:ext cx="630066" cy="276999"/>
-          </a:xfrm>
-          <a:prstGeom prst="rect">
-            <a:avLst/>
-          </a:prstGeom>
-          <a:noFill/>
-        </p:spPr>
-        <p:txBody>
-          <a:bodyPr wrap="square" rtlCol="0">
-            <a:spAutoFit/>
-          </a:bodyPr>
-          <a:lstStyle/>
-          <a:p>
-            <a:r>
-              <a:rPr lang="en-GB" sz="1200" dirty="0" err="1"/>
-              <a:t>Nein</a:t>
-            </a:r>
-            <a:endParaRPr lang="en-GB" sz="1200" dirty="0"/>
-          </a:p>
-        </p:txBody>
-      </p:sp>
-      <p:cxnSp>
-        <p:nvCxnSpPr>
-          <p:cNvPr id="88" name="Gerade Verbindung mit Pfeil 87">
-            <a:extLst>
-              <a:ext uri="{FF2B5EF4-FFF2-40B4-BE49-F238E27FC236}">
-                <a16:creationId xmlns:a16="http://schemas.microsoft.com/office/drawing/2014/main" id="{E182C385-F761-4164-9A86-2C6B6F0DE282}"/>
-              </a:ext>
-            </a:extLst>
-          </p:cNvPr>
-          <p:cNvCxnSpPr>
-            <a:cxnSpLocks/>
-            <a:stCxn id="86" idx="3"/>
-            <a:endCxn id="89" idx="1"/>
-          </p:cNvCxnSpPr>
-          <p:nvPr/>
-        </p:nvCxnSpPr>
-        <p:spPr>
-          <a:xfrm>
-            <a:off x="4841769" y="6007197"/>
-            <a:ext cx="520987" cy="0"/>
-          </a:xfrm>
-          <a:prstGeom prst="straightConnector1">
-            <a:avLst/>
-          </a:prstGeom>
-          <a:ln>
-            <a:tailEnd type="triangle"/>
-          </a:ln>
-        </p:spPr>
-        <p:style>
-          <a:lnRef idx="1">
-            <a:schemeClr val="accent1"/>
-          </a:lnRef>
-          <a:fillRef idx="0">
-            <a:schemeClr val="accent1"/>
-          </a:fillRef>
-          <a:effectRef idx="0">
-            <a:schemeClr val="accent1"/>
-          </a:effectRef>
-          <a:fontRef idx="minor">
-            <a:schemeClr val="tx1"/>
-          </a:fontRef>
-        </p:style>
-      </p:cxnSp>
-      <p:sp>
-        <p:nvSpPr>
-          <p:cNvPr id="89" name="Flussdiagramm: Prozess 88">
-            <a:extLst>
-              <a:ext uri="{FF2B5EF4-FFF2-40B4-BE49-F238E27FC236}">
-                <a16:creationId xmlns:a16="http://schemas.microsoft.com/office/drawing/2014/main" id="{ECA18361-E1C3-4FB0-A6C4-057D3AE51B0F}"/>
-              </a:ext>
-            </a:extLst>
-          </p:cNvPr>
-          <p:cNvSpPr/>
-          <p:nvPr/>
-        </p:nvSpPr>
-        <p:spPr>
-          <a:xfrm>
-            <a:off x="5362756" y="5675079"/>
-            <a:ext cx="1544128" cy="664235"/>
-          </a:xfrm>
-          <a:prstGeom prst="flowChartProcess">
-            <a:avLst/>
-          </a:prstGeom>
-        </p:spPr>
-        <p:style>
-          <a:lnRef idx="2">
-            <a:schemeClr val="accent1">
-              <a:shade val="50000"/>
-            </a:schemeClr>
-          </a:lnRef>
-          <a:fillRef idx="1">
-            <a:schemeClr val="accent1"/>
-          </a:fillRef>
-          <a:effectRef idx="0">
-            <a:schemeClr val="accent1"/>
-          </a:effectRef>
-          <a:fontRef idx="minor">
-            <a:schemeClr val="lt1"/>
-          </a:fontRef>
-        </p:style>
-        <p:txBody>
-          <a:bodyPr rtlCol="0" anchor="ctr"/>
-          <a:lstStyle/>
-          <a:p>
-            <a:pPr algn="ctr"/>
-            <a:r>
-              <a:rPr lang="en-GB" sz="1200" dirty="0" err="1"/>
-              <a:t>Darstellung</a:t>
-            </a:r>
-            <a:r>
-              <a:rPr lang="en-GB" sz="1200" dirty="0"/>
-              <a:t> Bild</a:t>
-            </a:r>
-          </a:p>
-        </p:txBody>
-      </p:sp>
-      <p:sp>
-        <p:nvSpPr>
-          <p:cNvPr id="90" name="Textfeld 89">
-            <a:extLst>
-              <a:ext uri="{FF2B5EF4-FFF2-40B4-BE49-F238E27FC236}">
-                <a16:creationId xmlns:a16="http://schemas.microsoft.com/office/drawing/2014/main" id="{051FF1B5-EF7B-4D46-A3F9-F71947B408AA}"/>
-              </a:ext>
-            </a:extLst>
-          </p:cNvPr>
-          <p:cNvSpPr txBox="1"/>
-          <p:nvPr/>
-        </p:nvSpPr>
-        <p:spPr>
-          <a:xfrm>
-            <a:off x="4885622" y="5683925"/>
-            <a:ext cx="394325" cy="276999"/>
-          </a:xfrm>
-          <a:prstGeom prst="rect">
-            <a:avLst/>
-          </a:prstGeom>
-          <a:noFill/>
-        </p:spPr>
-        <p:txBody>
-          <a:bodyPr wrap="square" rtlCol="0">
-            <a:spAutoFit/>
-          </a:bodyPr>
-          <a:lstStyle/>
-          <a:p>
-            <a:r>
-              <a:rPr lang="en-GB" sz="1200" dirty="0" err="1"/>
-              <a:t>Ja</a:t>
-            </a:r>
-            <a:endParaRPr lang="en-GB" sz="1200" dirty="0"/>
-          </a:p>
-        </p:txBody>
-      </p:sp>
-      <p:cxnSp>
-        <p:nvCxnSpPr>
-          <p:cNvPr id="92" name="Gerade Verbindung mit Pfeil 91">
-            <a:extLst>
-              <a:ext uri="{FF2B5EF4-FFF2-40B4-BE49-F238E27FC236}">
-                <a16:creationId xmlns:a16="http://schemas.microsoft.com/office/drawing/2014/main" id="{032F6B70-B000-4864-84C2-29A39E6CBDB4}"/>
-              </a:ext>
-            </a:extLst>
-          </p:cNvPr>
-          <p:cNvCxnSpPr>
-            <a:stCxn id="29" idx="2"/>
-            <a:endCxn id="86" idx="0"/>
-          </p:cNvCxnSpPr>
-          <p:nvPr/>
-        </p:nvCxnSpPr>
-        <p:spPr>
-          <a:xfrm>
-            <a:off x="4069704" y="5386634"/>
-            <a:ext cx="1" cy="167336"/>
-          </a:xfrm>
-          <a:prstGeom prst="straightConnector1">
-            <a:avLst/>
-          </a:prstGeom>
-          <a:ln>
-            <a:tailEnd type="triangle"/>
-          </a:ln>
-        </p:spPr>
-        <p:style>
-          <a:lnRef idx="1">
-            <a:schemeClr val="accent1"/>
-          </a:lnRef>
-          <a:fillRef idx="0">
-            <a:schemeClr val="accent1"/>
-          </a:fillRef>
-          <a:effectRef idx="0">
-            <a:schemeClr val="accent1"/>
-          </a:effectRef>
-          <a:fontRef idx="minor">
-            <a:schemeClr val="tx1"/>
-          </a:fontRef>
-        </p:style>
-      </p:cxnSp>
-      <p:sp>
-        <p:nvSpPr>
-          <p:cNvPr id="95" name="Flussdiagramm: Grenzstelle 94">
-            <a:extLst>
-              <a:ext uri="{FF2B5EF4-FFF2-40B4-BE49-F238E27FC236}">
-                <a16:creationId xmlns:a16="http://schemas.microsoft.com/office/drawing/2014/main" id="{240F4981-79AA-4210-A66D-48796C26DB0F}"/>
-              </a:ext>
-            </a:extLst>
-          </p:cNvPr>
-          <p:cNvSpPr/>
-          <p:nvPr/>
-        </p:nvSpPr>
-        <p:spPr>
-          <a:xfrm>
-            <a:off x="7427871" y="5730833"/>
-            <a:ext cx="1759203" cy="552727"/>
-          </a:xfrm>
-          <a:prstGeom prst="flowChartTerminator">
-            <a:avLst/>
-          </a:prstGeom>
-        </p:spPr>
-        <p:style>
-          <a:lnRef idx="2">
-            <a:schemeClr val="accent1">
-              <a:shade val="50000"/>
-            </a:schemeClr>
-          </a:lnRef>
-          <a:fillRef idx="1">
-            <a:schemeClr val="accent1"/>
-          </a:fillRef>
-          <a:effectRef idx="0">
-            <a:schemeClr val="accent1"/>
-          </a:effectRef>
-          <a:fontRef idx="minor">
-            <a:schemeClr val="lt1"/>
-          </a:fontRef>
-        </p:style>
-        <p:txBody>
-          <a:bodyPr rtlCol="0" anchor="ctr"/>
-          <a:lstStyle/>
-          <a:p>
-            <a:pPr algn="ctr"/>
-            <a:r>
-              <a:rPr lang="en-GB" sz="1200" dirty="0"/>
-              <a:t>Return Datasets to Main-</a:t>
-            </a:r>
-            <a:r>
-              <a:rPr lang="en-GB" sz="1200" dirty="0" err="1"/>
-              <a:t>Funktion</a:t>
-            </a:r>
-            <a:endParaRPr lang="en-GB" sz="1200" dirty="0"/>
-          </a:p>
-        </p:txBody>
-      </p:sp>
-      <p:cxnSp>
-        <p:nvCxnSpPr>
-          <p:cNvPr id="97" name="Gerade Verbindung mit Pfeil 96">
-            <a:extLst>
-              <a:ext uri="{FF2B5EF4-FFF2-40B4-BE49-F238E27FC236}">
-                <a16:creationId xmlns:a16="http://schemas.microsoft.com/office/drawing/2014/main" id="{7525D6CB-1093-4A5D-A438-53DE6D37B387}"/>
-              </a:ext>
-            </a:extLst>
-          </p:cNvPr>
-          <p:cNvCxnSpPr>
-            <a:stCxn id="89" idx="3"/>
-            <a:endCxn id="95" idx="1"/>
-          </p:cNvCxnSpPr>
-          <p:nvPr/>
-        </p:nvCxnSpPr>
-        <p:spPr>
-          <a:xfrm>
-            <a:off x="6906884" y="6007197"/>
-            <a:ext cx="520987" cy="0"/>
-          </a:xfrm>
-          <a:prstGeom prst="straightConnector1">
-            <a:avLst/>
-          </a:prstGeom>
-          <a:ln>
-            <a:tailEnd type="triangle"/>
-          </a:ln>
-        </p:spPr>
-        <p:style>
-          <a:lnRef idx="1">
-            <a:schemeClr val="accent1"/>
-          </a:lnRef>
-          <a:fillRef idx="0">
-            <a:schemeClr val="accent1"/>
-          </a:fillRef>
-          <a:effectRef idx="0">
-            <a:schemeClr val="accent1"/>
-          </a:effectRef>
-          <a:fontRef idx="minor">
-            <a:schemeClr val="tx1"/>
-          </a:fontRef>
-        </p:style>
-      </p:cxnSp>
-      <p:cxnSp>
-        <p:nvCxnSpPr>
-          <p:cNvPr id="99" name="Verbinder: gewinkelt 98">
-            <a:extLst>
-              <a:ext uri="{FF2B5EF4-FFF2-40B4-BE49-F238E27FC236}">
-                <a16:creationId xmlns:a16="http://schemas.microsoft.com/office/drawing/2014/main" id="{B75671FD-4EDF-474E-99AE-5F003CD89F6E}"/>
-              </a:ext>
-            </a:extLst>
-          </p:cNvPr>
-          <p:cNvCxnSpPr>
-            <a:stCxn id="86" idx="2"/>
-            <a:endCxn id="95" idx="2"/>
-          </p:cNvCxnSpPr>
-          <p:nvPr/>
-        </p:nvCxnSpPr>
-        <p:spPr>
-          <a:xfrm rot="5400000" flipH="1" flipV="1">
-            <a:off x="6100157" y="4253108"/>
-            <a:ext cx="176864" cy="4237768"/>
-          </a:xfrm>
-          <a:prstGeom prst="bentConnector3">
-            <a:avLst>
-              <a:gd name="adj1" fmla="val -129252"/>
-            </a:avLst>
-          </a:prstGeom>
-          <a:ln>
-            <a:tailEnd type="triangle"/>
-          </a:ln>
-        </p:spPr>
-        <p:style>
-          <a:lnRef idx="1">
-            <a:schemeClr val="accent1"/>
-          </a:lnRef>
-          <a:fillRef idx="0">
-            <a:schemeClr val="accent1"/>
-          </a:fillRef>
-          <a:effectRef idx="0">
-            <a:schemeClr val="accent1"/>
-          </a:effectRef>
-          <a:fontRef idx="minor">
-            <a:schemeClr val="tx1"/>
-          </a:fontRef>
-        </p:style>
-      </p:cxnSp>
+            <a:endParaRPr lang="de-DE"/>
+          </a:p>
+        </p:txBody>
+      </p:sp>
+      <p:graphicFrame>
+        <p:nvGraphicFramePr>
+          <p:cNvPr id="15" name="Object 14"/>
+          <p:cNvGraphicFramePr>
+            <a:graphicFrameLocks noChangeAspect="1"/>
+          </p:cNvGraphicFramePr>
+          <p:nvPr>
+            <p:extLst>
+              <p:ext uri="{D42A27DB-BD31-4B8C-83A1-F6EECF244321}">
+                <p14:modId xmlns:p14="http://schemas.microsoft.com/office/powerpoint/2010/main" val="3730450084"/>
+              </p:ext>
+            </p:extLst>
+          </p:nvPr>
+        </p:nvGraphicFramePr>
+        <p:xfrm>
+          <a:off x="3724102" y="964276"/>
+          <a:ext cx="4514850" cy="4810125"/>
+        </p:xfrm>
+        <a:graphic>
+          <a:graphicData uri="http://schemas.openxmlformats.org/presentationml/2006/ole">
+            <mc:AlternateContent xmlns:mc="http://schemas.openxmlformats.org/markup-compatibility/2006">
+              <mc:Choice xmlns:v="urn:schemas-microsoft-com:vml" Requires="v">
+                <p:oleObj spid="_x0000_s1031" name="Visio" r:id="rId3" imgW="4514828" imgH="4810119" progId="Visio.Drawing.15">
+                  <p:embed/>
+                </p:oleObj>
+              </mc:Choice>
+              <mc:Fallback>
+                <p:oleObj name="Visio" r:id="rId3" imgW="4514828" imgH="4810119" progId="Visio.Drawing.15">
+                  <p:embed/>
+                  <p:pic>
+                    <p:nvPicPr>
+                      <p:cNvPr id="0" name="Object 3"/>
+                      <p:cNvPicPr>
+                        <a:picLocks noChangeAspect="1" noChangeArrowheads="1"/>
+                      </p:cNvPicPr>
+                      <p:nvPr/>
+                    </p:nvPicPr>
+                    <p:blipFill>
+                      <a:blip r:embed="rId4"/>
+                      <a:srcRect/>
+                      <a:stretch>
+                        <a:fillRect/>
+                      </a:stretch>
+                    </p:blipFill>
+                    <p:spPr bwMode="auto">
+                      <a:xfrm>
+                        <a:off x="3724102" y="964276"/>
+                        <a:ext cx="4514850" cy="4810125"/>
+                      </a:xfrm>
+                      <a:prstGeom prst="rect">
+                        <a:avLst/>
+                      </a:prstGeom>
+                      <a:noFill/>
+                      <a:extLst>
+                        <a:ext uri="{909E8E84-426E-40DD-AFC4-6F175D3DCCD1}">
+                          <a14:hiddenFill xmlns:a14="http://schemas.microsoft.com/office/drawing/2010/main">
+                            <a:solidFill>
+                              <a:srgbClr val="FFFFFF"/>
+                            </a:solidFill>
+                          </a14:hiddenFill>
+                        </a:ext>
+                      </a:extLst>
+                    </p:spPr>
+                  </p:pic>
+                </p:oleObj>
+              </mc:Fallback>
+            </mc:AlternateContent>
+          </a:graphicData>
+        </a:graphic>
+      </p:graphicFrame>
     </p:spTree>
     <p:extLst>
       <p:ext uri="{BB962C8B-B14F-4D97-AF65-F5344CB8AC3E}">
@@ -5806,1412 +4495,403 @@
       </p:grpSpPr>
       <p:sp>
         <p:nvSpPr>
-          <p:cNvPr id="2" name="Flussdiagramm: Grenzstelle 1">
-            <a:extLst>
-              <a:ext uri="{FF2B5EF4-FFF2-40B4-BE49-F238E27FC236}">
-                <a16:creationId xmlns:a16="http://schemas.microsoft.com/office/drawing/2014/main" id="{566A886B-20AA-438E-9AA7-E224F6333028}"/>
-              </a:ext>
-            </a:extLst>
-          </p:cNvPr>
-          <p:cNvSpPr/>
-          <p:nvPr/>
-        </p:nvSpPr>
-        <p:spPr>
-          <a:xfrm>
-            <a:off x="614557" y="135293"/>
-            <a:ext cx="1759203" cy="552727"/>
-          </a:xfrm>
-          <a:prstGeom prst="flowChartTerminator">
-            <a:avLst/>
-          </a:prstGeom>
-        </p:spPr>
-        <p:style>
-          <a:lnRef idx="2">
-            <a:schemeClr val="accent1">
-              <a:shade val="50000"/>
-            </a:schemeClr>
-          </a:lnRef>
-          <a:fillRef idx="1">
-            <a:schemeClr val="accent1"/>
-          </a:fillRef>
-          <a:effectRef idx="0">
-            <a:schemeClr val="accent1"/>
-          </a:effectRef>
-          <a:fontRef idx="minor">
-            <a:schemeClr val="lt1"/>
-          </a:fontRef>
-        </p:style>
-        <p:txBody>
-          <a:bodyPr rtlCol="0" anchor="ctr"/>
-          <a:lstStyle/>
-          <a:p>
-            <a:pPr algn="ctr"/>
-            <a:r>
-              <a:rPr lang="en-GB" sz="1200" dirty="0" err="1"/>
-              <a:t>Modul_b.train</a:t>
-            </a:r>
-            <a:endParaRPr lang="en-GB" sz="1200" dirty="0"/>
-          </a:p>
-        </p:txBody>
-      </p:sp>
-      <p:sp>
-        <p:nvSpPr>
-          <p:cNvPr id="3" name="Flussdiagramm: Verzweigung 2">
-            <a:extLst>
-              <a:ext uri="{FF2B5EF4-FFF2-40B4-BE49-F238E27FC236}">
-                <a16:creationId xmlns:a16="http://schemas.microsoft.com/office/drawing/2014/main" id="{AF217F05-8A4E-40CE-8583-6364CE51DF2D}"/>
-              </a:ext>
-            </a:extLst>
-          </p:cNvPr>
-          <p:cNvSpPr/>
-          <p:nvPr/>
-        </p:nvSpPr>
-        <p:spPr>
-          <a:xfrm>
-            <a:off x="579759" y="1197001"/>
-            <a:ext cx="1828799" cy="902897"/>
-          </a:xfrm>
-          <a:prstGeom prst="flowChartDecision">
-            <a:avLst/>
-          </a:prstGeom>
-        </p:spPr>
-        <p:style>
-          <a:lnRef idx="2">
-            <a:schemeClr val="accent1">
-              <a:shade val="50000"/>
-            </a:schemeClr>
-          </a:lnRef>
-          <a:fillRef idx="1">
-            <a:schemeClr val="accent1"/>
-          </a:fillRef>
-          <a:effectRef idx="0">
-            <a:schemeClr val="accent1"/>
-          </a:effectRef>
-          <a:fontRef idx="minor">
-            <a:schemeClr val="lt1"/>
-          </a:fontRef>
-        </p:style>
-        <p:txBody>
-          <a:bodyPr rtlCol="0" anchor="ctr"/>
-          <a:lstStyle/>
-          <a:p>
-            <a:pPr algn="ctr"/>
-            <a:r>
-              <a:rPr lang="en-GB" sz="1200" dirty="0"/>
-              <a:t>For </a:t>
-            </a:r>
-            <a:r>
-              <a:rPr lang="en-GB" sz="1200" dirty="0" err="1"/>
-              <a:t>i</a:t>
-            </a:r>
-            <a:r>
-              <a:rPr lang="en-GB" sz="1200" dirty="0"/>
-              <a:t> &lt; Epochs</a:t>
-            </a:r>
-          </a:p>
-        </p:txBody>
-      </p:sp>
-      <p:cxnSp>
-        <p:nvCxnSpPr>
-          <p:cNvPr id="5" name="Gerade Verbindung mit Pfeil 4">
-            <a:extLst>
-              <a:ext uri="{FF2B5EF4-FFF2-40B4-BE49-F238E27FC236}">
-                <a16:creationId xmlns:a16="http://schemas.microsoft.com/office/drawing/2014/main" id="{79639BCA-04B3-4C68-80A1-337A267ACBE6}"/>
-              </a:ext>
-            </a:extLst>
-          </p:cNvPr>
-          <p:cNvCxnSpPr>
-            <a:cxnSpLocks/>
-            <a:stCxn id="2" idx="2"/>
-            <a:endCxn id="3" idx="0"/>
-          </p:cNvCxnSpPr>
-          <p:nvPr/>
-        </p:nvCxnSpPr>
-        <p:spPr>
-          <a:xfrm>
-            <a:off x="1494159" y="688020"/>
-            <a:ext cx="0" cy="508981"/>
-          </a:xfrm>
-          <a:prstGeom prst="straightConnector1">
-            <a:avLst/>
-          </a:prstGeom>
+          <p:cNvPr id="4" name="Rectangle 2"/>
+          <p:cNvSpPr>
+            <a:spLocks noChangeArrowheads="1"/>
+          </p:cNvSpPr>
+          <p:nvPr/>
+        </p:nvSpPr>
+        <p:spPr bwMode="auto">
+          <a:xfrm>
+            <a:off x="230293" y="-85725"/>
+            <a:ext cx="12192000" cy="0"/>
+          </a:xfrm>
+          <a:prstGeom prst="rect">
+            <a:avLst/>
+          </a:prstGeom>
+          <a:noFill/>
           <a:ln>
-            <a:tailEnd type="triangle"/>
+            <a:noFill/>
           </a:ln>
-        </p:spPr>
-        <p:style>
-          <a:lnRef idx="1">
-            <a:schemeClr val="accent1"/>
-          </a:lnRef>
-          <a:fillRef idx="0">
-            <a:schemeClr val="accent1"/>
-          </a:fillRef>
-          <a:effectRef idx="0">
-            <a:schemeClr val="accent1"/>
-          </a:effectRef>
-          <a:fontRef idx="minor">
-            <a:schemeClr val="tx1"/>
-          </a:fontRef>
-        </p:style>
-      </p:cxnSp>
-      <p:sp>
-        <p:nvSpPr>
-          <p:cNvPr id="8" name="Textfeld 7">
-            <a:extLst>
-              <a:ext uri="{FF2B5EF4-FFF2-40B4-BE49-F238E27FC236}">
-                <a16:creationId xmlns:a16="http://schemas.microsoft.com/office/drawing/2014/main" id="{627FDB16-60C2-4382-AA20-44E37A2E3BC8}"/>
-              </a:ext>
-            </a:extLst>
-          </p:cNvPr>
-          <p:cNvSpPr txBox="1"/>
-          <p:nvPr/>
-        </p:nvSpPr>
-        <p:spPr>
-          <a:xfrm>
-            <a:off x="935731" y="1961397"/>
-            <a:ext cx="391566" cy="276999"/>
-          </a:xfrm>
-          <a:prstGeom prst="rect">
-            <a:avLst/>
-          </a:prstGeom>
-          <a:noFill/>
-        </p:spPr>
-        <p:txBody>
-          <a:bodyPr wrap="square" rtlCol="0">
+          <a:effectLst/>
+          <a:extLst>
+            <a:ext uri="{909E8E84-426E-40DD-AFC4-6F175D3DCCD1}">
+              <a14:hiddenFill xmlns:a14="http://schemas.microsoft.com/office/drawing/2010/main">
+                <a:solidFill>
+                  <a:schemeClr val="accent1"/>
+                </a:solidFill>
+              </a14:hiddenFill>
+            </a:ext>
+            <a:ext uri="{91240B29-F687-4F45-9708-019B960494DF}">
+              <a14:hiddenLine xmlns:a14="http://schemas.microsoft.com/office/drawing/2010/main" w="9525">
+                <a:solidFill>
+                  <a:schemeClr val="tx1"/>
+                </a:solidFill>
+                <a:miter lim="800000"/>
+                <a:headEnd/>
+                <a:tailEnd/>
+              </a14:hiddenLine>
+            </a:ext>
+            <a:ext uri="{AF507438-7753-43E0-B8FC-AC1667EBCBE1}">
+              <a14:hiddenEffects xmlns:a14="http://schemas.microsoft.com/office/drawing/2010/main">
+                <a:effectLst>
+                  <a:outerShdw dist="35921" dir="2700000" algn="ctr" rotWithShape="0">
+                    <a:schemeClr val="bg2"/>
+                  </a:outerShdw>
+                </a:effectLst>
+              </a14:hiddenEffects>
+            </a:ext>
+          </a:extLst>
+        </p:spPr>
+        <p:txBody>
+          <a:bodyPr vert="horz" wrap="none" lIns="91440" tIns="45720" rIns="91440" bIns="45720" numCol="1" anchor="ctr" anchorCtr="0" compatLnSpc="1">
+            <a:prstTxWarp prst="textNoShape">
+              <a:avLst/>
+            </a:prstTxWarp>
             <a:spAutoFit/>
           </a:bodyPr>
           <a:lstStyle/>
           <a:p>
-            <a:r>
-              <a:rPr lang="en-GB" sz="1200" dirty="0" err="1"/>
-              <a:t>Ja</a:t>
-            </a:r>
-            <a:endParaRPr lang="en-GB" sz="1200" dirty="0"/>
-          </a:p>
-        </p:txBody>
-      </p:sp>
-      <p:cxnSp>
-        <p:nvCxnSpPr>
-          <p:cNvPr id="10" name="Gerade Verbindung mit Pfeil 9">
-            <a:extLst>
-              <a:ext uri="{FF2B5EF4-FFF2-40B4-BE49-F238E27FC236}">
-                <a16:creationId xmlns:a16="http://schemas.microsoft.com/office/drawing/2014/main" id="{2701CC66-B787-4B18-B4E1-FC9A17DAEBE5}"/>
-              </a:ext>
-            </a:extLst>
-          </p:cNvPr>
-          <p:cNvCxnSpPr>
-            <a:cxnSpLocks/>
-            <a:stCxn id="3" idx="3"/>
-            <a:endCxn id="56" idx="1"/>
-          </p:cNvCxnSpPr>
-          <p:nvPr/>
-        </p:nvCxnSpPr>
-        <p:spPr>
-          <a:xfrm flipV="1">
-            <a:off x="2408558" y="1648449"/>
-            <a:ext cx="752334" cy="1"/>
-          </a:xfrm>
-          <a:prstGeom prst="straightConnector1">
-            <a:avLst/>
-          </a:prstGeom>
-          <a:ln>
-            <a:tailEnd type="triangle"/>
-          </a:ln>
-        </p:spPr>
-        <p:style>
-          <a:lnRef idx="1">
-            <a:schemeClr val="accent1"/>
-          </a:lnRef>
-          <a:fillRef idx="0">
-            <a:schemeClr val="accent1"/>
-          </a:fillRef>
-          <a:effectRef idx="0">
-            <a:schemeClr val="accent1"/>
-          </a:effectRef>
-          <a:fontRef idx="minor">
-            <a:schemeClr val="tx1"/>
-          </a:fontRef>
-        </p:style>
-      </p:cxnSp>
-      <p:sp>
-        <p:nvSpPr>
-          <p:cNvPr id="12" name="Textfeld 11">
-            <a:extLst>
-              <a:ext uri="{FF2B5EF4-FFF2-40B4-BE49-F238E27FC236}">
-                <a16:creationId xmlns:a16="http://schemas.microsoft.com/office/drawing/2014/main" id="{2E642CFB-9E70-4DED-8D33-B88BEDC11EDD}"/>
-              </a:ext>
-            </a:extLst>
-          </p:cNvPr>
-          <p:cNvSpPr txBox="1"/>
-          <p:nvPr/>
-        </p:nvSpPr>
-        <p:spPr>
-          <a:xfrm>
-            <a:off x="2408558" y="1360130"/>
-            <a:ext cx="628682" cy="276999"/>
-          </a:xfrm>
-          <a:prstGeom prst="rect">
-            <a:avLst/>
-          </a:prstGeom>
-          <a:noFill/>
-        </p:spPr>
-        <p:txBody>
-          <a:bodyPr wrap="square" rtlCol="0">
-            <a:spAutoFit/>
-          </a:bodyPr>
-          <a:lstStyle/>
-          <a:p>
-            <a:r>
-              <a:rPr lang="en-GB" sz="1200" dirty="0" err="1"/>
-              <a:t>Nein</a:t>
-            </a:r>
-            <a:endParaRPr lang="en-GB" sz="1200" dirty="0"/>
-          </a:p>
-        </p:txBody>
-      </p:sp>
-      <p:cxnSp>
-        <p:nvCxnSpPr>
-          <p:cNvPr id="6" name="Gerade Verbindung mit Pfeil 5">
-            <a:extLst>
-              <a:ext uri="{FF2B5EF4-FFF2-40B4-BE49-F238E27FC236}">
-                <a16:creationId xmlns:a16="http://schemas.microsoft.com/office/drawing/2014/main" id="{21B92450-1D57-421A-8654-676E4BD77BEA}"/>
-              </a:ext>
-            </a:extLst>
-          </p:cNvPr>
-          <p:cNvCxnSpPr>
-            <a:cxnSpLocks/>
-            <a:stCxn id="3" idx="2"/>
-            <a:endCxn id="36" idx="0"/>
-          </p:cNvCxnSpPr>
-          <p:nvPr/>
-        </p:nvCxnSpPr>
-        <p:spPr>
-          <a:xfrm>
-            <a:off x="1494159" y="2099898"/>
-            <a:ext cx="0" cy="378759"/>
-          </a:xfrm>
-          <a:prstGeom prst="straightConnector1">
-            <a:avLst/>
-          </a:prstGeom>
-          <a:ln>
-            <a:tailEnd type="triangle"/>
-          </a:ln>
-        </p:spPr>
-        <p:style>
-          <a:lnRef idx="1">
-            <a:schemeClr val="accent1"/>
-          </a:lnRef>
-          <a:fillRef idx="0">
-            <a:schemeClr val="accent1"/>
-          </a:fillRef>
-          <a:effectRef idx="0">
-            <a:schemeClr val="accent1"/>
-          </a:effectRef>
-          <a:fontRef idx="minor">
-            <a:schemeClr val="tx1"/>
-          </a:fontRef>
-        </p:style>
-      </p:cxnSp>
-      <p:sp>
-        <p:nvSpPr>
-          <p:cNvPr id="36" name="Flussdiagramm: Verzweigung 35">
-            <a:extLst>
-              <a:ext uri="{FF2B5EF4-FFF2-40B4-BE49-F238E27FC236}">
-                <a16:creationId xmlns:a16="http://schemas.microsoft.com/office/drawing/2014/main" id="{75B26531-7F1A-4867-8258-2DB15ED94D83}"/>
-              </a:ext>
-            </a:extLst>
-          </p:cNvPr>
-          <p:cNvSpPr/>
-          <p:nvPr/>
-        </p:nvSpPr>
-        <p:spPr>
-          <a:xfrm>
-            <a:off x="579759" y="2478657"/>
-            <a:ext cx="1828799" cy="902897"/>
-          </a:xfrm>
-          <a:prstGeom prst="flowChartDecision">
-            <a:avLst/>
-          </a:prstGeom>
-        </p:spPr>
-        <p:style>
-          <a:lnRef idx="2">
-            <a:schemeClr val="accent1">
-              <a:shade val="50000"/>
-            </a:schemeClr>
-          </a:lnRef>
-          <a:fillRef idx="1">
-            <a:schemeClr val="accent1"/>
-          </a:fillRef>
-          <a:effectRef idx="0">
-            <a:schemeClr val="accent1"/>
-          </a:effectRef>
-          <a:fontRef idx="minor">
-            <a:schemeClr val="lt1"/>
-          </a:fontRef>
-        </p:style>
-        <p:txBody>
-          <a:bodyPr rtlCol="0" anchor="ctr"/>
-          <a:lstStyle/>
-          <a:p>
-            <a:pPr algn="ctr"/>
-            <a:r>
-              <a:rPr lang="en-GB" sz="1200" dirty="0" err="1"/>
-              <a:t>Gewichte</a:t>
-            </a:r>
-            <a:r>
-              <a:rPr lang="en-GB" sz="1200" dirty="0"/>
-              <a:t> </a:t>
-            </a:r>
-            <a:r>
-              <a:rPr lang="en-GB" sz="1200" dirty="0" err="1"/>
-              <a:t>vorhanden</a:t>
-            </a:r>
-            <a:endParaRPr lang="en-GB" sz="1200" dirty="0"/>
-          </a:p>
-        </p:txBody>
-      </p:sp>
-      <p:sp>
-        <p:nvSpPr>
-          <p:cNvPr id="37" name="Textfeld 36">
-            <a:extLst>
-              <a:ext uri="{FF2B5EF4-FFF2-40B4-BE49-F238E27FC236}">
-                <a16:creationId xmlns:a16="http://schemas.microsoft.com/office/drawing/2014/main" id="{B6DC883C-639B-43A1-BC15-3C0D53684EB3}"/>
-              </a:ext>
-            </a:extLst>
-          </p:cNvPr>
-          <p:cNvSpPr txBox="1"/>
-          <p:nvPr/>
-        </p:nvSpPr>
-        <p:spPr>
-          <a:xfrm>
-            <a:off x="935731" y="3243053"/>
-            <a:ext cx="391566" cy="276999"/>
-          </a:xfrm>
-          <a:prstGeom prst="rect">
-            <a:avLst/>
-          </a:prstGeom>
-          <a:noFill/>
-        </p:spPr>
-        <p:txBody>
-          <a:bodyPr wrap="square" rtlCol="0">
-            <a:spAutoFit/>
-          </a:bodyPr>
-          <a:lstStyle/>
-          <a:p>
-            <a:r>
-              <a:rPr lang="en-GB" sz="1200" dirty="0" err="1"/>
-              <a:t>Ja</a:t>
-            </a:r>
-            <a:endParaRPr lang="en-GB" sz="1200" dirty="0"/>
-          </a:p>
-        </p:txBody>
-      </p:sp>
-      <p:cxnSp>
-        <p:nvCxnSpPr>
-          <p:cNvPr id="39" name="Gerade Verbindung mit Pfeil 38">
-            <a:extLst>
-              <a:ext uri="{FF2B5EF4-FFF2-40B4-BE49-F238E27FC236}">
-                <a16:creationId xmlns:a16="http://schemas.microsoft.com/office/drawing/2014/main" id="{C55F3F8C-F7AE-408C-87A3-2510215E5E90}"/>
-              </a:ext>
-            </a:extLst>
-          </p:cNvPr>
-          <p:cNvCxnSpPr>
-            <a:cxnSpLocks/>
-            <a:stCxn id="36" idx="3"/>
-            <a:endCxn id="9" idx="1"/>
-          </p:cNvCxnSpPr>
-          <p:nvPr/>
-        </p:nvCxnSpPr>
-        <p:spPr>
-          <a:xfrm flipV="1">
-            <a:off x="2408558" y="2918785"/>
-            <a:ext cx="962407" cy="11321"/>
-          </a:xfrm>
-          <a:prstGeom prst="straightConnector1">
-            <a:avLst/>
-          </a:prstGeom>
-          <a:ln>
-            <a:tailEnd type="triangle"/>
-          </a:ln>
-        </p:spPr>
-        <p:style>
-          <a:lnRef idx="1">
-            <a:schemeClr val="accent1"/>
-          </a:lnRef>
-          <a:fillRef idx="0">
-            <a:schemeClr val="accent1"/>
-          </a:fillRef>
-          <a:effectRef idx="0">
-            <a:schemeClr val="accent1"/>
-          </a:effectRef>
-          <a:fontRef idx="minor">
-            <a:schemeClr val="tx1"/>
-          </a:fontRef>
-        </p:style>
-      </p:cxnSp>
-      <p:sp>
-        <p:nvSpPr>
-          <p:cNvPr id="41" name="Textfeld 40">
-            <a:extLst>
-              <a:ext uri="{FF2B5EF4-FFF2-40B4-BE49-F238E27FC236}">
-                <a16:creationId xmlns:a16="http://schemas.microsoft.com/office/drawing/2014/main" id="{A38490C3-C530-4CF4-A40D-7F514C94F763}"/>
-              </a:ext>
-            </a:extLst>
-          </p:cNvPr>
-          <p:cNvSpPr txBox="1"/>
-          <p:nvPr/>
-        </p:nvSpPr>
-        <p:spPr>
-          <a:xfrm>
-            <a:off x="2408558" y="2641786"/>
-            <a:ext cx="628682" cy="276999"/>
-          </a:xfrm>
-          <a:prstGeom prst="rect">
-            <a:avLst/>
-          </a:prstGeom>
-          <a:noFill/>
-        </p:spPr>
-        <p:txBody>
-          <a:bodyPr wrap="square" rtlCol="0">
-            <a:spAutoFit/>
-          </a:bodyPr>
-          <a:lstStyle/>
-          <a:p>
-            <a:r>
-              <a:rPr lang="en-GB" sz="1200" dirty="0" err="1"/>
-              <a:t>Nein</a:t>
-            </a:r>
-            <a:endParaRPr lang="en-GB" sz="1200" dirty="0"/>
-          </a:p>
-        </p:txBody>
-      </p:sp>
-      <p:cxnSp>
-        <p:nvCxnSpPr>
-          <p:cNvPr id="44" name="Gerade Verbindung mit Pfeil 43">
-            <a:extLst>
-              <a:ext uri="{FF2B5EF4-FFF2-40B4-BE49-F238E27FC236}">
-                <a16:creationId xmlns:a16="http://schemas.microsoft.com/office/drawing/2014/main" id="{BBE1AB0E-A6F1-476A-9AE4-DF6E6945A8C0}"/>
-              </a:ext>
-            </a:extLst>
-          </p:cNvPr>
-          <p:cNvCxnSpPr>
-            <a:cxnSpLocks/>
-            <a:stCxn id="36" idx="2"/>
-            <a:endCxn id="47" idx="0"/>
-          </p:cNvCxnSpPr>
-          <p:nvPr/>
-        </p:nvCxnSpPr>
-        <p:spPr>
-          <a:xfrm>
-            <a:off x="1494159" y="3381554"/>
-            <a:ext cx="0" cy="400064"/>
-          </a:xfrm>
-          <a:prstGeom prst="straightConnector1">
-            <a:avLst/>
-          </a:prstGeom>
-          <a:ln>
-            <a:tailEnd type="triangle"/>
-          </a:ln>
-        </p:spPr>
-        <p:style>
-          <a:lnRef idx="1">
-            <a:schemeClr val="accent1"/>
-          </a:lnRef>
-          <a:fillRef idx="0">
-            <a:schemeClr val="accent1"/>
-          </a:fillRef>
-          <a:effectRef idx="0">
-            <a:schemeClr val="accent1"/>
-          </a:effectRef>
-          <a:fontRef idx="minor">
-            <a:schemeClr val="tx1"/>
-          </a:fontRef>
-        </p:style>
-      </p:cxnSp>
-      <p:sp>
-        <p:nvSpPr>
-          <p:cNvPr id="9" name="Flussdiagramm: Prozess 8">
-            <a:extLst>
-              <a:ext uri="{FF2B5EF4-FFF2-40B4-BE49-F238E27FC236}">
-                <a16:creationId xmlns:a16="http://schemas.microsoft.com/office/drawing/2014/main" id="{B7669596-FF7E-4E0B-A64E-C494C8D19F2A}"/>
-              </a:ext>
-            </a:extLst>
-          </p:cNvPr>
-          <p:cNvSpPr/>
-          <p:nvPr/>
-        </p:nvSpPr>
-        <p:spPr>
-          <a:xfrm>
-            <a:off x="3370965" y="2606913"/>
-            <a:ext cx="1339058" cy="623743"/>
-          </a:xfrm>
-          <a:prstGeom prst="flowChartProcess">
-            <a:avLst/>
-          </a:prstGeom>
-        </p:spPr>
-        <p:style>
-          <a:lnRef idx="2">
-            <a:schemeClr val="accent1">
-              <a:shade val="50000"/>
-            </a:schemeClr>
-          </a:lnRef>
-          <a:fillRef idx="1">
-            <a:schemeClr val="accent1"/>
-          </a:fillRef>
-          <a:effectRef idx="0">
-            <a:schemeClr val="accent1"/>
-          </a:effectRef>
-          <a:fontRef idx="minor">
-            <a:schemeClr val="lt1"/>
-          </a:fontRef>
-        </p:style>
-        <p:txBody>
-          <a:bodyPr rtlCol="0" anchor="ctr"/>
-          <a:lstStyle/>
-          <a:p>
-            <a:pPr algn="ctr"/>
-            <a:r>
-              <a:rPr lang="en-GB" sz="1200" dirty="0" err="1"/>
-              <a:t>Gewichte</a:t>
-            </a:r>
-            <a:r>
-              <a:rPr lang="en-GB" sz="1200" dirty="0"/>
-              <a:t> </a:t>
-            </a:r>
-            <a:r>
-              <a:rPr lang="en-GB" sz="1200" dirty="0" err="1"/>
-              <a:t>initialisieren</a:t>
-            </a:r>
-            <a:endParaRPr lang="en-GB" sz="1200" dirty="0"/>
-          </a:p>
-        </p:txBody>
-      </p:sp>
-      <p:sp>
-        <p:nvSpPr>
-          <p:cNvPr id="47" name="Flussdiagramm: Verzweigung 46">
-            <a:extLst>
-              <a:ext uri="{FF2B5EF4-FFF2-40B4-BE49-F238E27FC236}">
-                <a16:creationId xmlns:a16="http://schemas.microsoft.com/office/drawing/2014/main" id="{BB816EDA-EFBB-4FD9-B09F-D6D796CAF519}"/>
-              </a:ext>
-            </a:extLst>
-          </p:cNvPr>
-          <p:cNvSpPr/>
-          <p:nvPr/>
-        </p:nvSpPr>
-        <p:spPr>
-          <a:xfrm>
-            <a:off x="579759" y="3781618"/>
-            <a:ext cx="1828799" cy="902897"/>
-          </a:xfrm>
-          <a:prstGeom prst="flowChartDecision">
-            <a:avLst/>
-          </a:prstGeom>
-        </p:spPr>
-        <p:style>
-          <a:lnRef idx="2">
-            <a:schemeClr val="accent1">
-              <a:shade val="50000"/>
-            </a:schemeClr>
-          </a:lnRef>
-          <a:fillRef idx="1">
-            <a:schemeClr val="accent1"/>
-          </a:fillRef>
-          <a:effectRef idx="0">
-            <a:schemeClr val="accent1"/>
-          </a:effectRef>
-          <a:fontRef idx="minor">
-            <a:schemeClr val="lt1"/>
-          </a:fontRef>
-        </p:style>
-        <p:txBody>
-          <a:bodyPr rtlCol="0" anchor="ctr"/>
-          <a:lstStyle/>
-          <a:p>
-            <a:pPr algn="ctr"/>
-            <a:r>
-              <a:rPr lang="en-GB" sz="1200" dirty="0"/>
-              <a:t>For j &lt; </a:t>
-            </a:r>
-            <a:r>
-              <a:rPr lang="en-GB" sz="1200" dirty="0" err="1"/>
-              <a:t>Anzahl</a:t>
-            </a:r>
-            <a:r>
-              <a:rPr lang="en-GB" sz="1200" dirty="0"/>
-              <a:t> Samples</a:t>
-            </a:r>
-          </a:p>
-        </p:txBody>
-      </p:sp>
-      <p:sp>
-        <p:nvSpPr>
-          <p:cNvPr id="48" name="Textfeld 47">
-            <a:extLst>
-              <a:ext uri="{FF2B5EF4-FFF2-40B4-BE49-F238E27FC236}">
-                <a16:creationId xmlns:a16="http://schemas.microsoft.com/office/drawing/2014/main" id="{BDF2091D-94DB-4F27-A8DD-9B4AA674EB91}"/>
-              </a:ext>
-            </a:extLst>
-          </p:cNvPr>
-          <p:cNvSpPr txBox="1"/>
-          <p:nvPr/>
-        </p:nvSpPr>
-        <p:spPr>
-          <a:xfrm>
-            <a:off x="935731" y="4546014"/>
-            <a:ext cx="391566" cy="276999"/>
-          </a:xfrm>
-          <a:prstGeom prst="rect">
-            <a:avLst/>
-          </a:prstGeom>
-          <a:noFill/>
-        </p:spPr>
-        <p:txBody>
-          <a:bodyPr wrap="square" rtlCol="0">
-            <a:spAutoFit/>
-          </a:bodyPr>
-          <a:lstStyle/>
-          <a:p>
-            <a:r>
-              <a:rPr lang="en-GB" sz="1200" dirty="0" err="1"/>
-              <a:t>Ja</a:t>
-            </a:r>
-            <a:endParaRPr lang="en-GB" sz="1200" dirty="0"/>
-          </a:p>
-        </p:txBody>
-      </p:sp>
-      <p:sp>
-        <p:nvSpPr>
-          <p:cNvPr id="51" name="Textfeld 50">
-            <a:extLst>
-              <a:ext uri="{FF2B5EF4-FFF2-40B4-BE49-F238E27FC236}">
-                <a16:creationId xmlns:a16="http://schemas.microsoft.com/office/drawing/2014/main" id="{1F3FFFCD-A4E8-451B-BCCD-6A8796E33003}"/>
-              </a:ext>
-            </a:extLst>
-          </p:cNvPr>
-          <p:cNvSpPr txBox="1"/>
-          <p:nvPr/>
-        </p:nvSpPr>
-        <p:spPr>
-          <a:xfrm>
-            <a:off x="393270" y="3817569"/>
-            <a:ext cx="628682" cy="276999"/>
-          </a:xfrm>
-          <a:prstGeom prst="rect">
-            <a:avLst/>
-          </a:prstGeom>
-          <a:noFill/>
-        </p:spPr>
-        <p:txBody>
-          <a:bodyPr wrap="square" rtlCol="0">
-            <a:spAutoFit/>
-          </a:bodyPr>
-          <a:lstStyle/>
-          <a:p>
-            <a:r>
-              <a:rPr lang="en-GB" sz="1200" dirty="0" err="1"/>
-              <a:t>Nein</a:t>
-            </a:r>
-            <a:endParaRPr lang="en-GB" sz="1200" dirty="0"/>
-          </a:p>
-        </p:txBody>
-      </p:sp>
-      <p:cxnSp>
-        <p:nvCxnSpPr>
-          <p:cNvPr id="53" name="Gerade Verbindung mit Pfeil 52">
-            <a:extLst>
-              <a:ext uri="{FF2B5EF4-FFF2-40B4-BE49-F238E27FC236}">
-                <a16:creationId xmlns:a16="http://schemas.microsoft.com/office/drawing/2014/main" id="{88E7C98F-404F-466C-8923-4AB72CAB7DD7}"/>
-              </a:ext>
-            </a:extLst>
-          </p:cNvPr>
-          <p:cNvCxnSpPr>
-            <a:cxnSpLocks/>
-            <a:stCxn id="47" idx="2"/>
-            <a:endCxn id="59" idx="0"/>
-          </p:cNvCxnSpPr>
-          <p:nvPr/>
-        </p:nvCxnSpPr>
-        <p:spPr>
-          <a:xfrm flipH="1">
-            <a:off x="1494158" y="4684515"/>
-            <a:ext cx="1" cy="378759"/>
-          </a:xfrm>
-          <a:prstGeom prst="straightConnector1">
-            <a:avLst/>
-          </a:prstGeom>
-          <a:ln>
-            <a:tailEnd type="triangle"/>
-          </a:ln>
-        </p:spPr>
-        <p:style>
-          <a:lnRef idx="1">
-            <a:schemeClr val="accent1"/>
-          </a:lnRef>
-          <a:fillRef idx="0">
-            <a:schemeClr val="accent1"/>
-          </a:fillRef>
-          <a:effectRef idx="0">
-            <a:schemeClr val="accent1"/>
-          </a:effectRef>
-          <a:fontRef idx="minor">
-            <a:schemeClr val="tx1"/>
-          </a:fontRef>
-        </p:style>
-      </p:cxnSp>
-      <p:cxnSp>
-        <p:nvCxnSpPr>
-          <p:cNvPr id="15" name="Verbinder: gewinkelt 14">
-            <a:extLst>
-              <a:ext uri="{FF2B5EF4-FFF2-40B4-BE49-F238E27FC236}">
-                <a16:creationId xmlns:a16="http://schemas.microsoft.com/office/drawing/2014/main" id="{BD85F2D9-A130-49F1-A35F-7E3D403B2B97}"/>
-              </a:ext>
-            </a:extLst>
-          </p:cNvPr>
-          <p:cNvCxnSpPr>
-            <a:stCxn id="9" idx="2"/>
-            <a:endCxn id="47" idx="0"/>
-          </p:cNvCxnSpPr>
-          <p:nvPr/>
-        </p:nvCxnSpPr>
-        <p:spPr>
-          <a:xfrm rot="5400000">
-            <a:off x="2491846" y="2232970"/>
-            <a:ext cx="550962" cy="2546335"/>
-          </a:xfrm>
-          <a:prstGeom prst="bentConnector3">
-            <a:avLst/>
-          </a:prstGeom>
-          <a:ln>
-            <a:tailEnd type="triangle"/>
-          </a:ln>
-        </p:spPr>
-        <p:style>
-          <a:lnRef idx="1">
-            <a:schemeClr val="accent1"/>
-          </a:lnRef>
-          <a:fillRef idx="0">
-            <a:schemeClr val="accent1"/>
-          </a:fillRef>
-          <a:effectRef idx="0">
-            <a:schemeClr val="accent1"/>
-          </a:effectRef>
-          <a:fontRef idx="minor">
-            <a:schemeClr val="tx1"/>
-          </a:fontRef>
-        </p:style>
-      </p:cxnSp>
-      <p:cxnSp>
-        <p:nvCxnSpPr>
-          <p:cNvPr id="22" name="Verbinder: gewinkelt 21">
-            <a:extLst>
-              <a:ext uri="{FF2B5EF4-FFF2-40B4-BE49-F238E27FC236}">
-                <a16:creationId xmlns:a16="http://schemas.microsoft.com/office/drawing/2014/main" id="{BAF47ED4-7CF4-4D8F-B925-42C51FDF2334}"/>
-              </a:ext>
-            </a:extLst>
-          </p:cNvPr>
-          <p:cNvCxnSpPr>
-            <a:cxnSpLocks/>
-            <a:stCxn id="47" idx="1"/>
-            <a:endCxn id="3" idx="0"/>
-          </p:cNvCxnSpPr>
-          <p:nvPr/>
-        </p:nvCxnSpPr>
-        <p:spPr>
-          <a:xfrm rot="10800000" flipH="1">
-            <a:off x="579759" y="1197001"/>
-            <a:ext cx="914400" cy="3036066"/>
-          </a:xfrm>
-          <a:prstGeom prst="bentConnector4">
-            <a:avLst>
-              <a:gd name="adj1" fmla="val -25000"/>
-              <a:gd name="adj2" fmla="val 107529"/>
-            </a:avLst>
-          </a:prstGeom>
-          <a:ln>
-            <a:tailEnd type="triangle"/>
-          </a:ln>
-        </p:spPr>
-        <p:style>
-          <a:lnRef idx="1">
-            <a:schemeClr val="accent1"/>
-          </a:lnRef>
-          <a:fillRef idx="0">
-            <a:schemeClr val="accent1"/>
-          </a:fillRef>
-          <a:effectRef idx="0">
-            <a:schemeClr val="accent1"/>
-          </a:effectRef>
-          <a:fontRef idx="minor">
-            <a:schemeClr val="tx1"/>
-          </a:fontRef>
-        </p:style>
-      </p:cxnSp>
-      <p:sp>
-        <p:nvSpPr>
-          <p:cNvPr id="56" name="Flussdiagramm: Grenzstelle 55">
-            <a:extLst>
-              <a:ext uri="{FF2B5EF4-FFF2-40B4-BE49-F238E27FC236}">
-                <a16:creationId xmlns:a16="http://schemas.microsoft.com/office/drawing/2014/main" id="{D470A0AA-7C38-4DB4-8347-D6BEC9911549}"/>
-              </a:ext>
-            </a:extLst>
-          </p:cNvPr>
-          <p:cNvSpPr/>
-          <p:nvPr/>
-        </p:nvSpPr>
-        <p:spPr>
-          <a:xfrm>
-            <a:off x="3160892" y="1372085"/>
-            <a:ext cx="1759203" cy="552727"/>
-          </a:xfrm>
-          <a:prstGeom prst="flowChartTerminator">
-            <a:avLst/>
-          </a:prstGeom>
-        </p:spPr>
-        <p:style>
-          <a:lnRef idx="2">
-            <a:schemeClr val="accent1">
-              <a:shade val="50000"/>
-            </a:schemeClr>
-          </a:lnRef>
-          <a:fillRef idx="1">
-            <a:schemeClr val="accent1"/>
-          </a:fillRef>
-          <a:effectRef idx="0">
-            <a:schemeClr val="accent1"/>
-          </a:effectRef>
-          <a:fontRef idx="minor">
-            <a:schemeClr val="lt1"/>
-          </a:fontRef>
-        </p:style>
-        <p:txBody>
-          <a:bodyPr rtlCol="0" anchor="ctr"/>
-          <a:lstStyle/>
-          <a:p>
-            <a:pPr algn="ctr"/>
-            <a:r>
-              <a:rPr lang="en-GB" sz="1200" dirty="0"/>
-              <a:t>Training </a:t>
-            </a:r>
-            <a:r>
-              <a:rPr lang="en-GB" sz="1200" dirty="0" err="1"/>
-              <a:t>beendet</a:t>
-            </a:r>
-            <a:endParaRPr lang="en-GB" sz="1200" dirty="0"/>
-          </a:p>
-        </p:txBody>
-      </p:sp>
-      <p:sp>
-        <p:nvSpPr>
-          <p:cNvPr id="59" name="Flussdiagramm: Prozess 58">
-            <a:extLst>
-              <a:ext uri="{FF2B5EF4-FFF2-40B4-BE49-F238E27FC236}">
-                <a16:creationId xmlns:a16="http://schemas.microsoft.com/office/drawing/2014/main" id="{837C685A-F126-4D43-A06E-9FF7A5421FDC}"/>
-              </a:ext>
-            </a:extLst>
-          </p:cNvPr>
-          <p:cNvSpPr/>
-          <p:nvPr/>
-        </p:nvSpPr>
-        <p:spPr>
-          <a:xfrm>
-            <a:off x="824629" y="5063274"/>
-            <a:ext cx="1339058" cy="623743"/>
-          </a:xfrm>
-          <a:prstGeom prst="flowChartProcess">
-            <a:avLst/>
-          </a:prstGeom>
-        </p:spPr>
-        <p:style>
-          <a:lnRef idx="2">
-            <a:schemeClr val="accent1">
-              <a:shade val="50000"/>
-            </a:schemeClr>
-          </a:lnRef>
-          <a:fillRef idx="1">
-            <a:schemeClr val="accent1"/>
-          </a:fillRef>
-          <a:effectRef idx="0">
-            <a:schemeClr val="accent1"/>
-          </a:effectRef>
-          <a:fontRef idx="minor">
-            <a:schemeClr val="lt1"/>
-          </a:fontRef>
-        </p:style>
-        <p:txBody>
-          <a:bodyPr rtlCol="0" anchor="ctr"/>
-          <a:lstStyle/>
-          <a:p>
-            <a:pPr algn="ctr"/>
-            <a:r>
-              <a:rPr lang="en-GB" sz="1200" dirty="0"/>
-              <a:t>_</a:t>
-            </a:r>
-            <a:r>
-              <a:rPr lang="en-GB" sz="1200" dirty="0" err="1"/>
-              <a:t>match_category</a:t>
-            </a:r>
-            <a:r>
-              <a:rPr lang="en-GB" sz="1200" dirty="0"/>
-              <a:t>()</a:t>
-            </a:r>
-          </a:p>
-        </p:txBody>
-      </p:sp>
-      <p:sp>
-        <p:nvSpPr>
-          <p:cNvPr id="63" name="Flussdiagramm: Verzweigung 62">
-            <a:extLst>
-              <a:ext uri="{FF2B5EF4-FFF2-40B4-BE49-F238E27FC236}">
-                <a16:creationId xmlns:a16="http://schemas.microsoft.com/office/drawing/2014/main" id="{048B51EB-6980-4500-B6E4-93CEF9F8B464}"/>
-              </a:ext>
-            </a:extLst>
-          </p:cNvPr>
-          <p:cNvSpPr/>
-          <p:nvPr/>
-        </p:nvSpPr>
-        <p:spPr>
-          <a:xfrm>
-            <a:off x="2560249" y="5651190"/>
-            <a:ext cx="1828799" cy="902897"/>
-          </a:xfrm>
-          <a:prstGeom prst="flowChartDecision">
-            <a:avLst/>
-          </a:prstGeom>
-        </p:spPr>
-        <p:style>
-          <a:lnRef idx="2">
-            <a:schemeClr val="accent1">
-              <a:shade val="50000"/>
-            </a:schemeClr>
-          </a:lnRef>
-          <a:fillRef idx="1">
-            <a:schemeClr val="accent1"/>
-          </a:fillRef>
-          <a:effectRef idx="0">
-            <a:schemeClr val="accent1"/>
-          </a:effectRef>
-          <a:fontRef idx="minor">
-            <a:schemeClr val="lt1"/>
-          </a:fontRef>
-        </p:style>
-        <p:txBody>
-          <a:bodyPr rtlCol="0" anchor="ctr"/>
-          <a:lstStyle/>
-          <a:p>
-            <a:pPr algn="ctr"/>
-            <a:r>
-              <a:rPr lang="en-GB" sz="1200" dirty="0"/>
-              <a:t>Category == -1</a:t>
-            </a:r>
-          </a:p>
-        </p:txBody>
-      </p:sp>
-      <p:sp>
-        <p:nvSpPr>
-          <p:cNvPr id="64" name="Textfeld 63">
-            <a:extLst>
-              <a:ext uri="{FF2B5EF4-FFF2-40B4-BE49-F238E27FC236}">
-                <a16:creationId xmlns:a16="http://schemas.microsoft.com/office/drawing/2014/main" id="{C6DD7753-900B-47B0-B868-E307693B0506}"/>
-              </a:ext>
-            </a:extLst>
-          </p:cNvPr>
-          <p:cNvSpPr txBox="1"/>
-          <p:nvPr/>
-        </p:nvSpPr>
-        <p:spPr>
-          <a:xfrm>
-            <a:off x="4318457" y="6145292"/>
-            <a:ext cx="391566" cy="276999"/>
-          </a:xfrm>
-          <a:prstGeom prst="rect">
-            <a:avLst/>
-          </a:prstGeom>
-          <a:noFill/>
-        </p:spPr>
-        <p:txBody>
-          <a:bodyPr wrap="square" rtlCol="0">
-            <a:spAutoFit/>
-          </a:bodyPr>
-          <a:lstStyle/>
-          <a:p>
-            <a:r>
-              <a:rPr lang="en-GB" sz="1200" dirty="0" err="1"/>
-              <a:t>Ja</a:t>
-            </a:r>
-            <a:endParaRPr lang="en-GB" sz="1200" dirty="0"/>
-          </a:p>
-        </p:txBody>
-      </p:sp>
-      <p:sp>
-        <p:nvSpPr>
-          <p:cNvPr id="65" name="Textfeld 64">
-            <a:extLst>
-              <a:ext uri="{FF2B5EF4-FFF2-40B4-BE49-F238E27FC236}">
-                <a16:creationId xmlns:a16="http://schemas.microsoft.com/office/drawing/2014/main" id="{30949A1A-44D9-4844-AFB5-6A6AC96011C0}"/>
-              </a:ext>
-            </a:extLst>
-          </p:cNvPr>
-          <p:cNvSpPr txBox="1"/>
-          <p:nvPr/>
-        </p:nvSpPr>
-        <p:spPr>
-          <a:xfrm>
-            <a:off x="3853553" y="5482743"/>
-            <a:ext cx="628682" cy="276999"/>
-          </a:xfrm>
-          <a:prstGeom prst="rect">
-            <a:avLst/>
-          </a:prstGeom>
-          <a:noFill/>
-        </p:spPr>
-        <p:txBody>
-          <a:bodyPr wrap="square" rtlCol="0">
-            <a:spAutoFit/>
-          </a:bodyPr>
-          <a:lstStyle/>
-          <a:p>
-            <a:r>
-              <a:rPr lang="en-GB" sz="1200" dirty="0" err="1"/>
-              <a:t>Nein</a:t>
-            </a:r>
-            <a:endParaRPr lang="en-GB" sz="1200" dirty="0"/>
-          </a:p>
-        </p:txBody>
-      </p:sp>
-      <p:cxnSp>
-        <p:nvCxnSpPr>
-          <p:cNvPr id="34" name="Verbinder: gewinkelt 33">
-            <a:extLst>
-              <a:ext uri="{FF2B5EF4-FFF2-40B4-BE49-F238E27FC236}">
-                <a16:creationId xmlns:a16="http://schemas.microsoft.com/office/drawing/2014/main" id="{6C3D0CA0-32F7-4572-9A56-8E205B313CB6}"/>
-              </a:ext>
-            </a:extLst>
-          </p:cNvPr>
-          <p:cNvCxnSpPr>
-            <a:stCxn id="59" idx="2"/>
-            <a:endCxn id="63" idx="1"/>
-          </p:cNvCxnSpPr>
-          <p:nvPr/>
-        </p:nvCxnSpPr>
-        <p:spPr>
-          <a:xfrm rot="16200000" flipH="1">
-            <a:off x="1819392" y="5361782"/>
-            <a:ext cx="415622" cy="1066091"/>
-          </a:xfrm>
-          <a:prstGeom prst="bentConnector2">
-            <a:avLst/>
-          </a:prstGeom>
-          <a:ln>
-            <a:tailEnd type="triangle"/>
-          </a:ln>
-        </p:spPr>
-        <p:style>
-          <a:lnRef idx="1">
-            <a:schemeClr val="accent1"/>
-          </a:lnRef>
-          <a:fillRef idx="0">
-            <a:schemeClr val="accent1"/>
-          </a:fillRef>
-          <a:effectRef idx="0">
-            <a:schemeClr val="accent1"/>
-          </a:effectRef>
-          <a:fontRef idx="minor">
-            <a:schemeClr val="tx1"/>
-          </a:fontRef>
-        </p:style>
-      </p:cxnSp>
-      <p:sp>
-        <p:nvSpPr>
-          <p:cNvPr id="68" name="Flussdiagramm: Prozess 67">
-            <a:extLst>
-              <a:ext uri="{FF2B5EF4-FFF2-40B4-BE49-F238E27FC236}">
-                <a16:creationId xmlns:a16="http://schemas.microsoft.com/office/drawing/2014/main" id="{D50B5652-1944-43A7-AB34-4C1BC305D0A5}"/>
-              </a:ext>
-            </a:extLst>
-          </p:cNvPr>
-          <p:cNvSpPr/>
-          <p:nvPr/>
-        </p:nvSpPr>
-        <p:spPr>
-          <a:xfrm>
-            <a:off x="4957472" y="5790766"/>
-            <a:ext cx="1339058" cy="623743"/>
-          </a:xfrm>
-          <a:prstGeom prst="flowChartProcess">
-            <a:avLst/>
-          </a:prstGeom>
-        </p:spPr>
-        <p:style>
-          <a:lnRef idx="2">
-            <a:schemeClr val="accent1">
-              <a:shade val="50000"/>
-            </a:schemeClr>
-          </a:lnRef>
-          <a:fillRef idx="1">
-            <a:schemeClr val="accent1"/>
-          </a:fillRef>
-          <a:effectRef idx="0">
-            <a:schemeClr val="accent1"/>
-          </a:effectRef>
-          <a:fontRef idx="minor">
-            <a:schemeClr val="lt1"/>
-          </a:fontRef>
-        </p:style>
-        <p:txBody>
-          <a:bodyPr rtlCol="0" anchor="ctr"/>
-          <a:lstStyle/>
-          <a:p>
-            <a:pPr algn="ctr"/>
-            <a:r>
-              <a:rPr lang="en-GB" sz="1200" dirty="0"/>
-              <a:t>_</a:t>
-            </a:r>
-            <a:r>
-              <a:rPr lang="en-GB" sz="1200" dirty="0" err="1"/>
-              <a:t>add_category</a:t>
-            </a:r>
-            <a:r>
-              <a:rPr lang="en-GB" sz="1200" dirty="0"/>
-              <a:t>()</a:t>
-            </a:r>
-          </a:p>
-        </p:txBody>
-      </p:sp>
-      <p:cxnSp>
-        <p:nvCxnSpPr>
-          <p:cNvPr id="69" name="Gerade Verbindung mit Pfeil 68">
-            <a:extLst>
-              <a:ext uri="{FF2B5EF4-FFF2-40B4-BE49-F238E27FC236}">
-                <a16:creationId xmlns:a16="http://schemas.microsoft.com/office/drawing/2014/main" id="{9471A335-C926-4A37-A466-458EE8295C33}"/>
-              </a:ext>
-            </a:extLst>
-          </p:cNvPr>
-          <p:cNvCxnSpPr>
-            <a:cxnSpLocks/>
-            <a:stCxn id="63" idx="3"/>
-            <a:endCxn id="68" idx="1"/>
-          </p:cNvCxnSpPr>
-          <p:nvPr/>
-        </p:nvCxnSpPr>
-        <p:spPr>
-          <a:xfrm flipV="1">
-            <a:off x="4389048" y="6102638"/>
-            <a:ext cx="568424" cy="1"/>
-          </a:xfrm>
-          <a:prstGeom prst="straightConnector1">
-            <a:avLst/>
-          </a:prstGeom>
-          <a:ln>
-            <a:tailEnd type="triangle"/>
-          </a:ln>
-        </p:spPr>
-        <p:style>
-          <a:lnRef idx="1">
-            <a:schemeClr val="accent1"/>
-          </a:lnRef>
-          <a:fillRef idx="0">
-            <a:schemeClr val="accent1"/>
-          </a:fillRef>
-          <a:effectRef idx="0">
-            <a:schemeClr val="accent1"/>
-          </a:effectRef>
-          <a:fontRef idx="minor">
-            <a:schemeClr val="tx1"/>
-          </a:fontRef>
-        </p:style>
-      </p:cxnSp>
-      <p:sp>
-        <p:nvSpPr>
-          <p:cNvPr id="72" name="Flussdiagramm: Prozess 71">
-            <a:extLst>
-              <a:ext uri="{FF2B5EF4-FFF2-40B4-BE49-F238E27FC236}">
-                <a16:creationId xmlns:a16="http://schemas.microsoft.com/office/drawing/2014/main" id="{AC6117C6-D3F6-4CCC-AB71-C7EA9D6B2E01}"/>
-              </a:ext>
-            </a:extLst>
-          </p:cNvPr>
-          <p:cNvSpPr/>
-          <p:nvPr/>
-        </p:nvSpPr>
-        <p:spPr>
-          <a:xfrm>
-            <a:off x="2805119" y="4785321"/>
-            <a:ext cx="1339058" cy="623743"/>
-          </a:xfrm>
-          <a:prstGeom prst="flowChartProcess">
-            <a:avLst/>
-          </a:prstGeom>
-        </p:spPr>
-        <p:style>
-          <a:lnRef idx="2">
-            <a:schemeClr val="accent1">
-              <a:shade val="50000"/>
-            </a:schemeClr>
-          </a:lnRef>
-          <a:fillRef idx="1">
-            <a:schemeClr val="accent1"/>
-          </a:fillRef>
-          <a:effectRef idx="0">
-            <a:schemeClr val="accent1"/>
-          </a:effectRef>
-          <a:fontRef idx="minor">
-            <a:schemeClr val="lt1"/>
-          </a:fontRef>
-        </p:style>
-        <p:txBody>
-          <a:bodyPr rtlCol="0" anchor="ctr"/>
-          <a:lstStyle/>
-          <a:p>
-            <a:pPr algn="ctr"/>
-            <a:r>
-              <a:rPr lang="en-GB" sz="1200" dirty="0" err="1"/>
-              <a:t>Gewinner-Kategorie</a:t>
-            </a:r>
-            <a:r>
-              <a:rPr lang="en-GB" sz="1200" dirty="0"/>
-              <a:t> </a:t>
-            </a:r>
-            <a:r>
-              <a:rPr lang="en-GB" sz="1200" dirty="0" err="1"/>
-              <a:t>anpassen</a:t>
-            </a:r>
-            <a:endParaRPr lang="en-GB" sz="1200" dirty="0"/>
-          </a:p>
-        </p:txBody>
-      </p:sp>
-      <p:cxnSp>
-        <p:nvCxnSpPr>
-          <p:cNvPr id="57" name="Gerade Verbindung mit Pfeil 56">
-            <a:extLst>
-              <a:ext uri="{FF2B5EF4-FFF2-40B4-BE49-F238E27FC236}">
-                <a16:creationId xmlns:a16="http://schemas.microsoft.com/office/drawing/2014/main" id="{D2B3B66B-F5E1-4013-9E17-B2E266184D51}"/>
-              </a:ext>
-            </a:extLst>
-          </p:cNvPr>
-          <p:cNvCxnSpPr>
-            <a:stCxn id="63" idx="0"/>
-            <a:endCxn id="72" idx="2"/>
-          </p:cNvCxnSpPr>
-          <p:nvPr/>
-        </p:nvCxnSpPr>
-        <p:spPr>
-          <a:xfrm flipH="1" flipV="1">
-            <a:off x="3474648" y="5409064"/>
-            <a:ext cx="1" cy="242126"/>
-          </a:xfrm>
-          <a:prstGeom prst="straightConnector1">
-            <a:avLst/>
-          </a:prstGeom>
-          <a:ln>
-            <a:tailEnd type="triangle"/>
-          </a:ln>
-        </p:spPr>
-        <p:style>
-          <a:lnRef idx="1">
-            <a:schemeClr val="accent1"/>
-          </a:lnRef>
-          <a:fillRef idx="0">
-            <a:schemeClr val="accent1"/>
-          </a:fillRef>
-          <a:effectRef idx="0">
-            <a:schemeClr val="accent1"/>
-          </a:effectRef>
-          <a:fontRef idx="minor">
-            <a:schemeClr val="tx1"/>
-          </a:fontRef>
-        </p:style>
-      </p:cxnSp>
-      <p:cxnSp>
-        <p:nvCxnSpPr>
-          <p:cNvPr id="60" name="Verbinder: gewinkelt 59">
-            <a:extLst>
-              <a:ext uri="{FF2B5EF4-FFF2-40B4-BE49-F238E27FC236}">
-                <a16:creationId xmlns:a16="http://schemas.microsoft.com/office/drawing/2014/main" id="{3F41857E-882D-4BD7-9441-A650EABF2725}"/>
-              </a:ext>
-            </a:extLst>
-          </p:cNvPr>
-          <p:cNvCxnSpPr>
-            <a:stCxn id="72" idx="0"/>
-            <a:endCxn id="47" idx="0"/>
-          </p:cNvCxnSpPr>
-          <p:nvPr/>
-        </p:nvCxnSpPr>
-        <p:spPr>
-          <a:xfrm rot="16200000" flipV="1">
-            <a:off x="1982553" y="3293225"/>
-            <a:ext cx="1003703" cy="1980489"/>
-          </a:xfrm>
-          <a:prstGeom prst="bentConnector3">
-            <a:avLst>
-              <a:gd name="adj1" fmla="val 116473"/>
-            </a:avLst>
-          </a:prstGeom>
-          <a:ln>
-            <a:tailEnd type="triangle"/>
-          </a:ln>
-        </p:spPr>
-        <p:style>
-          <a:lnRef idx="1">
-            <a:schemeClr val="accent1"/>
-          </a:lnRef>
-          <a:fillRef idx="0">
-            <a:schemeClr val="accent1"/>
-          </a:fillRef>
-          <a:effectRef idx="0">
-            <a:schemeClr val="accent1"/>
-          </a:effectRef>
-          <a:fontRef idx="minor">
-            <a:schemeClr val="tx1"/>
-          </a:fontRef>
-        </p:style>
-      </p:cxnSp>
-      <p:cxnSp>
-        <p:nvCxnSpPr>
-          <p:cNvPr id="66" name="Verbinder: gewinkelt 65">
-            <a:extLst>
-              <a:ext uri="{FF2B5EF4-FFF2-40B4-BE49-F238E27FC236}">
-                <a16:creationId xmlns:a16="http://schemas.microsoft.com/office/drawing/2014/main" id="{17D9B7D2-46EB-4469-8DBF-E68EE34C4B73}"/>
-              </a:ext>
-            </a:extLst>
-          </p:cNvPr>
-          <p:cNvCxnSpPr>
-            <a:stCxn id="68" idx="0"/>
-            <a:endCxn id="47" idx="0"/>
-          </p:cNvCxnSpPr>
-          <p:nvPr/>
-        </p:nvCxnSpPr>
-        <p:spPr>
-          <a:xfrm rot="16200000" flipV="1">
-            <a:off x="2556006" y="2719771"/>
-            <a:ext cx="2009148" cy="4132842"/>
-          </a:xfrm>
-          <a:prstGeom prst="bentConnector3">
-            <a:avLst>
-              <a:gd name="adj1" fmla="val 107943"/>
-            </a:avLst>
-          </a:prstGeom>
-          <a:ln>
-            <a:tailEnd type="triangle"/>
-          </a:ln>
-        </p:spPr>
-        <p:style>
-          <a:lnRef idx="1">
-            <a:schemeClr val="accent1"/>
-          </a:lnRef>
-          <a:fillRef idx="0">
-            <a:schemeClr val="accent1"/>
-          </a:fillRef>
-          <a:effectRef idx="0">
-            <a:schemeClr val="accent1"/>
-          </a:effectRef>
-          <a:fontRef idx="minor">
-            <a:schemeClr val="tx1"/>
-          </a:fontRef>
-        </p:style>
-      </p:cxnSp>
+            <a:endParaRPr lang="de-DE"/>
+          </a:p>
+        </p:txBody>
+      </p:sp>
+      <p:graphicFrame>
+        <p:nvGraphicFramePr>
+          <p:cNvPr id="7" name="Object 6"/>
+          <p:cNvGraphicFramePr>
+            <a:graphicFrameLocks noChangeAspect="1"/>
+          </p:cNvGraphicFramePr>
+          <p:nvPr>
+            <p:extLst>
+              <p:ext uri="{D42A27DB-BD31-4B8C-83A1-F6EECF244321}">
+                <p14:modId xmlns:p14="http://schemas.microsoft.com/office/powerpoint/2010/main" val="3089993145"/>
+              </p:ext>
+            </p:extLst>
+          </p:nvPr>
+        </p:nvGraphicFramePr>
+        <p:xfrm>
+          <a:off x="230293" y="-85725"/>
+          <a:ext cx="3686175" cy="6943725"/>
+        </p:xfrm>
+        <a:graphic>
+          <a:graphicData uri="http://schemas.openxmlformats.org/presentationml/2006/ole">
+            <mc:AlternateContent xmlns:mc="http://schemas.openxmlformats.org/markup-compatibility/2006">
+              <mc:Choice xmlns:v="urn:schemas-microsoft-com:vml" Requires="v">
+                <p:oleObj spid="_x0000_s2055" name="Visio" r:id="rId3" imgW="3686186" imgH="6943897" progId="Visio.Drawing.15">
+                  <p:embed/>
+                </p:oleObj>
+              </mc:Choice>
+              <mc:Fallback>
+                <p:oleObj name="Visio" r:id="rId3" imgW="3686186" imgH="6943897" progId="Visio.Drawing.15">
+                  <p:embed/>
+                  <p:pic>
+                    <p:nvPicPr>
+                      <p:cNvPr id="0" name="Object 1"/>
+                      <p:cNvPicPr>
+                        <a:picLocks noChangeAspect="1" noChangeArrowheads="1"/>
+                      </p:cNvPicPr>
+                      <p:nvPr/>
+                    </p:nvPicPr>
+                    <p:blipFill>
+                      <a:blip r:embed="rId4">
+                        <a:extLst>
+                          <a:ext uri="{28A0092B-C50C-407E-A947-70E740481C1C}">
+                            <a14:useLocalDpi xmlns:a14="http://schemas.microsoft.com/office/drawing/2010/main" val="0"/>
+                          </a:ext>
+                        </a:extLst>
+                      </a:blip>
+                      <a:srcRect/>
+                      <a:stretch>
+                        <a:fillRect/>
+                      </a:stretch>
+                    </p:blipFill>
+                    <p:spPr bwMode="auto">
+                      <a:xfrm>
+                        <a:off x="230293" y="-85725"/>
+                        <a:ext cx="3686175" cy="6943725"/>
+                      </a:xfrm>
+                      <a:prstGeom prst="rect">
+                        <a:avLst/>
+                      </a:prstGeom>
+                      <a:noFill/>
+                      <a:extLst>
+                        <a:ext uri="{909E8E84-426E-40DD-AFC4-6F175D3DCCD1}">
+                          <a14:hiddenFill xmlns:a14="http://schemas.microsoft.com/office/drawing/2010/main">
+                            <a:solidFill>
+                              <a:srgbClr val="FFFFFF"/>
+                            </a:solidFill>
+                          </a14:hiddenFill>
+                        </a:ext>
+                      </a:extLst>
+                    </p:spPr>
+                  </p:pic>
+                </p:oleObj>
+              </mc:Fallback>
+            </mc:AlternateContent>
+          </a:graphicData>
+        </a:graphic>
+      </p:graphicFrame>
     </p:spTree>
     <p:extLst>
       <p:ext uri="{BB962C8B-B14F-4D97-AF65-F5344CB8AC3E}">
         <p14:creationId xmlns:p14="http://schemas.microsoft.com/office/powerpoint/2010/main" val="2259159987"/>
+      </p:ext>
+    </p:extLst>
+  </p:cSld>
+  <p:clrMapOvr>
+    <a:masterClrMapping/>
+  </p:clrMapOvr>
+</p:sld>
+</file>
+
+<file path=ppt/slides/slide12.xml><?xml version="1.0" encoding="utf-8"?>
+<p:sld xmlns:a="http://schemas.openxmlformats.org/drawingml/2006/main" xmlns:r="http://schemas.openxmlformats.org/officeDocument/2006/relationships" xmlns:p="http://schemas.openxmlformats.org/presentationml/2006/main">
+  <p:cSld>
+    <p:spTree>
+      <p:nvGrpSpPr>
+        <p:cNvPr id="1" name=""/>
+        <p:cNvGrpSpPr/>
+        <p:nvPr/>
+      </p:nvGrpSpPr>
+      <p:grpSpPr>
+        <a:xfrm>
+          <a:off x="0" y="0"/>
+          <a:ext cx="0" cy="0"/>
+          <a:chOff x="0" y="0"/>
+          <a:chExt cx="0" cy="0"/>
+        </a:xfrm>
+      </p:grpSpPr>
+      <p:sp>
+        <p:nvSpPr>
+          <p:cNvPr id="4" name="Rectangle 5"/>
+          <p:cNvSpPr>
+            <a:spLocks noChangeArrowheads="1"/>
+          </p:cNvSpPr>
+          <p:nvPr/>
+        </p:nvSpPr>
+        <p:spPr bwMode="auto">
+          <a:xfrm>
+            <a:off x="4741333" y="482600"/>
+            <a:ext cx="12192000" cy="0"/>
+          </a:xfrm>
+          <a:prstGeom prst="rect">
+            <a:avLst/>
+          </a:prstGeom>
+          <a:noFill/>
+          <a:ln>
+            <a:noFill/>
+          </a:ln>
+          <a:effectLst/>
+          <a:extLst>
+            <a:ext uri="{909E8E84-426E-40DD-AFC4-6F175D3DCCD1}">
+              <a14:hiddenFill xmlns:a14="http://schemas.microsoft.com/office/drawing/2010/main">
+                <a:solidFill>
+                  <a:schemeClr val="accent1"/>
+                </a:solidFill>
+              </a14:hiddenFill>
+            </a:ext>
+            <a:ext uri="{91240B29-F687-4F45-9708-019B960494DF}">
+              <a14:hiddenLine xmlns:a14="http://schemas.microsoft.com/office/drawing/2010/main" w="9525">
+                <a:solidFill>
+                  <a:schemeClr val="tx1"/>
+                </a:solidFill>
+                <a:miter lim="800000"/>
+                <a:headEnd/>
+                <a:tailEnd/>
+              </a14:hiddenLine>
+            </a:ext>
+            <a:ext uri="{AF507438-7753-43E0-B8FC-AC1667EBCBE1}">
+              <a14:hiddenEffects xmlns:a14="http://schemas.microsoft.com/office/drawing/2010/main">
+                <a:effectLst>
+                  <a:outerShdw dist="35921" dir="2700000" algn="ctr" rotWithShape="0">
+                    <a:schemeClr val="bg2"/>
+                  </a:outerShdw>
+                </a:effectLst>
+              </a14:hiddenEffects>
+            </a:ext>
+          </a:extLst>
+        </p:spPr>
+        <p:txBody>
+          <a:bodyPr vert="horz" wrap="none" lIns="91440" tIns="45720" rIns="91440" bIns="45720" numCol="1" anchor="ctr" anchorCtr="0" compatLnSpc="1">
+            <a:prstTxWarp prst="textNoShape">
+              <a:avLst/>
+            </a:prstTxWarp>
+            <a:spAutoFit/>
+          </a:bodyPr>
+          <a:lstStyle/>
+          <a:p>
+            <a:endParaRPr lang="de-DE"/>
+          </a:p>
+        </p:txBody>
+      </p:sp>
+      <p:sp>
+        <p:nvSpPr>
+          <p:cNvPr id="7" name="Rectangle 5"/>
+          <p:cNvSpPr>
+            <a:spLocks noChangeArrowheads="1"/>
+          </p:cNvSpPr>
+          <p:nvPr/>
+        </p:nvSpPr>
+        <p:spPr bwMode="auto">
+          <a:xfrm>
+            <a:off x="-389467" y="795867"/>
+            <a:ext cx="12192000" cy="0"/>
+          </a:xfrm>
+          <a:prstGeom prst="rect">
+            <a:avLst/>
+          </a:prstGeom>
+          <a:noFill/>
+          <a:ln>
+            <a:noFill/>
+          </a:ln>
+          <a:effectLst/>
+          <a:extLst>
+            <a:ext uri="{909E8E84-426E-40DD-AFC4-6F175D3DCCD1}">
+              <a14:hiddenFill xmlns:a14="http://schemas.microsoft.com/office/drawing/2010/main">
+                <a:solidFill>
+                  <a:schemeClr val="accent1"/>
+                </a:solidFill>
+              </a14:hiddenFill>
+            </a:ext>
+            <a:ext uri="{91240B29-F687-4F45-9708-019B960494DF}">
+              <a14:hiddenLine xmlns:a14="http://schemas.microsoft.com/office/drawing/2010/main" w="9525">
+                <a:solidFill>
+                  <a:schemeClr val="tx1"/>
+                </a:solidFill>
+                <a:miter lim="800000"/>
+                <a:headEnd/>
+                <a:tailEnd/>
+              </a14:hiddenLine>
+            </a:ext>
+            <a:ext uri="{AF507438-7753-43E0-B8FC-AC1667EBCBE1}">
+              <a14:hiddenEffects xmlns:a14="http://schemas.microsoft.com/office/drawing/2010/main">
+                <a:effectLst>
+                  <a:outerShdw dist="35921" dir="2700000" algn="ctr" rotWithShape="0">
+                    <a:schemeClr val="bg2"/>
+                  </a:outerShdw>
+                </a:effectLst>
+              </a14:hiddenEffects>
+            </a:ext>
+          </a:extLst>
+        </p:spPr>
+        <p:txBody>
+          <a:bodyPr vert="horz" wrap="none" lIns="91440" tIns="45720" rIns="91440" bIns="45720" numCol="1" anchor="ctr" anchorCtr="0" compatLnSpc="1">
+            <a:prstTxWarp prst="textNoShape">
+              <a:avLst/>
+            </a:prstTxWarp>
+            <a:spAutoFit/>
+          </a:bodyPr>
+          <a:lstStyle/>
+          <a:p>
+            <a:endParaRPr lang="de-DE"/>
+          </a:p>
+        </p:txBody>
+      </p:sp>
+      <p:graphicFrame>
+        <p:nvGraphicFramePr>
+          <p:cNvPr id="8" name="Object 7"/>
+          <p:cNvGraphicFramePr>
+            <a:graphicFrameLocks noChangeAspect="1"/>
+          </p:cNvGraphicFramePr>
+          <p:nvPr>
+            <p:extLst>
+              <p:ext uri="{D42A27DB-BD31-4B8C-83A1-F6EECF244321}">
+                <p14:modId xmlns:p14="http://schemas.microsoft.com/office/powerpoint/2010/main" val="3732451772"/>
+              </p:ext>
+            </p:extLst>
+          </p:nvPr>
+        </p:nvGraphicFramePr>
+        <p:xfrm>
+          <a:off x="304800" y="584201"/>
+          <a:ext cx="5753100" cy="6162675"/>
+        </p:xfrm>
+        <a:graphic>
+          <a:graphicData uri="http://schemas.openxmlformats.org/presentationml/2006/ole">
+            <mc:AlternateContent xmlns:mc="http://schemas.openxmlformats.org/markup-compatibility/2006">
+              <mc:Choice xmlns:v="urn:schemas-microsoft-com:vml" Requires="v">
+                <p:oleObj spid="_x0000_s3075" name="Visio" r:id="rId3" imgW="5819786" imgH="6229312" progId="Visio.Drawing.15">
+                  <p:embed/>
+                </p:oleObj>
+              </mc:Choice>
+              <mc:Fallback>
+                <p:oleObj name="Visio" r:id="rId3" imgW="5819786" imgH="6229312" progId="Visio.Drawing.15">
+                  <p:embed/>
+                  <p:pic>
+                    <p:nvPicPr>
+                      <p:cNvPr id="13" name="Object 12"/>
+                      <p:cNvPicPr>
+                        <a:picLocks noChangeAspect="1" noChangeArrowheads="1"/>
+                      </p:cNvPicPr>
+                      <p:nvPr/>
+                    </p:nvPicPr>
+                    <p:blipFill>
+                      <a:blip r:embed="rId4">
+                        <a:extLst>
+                          <a:ext uri="{28A0092B-C50C-407E-A947-70E740481C1C}">
+                            <a14:useLocalDpi xmlns:a14="http://schemas.microsoft.com/office/drawing/2010/main" val="0"/>
+                          </a:ext>
+                        </a:extLst>
+                      </a:blip>
+                      <a:srcRect/>
+                      <a:stretch>
+                        <a:fillRect/>
+                      </a:stretch>
+                    </p:blipFill>
+                    <p:spPr bwMode="auto">
+                      <a:xfrm>
+                        <a:off x="304800" y="584201"/>
+                        <a:ext cx="5753100" cy="6162675"/>
+                      </a:xfrm>
+                      <a:prstGeom prst="rect">
+                        <a:avLst/>
+                      </a:prstGeom>
+                      <a:noFill/>
+                      <a:extLst>
+                        <a:ext uri="{909E8E84-426E-40DD-AFC4-6F175D3DCCD1}">
+                          <a14:hiddenFill xmlns:a14="http://schemas.microsoft.com/office/drawing/2010/main">
+                            <a:solidFill>
+                              <a:srgbClr val="FFFFFF"/>
+                            </a:solidFill>
+                          </a14:hiddenFill>
+                        </a:ext>
+                      </a:extLst>
+                    </p:spPr>
+                  </p:pic>
+                </p:oleObj>
+              </mc:Fallback>
+            </mc:AlternateContent>
+          </a:graphicData>
+        </a:graphic>
+      </p:graphicFrame>
+      <p:pic>
+        <p:nvPicPr>
+          <p:cNvPr id="9" name="Picture 8"/>
+          <p:cNvPicPr>
+            <a:picLocks noChangeAspect="1"/>
+          </p:cNvPicPr>
+          <p:nvPr/>
+        </p:nvPicPr>
+        <p:blipFill>
+          <a:blip r:embed="rId5"/>
+          <a:stretch>
+            <a:fillRect/>
+          </a:stretch>
+        </p:blipFill>
+        <p:spPr>
+          <a:xfrm>
+            <a:off x="6619979" y="1330088"/>
+            <a:ext cx="3464775" cy="3019900"/>
+          </a:xfrm>
+          <a:prstGeom prst="rect">
+            <a:avLst/>
+          </a:prstGeom>
+        </p:spPr>
+      </p:pic>
+    </p:spTree>
+    <p:extLst>
+      <p:ext uri="{BB962C8B-B14F-4D97-AF65-F5344CB8AC3E}">
+        <p14:creationId xmlns:p14="http://schemas.microsoft.com/office/powerpoint/2010/main" val="4116699268"/>
       </p:ext>
     </p:extLst>
   </p:cSld>
@@ -18856,7 +16536,7 @@
       </p:grpSpPr>
       <p:pic>
         <p:nvPicPr>
-          <p:cNvPr id="11" name="Picture 10"/>
+          <p:cNvPr id="3" name="Picture 2"/>
           <p:cNvPicPr>
             <a:picLocks noChangeAspect="1"/>
           </p:cNvPicPr>
@@ -18870,8 +16550,8 @@
         </p:blipFill>
         <p:spPr>
           <a:xfrm>
-            <a:off x="3626849" y="797800"/>
-            <a:ext cx="4938301" cy="5262400"/>
+            <a:off x="4099771" y="797800"/>
+            <a:ext cx="3992457" cy="5262400"/>
           </a:xfrm>
           <a:prstGeom prst="rect">
             <a:avLst/>
